--- a/Final presentation/Smart Home system.pptx
+++ b/Final presentation/Smart Home system.pptx
@@ -4,36 +4,47 @@
   <p:sldMasterIdLst>
     <p:sldMasterId id="2147483816" r:id="rId1"/>
     <p:sldMasterId id="2147483828" r:id="rId2"/>
+    <p:sldMasterId id="2147483840" r:id="rId3"/>
   </p:sldMasterIdLst>
   <p:sldIdLst>
-    <p:sldId id="309" r:id="rId3"/>
-    <p:sldId id="310" r:id="rId4"/>
-    <p:sldId id="291" r:id="rId5"/>
-    <p:sldId id="259" r:id="rId6"/>
-    <p:sldId id="295" r:id="rId7"/>
-    <p:sldId id="296" r:id="rId8"/>
-    <p:sldId id="261" r:id="rId9"/>
-    <p:sldId id="297" r:id="rId10"/>
-    <p:sldId id="298" r:id="rId11"/>
-    <p:sldId id="263" r:id="rId12"/>
-    <p:sldId id="299" r:id="rId13"/>
-    <p:sldId id="300" r:id="rId14"/>
-    <p:sldId id="267" r:id="rId15"/>
-    <p:sldId id="301" r:id="rId16"/>
-    <p:sldId id="302" r:id="rId17"/>
-    <p:sldId id="270" r:id="rId18"/>
-    <p:sldId id="303" r:id="rId19"/>
-    <p:sldId id="304" r:id="rId20"/>
-    <p:sldId id="305" r:id="rId21"/>
-    <p:sldId id="306" r:id="rId22"/>
-    <p:sldId id="307" r:id="rId23"/>
-    <p:sldId id="308" r:id="rId24"/>
-    <p:sldId id="292" r:id="rId25"/>
-    <p:sldId id="311" r:id="rId26"/>
-    <p:sldId id="312" r:id="rId27"/>
-    <p:sldId id="313" r:id="rId28"/>
-    <p:sldId id="314" r:id="rId29"/>
-    <p:sldId id="271" r:id="rId30"/>
+    <p:sldId id="309" r:id="rId4"/>
+    <p:sldId id="310" r:id="rId5"/>
+    <p:sldId id="257" r:id="rId6"/>
+    <p:sldId id="315" r:id="rId7"/>
+    <p:sldId id="269" r:id="rId8"/>
+    <p:sldId id="316" r:id="rId9"/>
+    <p:sldId id="291" r:id="rId10"/>
+    <p:sldId id="259" r:id="rId11"/>
+    <p:sldId id="295" r:id="rId12"/>
+    <p:sldId id="296" r:id="rId13"/>
+    <p:sldId id="261" r:id="rId14"/>
+    <p:sldId id="297" r:id="rId15"/>
+    <p:sldId id="298" r:id="rId16"/>
+    <p:sldId id="263" r:id="rId17"/>
+    <p:sldId id="299" r:id="rId18"/>
+    <p:sldId id="300" r:id="rId19"/>
+    <p:sldId id="267" r:id="rId20"/>
+    <p:sldId id="301" r:id="rId21"/>
+    <p:sldId id="302" r:id="rId22"/>
+    <p:sldId id="270" r:id="rId23"/>
+    <p:sldId id="303" r:id="rId24"/>
+    <p:sldId id="304" r:id="rId25"/>
+    <p:sldId id="305" r:id="rId26"/>
+    <p:sldId id="306" r:id="rId27"/>
+    <p:sldId id="307" r:id="rId28"/>
+    <p:sldId id="308" r:id="rId29"/>
+    <p:sldId id="292" r:id="rId30"/>
+    <p:sldId id="311" r:id="rId31"/>
+    <p:sldId id="312" r:id="rId32"/>
+    <p:sldId id="313" r:id="rId33"/>
+    <p:sldId id="314" r:id="rId34"/>
+    <p:sldId id="272" r:id="rId35"/>
+    <p:sldId id="273" r:id="rId36"/>
+    <p:sldId id="274" r:id="rId37"/>
+    <p:sldId id="276" r:id="rId38"/>
+    <p:sldId id="275" r:id="rId39"/>
+    <p:sldId id="271" r:id="rId40"/>
+    <p:sldId id="317" r:id="rId41"/>
   </p:sldIdLst>
   <p:sldSz cx="12192000" cy="6858000"/>
   <p:notesSz cx="6858000" cy="9144000"/>
@@ -3500,6 +3511,1630 @@
 </p:sldLayout>
 </file>
 
+<file path=ppt/slideLayouts/slideLayout23.xml><?xml version="1.0" encoding="utf-8"?>
+<p:sldLayout xmlns:a="http://schemas.openxmlformats.org/drawingml/2006/main" xmlns:r="http://schemas.openxmlformats.org/officeDocument/2006/relationships" xmlns:p="http://schemas.openxmlformats.org/presentationml/2006/main" type="title" preserve="1">
+  <p:cSld name="Title Slide">
+    <p:spTree>
+      <p:nvGrpSpPr>
+        <p:cNvPr id="1" name=""/>
+        <p:cNvGrpSpPr/>
+        <p:nvPr/>
+      </p:nvGrpSpPr>
+      <p:grpSpPr>
+        <a:xfrm>
+          <a:off x="0" y="0"/>
+          <a:ext cx="0" cy="0"/>
+          <a:chOff x="0" y="0"/>
+          <a:chExt cx="0" cy="0"/>
+        </a:xfrm>
+      </p:grpSpPr>
+      <p:sp>
+        <p:nvSpPr>
+          <p:cNvPr id="2" name="Title 1">
+            <a:extLst>
+              <a:ext uri="{FF2B5EF4-FFF2-40B4-BE49-F238E27FC236}">
+                <a16:creationId xmlns:a16="http://schemas.microsoft.com/office/drawing/2014/main" id="{2C6810EE-3330-4552-BEEC-F1FBB86DE51D}"/>
+              </a:ext>
+            </a:extLst>
+          </p:cNvPr>
+          <p:cNvSpPr>
+            <a:spLocks noGrp="1"/>
+          </p:cNvSpPr>
+          <p:nvPr>
+            <p:ph type="ctrTitle"/>
+          </p:nvPr>
+        </p:nvSpPr>
+        <p:spPr>
+          <a:xfrm>
+            <a:off x="1524000" y="1122363"/>
+            <a:ext cx="9144000" cy="2387600"/>
+          </a:xfrm>
+        </p:spPr>
+        <p:txBody>
+          <a:bodyPr anchor="b"/>
+          <a:lstStyle>
+            <a:lvl1pPr algn="ctr">
+              <a:defRPr sz="6000"/>
+            </a:lvl1pPr>
+          </a:lstStyle>
+          <a:p>
+            <a:r>
+              <a:rPr lang="en-US"/>
+              <a:t>Click to edit Master title style</a:t>
+            </a:r>
+          </a:p>
+        </p:txBody>
+      </p:sp>
+      <p:sp>
+        <p:nvSpPr>
+          <p:cNvPr id="3" name="Subtitle 2">
+            <a:extLst>
+              <a:ext uri="{FF2B5EF4-FFF2-40B4-BE49-F238E27FC236}">
+                <a16:creationId xmlns:a16="http://schemas.microsoft.com/office/drawing/2014/main" id="{01CDE204-7FD2-4B19-90D4-9FEE2DD05BD9}"/>
+              </a:ext>
+            </a:extLst>
+          </p:cNvPr>
+          <p:cNvSpPr>
+            <a:spLocks noGrp="1"/>
+          </p:cNvSpPr>
+          <p:nvPr>
+            <p:ph type="subTitle" idx="1"/>
+          </p:nvPr>
+        </p:nvSpPr>
+        <p:spPr>
+          <a:xfrm>
+            <a:off x="1524000" y="3602038"/>
+            <a:ext cx="9144000" cy="1655762"/>
+          </a:xfrm>
+        </p:spPr>
+        <p:txBody>
+          <a:bodyPr/>
+          <a:lstStyle>
+            <a:lvl1pPr marL="0" indent="0" algn="ctr">
+              <a:buNone/>
+              <a:defRPr sz="2400"/>
+            </a:lvl1pPr>
+            <a:lvl2pPr marL="457200" indent="0" algn="ctr">
+              <a:buNone/>
+              <a:defRPr sz="2000"/>
+            </a:lvl2pPr>
+            <a:lvl3pPr marL="914400" indent="0" algn="ctr">
+              <a:buNone/>
+              <a:defRPr sz="1800"/>
+            </a:lvl3pPr>
+            <a:lvl4pPr marL="1371600" indent="0" algn="ctr">
+              <a:buNone/>
+              <a:defRPr sz="1600"/>
+            </a:lvl4pPr>
+            <a:lvl5pPr marL="1828800" indent="0" algn="ctr">
+              <a:buNone/>
+              <a:defRPr sz="1600"/>
+            </a:lvl5pPr>
+            <a:lvl6pPr marL="2286000" indent="0" algn="ctr">
+              <a:buNone/>
+              <a:defRPr sz="1600"/>
+            </a:lvl6pPr>
+            <a:lvl7pPr marL="2743200" indent="0" algn="ctr">
+              <a:buNone/>
+              <a:defRPr sz="1600"/>
+            </a:lvl7pPr>
+            <a:lvl8pPr marL="3200400" indent="0" algn="ctr">
+              <a:buNone/>
+              <a:defRPr sz="1600"/>
+            </a:lvl8pPr>
+            <a:lvl9pPr marL="3657600" indent="0" algn="ctr">
+              <a:buNone/>
+              <a:defRPr sz="1600"/>
+            </a:lvl9pPr>
+          </a:lstStyle>
+          <a:p>
+            <a:r>
+              <a:rPr lang="en-US"/>
+              <a:t>Click to edit Master subtitle style</a:t>
+            </a:r>
+          </a:p>
+        </p:txBody>
+      </p:sp>
+      <p:sp>
+        <p:nvSpPr>
+          <p:cNvPr id="4" name="Date Placeholder 3">
+            <a:extLst>
+              <a:ext uri="{FF2B5EF4-FFF2-40B4-BE49-F238E27FC236}">
+                <a16:creationId xmlns:a16="http://schemas.microsoft.com/office/drawing/2014/main" id="{F7DB6F6E-3551-4B7F-AE48-E626C6D56FBC}"/>
+              </a:ext>
+            </a:extLst>
+          </p:cNvPr>
+          <p:cNvSpPr>
+            <a:spLocks noGrp="1"/>
+          </p:cNvSpPr>
+          <p:nvPr>
+            <p:ph type="dt" sz="half" idx="10"/>
+          </p:nvPr>
+        </p:nvSpPr>
+        <p:spPr/>
+        <p:txBody>
+          <a:bodyPr/>
+          <a:lstStyle/>
+          <a:p>
+            <a:fld id="{CA64DACF-0490-4513-965E-569F8E1539D0}" type="datetimeFigureOut">
+              <a:rPr lang="en-US" smtClean="0"/>
+              <a:t>1/28/2021</a:t>
+            </a:fld>
+            <a:endParaRPr lang="en-US"/>
+          </a:p>
+        </p:txBody>
+      </p:sp>
+      <p:sp>
+        <p:nvSpPr>
+          <p:cNvPr id="5" name="Footer Placeholder 4">
+            <a:extLst>
+              <a:ext uri="{FF2B5EF4-FFF2-40B4-BE49-F238E27FC236}">
+                <a16:creationId xmlns:a16="http://schemas.microsoft.com/office/drawing/2014/main" id="{17323381-8FBF-4BBC-AD83-6B02529018F4}"/>
+              </a:ext>
+            </a:extLst>
+          </p:cNvPr>
+          <p:cNvSpPr>
+            <a:spLocks noGrp="1"/>
+          </p:cNvSpPr>
+          <p:nvPr>
+            <p:ph type="ftr" sz="quarter" idx="11"/>
+          </p:nvPr>
+        </p:nvSpPr>
+        <p:spPr/>
+        <p:txBody>
+          <a:bodyPr/>
+          <a:lstStyle/>
+          <a:p>
+            <a:endParaRPr lang="en-US"/>
+          </a:p>
+        </p:txBody>
+      </p:sp>
+      <p:sp>
+        <p:nvSpPr>
+          <p:cNvPr id="6" name="Slide Number Placeholder 5">
+            <a:extLst>
+              <a:ext uri="{FF2B5EF4-FFF2-40B4-BE49-F238E27FC236}">
+                <a16:creationId xmlns:a16="http://schemas.microsoft.com/office/drawing/2014/main" id="{2C416215-D957-4CCE-B5EF-1A540AD419DC}"/>
+              </a:ext>
+            </a:extLst>
+          </p:cNvPr>
+          <p:cNvSpPr>
+            <a:spLocks noGrp="1"/>
+          </p:cNvSpPr>
+          <p:nvPr>
+            <p:ph type="sldNum" sz="quarter" idx="12"/>
+          </p:nvPr>
+        </p:nvSpPr>
+        <p:spPr/>
+        <p:txBody>
+          <a:bodyPr/>
+          <a:lstStyle/>
+          <a:p>
+            <a:fld id="{3D6DF9B0-986F-4795-A48B-B8EE7F1E3507}" type="slidenum">
+              <a:rPr lang="en-US" smtClean="0"/>
+              <a:t>‹#›</a:t>
+            </a:fld>
+            <a:endParaRPr lang="en-US"/>
+          </a:p>
+        </p:txBody>
+      </p:sp>
+    </p:spTree>
+    <p:extLst>
+      <p:ext uri="{BB962C8B-B14F-4D97-AF65-F5344CB8AC3E}">
+        <p14:creationId xmlns:p14="http://schemas.microsoft.com/office/powerpoint/2010/main" val="2961247312"/>
+      </p:ext>
+    </p:extLst>
+  </p:cSld>
+  <p:clrMapOvr>
+    <a:masterClrMapping/>
+  </p:clrMapOvr>
+</p:sldLayout>
+</file>
+
+<file path=ppt/slideLayouts/slideLayout24.xml><?xml version="1.0" encoding="utf-8"?>
+<p:sldLayout xmlns:a="http://schemas.openxmlformats.org/drawingml/2006/main" xmlns:r="http://schemas.openxmlformats.org/officeDocument/2006/relationships" xmlns:p="http://schemas.openxmlformats.org/presentationml/2006/main" type="obj" preserve="1">
+  <p:cSld name="Title and Content">
+    <p:spTree>
+      <p:nvGrpSpPr>
+        <p:cNvPr id="1" name=""/>
+        <p:cNvGrpSpPr/>
+        <p:nvPr/>
+      </p:nvGrpSpPr>
+      <p:grpSpPr>
+        <a:xfrm>
+          <a:off x="0" y="0"/>
+          <a:ext cx="0" cy="0"/>
+          <a:chOff x="0" y="0"/>
+          <a:chExt cx="0" cy="0"/>
+        </a:xfrm>
+      </p:grpSpPr>
+      <p:sp>
+        <p:nvSpPr>
+          <p:cNvPr id="2" name="Title 1">
+            <a:extLst>
+              <a:ext uri="{FF2B5EF4-FFF2-40B4-BE49-F238E27FC236}">
+                <a16:creationId xmlns:a16="http://schemas.microsoft.com/office/drawing/2014/main" id="{A1D80DF3-F2FB-436A-A688-F0CC46EFE4FC}"/>
+              </a:ext>
+            </a:extLst>
+          </p:cNvPr>
+          <p:cNvSpPr>
+            <a:spLocks noGrp="1"/>
+          </p:cNvSpPr>
+          <p:nvPr>
+            <p:ph type="title"/>
+          </p:nvPr>
+        </p:nvSpPr>
+        <p:spPr/>
+        <p:txBody>
+          <a:bodyPr/>
+          <a:lstStyle/>
+          <a:p>
+            <a:r>
+              <a:rPr lang="en-US"/>
+              <a:t>Click to edit Master title style</a:t>
+            </a:r>
+          </a:p>
+        </p:txBody>
+      </p:sp>
+      <p:sp>
+        <p:nvSpPr>
+          <p:cNvPr id="3" name="Content Placeholder 2">
+            <a:extLst>
+              <a:ext uri="{FF2B5EF4-FFF2-40B4-BE49-F238E27FC236}">
+                <a16:creationId xmlns:a16="http://schemas.microsoft.com/office/drawing/2014/main" id="{9E9B1533-6A5B-422E-804C-CF7C39B5B090}"/>
+              </a:ext>
+            </a:extLst>
+          </p:cNvPr>
+          <p:cNvSpPr>
+            <a:spLocks noGrp="1"/>
+          </p:cNvSpPr>
+          <p:nvPr>
+            <p:ph idx="1"/>
+          </p:nvPr>
+        </p:nvSpPr>
+        <p:spPr/>
+        <p:txBody>
+          <a:bodyPr/>
+          <a:lstStyle/>
+          <a:p>
+            <a:pPr lvl="0"/>
+            <a:r>
+              <a:rPr lang="en-US"/>
+              <a:t>Click to edit Master text styles</a:t>
+            </a:r>
+          </a:p>
+          <a:p>
+            <a:pPr lvl="1"/>
+            <a:r>
+              <a:rPr lang="en-US"/>
+              <a:t>Second level</a:t>
+            </a:r>
+          </a:p>
+          <a:p>
+            <a:pPr lvl="2"/>
+            <a:r>
+              <a:rPr lang="en-US"/>
+              <a:t>Third level</a:t>
+            </a:r>
+          </a:p>
+          <a:p>
+            <a:pPr lvl="3"/>
+            <a:r>
+              <a:rPr lang="en-US"/>
+              <a:t>Fourth level</a:t>
+            </a:r>
+          </a:p>
+          <a:p>
+            <a:pPr lvl="4"/>
+            <a:r>
+              <a:rPr lang="en-US"/>
+              <a:t>Fifth level</a:t>
+            </a:r>
+          </a:p>
+        </p:txBody>
+      </p:sp>
+      <p:sp>
+        <p:nvSpPr>
+          <p:cNvPr id="4" name="Date Placeholder 3">
+            <a:extLst>
+              <a:ext uri="{FF2B5EF4-FFF2-40B4-BE49-F238E27FC236}">
+                <a16:creationId xmlns:a16="http://schemas.microsoft.com/office/drawing/2014/main" id="{EBF72E64-DE2D-4CD5-8821-57D0355FE97A}"/>
+              </a:ext>
+            </a:extLst>
+          </p:cNvPr>
+          <p:cNvSpPr>
+            <a:spLocks noGrp="1"/>
+          </p:cNvSpPr>
+          <p:nvPr>
+            <p:ph type="dt" sz="half" idx="10"/>
+          </p:nvPr>
+        </p:nvSpPr>
+        <p:spPr/>
+        <p:txBody>
+          <a:bodyPr/>
+          <a:lstStyle/>
+          <a:p>
+            <a:fld id="{CA64DACF-0490-4513-965E-569F8E1539D0}" type="datetimeFigureOut">
+              <a:rPr lang="en-US" smtClean="0"/>
+              <a:t>1/28/2021</a:t>
+            </a:fld>
+            <a:endParaRPr lang="en-US"/>
+          </a:p>
+        </p:txBody>
+      </p:sp>
+      <p:sp>
+        <p:nvSpPr>
+          <p:cNvPr id="5" name="Footer Placeholder 4">
+            <a:extLst>
+              <a:ext uri="{FF2B5EF4-FFF2-40B4-BE49-F238E27FC236}">
+                <a16:creationId xmlns:a16="http://schemas.microsoft.com/office/drawing/2014/main" id="{3F9CF93E-8BFC-43EE-A99E-DD4903345C26}"/>
+              </a:ext>
+            </a:extLst>
+          </p:cNvPr>
+          <p:cNvSpPr>
+            <a:spLocks noGrp="1"/>
+          </p:cNvSpPr>
+          <p:nvPr>
+            <p:ph type="ftr" sz="quarter" idx="11"/>
+          </p:nvPr>
+        </p:nvSpPr>
+        <p:spPr/>
+        <p:txBody>
+          <a:bodyPr/>
+          <a:lstStyle/>
+          <a:p>
+            <a:endParaRPr lang="en-US"/>
+          </a:p>
+        </p:txBody>
+      </p:sp>
+      <p:sp>
+        <p:nvSpPr>
+          <p:cNvPr id="6" name="Slide Number Placeholder 5">
+            <a:extLst>
+              <a:ext uri="{FF2B5EF4-FFF2-40B4-BE49-F238E27FC236}">
+                <a16:creationId xmlns:a16="http://schemas.microsoft.com/office/drawing/2014/main" id="{AF23E640-73D4-4263-8BA7-9807F3C1FE93}"/>
+              </a:ext>
+            </a:extLst>
+          </p:cNvPr>
+          <p:cNvSpPr>
+            <a:spLocks noGrp="1"/>
+          </p:cNvSpPr>
+          <p:nvPr>
+            <p:ph type="sldNum" sz="quarter" idx="12"/>
+          </p:nvPr>
+        </p:nvSpPr>
+        <p:spPr/>
+        <p:txBody>
+          <a:bodyPr/>
+          <a:lstStyle/>
+          <a:p>
+            <a:fld id="{3D6DF9B0-986F-4795-A48B-B8EE7F1E3507}" type="slidenum">
+              <a:rPr lang="en-US" smtClean="0"/>
+              <a:t>‹#›</a:t>
+            </a:fld>
+            <a:endParaRPr lang="en-US"/>
+          </a:p>
+        </p:txBody>
+      </p:sp>
+    </p:spTree>
+    <p:extLst>
+      <p:ext uri="{BB962C8B-B14F-4D97-AF65-F5344CB8AC3E}">
+        <p14:creationId xmlns:p14="http://schemas.microsoft.com/office/powerpoint/2010/main" val="2438750112"/>
+      </p:ext>
+    </p:extLst>
+  </p:cSld>
+  <p:clrMapOvr>
+    <a:masterClrMapping/>
+  </p:clrMapOvr>
+</p:sldLayout>
+</file>
+
+<file path=ppt/slideLayouts/slideLayout25.xml><?xml version="1.0" encoding="utf-8"?>
+<p:sldLayout xmlns:a="http://schemas.openxmlformats.org/drawingml/2006/main" xmlns:r="http://schemas.openxmlformats.org/officeDocument/2006/relationships" xmlns:p="http://schemas.openxmlformats.org/presentationml/2006/main" type="secHead" preserve="1">
+  <p:cSld name="Section Header">
+    <p:spTree>
+      <p:nvGrpSpPr>
+        <p:cNvPr id="1" name=""/>
+        <p:cNvGrpSpPr/>
+        <p:nvPr/>
+      </p:nvGrpSpPr>
+      <p:grpSpPr>
+        <a:xfrm>
+          <a:off x="0" y="0"/>
+          <a:ext cx="0" cy="0"/>
+          <a:chOff x="0" y="0"/>
+          <a:chExt cx="0" cy="0"/>
+        </a:xfrm>
+      </p:grpSpPr>
+      <p:sp>
+        <p:nvSpPr>
+          <p:cNvPr id="2" name="Title 1">
+            <a:extLst>
+              <a:ext uri="{FF2B5EF4-FFF2-40B4-BE49-F238E27FC236}">
+                <a16:creationId xmlns:a16="http://schemas.microsoft.com/office/drawing/2014/main" id="{C580698E-6C1F-4333-A59B-2544FC51D4C3}"/>
+              </a:ext>
+            </a:extLst>
+          </p:cNvPr>
+          <p:cNvSpPr>
+            <a:spLocks noGrp="1"/>
+          </p:cNvSpPr>
+          <p:nvPr>
+            <p:ph type="title"/>
+          </p:nvPr>
+        </p:nvSpPr>
+        <p:spPr>
+          <a:xfrm>
+            <a:off x="831850" y="1709738"/>
+            <a:ext cx="10515600" cy="2852737"/>
+          </a:xfrm>
+        </p:spPr>
+        <p:txBody>
+          <a:bodyPr anchor="b"/>
+          <a:lstStyle>
+            <a:lvl1pPr>
+              <a:defRPr sz="6000"/>
+            </a:lvl1pPr>
+          </a:lstStyle>
+          <a:p>
+            <a:r>
+              <a:rPr lang="en-US"/>
+              <a:t>Click to edit Master title style</a:t>
+            </a:r>
+          </a:p>
+        </p:txBody>
+      </p:sp>
+      <p:sp>
+        <p:nvSpPr>
+          <p:cNvPr id="3" name="Text Placeholder 2">
+            <a:extLst>
+              <a:ext uri="{FF2B5EF4-FFF2-40B4-BE49-F238E27FC236}">
+                <a16:creationId xmlns:a16="http://schemas.microsoft.com/office/drawing/2014/main" id="{FAF4CA12-67DD-452E-B2DA-CCE5287E00C5}"/>
+              </a:ext>
+            </a:extLst>
+          </p:cNvPr>
+          <p:cNvSpPr>
+            <a:spLocks noGrp="1"/>
+          </p:cNvSpPr>
+          <p:nvPr>
+            <p:ph type="body" idx="1"/>
+          </p:nvPr>
+        </p:nvSpPr>
+        <p:spPr>
+          <a:xfrm>
+            <a:off x="831850" y="4589463"/>
+            <a:ext cx="10515600" cy="1500187"/>
+          </a:xfrm>
+        </p:spPr>
+        <p:txBody>
+          <a:bodyPr/>
+          <a:lstStyle>
+            <a:lvl1pPr marL="0" indent="0">
+              <a:buNone/>
+              <a:defRPr sz="2400">
+                <a:solidFill>
+                  <a:schemeClr val="tx1">
+                    <a:tint val="75000"/>
+                  </a:schemeClr>
+                </a:solidFill>
+              </a:defRPr>
+            </a:lvl1pPr>
+            <a:lvl2pPr marL="457200" indent="0">
+              <a:buNone/>
+              <a:defRPr sz="2000">
+                <a:solidFill>
+                  <a:schemeClr val="tx1">
+                    <a:tint val="75000"/>
+                  </a:schemeClr>
+                </a:solidFill>
+              </a:defRPr>
+            </a:lvl2pPr>
+            <a:lvl3pPr marL="914400" indent="0">
+              <a:buNone/>
+              <a:defRPr sz="1800">
+                <a:solidFill>
+                  <a:schemeClr val="tx1">
+                    <a:tint val="75000"/>
+                  </a:schemeClr>
+                </a:solidFill>
+              </a:defRPr>
+            </a:lvl3pPr>
+            <a:lvl4pPr marL="1371600" indent="0">
+              <a:buNone/>
+              <a:defRPr sz="1600">
+                <a:solidFill>
+                  <a:schemeClr val="tx1">
+                    <a:tint val="75000"/>
+                  </a:schemeClr>
+                </a:solidFill>
+              </a:defRPr>
+            </a:lvl4pPr>
+            <a:lvl5pPr marL="1828800" indent="0">
+              <a:buNone/>
+              <a:defRPr sz="1600">
+                <a:solidFill>
+                  <a:schemeClr val="tx1">
+                    <a:tint val="75000"/>
+                  </a:schemeClr>
+                </a:solidFill>
+              </a:defRPr>
+            </a:lvl5pPr>
+            <a:lvl6pPr marL="2286000" indent="0">
+              <a:buNone/>
+              <a:defRPr sz="1600">
+                <a:solidFill>
+                  <a:schemeClr val="tx1">
+                    <a:tint val="75000"/>
+                  </a:schemeClr>
+                </a:solidFill>
+              </a:defRPr>
+            </a:lvl6pPr>
+            <a:lvl7pPr marL="2743200" indent="0">
+              <a:buNone/>
+              <a:defRPr sz="1600">
+                <a:solidFill>
+                  <a:schemeClr val="tx1">
+                    <a:tint val="75000"/>
+                  </a:schemeClr>
+                </a:solidFill>
+              </a:defRPr>
+            </a:lvl7pPr>
+            <a:lvl8pPr marL="3200400" indent="0">
+              <a:buNone/>
+              <a:defRPr sz="1600">
+                <a:solidFill>
+                  <a:schemeClr val="tx1">
+                    <a:tint val="75000"/>
+                  </a:schemeClr>
+                </a:solidFill>
+              </a:defRPr>
+            </a:lvl8pPr>
+            <a:lvl9pPr marL="3657600" indent="0">
+              <a:buNone/>
+              <a:defRPr sz="1600">
+                <a:solidFill>
+                  <a:schemeClr val="tx1">
+                    <a:tint val="75000"/>
+                  </a:schemeClr>
+                </a:solidFill>
+              </a:defRPr>
+            </a:lvl9pPr>
+          </a:lstStyle>
+          <a:p>
+            <a:pPr lvl="0"/>
+            <a:r>
+              <a:rPr lang="en-US"/>
+              <a:t>Click to edit Master text styles</a:t>
+            </a:r>
+          </a:p>
+        </p:txBody>
+      </p:sp>
+      <p:sp>
+        <p:nvSpPr>
+          <p:cNvPr id="4" name="Date Placeholder 3">
+            <a:extLst>
+              <a:ext uri="{FF2B5EF4-FFF2-40B4-BE49-F238E27FC236}">
+                <a16:creationId xmlns:a16="http://schemas.microsoft.com/office/drawing/2014/main" id="{4F8AB78C-C140-4612-8B51-D50617C977B9}"/>
+              </a:ext>
+            </a:extLst>
+          </p:cNvPr>
+          <p:cNvSpPr>
+            <a:spLocks noGrp="1"/>
+          </p:cNvSpPr>
+          <p:nvPr>
+            <p:ph type="dt" sz="half" idx="10"/>
+          </p:nvPr>
+        </p:nvSpPr>
+        <p:spPr/>
+        <p:txBody>
+          <a:bodyPr/>
+          <a:lstStyle/>
+          <a:p>
+            <a:fld id="{CA64DACF-0490-4513-965E-569F8E1539D0}" type="datetimeFigureOut">
+              <a:rPr lang="en-US" smtClean="0"/>
+              <a:t>1/28/2021</a:t>
+            </a:fld>
+            <a:endParaRPr lang="en-US"/>
+          </a:p>
+        </p:txBody>
+      </p:sp>
+      <p:sp>
+        <p:nvSpPr>
+          <p:cNvPr id="5" name="Footer Placeholder 4">
+            <a:extLst>
+              <a:ext uri="{FF2B5EF4-FFF2-40B4-BE49-F238E27FC236}">
+                <a16:creationId xmlns:a16="http://schemas.microsoft.com/office/drawing/2014/main" id="{AE123459-2AEE-4F03-880A-C73C00D4F042}"/>
+              </a:ext>
+            </a:extLst>
+          </p:cNvPr>
+          <p:cNvSpPr>
+            <a:spLocks noGrp="1"/>
+          </p:cNvSpPr>
+          <p:nvPr>
+            <p:ph type="ftr" sz="quarter" idx="11"/>
+          </p:nvPr>
+        </p:nvSpPr>
+        <p:spPr/>
+        <p:txBody>
+          <a:bodyPr/>
+          <a:lstStyle/>
+          <a:p>
+            <a:endParaRPr lang="en-US"/>
+          </a:p>
+        </p:txBody>
+      </p:sp>
+      <p:sp>
+        <p:nvSpPr>
+          <p:cNvPr id="6" name="Slide Number Placeholder 5">
+            <a:extLst>
+              <a:ext uri="{FF2B5EF4-FFF2-40B4-BE49-F238E27FC236}">
+                <a16:creationId xmlns:a16="http://schemas.microsoft.com/office/drawing/2014/main" id="{E8F8E8CC-5847-4937-826C-87471F1A2DFC}"/>
+              </a:ext>
+            </a:extLst>
+          </p:cNvPr>
+          <p:cNvSpPr>
+            <a:spLocks noGrp="1"/>
+          </p:cNvSpPr>
+          <p:nvPr>
+            <p:ph type="sldNum" sz="quarter" idx="12"/>
+          </p:nvPr>
+        </p:nvSpPr>
+        <p:spPr/>
+        <p:txBody>
+          <a:bodyPr/>
+          <a:lstStyle/>
+          <a:p>
+            <a:fld id="{3D6DF9B0-986F-4795-A48B-B8EE7F1E3507}" type="slidenum">
+              <a:rPr lang="en-US" smtClean="0"/>
+              <a:t>‹#›</a:t>
+            </a:fld>
+            <a:endParaRPr lang="en-US"/>
+          </a:p>
+        </p:txBody>
+      </p:sp>
+    </p:spTree>
+    <p:extLst>
+      <p:ext uri="{BB962C8B-B14F-4D97-AF65-F5344CB8AC3E}">
+        <p14:creationId xmlns:p14="http://schemas.microsoft.com/office/powerpoint/2010/main" val="2697259556"/>
+      </p:ext>
+    </p:extLst>
+  </p:cSld>
+  <p:clrMapOvr>
+    <a:masterClrMapping/>
+  </p:clrMapOvr>
+</p:sldLayout>
+</file>
+
+<file path=ppt/slideLayouts/slideLayout26.xml><?xml version="1.0" encoding="utf-8"?>
+<p:sldLayout xmlns:a="http://schemas.openxmlformats.org/drawingml/2006/main" xmlns:r="http://schemas.openxmlformats.org/officeDocument/2006/relationships" xmlns:p="http://schemas.openxmlformats.org/presentationml/2006/main" type="twoObj" preserve="1">
+  <p:cSld name="Two Content">
+    <p:spTree>
+      <p:nvGrpSpPr>
+        <p:cNvPr id="1" name=""/>
+        <p:cNvGrpSpPr/>
+        <p:nvPr/>
+      </p:nvGrpSpPr>
+      <p:grpSpPr>
+        <a:xfrm>
+          <a:off x="0" y="0"/>
+          <a:ext cx="0" cy="0"/>
+          <a:chOff x="0" y="0"/>
+          <a:chExt cx="0" cy="0"/>
+        </a:xfrm>
+      </p:grpSpPr>
+      <p:sp>
+        <p:nvSpPr>
+          <p:cNvPr id="2" name="Title 1">
+            <a:extLst>
+              <a:ext uri="{FF2B5EF4-FFF2-40B4-BE49-F238E27FC236}">
+                <a16:creationId xmlns:a16="http://schemas.microsoft.com/office/drawing/2014/main" id="{5717A621-7A5E-4FD1-931C-92814A47CBB8}"/>
+              </a:ext>
+            </a:extLst>
+          </p:cNvPr>
+          <p:cNvSpPr>
+            <a:spLocks noGrp="1"/>
+          </p:cNvSpPr>
+          <p:nvPr>
+            <p:ph type="title"/>
+          </p:nvPr>
+        </p:nvSpPr>
+        <p:spPr/>
+        <p:txBody>
+          <a:bodyPr/>
+          <a:lstStyle/>
+          <a:p>
+            <a:r>
+              <a:rPr lang="en-US"/>
+              <a:t>Click to edit Master title style</a:t>
+            </a:r>
+          </a:p>
+        </p:txBody>
+      </p:sp>
+      <p:sp>
+        <p:nvSpPr>
+          <p:cNvPr id="3" name="Content Placeholder 2">
+            <a:extLst>
+              <a:ext uri="{FF2B5EF4-FFF2-40B4-BE49-F238E27FC236}">
+                <a16:creationId xmlns:a16="http://schemas.microsoft.com/office/drawing/2014/main" id="{BCD97139-339A-460A-A441-F82C08A7AF04}"/>
+              </a:ext>
+            </a:extLst>
+          </p:cNvPr>
+          <p:cNvSpPr>
+            <a:spLocks noGrp="1"/>
+          </p:cNvSpPr>
+          <p:nvPr>
+            <p:ph sz="half" idx="1"/>
+          </p:nvPr>
+        </p:nvSpPr>
+        <p:spPr>
+          <a:xfrm>
+            <a:off x="838200" y="1825625"/>
+            <a:ext cx="5181600" cy="4351338"/>
+          </a:xfrm>
+        </p:spPr>
+        <p:txBody>
+          <a:bodyPr/>
+          <a:lstStyle/>
+          <a:p>
+            <a:pPr lvl="0"/>
+            <a:r>
+              <a:rPr lang="en-US"/>
+              <a:t>Click to edit Master text styles</a:t>
+            </a:r>
+          </a:p>
+          <a:p>
+            <a:pPr lvl="1"/>
+            <a:r>
+              <a:rPr lang="en-US"/>
+              <a:t>Second level</a:t>
+            </a:r>
+          </a:p>
+          <a:p>
+            <a:pPr lvl="2"/>
+            <a:r>
+              <a:rPr lang="en-US"/>
+              <a:t>Third level</a:t>
+            </a:r>
+          </a:p>
+          <a:p>
+            <a:pPr lvl="3"/>
+            <a:r>
+              <a:rPr lang="en-US"/>
+              <a:t>Fourth level</a:t>
+            </a:r>
+          </a:p>
+          <a:p>
+            <a:pPr lvl="4"/>
+            <a:r>
+              <a:rPr lang="en-US"/>
+              <a:t>Fifth level</a:t>
+            </a:r>
+          </a:p>
+        </p:txBody>
+      </p:sp>
+      <p:sp>
+        <p:nvSpPr>
+          <p:cNvPr id="4" name="Content Placeholder 3">
+            <a:extLst>
+              <a:ext uri="{FF2B5EF4-FFF2-40B4-BE49-F238E27FC236}">
+                <a16:creationId xmlns:a16="http://schemas.microsoft.com/office/drawing/2014/main" id="{444DD43B-133B-4C8C-BBAC-911E8C1C88E2}"/>
+              </a:ext>
+            </a:extLst>
+          </p:cNvPr>
+          <p:cNvSpPr>
+            <a:spLocks noGrp="1"/>
+          </p:cNvSpPr>
+          <p:nvPr>
+            <p:ph sz="half" idx="2"/>
+          </p:nvPr>
+        </p:nvSpPr>
+        <p:spPr>
+          <a:xfrm>
+            <a:off x="6172200" y="1825625"/>
+            <a:ext cx="5181600" cy="4351338"/>
+          </a:xfrm>
+        </p:spPr>
+        <p:txBody>
+          <a:bodyPr/>
+          <a:lstStyle/>
+          <a:p>
+            <a:pPr lvl="0"/>
+            <a:r>
+              <a:rPr lang="en-US"/>
+              <a:t>Click to edit Master text styles</a:t>
+            </a:r>
+          </a:p>
+          <a:p>
+            <a:pPr lvl="1"/>
+            <a:r>
+              <a:rPr lang="en-US"/>
+              <a:t>Second level</a:t>
+            </a:r>
+          </a:p>
+          <a:p>
+            <a:pPr lvl="2"/>
+            <a:r>
+              <a:rPr lang="en-US"/>
+              <a:t>Third level</a:t>
+            </a:r>
+          </a:p>
+          <a:p>
+            <a:pPr lvl="3"/>
+            <a:r>
+              <a:rPr lang="en-US"/>
+              <a:t>Fourth level</a:t>
+            </a:r>
+          </a:p>
+          <a:p>
+            <a:pPr lvl="4"/>
+            <a:r>
+              <a:rPr lang="en-US"/>
+              <a:t>Fifth level</a:t>
+            </a:r>
+          </a:p>
+        </p:txBody>
+      </p:sp>
+      <p:sp>
+        <p:nvSpPr>
+          <p:cNvPr id="5" name="Date Placeholder 4">
+            <a:extLst>
+              <a:ext uri="{FF2B5EF4-FFF2-40B4-BE49-F238E27FC236}">
+                <a16:creationId xmlns:a16="http://schemas.microsoft.com/office/drawing/2014/main" id="{E027D1E6-0D37-4CD4-8E36-6C0734BFC728}"/>
+              </a:ext>
+            </a:extLst>
+          </p:cNvPr>
+          <p:cNvSpPr>
+            <a:spLocks noGrp="1"/>
+          </p:cNvSpPr>
+          <p:nvPr>
+            <p:ph type="dt" sz="half" idx="10"/>
+          </p:nvPr>
+        </p:nvSpPr>
+        <p:spPr/>
+        <p:txBody>
+          <a:bodyPr/>
+          <a:lstStyle/>
+          <a:p>
+            <a:fld id="{CA64DACF-0490-4513-965E-569F8E1539D0}" type="datetimeFigureOut">
+              <a:rPr lang="en-US" smtClean="0"/>
+              <a:t>1/28/2021</a:t>
+            </a:fld>
+            <a:endParaRPr lang="en-US"/>
+          </a:p>
+        </p:txBody>
+      </p:sp>
+      <p:sp>
+        <p:nvSpPr>
+          <p:cNvPr id="6" name="Footer Placeholder 5">
+            <a:extLst>
+              <a:ext uri="{FF2B5EF4-FFF2-40B4-BE49-F238E27FC236}">
+                <a16:creationId xmlns:a16="http://schemas.microsoft.com/office/drawing/2014/main" id="{3CDAFCEC-95FE-420D-8669-A38DF5B8CEE5}"/>
+              </a:ext>
+            </a:extLst>
+          </p:cNvPr>
+          <p:cNvSpPr>
+            <a:spLocks noGrp="1"/>
+          </p:cNvSpPr>
+          <p:nvPr>
+            <p:ph type="ftr" sz="quarter" idx="11"/>
+          </p:nvPr>
+        </p:nvSpPr>
+        <p:spPr/>
+        <p:txBody>
+          <a:bodyPr/>
+          <a:lstStyle/>
+          <a:p>
+            <a:endParaRPr lang="en-US"/>
+          </a:p>
+        </p:txBody>
+      </p:sp>
+      <p:sp>
+        <p:nvSpPr>
+          <p:cNvPr id="7" name="Slide Number Placeholder 6">
+            <a:extLst>
+              <a:ext uri="{FF2B5EF4-FFF2-40B4-BE49-F238E27FC236}">
+                <a16:creationId xmlns:a16="http://schemas.microsoft.com/office/drawing/2014/main" id="{EFBFB8EF-8601-4C92-8866-79094961021D}"/>
+              </a:ext>
+            </a:extLst>
+          </p:cNvPr>
+          <p:cNvSpPr>
+            <a:spLocks noGrp="1"/>
+          </p:cNvSpPr>
+          <p:nvPr>
+            <p:ph type="sldNum" sz="quarter" idx="12"/>
+          </p:nvPr>
+        </p:nvSpPr>
+        <p:spPr/>
+        <p:txBody>
+          <a:bodyPr/>
+          <a:lstStyle/>
+          <a:p>
+            <a:fld id="{3D6DF9B0-986F-4795-A48B-B8EE7F1E3507}" type="slidenum">
+              <a:rPr lang="en-US" smtClean="0"/>
+              <a:t>‹#›</a:t>
+            </a:fld>
+            <a:endParaRPr lang="en-US"/>
+          </a:p>
+        </p:txBody>
+      </p:sp>
+    </p:spTree>
+    <p:extLst>
+      <p:ext uri="{BB962C8B-B14F-4D97-AF65-F5344CB8AC3E}">
+        <p14:creationId xmlns:p14="http://schemas.microsoft.com/office/powerpoint/2010/main" val="3477503843"/>
+      </p:ext>
+    </p:extLst>
+  </p:cSld>
+  <p:clrMapOvr>
+    <a:masterClrMapping/>
+  </p:clrMapOvr>
+</p:sldLayout>
+</file>
+
+<file path=ppt/slideLayouts/slideLayout27.xml><?xml version="1.0" encoding="utf-8"?>
+<p:sldLayout xmlns:a="http://schemas.openxmlformats.org/drawingml/2006/main" xmlns:r="http://schemas.openxmlformats.org/officeDocument/2006/relationships" xmlns:p="http://schemas.openxmlformats.org/presentationml/2006/main" type="twoTxTwoObj" preserve="1">
+  <p:cSld name="Comparison">
+    <p:spTree>
+      <p:nvGrpSpPr>
+        <p:cNvPr id="1" name=""/>
+        <p:cNvGrpSpPr/>
+        <p:nvPr/>
+      </p:nvGrpSpPr>
+      <p:grpSpPr>
+        <a:xfrm>
+          <a:off x="0" y="0"/>
+          <a:ext cx="0" cy="0"/>
+          <a:chOff x="0" y="0"/>
+          <a:chExt cx="0" cy="0"/>
+        </a:xfrm>
+      </p:grpSpPr>
+      <p:sp>
+        <p:nvSpPr>
+          <p:cNvPr id="2" name="Title 1">
+            <a:extLst>
+              <a:ext uri="{FF2B5EF4-FFF2-40B4-BE49-F238E27FC236}">
+                <a16:creationId xmlns:a16="http://schemas.microsoft.com/office/drawing/2014/main" id="{791C3145-6AA6-4E96-8731-0164D92749CD}"/>
+              </a:ext>
+            </a:extLst>
+          </p:cNvPr>
+          <p:cNvSpPr>
+            <a:spLocks noGrp="1"/>
+          </p:cNvSpPr>
+          <p:nvPr>
+            <p:ph type="title"/>
+          </p:nvPr>
+        </p:nvSpPr>
+        <p:spPr>
+          <a:xfrm>
+            <a:off x="839788" y="365125"/>
+            <a:ext cx="10515600" cy="1325563"/>
+          </a:xfrm>
+        </p:spPr>
+        <p:txBody>
+          <a:bodyPr/>
+          <a:lstStyle/>
+          <a:p>
+            <a:r>
+              <a:rPr lang="en-US"/>
+              <a:t>Click to edit Master title style</a:t>
+            </a:r>
+          </a:p>
+        </p:txBody>
+      </p:sp>
+      <p:sp>
+        <p:nvSpPr>
+          <p:cNvPr id="3" name="Text Placeholder 2">
+            <a:extLst>
+              <a:ext uri="{FF2B5EF4-FFF2-40B4-BE49-F238E27FC236}">
+                <a16:creationId xmlns:a16="http://schemas.microsoft.com/office/drawing/2014/main" id="{91139A85-92BC-4D55-BEF0-9949E232BB9F}"/>
+              </a:ext>
+            </a:extLst>
+          </p:cNvPr>
+          <p:cNvSpPr>
+            <a:spLocks noGrp="1"/>
+          </p:cNvSpPr>
+          <p:nvPr>
+            <p:ph type="body" idx="1"/>
+          </p:nvPr>
+        </p:nvSpPr>
+        <p:spPr>
+          <a:xfrm>
+            <a:off x="839788" y="1681163"/>
+            <a:ext cx="5157787" cy="823912"/>
+          </a:xfrm>
+        </p:spPr>
+        <p:txBody>
+          <a:bodyPr anchor="b"/>
+          <a:lstStyle>
+            <a:lvl1pPr marL="0" indent="0">
+              <a:buNone/>
+              <a:defRPr sz="2400" b="1"/>
+            </a:lvl1pPr>
+            <a:lvl2pPr marL="457200" indent="0">
+              <a:buNone/>
+              <a:defRPr sz="2000" b="1"/>
+            </a:lvl2pPr>
+            <a:lvl3pPr marL="914400" indent="0">
+              <a:buNone/>
+              <a:defRPr sz="1800" b="1"/>
+            </a:lvl3pPr>
+            <a:lvl4pPr marL="1371600" indent="0">
+              <a:buNone/>
+              <a:defRPr sz="1600" b="1"/>
+            </a:lvl4pPr>
+            <a:lvl5pPr marL="1828800" indent="0">
+              <a:buNone/>
+              <a:defRPr sz="1600" b="1"/>
+            </a:lvl5pPr>
+            <a:lvl6pPr marL="2286000" indent="0">
+              <a:buNone/>
+              <a:defRPr sz="1600" b="1"/>
+            </a:lvl6pPr>
+            <a:lvl7pPr marL="2743200" indent="0">
+              <a:buNone/>
+              <a:defRPr sz="1600" b="1"/>
+            </a:lvl7pPr>
+            <a:lvl8pPr marL="3200400" indent="0">
+              <a:buNone/>
+              <a:defRPr sz="1600" b="1"/>
+            </a:lvl8pPr>
+            <a:lvl9pPr marL="3657600" indent="0">
+              <a:buNone/>
+              <a:defRPr sz="1600" b="1"/>
+            </a:lvl9pPr>
+          </a:lstStyle>
+          <a:p>
+            <a:pPr lvl="0"/>
+            <a:r>
+              <a:rPr lang="en-US"/>
+              <a:t>Click to edit Master text styles</a:t>
+            </a:r>
+          </a:p>
+        </p:txBody>
+      </p:sp>
+      <p:sp>
+        <p:nvSpPr>
+          <p:cNvPr id="4" name="Content Placeholder 3">
+            <a:extLst>
+              <a:ext uri="{FF2B5EF4-FFF2-40B4-BE49-F238E27FC236}">
+                <a16:creationId xmlns:a16="http://schemas.microsoft.com/office/drawing/2014/main" id="{24C415DA-CE22-4412-8309-75715FD09CA9}"/>
+              </a:ext>
+            </a:extLst>
+          </p:cNvPr>
+          <p:cNvSpPr>
+            <a:spLocks noGrp="1"/>
+          </p:cNvSpPr>
+          <p:nvPr>
+            <p:ph sz="half" idx="2"/>
+          </p:nvPr>
+        </p:nvSpPr>
+        <p:spPr>
+          <a:xfrm>
+            <a:off x="839788" y="2505075"/>
+            <a:ext cx="5157787" cy="3684588"/>
+          </a:xfrm>
+        </p:spPr>
+        <p:txBody>
+          <a:bodyPr/>
+          <a:lstStyle/>
+          <a:p>
+            <a:pPr lvl="0"/>
+            <a:r>
+              <a:rPr lang="en-US"/>
+              <a:t>Click to edit Master text styles</a:t>
+            </a:r>
+          </a:p>
+          <a:p>
+            <a:pPr lvl="1"/>
+            <a:r>
+              <a:rPr lang="en-US"/>
+              <a:t>Second level</a:t>
+            </a:r>
+          </a:p>
+          <a:p>
+            <a:pPr lvl="2"/>
+            <a:r>
+              <a:rPr lang="en-US"/>
+              <a:t>Third level</a:t>
+            </a:r>
+          </a:p>
+          <a:p>
+            <a:pPr lvl="3"/>
+            <a:r>
+              <a:rPr lang="en-US"/>
+              <a:t>Fourth level</a:t>
+            </a:r>
+          </a:p>
+          <a:p>
+            <a:pPr lvl="4"/>
+            <a:r>
+              <a:rPr lang="en-US"/>
+              <a:t>Fifth level</a:t>
+            </a:r>
+          </a:p>
+        </p:txBody>
+      </p:sp>
+      <p:sp>
+        <p:nvSpPr>
+          <p:cNvPr id="5" name="Text Placeholder 4">
+            <a:extLst>
+              <a:ext uri="{FF2B5EF4-FFF2-40B4-BE49-F238E27FC236}">
+                <a16:creationId xmlns:a16="http://schemas.microsoft.com/office/drawing/2014/main" id="{A480EA30-296A-4965-A657-D469DC733E31}"/>
+              </a:ext>
+            </a:extLst>
+          </p:cNvPr>
+          <p:cNvSpPr>
+            <a:spLocks noGrp="1"/>
+          </p:cNvSpPr>
+          <p:nvPr>
+            <p:ph type="body" sz="quarter" idx="3"/>
+          </p:nvPr>
+        </p:nvSpPr>
+        <p:spPr>
+          <a:xfrm>
+            <a:off x="6172200" y="1681163"/>
+            <a:ext cx="5183188" cy="823912"/>
+          </a:xfrm>
+        </p:spPr>
+        <p:txBody>
+          <a:bodyPr anchor="b"/>
+          <a:lstStyle>
+            <a:lvl1pPr marL="0" indent="0">
+              <a:buNone/>
+              <a:defRPr sz="2400" b="1"/>
+            </a:lvl1pPr>
+            <a:lvl2pPr marL="457200" indent="0">
+              <a:buNone/>
+              <a:defRPr sz="2000" b="1"/>
+            </a:lvl2pPr>
+            <a:lvl3pPr marL="914400" indent="0">
+              <a:buNone/>
+              <a:defRPr sz="1800" b="1"/>
+            </a:lvl3pPr>
+            <a:lvl4pPr marL="1371600" indent="0">
+              <a:buNone/>
+              <a:defRPr sz="1600" b="1"/>
+            </a:lvl4pPr>
+            <a:lvl5pPr marL="1828800" indent="0">
+              <a:buNone/>
+              <a:defRPr sz="1600" b="1"/>
+            </a:lvl5pPr>
+            <a:lvl6pPr marL="2286000" indent="0">
+              <a:buNone/>
+              <a:defRPr sz="1600" b="1"/>
+            </a:lvl6pPr>
+            <a:lvl7pPr marL="2743200" indent="0">
+              <a:buNone/>
+              <a:defRPr sz="1600" b="1"/>
+            </a:lvl7pPr>
+            <a:lvl8pPr marL="3200400" indent="0">
+              <a:buNone/>
+              <a:defRPr sz="1600" b="1"/>
+            </a:lvl8pPr>
+            <a:lvl9pPr marL="3657600" indent="0">
+              <a:buNone/>
+              <a:defRPr sz="1600" b="1"/>
+            </a:lvl9pPr>
+          </a:lstStyle>
+          <a:p>
+            <a:pPr lvl="0"/>
+            <a:r>
+              <a:rPr lang="en-US"/>
+              <a:t>Click to edit Master text styles</a:t>
+            </a:r>
+          </a:p>
+        </p:txBody>
+      </p:sp>
+      <p:sp>
+        <p:nvSpPr>
+          <p:cNvPr id="6" name="Content Placeholder 5">
+            <a:extLst>
+              <a:ext uri="{FF2B5EF4-FFF2-40B4-BE49-F238E27FC236}">
+                <a16:creationId xmlns:a16="http://schemas.microsoft.com/office/drawing/2014/main" id="{FFF95015-3606-4590-862A-1E822E06434D}"/>
+              </a:ext>
+            </a:extLst>
+          </p:cNvPr>
+          <p:cNvSpPr>
+            <a:spLocks noGrp="1"/>
+          </p:cNvSpPr>
+          <p:nvPr>
+            <p:ph sz="quarter" idx="4"/>
+          </p:nvPr>
+        </p:nvSpPr>
+        <p:spPr>
+          <a:xfrm>
+            <a:off x="6172200" y="2505075"/>
+            <a:ext cx="5183188" cy="3684588"/>
+          </a:xfrm>
+        </p:spPr>
+        <p:txBody>
+          <a:bodyPr/>
+          <a:lstStyle/>
+          <a:p>
+            <a:pPr lvl="0"/>
+            <a:r>
+              <a:rPr lang="en-US"/>
+              <a:t>Click to edit Master text styles</a:t>
+            </a:r>
+          </a:p>
+          <a:p>
+            <a:pPr lvl="1"/>
+            <a:r>
+              <a:rPr lang="en-US"/>
+              <a:t>Second level</a:t>
+            </a:r>
+          </a:p>
+          <a:p>
+            <a:pPr lvl="2"/>
+            <a:r>
+              <a:rPr lang="en-US"/>
+              <a:t>Third level</a:t>
+            </a:r>
+          </a:p>
+          <a:p>
+            <a:pPr lvl="3"/>
+            <a:r>
+              <a:rPr lang="en-US"/>
+              <a:t>Fourth level</a:t>
+            </a:r>
+          </a:p>
+          <a:p>
+            <a:pPr lvl="4"/>
+            <a:r>
+              <a:rPr lang="en-US"/>
+              <a:t>Fifth level</a:t>
+            </a:r>
+          </a:p>
+        </p:txBody>
+      </p:sp>
+      <p:sp>
+        <p:nvSpPr>
+          <p:cNvPr id="7" name="Date Placeholder 6">
+            <a:extLst>
+              <a:ext uri="{FF2B5EF4-FFF2-40B4-BE49-F238E27FC236}">
+                <a16:creationId xmlns:a16="http://schemas.microsoft.com/office/drawing/2014/main" id="{2E0B097E-9296-43B1-9038-F30498EA9776}"/>
+              </a:ext>
+            </a:extLst>
+          </p:cNvPr>
+          <p:cNvSpPr>
+            <a:spLocks noGrp="1"/>
+          </p:cNvSpPr>
+          <p:nvPr>
+            <p:ph type="dt" sz="half" idx="10"/>
+          </p:nvPr>
+        </p:nvSpPr>
+        <p:spPr/>
+        <p:txBody>
+          <a:bodyPr/>
+          <a:lstStyle/>
+          <a:p>
+            <a:fld id="{CA64DACF-0490-4513-965E-569F8E1539D0}" type="datetimeFigureOut">
+              <a:rPr lang="en-US" smtClean="0"/>
+              <a:t>1/28/2021</a:t>
+            </a:fld>
+            <a:endParaRPr lang="en-US"/>
+          </a:p>
+        </p:txBody>
+      </p:sp>
+      <p:sp>
+        <p:nvSpPr>
+          <p:cNvPr id="8" name="Footer Placeholder 7">
+            <a:extLst>
+              <a:ext uri="{FF2B5EF4-FFF2-40B4-BE49-F238E27FC236}">
+                <a16:creationId xmlns:a16="http://schemas.microsoft.com/office/drawing/2014/main" id="{21AF83F5-D8A2-46E9-9425-7842E308FC77}"/>
+              </a:ext>
+            </a:extLst>
+          </p:cNvPr>
+          <p:cNvSpPr>
+            <a:spLocks noGrp="1"/>
+          </p:cNvSpPr>
+          <p:nvPr>
+            <p:ph type="ftr" sz="quarter" idx="11"/>
+          </p:nvPr>
+        </p:nvSpPr>
+        <p:spPr/>
+        <p:txBody>
+          <a:bodyPr/>
+          <a:lstStyle/>
+          <a:p>
+            <a:endParaRPr lang="en-US"/>
+          </a:p>
+        </p:txBody>
+      </p:sp>
+      <p:sp>
+        <p:nvSpPr>
+          <p:cNvPr id="9" name="Slide Number Placeholder 8">
+            <a:extLst>
+              <a:ext uri="{FF2B5EF4-FFF2-40B4-BE49-F238E27FC236}">
+                <a16:creationId xmlns:a16="http://schemas.microsoft.com/office/drawing/2014/main" id="{7813775E-B2F4-459D-9481-975B69C34794}"/>
+              </a:ext>
+            </a:extLst>
+          </p:cNvPr>
+          <p:cNvSpPr>
+            <a:spLocks noGrp="1"/>
+          </p:cNvSpPr>
+          <p:nvPr>
+            <p:ph type="sldNum" sz="quarter" idx="12"/>
+          </p:nvPr>
+        </p:nvSpPr>
+        <p:spPr/>
+        <p:txBody>
+          <a:bodyPr/>
+          <a:lstStyle/>
+          <a:p>
+            <a:fld id="{3D6DF9B0-986F-4795-A48B-B8EE7F1E3507}" type="slidenum">
+              <a:rPr lang="en-US" smtClean="0"/>
+              <a:t>‹#›</a:t>
+            </a:fld>
+            <a:endParaRPr lang="en-US"/>
+          </a:p>
+        </p:txBody>
+      </p:sp>
+    </p:spTree>
+    <p:extLst>
+      <p:ext uri="{BB962C8B-B14F-4D97-AF65-F5344CB8AC3E}">
+        <p14:creationId xmlns:p14="http://schemas.microsoft.com/office/powerpoint/2010/main" val="16114066"/>
+      </p:ext>
+    </p:extLst>
+  </p:cSld>
+  <p:clrMapOvr>
+    <a:masterClrMapping/>
+  </p:clrMapOvr>
+</p:sldLayout>
+</file>
+
+<file path=ppt/slideLayouts/slideLayout28.xml><?xml version="1.0" encoding="utf-8"?>
+<p:sldLayout xmlns:a="http://schemas.openxmlformats.org/drawingml/2006/main" xmlns:r="http://schemas.openxmlformats.org/officeDocument/2006/relationships" xmlns:p="http://schemas.openxmlformats.org/presentationml/2006/main" type="titleOnly" preserve="1">
+  <p:cSld name="Title Only">
+    <p:spTree>
+      <p:nvGrpSpPr>
+        <p:cNvPr id="1" name=""/>
+        <p:cNvGrpSpPr/>
+        <p:nvPr/>
+      </p:nvGrpSpPr>
+      <p:grpSpPr>
+        <a:xfrm>
+          <a:off x="0" y="0"/>
+          <a:ext cx="0" cy="0"/>
+          <a:chOff x="0" y="0"/>
+          <a:chExt cx="0" cy="0"/>
+        </a:xfrm>
+      </p:grpSpPr>
+      <p:sp>
+        <p:nvSpPr>
+          <p:cNvPr id="2" name="Title 1">
+            <a:extLst>
+              <a:ext uri="{FF2B5EF4-FFF2-40B4-BE49-F238E27FC236}">
+                <a16:creationId xmlns:a16="http://schemas.microsoft.com/office/drawing/2014/main" id="{172E4C7B-8DAA-45E2-9C85-38642BB9CAAF}"/>
+              </a:ext>
+            </a:extLst>
+          </p:cNvPr>
+          <p:cNvSpPr>
+            <a:spLocks noGrp="1"/>
+          </p:cNvSpPr>
+          <p:nvPr>
+            <p:ph type="title"/>
+          </p:nvPr>
+        </p:nvSpPr>
+        <p:spPr/>
+        <p:txBody>
+          <a:bodyPr/>
+          <a:lstStyle/>
+          <a:p>
+            <a:r>
+              <a:rPr lang="en-US"/>
+              <a:t>Click to edit Master title style</a:t>
+            </a:r>
+          </a:p>
+        </p:txBody>
+      </p:sp>
+      <p:sp>
+        <p:nvSpPr>
+          <p:cNvPr id="3" name="Date Placeholder 2">
+            <a:extLst>
+              <a:ext uri="{FF2B5EF4-FFF2-40B4-BE49-F238E27FC236}">
+                <a16:creationId xmlns:a16="http://schemas.microsoft.com/office/drawing/2014/main" id="{397FA18C-12D6-4D7A-A283-8DAACD903E11}"/>
+              </a:ext>
+            </a:extLst>
+          </p:cNvPr>
+          <p:cNvSpPr>
+            <a:spLocks noGrp="1"/>
+          </p:cNvSpPr>
+          <p:nvPr>
+            <p:ph type="dt" sz="half" idx="10"/>
+          </p:nvPr>
+        </p:nvSpPr>
+        <p:spPr/>
+        <p:txBody>
+          <a:bodyPr/>
+          <a:lstStyle/>
+          <a:p>
+            <a:fld id="{CA64DACF-0490-4513-965E-569F8E1539D0}" type="datetimeFigureOut">
+              <a:rPr lang="en-US" smtClean="0"/>
+              <a:t>1/28/2021</a:t>
+            </a:fld>
+            <a:endParaRPr lang="en-US"/>
+          </a:p>
+        </p:txBody>
+      </p:sp>
+      <p:sp>
+        <p:nvSpPr>
+          <p:cNvPr id="4" name="Footer Placeholder 3">
+            <a:extLst>
+              <a:ext uri="{FF2B5EF4-FFF2-40B4-BE49-F238E27FC236}">
+                <a16:creationId xmlns:a16="http://schemas.microsoft.com/office/drawing/2014/main" id="{F3FE735E-ECD9-42E3-AD20-560150C60C6C}"/>
+              </a:ext>
+            </a:extLst>
+          </p:cNvPr>
+          <p:cNvSpPr>
+            <a:spLocks noGrp="1"/>
+          </p:cNvSpPr>
+          <p:nvPr>
+            <p:ph type="ftr" sz="quarter" idx="11"/>
+          </p:nvPr>
+        </p:nvSpPr>
+        <p:spPr/>
+        <p:txBody>
+          <a:bodyPr/>
+          <a:lstStyle/>
+          <a:p>
+            <a:endParaRPr lang="en-US"/>
+          </a:p>
+        </p:txBody>
+      </p:sp>
+      <p:sp>
+        <p:nvSpPr>
+          <p:cNvPr id="5" name="Slide Number Placeholder 4">
+            <a:extLst>
+              <a:ext uri="{FF2B5EF4-FFF2-40B4-BE49-F238E27FC236}">
+                <a16:creationId xmlns:a16="http://schemas.microsoft.com/office/drawing/2014/main" id="{946A3A3A-0CE7-40A6-B79D-EECC8E3C1EDE}"/>
+              </a:ext>
+            </a:extLst>
+          </p:cNvPr>
+          <p:cNvSpPr>
+            <a:spLocks noGrp="1"/>
+          </p:cNvSpPr>
+          <p:nvPr>
+            <p:ph type="sldNum" sz="quarter" idx="12"/>
+          </p:nvPr>
+        </p:nvSpPr>
+        <p:spPr/>
+        <p:txBody>
+          <a:bodyPr/>
+          <a:lstStyle/>
+          <a:p>
+            <a:fld id="{3D6DF9B0-986F-4795-A48B-B8EE7F1E3507}" type="slidenum">
+              <a:rPr lang="en-US" smtClean="0"/>
+              <a:t>‹#›</a:t>
+            </a:fld>
+            <a:endParaRPr lang="en-US"/>
+          </a:p>
+        </p:txBody>
+      </p:sp>
+    </p:spTree>
+    <p:extLst>
+      <p:ext uri="{BB962C8B-B14F-4D97-AF65-F5344CB8AC3E}">
+        <p14:creationId xmlns:p14="http://schemas.microsoft.com/office/powerpoint/2010/main" val="2724710374"/>
+      </p:ext>
+    </p:extLst>
+  </p:cSld>
+  <p:clrMapOvr>
+    <a:masterClrMapping/>
+  </p:clrMapOvr>
+</p:sldLayout>
+</file>
+
+<file path=ppt/slideLayouts/slideLayout29.xml><?xml version="1.0" encoding="utf-8"?>
+<p:sldLayout xmlns:a="http://schemas.openxmlformats.org/drawingml/2006/main" xmlns:r="http://schemas.openxmlformats.org/officeDocument/2006/relationships" xmlns:p="http://schemas.openxmlformats.org/presentationml/2006/main" type="blank" preserve="1">
+  <p:cSld name="Blank">
+    <p:spTree>
+      <p:nvGrpSpPr>
+        <p:cNvPr id="1" name=""/>
+        <p:cNvGrpSpPr/>
+        <p:nvPr/>
+      </p:nvGrpSpPr>
+      <p:grpSpPr>
+        <a:xfrm>
+          <a:off x="0" y="0"/>
+          <a:ext cx="0" cy="0"/>
+          <a:chOff x="0" y="0"/>
+          <a:chExt cx="0" cy="0"/>
+        </a:xfrm>
+      </p:grpSpPr>
+      <p:sp>
+        <p:nvSpPr>
+          <p:cNvPr id="2" name="Date Placeholder 1">
+            <a:extLst>
+              <a:ext uri="{FF2B5EF4-FFF2-40B4-BE49-F238E27FC236}">
+                <a16:creationId xmlns:a16="http://schemas.microsoft.com/office/drawing/2014/main" id="{4B30C10F-0D22-4CCC-90E8-FBBA554F4D70}"/>
+              </a:ext>
+            </a:extLst>
+          </p:cNvPr>
+          <p:cNvSpPr>
+            <a:spLocks noGrp="1"/>
+          </p:cNvSpPr>
+          <p:nvPr>
+            <p:ph type="dt" sz="half" idx="10"/>
+          </p:nvPr>
+        </p:nvSpPr>
+        <p:spPr/>
+        <p:txBody>
+          <a:bodyPr/>
+          <a:lstStyle/>
+          <a:p>
+            <a:fld id="{CA64DACF-0490-4513-965E-569F8E1539D0}" type="datetimeFigureOut">
+              <a:rPr lang="en-US" smtClean="0"/>
+              <a:t>1/28/2021</a:t>
+            </a:fld>
+            <a:endParaRPr lang="en-US"/>
+          </a:p>
+        </p:txBody>
+      </p:sp>
+      <p:sp>
+        <p:nvSpPr>
+          <p:cNvPr id="3" name="Footer Placeholder 2">
+            <a:extLst>
+              <a:ext uri="{FF2B5EF4-FFF2-40B4-BE49-F238E27FC236}">
+                <a16:creationId xmlns:a16="http://schemas.microsoft.com/office/drawing/2014/main" id="{C15FA7A0-446C-4C7E-BEC1-2D2522CA2CC3}"/>
+              </a:ext>
+            </a:extLst>
+          </p:cNvPr>
+          <p:cNvSpPr>
+            <a:spLocks noGrp="1"/>
+          </p:cNvSpPr>
+          <p:nvPr>
+            <p:ph type="ftr" sz="quarter" idx="11"/>
+          </p:nvPr>
+        </p:nvSpPr>
+        <p:spPr/>
+        <p:txBody>
+          <a:bodyPr/>
+          <a:lstStyle/>
+          <a:p>
+            <a:endParaRPr lang="en-US"/>
+          </a:p>
+        </p:txBody>
+      </p:sp>
+      <p:sp>
+        <p:nvSpPr>
+          <p:cNvPr id="4" name="Slide Number Placeholder 3">
+            <a:extLst>
+              <a:ext uri="{FF2B5EF4-FFF2-40B4-BE49-F238E27FC236}">
+                <a16:creationId xmlns:a16="http://schemas.microsoft.com/office/drawing/2014/main" id="{BFDC77EF-414C-4FFC-BC73-8CB4E51C3D28}"/>
+              </a:ext>
+            </a:extLst>
+          </p:cNvPr>
+          <p:cNvSpPr>
+            <a:spLocks noGrp="1"/>
+          </p:cNvSpPr>
+          <p:nvPr>
+            <p:ph type="sldNum" sz="quarter" idx="12"/>
+          </p:nvPr>
+        </p:nvSpPr>
+        <p:spPr/>
+        <p:txBody>
+          <a:bodyPr/>
+          <a:lstStyle/>
+          <a:p>
+            <a:fld id="{3D6DF9B0-986F-4795-A48B-B8EE7F1E3507}" type="slidenum">
+              <a:rPr lang="en-US" smtClean="0"/>
+              <a:t>‹#›</a:t>
+            </a:fld>
+            <a:endParaRPr lang="en-US"/>
+          </a:p>
+        </p:txBody>
+      </p:sp>
+    </p:spTree>
+    <p:extLst>
+      <p:ext uri="{BB962C8B-B14F-4D97-AF65-F5344CB8AC3E}">
+        <p14:creationId xmlns:p14="http://schemas.microsoft.com/office/powerpoint/2010/main" val="3009295384"/>
+      </p:ext>
+    </p:extLst>
+  </p:cSld>
+  <p:clrMapOvr>
+    <a:masterClrMapping/>
+  </p:clrMapOvr>
+</p:sldLayout>
+</file>
+
 <file path=ppt/slideLayouts/slideLayout3.xml><?xml version="1.0" encoding="utf-8"?>
 <p:sldLayout xmlns:a="http://schemas.openxmlformats.org/drawingml/2006/main" xmlns:r="http://schemas.openxmlformats.org/officeDocument/2006/relationships" xmlns:p="http://schemas.openxmlformats.org/presentationml/2006/main" type="secHead" preserve="1">
   <p:cSld name="Section Header">
@@ -3737,6 +5372,1011 @@
     <p:extLst>
       <p:ext uri="{BB962C8B-B14F-4D97-AF65-F5344CB8AC3E}">
         <p14:creationId xmlns:p14="http://schemas.microsoft.com/office/powerpoint/2010/main" val="3269034092"/>
+      </p:ext>
+    </p:extLst>
+  </p:cSld>
+  <p:clrMapOvr>
+    <a:masterClrMapping/>
+  </p:clrMapOvr>
+</p:sldLayout>
+</file>
+
+<file path=ppt/slideLayouts/slideLayout30.xml><?xml version="1.0" encoding="utf-8"?>
+<p:sldLayout xmlns:a="http://schemas.openxmlformats.org/drawingml/2006/main" xmlns:r="http://schemas.openxmlformats.org/officeDocument/2006/relationships" xmlns:p="http://schemas.openxmlformats.org/presentationml/2006/main" type="objTx" preserve="1">
+  <p:cSld name="Content with Caption">
+    <p:spTree>
+      <p:nvGrpSpPr>
+        <p:cNvPr id="1" name=""/>
+        <p:cNvGrpSpPr/>
+        <p:nvPr/>
+      </p:nvGrpSpPr>
+      <p:grpSpPr>
+        <a:xfrm>
+          <a:off x="0" y="0"/>
+          <a:ext cx="0" cy="0"/>
+          <a:chOff x="0" y="0"/>
+          <a:chExt cx="0" cy="0"/>
+        </a:xfrm>
+      </p:grpSpPr>
+      <p:sp>
+        <p:nvSpPr>
+          <p:cNvPr id="2" name="Title 1">
+            <a:extLst>
+              <a:ext uri="{FF2B5EF4-FFF2-40B4-BE49-F238E27FC236}">
+                <a16:creationId xmlns:a16="http://schemas.microsoft.com/office/drawing/2014/main" id="{0A2CBAAE-E7BD-4596-8688-C3632B2BA371}"/>
+              </a:ext>
+            </a:extLst>
+          </p:cNvPr>
+          <p:cNvSpPr>
+            <a:spLocks noGrp="1"/>
+          </p:cNvSpPr>
+          <p:nvPr>
+            <p:ph type="title"/>
+          </p:nvPr>
+        </p:nvSpPr>
+        <p:spPr>
+          <a:xfrm>
+            <a:off x="839788" y="457200"/>
+            <a:ext cx="3932237" cy="1600200"/>
+          </a:xfrm>
+        </p:spPr>
+        <p:txBody>
+          <a:bodyPr anchor="b"/>
+          <a:lstStyle>
+            <a:lvl1pPr>
+              <a:defRPr sz="3200"/>
+            </a:lvl1pPr>
+          </a:lstStyle>
+          <a:p>
+            <a:r>
+              <a:rPr lang="en-US"/>
+              <a:t>Click to edit Master title style</a:t>
+            </a:r>
+          </a:p>
+        </p:txBody>
+      </p:sp>
+      <p:sp>
+        <p:nvSpPr>
+          <p:cNvPr id="3" name="Content Placeholder 2">
+            <a:extLst>
+              <a:ext uri="{FF2B5EF4-FFF2-40B4-BE49-F238E27FC236}">
+                <a16:creationId xmlns:a16="http://schemas.microsoft.com/office/drawing/2014/main" id="{D225B6D4-2360-4ED9-99E8-37358B39037E}"/>
+              </a:ext>
+            </a:extLst>
+          </p:cNvPr>
+          <p:cNvSpPr>
+            <a:spLocks noGrp="1"/>
+          </p:cNvSpPr>
+          <p:nvPr>
+            <p:ph idx="1"/>
+          </p:nvPr>
+        </p:nvSpPr>
+        <p:spPr>
+          <a:xfrm>
+            <a:off x="5183188" y="987425"/>
+            <a:ext cx="6172200" cy="4873625"/>
+          </a:xfrm>
+        </p:spPr>
+        <p:txBody>
+          <a:bodyPr/>
+          <a:lstStyle>
+            <a:lvl1pPr>
+              <a:defRPr sz="3200"/>
+            </a:lvl1pPr>
+            <a:lvl2pPr>
+              <a:defRPr sz="2800"/>
+            </a:lvl2pPr>
+            <a:lvl3pPr>
+              <a:defRPr sz="2400"/>
+            </a:lvl3pPr>
+            <a:lvl4pPr>
+              <a:defRPr sz="2000"/>
+            </a:lvl4pPr>
+            <a:lvl5pPr>
+              <a:defRPr sz="2000"/>
+            </a:lvl5pPr>
+            <a:lvl6pPr>
+              <a:defRPr sz="2000"/>
+            </a:lvl6pPr>
+            <a:lvl7pPr>
+              <a:defRPr sz="2000"/>
+            </a:lvl7pPr>
+            <a:lvl8pPr>
+              <a:defRPr sz="2000"/>
+            </a:lvl8pPr>
+            <a:lvl9pPr>
+              <a:defRPr sz="2000"/>
+            </a:lvl9pPr>
+          </a:lstStyle>
+          <a:p>
+            <a:pPr lvl="0"/>
+            <a:r>
+              <a:rPr lang="en-US"/>
+              <a:t>Click to edit Master text styles</a:t>
+            </a:r>
+          </a:p>
+          <a:p>
+            <a:pPr lvl="1"/>
+            <a:r>
+              <a:rPr lang="en-US"/>
+              <a:t>Second level</a:t>
+            </a:r>
+          </a:p>
+          <a:p>
+            <a:pPr lvl="2"/>
+            <a:r>
+              <a:rPr lang="en-US"/>
+              <a:t>Third level</a:t>
+            </a:r>
+          </a:p>
+          <a:p>
+            <a:pPr lvl="3"/>
+            <a:r>
+              <a:rPr lang="en-US"/>
+              <a:t>Fourth level</a:t>
+            </a:r>
+          </a:p>
+          <a:p>
+            <a:pPr lvl="4"/>
+            <a:r>
+              <a:rPr lang="en-US"/>
+              <a:t>Fifth level</a:t>
+            </a:r>
+          </a:p>
+        </p:txBody>
+      </p:sp>
+      <p:sp>
+        <p:nvSpPr>
+          <p:cNvPr id="4" name="Text Placeholder 3">
+            <a:extLst>
+              <a:ext uri="{FF2B5EF4-FFF2-40B4-BE49-F238E27FC236}">
+                <a16:creationId xmlns:a16="http://schemas.microsoft.com/office/drawing/2014/main" id="{3BFD51B7-409D-4B80-A6AF-FB2F0FA6E560}"/>
+              </a:ext>
+            </a:extLst>
+          </p:cNvPr>
+          <p:cNvSpPr>
+            <a:spLocks noGrp="1"/>
+          </p:cNvSpPr>
+          <p:nvPr>
+            <p:ph type="body" sz="half" idx="2"/>
+          </p:nvPr>
+        </p:nvSpPr>
+        <p:spPr>
+          <a:xfrm>
+            <a:off x="839788" y="2057400"/>
+            <a:ext cx="3932237" cy="3811588"/>
+          </a:xfrm>
+        </p:spPr>
+        <p:txBody>
+          <a:bodyPr/>
+          <a:lstStyle>
+            <a:lvl1pPr marL="0" indent="0">
+              <a:buNone/>
+              <a:defRPr sz="1600"/>
+            </a:lvl1pPr>
+            <a:lvl2pPr marL="457200" indent="0">
+              <a:buNone/>
+              <a:defRPr sz="1400"/>
+            </a:lvl2pPr>
+            <a:lvl3pPr marL="914400" indent="0">
+              <a:buNone/>
+              <a:defRPr sz="1200"/>
+            </a:lvl3pPr>
+            <a:lvl4pPr marL="1371600" indent="0">
+              <a:buNone/>
+              <a:defRPr sz="1000"/>
+            </a:lvl4pPr>
+            <a:lvl5pPr marL="1828800" indent="0">
+              <a:buNone/>
+              <a:defRPr sz="1000"/>
+            </a:lvl5pPr>
+            <a:lvl6pPr marL="2286000" indent="0">
+              <a:buNone/>
+              <a:defRPr sz="1000"/>
+            </a:lvl6pPr>
+            <a:lvl7pPr marL="2743200" indent="0">
+              <a:buNone/>
+              <a:defRPr sz="1000"/>
+            </a:lvl7pPr>
+            <a:lvl8pPr marL="3200400" indent="0">
+              <a:buNone/>
+              <a:defRPr sz="1000"/>
+            </a:lvl8pPr>
+            <a:lvl9pPr marL="3657600" indent="0">
+              <a:buNone/>
+              <a:defRPr sz="1000"/>
+            </a:lvl9pPr>
+          </a:lstStyle>
+          <a:p>
+            <a:pPr lvl="0"/>
+            <a:r>
+              <a:rPr lang="en-US"/>
+              <a:t>Click to edit Master text styles</a:t>
+            </a:r>
+          </a:p>
+        </p:txBody>
+      </p:sp>
+      <p:sp>
+        <p:nvSpPr>
+          <p:cNvPr id="5" name="Date Placeholder 4">
+            <a:extLst>
+              <a:ext uri="{FF2B5EF4-FFF2-40B4-BE49-F238E27FC236}">
+                <a16:creationId xmlns:a16="http://schemas.microsoft.com/office/drawing/2014/main" id="{A79FF76C-9AFD-4657-9142-49AEAD66203D}"/>
+              </a:ext>
+            </a:extLst>
+          </p:cNvPr>
+          <p:cNvSpPr>
+            <a:spLocks noGrp="1"/>
+          </p:cNvSpPr>
+          <p:nvPr>
+            <p:ph type="dt" sz="half" idx="10"/>
+          </p:nvPr>
+        </p:nvSpPr>
+        <p:spPr/>
+        <p:txBody>
+          <a:bodyPr/>
+          <a:lstStyle/>
+          <a:p>
+            <a:fld id="{CA64DACF-0490-4513-965E-569F8E1539D0}" type="datetimeFigureOut">
+              <a:rPr lang="en-US" smtClean="0"/>
+              <a:t>1/28/2021</a:t>
+            </a:fld>
+            <a:endParaRPr lang="en-US"/>
+          </a:p>
+        </p:txBody>
+      </p:sp>
+      <p:sp>
+        <p:nvSpPr>
+          <p:cNvPr id="6" name="Footer Placeholder 5">
+            <a:extLst>
+              <a:ext uri="{FF2B5EF4-FFF2-40B4-BE49-F238E27FC236}">
+                <a16:creationId xmlns:a16="http://schemas.microsoft.com/office/drawing/2014/main" id="{83730151-C7DE-433D-85F8-30F6B42F66C6}"/>
+              </a:ext>
+            </a:extLst>
+          </p:cNvPr>
+          <p:cNvSpPr>
+            <a:spLocks noGrp="1"/>
+          </p:cNvSpPr>
+          <p:nvPr>
+            <p:ph type="ftr" sz="quarter" idx="11"/>
+          </p:nvPr>
+        </p:nvSpPr>
+        <p:spPr/>
+        <p:txBody>
+          <a:bodyPr/>
+          <a:lstStyle/>
+          <a:p>
+            <a:endParaRPr lang="en-US"/>
+          </a:p>
+        </p:txBody>
+      </p:sp>
+      <p:sp>
+        <p:nvSpPr>
+          <p:cNvPr id="7" name="Slide Number Placeholder 6">
+            <a:extLst>
+              <a:ext uri="{FF2B5EF4-FFF2-40B4-BE49-F238E27FC236}">
+                <a16:creationId xmlns:a16="http://schemas.microsoft.com/office/drawing/2014/main" id="{F578C00F-1DFF-4E0B-84A0-E2777C76963B}"/>
+              </a:ext>
+            </a:extLst>
+          </p:cNvPr>
+          <p:cNvSpPr>
+            <a:spLocks noGrp="1"/>
+          </p:cNvSpPr>
+          <p:nvPr>
+            <p:ph type="sldNum" sz="quarter" idx="12"/>
+          </p:nvPr>
+        </p:nvSpPr>
+        <p:spPr/>
+        <p:txBody>
+          <a:bodyPr/>
+          <a:lstStyle/>
+          <a:p>
+            <a:fld id="{3D6DF9B0-986F-4795-A48B-B8EE7F1E3507}" type="slidenum">
+              <a:rPr lang="en-US" smtClean="0"/>
+              <a:t>‹#›</a:t>
+            </a:fld>
+            <a:endParaRPr lang="en-US"/>
+          </a:p>
+        </p:txBody>
+      </p:sp>
+    </p:spTree>
+    <p:extLst>
+      <p:ext uri="{BB962C8B-B14F-4D97-AF65-F5344CB8AC3E}">
+        <p14:creationId xmlns:p14="http://schemas.microsoft.com/office/powerpoint/2010/main" val="3429416044"/>
+      </p:ext>
+    </p:extLst>
+  </p:cSld>
+  <p:clrMapOvr>
+    <a:masterClrMapping/>
+  </p:clrMapOvr>
+</p:sldLayout>
+</file>
+
+<file path=ppt/slideLayouts/slideLayout31.xml><?xml version="1.0" encoding="utf-8"?>
+<p:sldLayout xmlns:a="http://schemas.openxmlformats.org/drawingml/2006/main" xmlns:r="http://schemas.openxmlformats.org/officeDocument/2006/relationships" xmlns:p="http://schemas.openxmlformats.org/presentationml/2006/main" type="picTx" preserve="1">
+  <p:cSld name="Picture with Caption">
+    <p:spTree>
+      <p:nvGrpSpPr>
+        <p:cNvPr id="1" name=""/>
+        <p:cNvGrpSpPr/>
+        <p:nvPr/>
+      </p:nvGrpSpPr>
+      <p:grpSpPr>
+        <a:xfrm>
+          <a:off x="0" y="0"/>
+          <a:ext cx="0" cy="0"/>
+          <a:chOff x="0" y="0"/>
+          <a:chExt cx="0" cy="0"/>
+        </a:xfrm>
+      </p:grpSpPr>
+      <p:sp>
+        <p:nvSpPr>
+          <p:cNvPr id="2" name="Title 1">
+            <a:extLst>
+              <a:ext uri="{FF2B5EF4-FFF2-40B4-BE49-F238E27FC236}">
+                <a16:creationId xmlns:a16="http://schemas.microsoft.com/office/drawing/2014/main" id="{1E9A90FC-D77D-421F-B6B5-A1DC5B57226B}"/>
+              </a:ext>
+            </a:extLst>
+          </p:cNvPr>
+          <p:cNvSpPr>
+            <a:spLocks noGrp="1"/>
+          </p:cNvSpPr>
+          <p:nvPr>
+            <p:ph type="title"/>
+          </p:nvPr>
+        </p:nvSpPr>
+        <p:spPr>
+          <a:xfrm>
+            <a:off x="839788" y="457200"/>
+            <a:ext cx="3932237" cy="1600200"/>
+          </a:xfrm>
+        </p:spPr>
+        <p:txBody>
+          <a:bodyPr anchor="b"/>
+          <a:lstStyle>
+            <a:lvl1pPr>
+              <a:defRPr sz="3200"/>
+            </a:lvl1pPr>
+          </a:lstStyle>
+          <a:p>
+            <a:r>
+              <a:rPr lang="en-US"/>
+              <a:t>Click to edit Master title style</a:t>
+            </a:r>
+          </a:p>
+        </p:txBody>
+      </p:sp>
+      <p:sp>
+        <p:nvSpPr>
+          <p:cNvPr id="3" name="Picture Placeholder 2">
+            <a:extLst>
+              <a:ext uri="{FF2B5EF4-FFF2-40B4-BE49-F238E27FC236}">
+                <a16:creationId xmlns:a16="http://schemas.microsoft.com/office/drawing/2014/main" id="{7B9FC590-6323-446E-B3DC-80A7EE1D7BC0}"/>
+              </a:ext>
+            </a:extLst>
+          </p:cNvPr>
+          <p:cNvSpPr>
+            <a:spLocks noGrp="1"/>
+          </p:cNvSpPr>
+          <p:nvPr>
+            <p:ph type="pic" idx="1"/>
+          </p:nvPr>
+        </p:nvSpPr>
+        <p:spPr>
+          <a:xfrm>
+            <a:off x="5183188" y="987425"/>
+            <a:ext cx="6172200" cy="4873625"/>
+          </a:xfrm>
+        </p:spPr>
+        <p:txBody>
+          <a:bodyPr/>
+          <a:lstStyle>
+            <a:lvl1pPr marL="0" indent="0">
+              <a:buNone/>
+              <a:defRPr sz="3200"/>
+            </a:lvl1pPr>
+            <a:lvl2pPr marL="457200" indent="0">
+              <a:buNone/>
+              <a:defRPr sz="2800"/>
+            </a:lvl2pPr>
+            <a:lvl3pPr marL="914400" indent="0">
+              <a:buNone/>
+              <a:defRPr sz="2400"/>
+            </a:lvl3pPr>
+            <a:lvl4pPr marL="1371600" indent="0">
+              <a:buNone/>
+              <a:defRPr sz="2000"/>
+            </a:lvl4pPr>
+            <a:lvl5pPr marL="1828800" indent="0">
+              <a:buNone/>
+              <a:defRPr sz="2000"/>
+            </a:lvl5pPr>
+            <a:lvl6pPr marL="2286000" indent="0">
+              <a:buNone/>
+              <a:defRPr sz="2000"/>
+            </a:lvl6pPr>
+            <a:lvl7pPr marL="2743200" indent="0">
+              <a:buNone/>
+              <a:defRPr sz="2000"/>
+            </a:lvl7pPr>
+            <a:lvl8pPr marL="3200400" indent="0">
+              <a:buNone/>
+              <a:defRPr sz="2000"/>
+            </a:lvl8pPr>
+            <a:lvl9pPr marL="3657600" indent="0">
+              <a:buNone/>
+              <a:defRPr sz="2000"/>
+            </a:lvl9pPr>
+          </a:lstStyle>
+          <a:p>
+            <a:endParaRPr lang="en-US"/>
+          </a:p>
+        </p:txBody>
+      </p:sp>
+      <p:sp>
+        <p:nvSpPr>
+          <p:cNvPr id="4" name="Text Placeholder 3">
+            <a:extLst>
+              <a:ext uri="{FF2B5EF4-FFF2-40B4-BE49-F238E27FC236}">
+                <a16:creationId xmlns:a16="http://schemas.microsoft.com/office/drawing/2014/main" id="{D4F0A4B7-7CC7-40E5-A77A-566CFDDB15E9}"/>
+              </a:ext>
+            </a:extLst>
+          </p:cNvPr>
+          <p:cNvSpPr>
+            <a:spLocks noGrp="1"/>
+          </p:cNvSpPr>
+          <p:nvPr>
+            <p:ph type="body" sz="half" idx="2"/>
+          </p:nvPr>
+        </p:nvSpPr>
+        <p:spPr>
+          <a:xfrm>
+            <a:off x="839788" y="2057400"/>
+            <a:ext cx="3932237" cy="3811588"/>
+          </a:xfrm>
+        </p:spPr>
+        <p:txBody>
+          <a:bodyPr/>
+          <a:lstStyle>
+            <a:lvl1pPr marL="0" indent="0">
+              <a:buNone/>
+              <a:defRPr sz="1600"/>
+            </a:lvl1pPr>
+            <a:lvl2pPr marL="457200" indent="0">
+              <a:buNone/>
+              <a:defRPr sz="1400"/>
+            </a:lvl2pPr>
+            <a:lvl3pPr marL="914400" indent="0">
+              <a:buNone/>
+              <a:defRPr sz="1200"/>
+            </a:lvl3pPr>
+            <a:lvl4pPr marL="1371600" indent="0">
+              <a:buNone/>
+              <a:defRPr sz="1000"/>
+            </a:lvl4pPr>
+            <a:lvl5pPr marL="1828800" indent="0">
+              <a:buNone/>
+              <a:defRPr sz="1000"/>
+            </a:lvl5pPr>
+            <a:lvl6pPr marL="2286000" indent="0">
+              <a:buNone/>
+              <a:defRPr sz="1000"/>
+            </a:lvl6pPr>
+            <a:lvl7pPr marL="2743200" indent="0">
+              <a:buNone/>
+              <a:defRPr sz="1000"/>
+            </a:lvl7pPr>
+            <a:lvl8pPr marL="3200400" indent="0">
+              <a:buNone/>
+              <a:defRPr sz="1000"/>
+            </a:lvl8pPr>
+            <a:lvl9pPr marL="3657600" indent="0">
+              <a:buNone/>
+              <a:defRPr sz="1000"/>
+            </a:lvl9pPr>
+          </a:lstStyle>
+          <a:p>
+            <a:pPr lvl="0"/>
+            <a:r>
+              <a:rPr lang="en-US"/>
+              <a:t>Click to edit Master text styles</a:t>
+            </a:r>
+          </a:p>
+        </p:txBody>
+      </p:sp>
+      <p:sp>
+        <p:nvSpPr>
+          <p:cNvPr id="5" name="Date Placeholder 4">
+            <a:extLst>
+              <a:ext uri="{FF2B5EF4-FFF2-40B4-BE49-F238E27FC236}">
+                <a16:creationId xmlns:a16="http://schemas.microsoft.com/office/drawing/2014/main" id="{D0E050C3-B7C6-4A59-8E87-1BB2A8ECCB35}"/>
+              </a:ext>
+            </a:extLst>
+          </p:cNvPr>
+          <p:cNvSpPr>
+            <a:spLocks noGrp="1"/>
+          </p:cNvSpPr>
+          <p:nvPr>
+            <p:ph type="dt" sz="half" idx="10"/>
+          </p:nvPr>
+        </p:nvSpPr>
+        <p:spPr/>
+        <p:txBody>
+          <a:bodyPr/>
+          <a:lstStyle/>
+          <a:p>
+            <a:fld id="{CA64DACF-0490-4513-965E-569F8E1539D0}" type="datetimeFigureOut">
+              <a:rPr lang="en-US" smtClean="0"/>
+              <a:t>1/28/2021</a:t>
+            </a:fld>
+            <a:endParaRPr lang="en-US"/>
+          </a:p>
+        </p:txBody>
+      </p:sp>
+      <p:sp>
+        <p:nvSpPr>
+          <p:cNvPr id="6" name="Footer Placeholder 5">
+            <a:extLst>
+              <a:ext uri="{FF2B5EF4-FFF2-40B4-BE49-F238E27FC236}">
+                <a16:creationId xmlns:a16="http://schemas.microsoft.com/office/drawing/2014/main" id="{C784A5B4-73F2-455D-91E3-140E9D7CE151}"/>
+              </a:ext>
+            </a:extLst>
+          </p:cNvPr>
+          <p:cNvSpPr>
+            <a:spLocks noGrp="1"/>
+          </p:cNvSpPr>
+          <p:nvPr>
+            <p:ph type="ftr" sz="quarter" idx="11"/>
+          </p:nvPr>
+        </p:nvSpPr>
+        <p:spPr/>
+        <p:txBody>
+          <a:bodyPr/>
+          <a:lstStyle/>
+          <a:p>
+            <a:endParaRPr lang="en-US"/>
+          </a:p>
+        </p:txBody>
+      </p:sp>
+      <p:sp>
+        <p:nvSpPr>
+          <p:cNvPr id="7" name="Slide Number Placeholder 6">
+            <a:extLst>
+              <a:ext uri="{FF2B5EF4-FFF2-40B4-BE49-F238E27FC236}">
+                <a16:creationId xmlns:a16="http://schemas.microsoft.com/office/drawing/2014/main" id="{1CE96241-8BEE-4500-9731-CB993DD380AA}"/>
+              </a:ext>
+            </a:extLst>
+          </p:cNvPr>
+          <p:cNvSpPr>
+            <a:spLocks noGrp="1"/>
+          </p:cNvSpPr>
+          <p:nvPr>
+            <p:ph type="sldNum" sz="quarter" idx="12"/>
+          </p:nvPr>
+        </p:nvSpPr>
+        <p:spPr/>
+        <p:txBody>
+          <a:bodyPr/>
+          <a:lstStyle/>
+          <a:p>
+            <a:fld id="{3D6DF9B0-986F-4795-A48B-B8EE7F1E3507}" type="slidenum">
+              <a:rPr lang="en-US" smtClean="0"/>
+              <a:t>‹#›</a:t>
+            </a:fld>
+            <a:endParaRPr lang="en-US"/>
+          </a:p>
+        </p:txBody>
+      </p:sp>
+    </p:spTree>
+    <p:extLst>
+      <p:ext uri="{BB962C8B-B14F-4D97-AF65-F5344CB8AC3E}">
+        <p14:creationId xmlns:p14="http://schemas.microsoft.com/office/powerpoint/2010/main" val="4282106216"/>
+      </p:ext>
+    </p:extLst>
+  </p:cSld>
+  <p:clrMapOvr>
+    <a:masterClrMapping/>
+  </p:clrMapOvr>
+</p:sldLayout>
+</file>
+
+<file path=ppt/slideLayouts/slideLayout32.xml><?xml version="1.0" encoding="utf-8"?>
+<p:sldLayout xmlns:a="http://schemas.openxmlformats.org/drawingml/2006/main" xmlns:r="http://schemas.openxmlformats.org/officeDocument/2006/relationships" xmlns:p="http://schemas.openxmlformats.org/presentationml/2006/main" type="vertTx" preserve="1">
+  <p:cSld name="Title and Vertical Text">
+    <p:spTree>
+      <p:nvGrpSpPr>
+        <p:cNvPr id="1" name=""/>
+        <p:cNvGrpSpPr/>
+        <p:nvPr/>
+      </p:nvGrpSpPr>
+      <p:grpSpPr>
+        <a:xfrm>
+          <a:off x="0" y="0"/>
+          <a:ext cx="0" cy="0"/>
+          <a:chOff x="0" y="0"/>
+          <a:chExt cx="0" cy="0"/>
+        </a:xfrm>
+      </p:grpSpPr>
+      <p:sp>
+        <p:nvSpPr>
+          <p:cNvPr id="2" name="Title 1">
+            <a:extLst>
+              <a:ext uri="{FF2B5EF4-FFF2-40B4-BE49-F238E27FC236}">
+                <a16:creationId xmlns:a16="http://schemas.microsoft.com/office/drawing/2014/main" id="{A2FFDEA0-8132-4DCE-8E71-6B4DB8FA183E}"/>
+              </a:ext>
+            </a:extLst>
+          </p:cNvPr>
+          <p:cNvSpPr>
+            <a:spLocks noGrp="1"/>
+          </p:cNvSpPr>
+          <p:nvPr>
+            <p:ph type="title"/>
+          </p:nvPr>
+        </p:nvSpPr>
+        <p:spPr/>
+        <p:txBody>
+          <a:bodyPr/>
+          <a:lstStyle/>
+          <a:p>
+            <a:r>
+              <a:rPr lang="en-US"/>
+              <a:t>Click to edit Master title style</a:t>
+            </a:r>
+          </a:p>
+        </p:txBody>
+      </p:sp>
+      <p:sp>
+        <p:nvSpPr>
+          <p:cNvPr id="3" name="Vertical Text Placeholder 2">
+            <a:extLst>
+              <a:ext uri="{FF2B5EF4-FFF2-40B4-BE49-F238E27FC236}">
+                <a16:creationId xmlns:a16="http://schemas.microsoft.com/office/drawing/2014/main" id="{074EBA34-8363-4337-B8B1-550DFA0616E3}"/>
+              </a:ext>
+            </a:extLst>
+          </p:cNvPr>
+          <p:cNvSpPr>
+            <a:spLocks noGrp="1"/>
+          </p:cNvSpPr>
+          <p:nvPr>
+            <p:ph type="body" orient="vert" idx="1"/>
+          </p:nvPr>
+        </p:nvSpPr>
+        <p:spPr/>
+        <p:txBody>
+          <a:bodyPr vert="eaVert"/>
+          <a:lstStyle/>
+          <a:p>
+            <a:pPr lvl="0"/>
+            <a:r>
+              <a:rPr lang="en-US"/>
+              <a:t>Click to edit Master text styles</a:t>
+            </a:r>
+          </a:p>
+          <a:p>
+            <a:pPr lvl="1"/>
+            <a:r>
+              <a:rPr lang="en-US"/>
+              <a:t>Second level</a:t>
+            </a:r>
+          </a:p>
+          <a:p>
+            <a:pPr lvl="2"/>
+            <a:r>
+              <a:rPr lang="en-US"/>
+              <a:t>Third level</a:t>
+            </a:r>
+          </a:p>
+          <a:p>
+            <a:pPr lvl="3"/>
+            <a:r>
+              <a:rPr lang="en-US"/>
+              <a:t>Fourth level</a:t>
+            </a:r>
+          </a:p>
+          <a:p>
+            <a:pPr lvl="4"/>
+            <a:r>
+              <a:rPr lang="en-US"/>
+              <a:t>Fifth level</a:t>
+            </a:r>
+          </a:p>
+        </p:txBody>
+      </p:sp>
+      <p:sp>
+        <p:nvSpPr>
+          <p:cNvPr id="4" name="Date Placeholder 3">
+            <a:extLst>
+              <a:ext uri="{FF2B5EF4-FFF2-40B4-BE49-F238E27FC236}">
+                <a16:creationId xmlns:a16="http://schemas.microsoft.com/office/drawing/2014/main" id="{C7AF9DA3-A1E5-4352-958E-CFFF65F2D286}"/>
+              </a:ext>
+            </a:extLst>
+          </p:cNvPr>
+          <p:cNvSpPr>
+            <a:spLocks noGrp="1"/>
+          </p:cNvSpPr>
+          <p:nvPr>
+            <p:ph type="dt" sz="half" idx="10"/>
+          </p:nvPr>
+        </p:nvSpPr>
+        <p:spPr/>
+        <p:txBody>
+          <a:bodyPr/>
+          <a:lstStyle/>
+          <a:p>
+            <a:fld id="{CA64DACF-0490-4513-965E-569F8E1539D0}" type="datetimeFigureOut">
+              <a:rPr lang="en-US" smtClean="0"/>
+              <a:t>1/28/2021</a:t>
+            </a:fld>
+            <a:endParaRPr lang="en-US"/>
+          </a:p>
+        </p:txBody>
+      </p:sp>
+      <p:sp>
+        <p:nvSpPr>
+          <p:cNvPr id="5" name="Footer Placeholder 4">
+            <a:extLst>
+              <a:ext uri="{FF2B5EF4-FFF2-40B4-BE49-F238E27FC236}">
+                <a16:creationId xmlns:a16="http://schemas.microsoft.com/office/drawing/2014/main" id="{DCB521FC-4E01-448E-AF00-A11BB5AFDFB0}"/>
+              </a:ext>
+            </a:extLst>
+          </p:cNvPr>
+          <p:cNvSpPr>
+            <a:spLocks noGrp="1"/>
+          </p:cNvSpPr>
+          <p:nvPr>
+            <p:ph type="ftr" sz="quarter" idx="11"/>
+          </p:nvPr>
+        </p:nvSpPr>
+        <p:spPr/>
+        <p:txBody>
+          <a:bodyPr/>
+          <a:lstStyle/>
+          <a:p>
+            <a:endParaRPr lang="en-US"/>
+          </a:p>
+        </p:txBody>
+      </p:sp>
+      <p:sp>
+        <p:nvSpPr>
+          <p:cNvPr id="6" name="Slide Number Placeholder 5">
+            <a:extLst>
+              <a:ext uri="{FF2B5EF4-FFF2-40B4-BE49-F238E27FC236}">
+                <a16:creationId xmlns:a16="http://schemas.microsoft.com/office/drawing/2014/main" id="{3D8C3E96-9D4B-432A-8296-D6EB5D279A9B}"/>
+              </a:ext>
+            </a:extLst>
+          </p:cNvPr>
+          <p:cNvSpPr>
+            <a:spLocks noGrp="1"/>
+          </p:cNvSpPr>
+          <p:nvPr>
+            <p:ph type="sldNum" sz="quarter" idx="12"/>
+          </p:nvPr>
+        </p:nvSpPr>
+        <p:spPr/>
+        <p:txBody>
+          <a:bodyPr/>
+          <a:lstStyle/>
+          <a:p>
+            <a:fld id="{3D6DF9B0-986F-4795-A48B-B8EE7F1E3507}" type="slidenum">
+              <a:rPr lang="en-US" smtClean="0"/>
+              <a:t>‹#›</a:t>
+            </a:fld>
+            <a:endParaRPr lang="en-US"/>
+          </a:p>
+        </p:txBody>
+      </p:sp>
+    </p:spTree>
+    <p:extLst>
+      <p:ext uri="{BB962C8B-B14F-4D97-AF65-F5344CB8AC3E}">
+        <p14:creationId xmlns:p14="http://schemas.microsoft.com/office/powerpoint/2010/main" val="3512501748"/>
+      </p:ext>
+    </p:extLst>
+  </p:cSld>
+  <p:clrMapOvr>
+    <a:masterClrMapping/>
+  </p:clrMapOvr>
+</p:sldLayout>
+</file>
+
+<file path=ppt/slideLayouts/slideLayout33.xml><?xml version="1.0" encoding="utf-8"?>
+<p:sldLayout xmlns:a="http://schemas.openxmlformats.org/drawingml/2006/main" xmlns:r="http://schemas.openxmlformats.org/officeDocument/2006/relationships" xmlns:p="http://schemas.openxmlformats.org/presentationml/2006/main" type="vertTitleAndTx" preserve="1">
+  <p:cSld name="Vertical Title and Text">
+    <p:spTree>
+      <p:nvGrpSpPr>
+        <p:cNvPr id="1" name=""/>
+        <p:cNvGrpSpPr/>
+        <p:nvPr/>
+      </p:nvGrpSpPr>
+      <p:grpSpPr>
+        <a:xfrm>
+          <a:off x="0" y="0"/>
+          <a:ext cx="0" cy="0"/>
+          <a:chOff x="0" y="0"/>
+          <a:chExt cx="0" cy="0"/>
+        </a:xfrm>
+      </p:grpSpPr>
+      <p:sp>
+        <p:nvSpPr>
+          <p:cNvPr id="2" name="Vertical Title 1">
+            <a:extLst>
+              <a:ext uri="{FF2B5EF4-FFF2-40B4-BE49-F238E27FC236}">
+                <a16:creationId xmlns:a16="http://schemas.microsoft.com/office/drawing/2014/main" id="{2DF81137-5C3D-4D8E-B556-AFC72509EFB7}"/>
+              </a:ext>
+            </a:extLst>
+          </p:cNvPr>
+          <p:cNvSpPr>
+            <a:spLocks noGrp="1"/>
+          </p:cNvSpPr>
+          <p:nvPr>
+            <p:ph type="title" orient="vert"/>
+          </p:nvPr>
+        </p:nvSpPr>
+        <p:spPr>
+          <a:xfrm>
+            <a:off x="8724900" y="365125"/>
+            <a:ext cx="2628900" cy="5811838"/>
+          </a:xfrm>
+        </p:spPr>
+        <p:txBody>
+          <a:bodyPr vert="eaVert"/>
+          <a:lstStyle/>
+          <a:p>
+            <a:r>
+              <a:rPr lang="en-US"/>
+              <a:t>Click to edit Master title style</a:t>
+            </a:r>
+          </a:p>
+        </p:txBody>
+      </p:sp>
+      <p:sp>
+        <p:nvSpPr>
+          <p:cNvPr id="3" name="Vertical Text Placeholder 2">
+            <a:extLst>
+              <a:ext uri="{FF2B5EF4-FFF2-40B4-BE49-F238E27FC236}">
+                <a16:creationId xmlns:a16="http://schemas.microsoft.com/office/drawing/2014/main" id="{841C4720-160B-491C-ACCB-CC8BD3BE7598}"/>
+              </a:ext>
+            </a:extLst>
+          </p:cNvPr>
+          <p:cNvSpPr>
+            <a:spLocks noGrp="1"/>
+          </p:cNvSpPr>
+          <p:nvPr>
+            <p:ph type="body" orient="vert" idx="1"/>
+          </p:nvPr>
+        </p:nvSpPr>
+        <p:spPr>
+          <a:xfrm>
+            <a:off x="838200" y="365125"/>
+            <a:ext cx="7734300" cy="5811838"/>
+          </a:xfrm>
+        </p:spPr>
+        <p:txBody>
+          <a:bodyPr vert="eaVert"/>
+          <a:lstStyle/>
+          <a:p>
+            <a:pPr lvl="0"/>
+            <a:r>
+              <a:rPr lang="en-US"/>
+              <a:t>Click to edit Master text styles</a:t>
+            </a:r>
+          </a:p>
+          <a:p>
+            <a:pPr lvl="1"/>
+            <a:r>
+              <a:rPr lang="en-US"/>
+              <a:t>Second level</a:t>
+            </a:r>
+          </a:p>
+          <a:p>
+            <a:pPr lvl="2"/>
+            <a:r>
+              <a:rPr lang="en-US"/>
+              <a:t>Third level</a:t>
+            </a:r>
+          </a:p>
+          <a:p>
+            <a:pPr lvl="3"/>
+            <a:r>
+              <a:rPr lang="en-US"/>
+              <a:t>Fourth level</a:t>
+            </a:r>
+          </a:p>
+          <a:p>
+            <a:pPr lvl="4"/>
+            <a:r>
+              <a:rPr lang="en-US"/>
+              <a:t>Fifth level</a:t>
+            </a:r>
+          </a:p>
+        </p:txBody>
+      </p:sp>
+      <p:sp>
+        <p:nvSpPr>
+          <p:cNvPr id="4" name="Date Placeholder 3">
+            <a:extLst>
+              <a:ext uri="{FF2B5EF4-FFF2-40B4-BE49-F238E27FC236}">
+                <a16:creationId xmlns:a16="http://schemas.microsoft.com/office/drawing/2014/main" id="{8140065C-7AC5-4A96-9C9E-377DCBD38B84}"/>
+              </a:ext>
+            </a:extLst>
+          </p:cNvPr>
+          <p:cNvSpPr>
+            <a:spLocks noGrp="1"/>
+          </p:cNvSpPr>
+          <p:nvPr>
+            <p:ph type="dt" sz="half" idx="10"/>
+          </p:nvPr>
+        </p:nvSpPr>
+        <p:spPr/>
+        <p:txBody>
+          <a:bodyPr/>
+          <a:lstStyle/>
+          <a:p>
+            <a:fld id="{CA64DACF-0490-4513-965E-569F8E1539D0}" type="datetimeFigureOut">
+              <a:rPr lang="en-US" smtClean="0"/>
+              <a:t>1/28/2021</a:t>
+            </a:fld>
+            <a:endParaRPr lang="en-US"/>
+          </a:p>
+        </p:txBody>
+      </p:sp>
+      <p:sp>
+        <p:nvSpPr>
+          <p:cNvPr id="5" name="Footer Placeholder 4">
+            <a:extLst>
+              <a:ext uri="{FF2B5EF4-FFF2-40B4-BE49-F238E27FC236}">
+                <a16:creationId xmlns:a16="http://schemas.microsoft.com/office/drawing/2014/main" id="{D87C98C2-7787-4BEE-9E7B-0883B9BD1933}"/>
+              </a:ext>
+            </a:extLst>
+          </p:cNvPr>
+          <p:cNvSpPr>
+            <a:spLocks noGrp="1"/>
+          </p:cNvSpPr>
+          <p:nvPr>
+            <p:ph type="ftr" sz="quarter" idx="11"/>
+          </p:nvPr>
+        </p:nvSpPr>
+        <p:spPr/>
+        <p:txBody>
+          <a:bodyPr/>
+          <a:lstStyle/>
+          <a:p>
+            <a:endParaRPr lang="en-US"/>
+          </a:p>
+        </p:txBody>
+      </p:sp>
+      <p:sp>
+        <p:nvSpPr>
+          <p:cNvPr id="6" name="Slide Number Placeholder 5">
+            <a:extLst>
+              <a:ext uri="{FF2B5EF4-FFF2-40B4-BE49-F238E27FC236}">
+                <a16:creationId xmlns:a16="http://schemas.microsoft.com/office/drawing/2014/main" id="{97D08933-31AC-4E34-BCC8-D59117F3F45E}"/>
+              </a:ext>
+            </a:extLst>
+          </p:cNvPr>
+          <p:cNvSpPr>
+            <a:spLocks noGrp="1"/>
+          </p:cNvSpPr>
+          <p:nvPr>
+            <p:ph type="sldNum" sz="quarter" idx="12"/>
+          </p:nvPr>
+        </p:nvSpPr>
+        <p:spPr/>
+        <p:txBody>
+          <a:bodyPr/>
+          <a:lstStyle/>
+          <a:p>
+            <a:fld id="{3D6DF9B0-986F-4795-A48B-B8EE7F1E3507}" type="slidenum">
+              <a:rPr lang="en-US" smtClean="0"/>
+              <a:t>‹#›</a:t>
+            </a:fld>
+            <a:endParaRPr lang="en-US"/>
+          </a:p>
+        </p:txBody>
+      </p:sp>
+    </p:spTree>
+    <p:extLst>
+      <p:ext uri="{BB962C8B-B14F-4D97-AF65-F5344CB8AC3E}">
+        <p14:creationId xmlns:p14="http://schemas.microsoft.com/office/powerpoint/2010/main" val="3539055830"/>
       </p:ext>
     </p:extLst>
   </p:cSld>
@@ -6202,6 +8842,574 @@
 </p:sldMaster>
 </file>
 
+<file path=ppt/slideMasters/slideMaster3.xml><?xml version="1.0" encoding="utf-8"?>
+<p:sldMaster xmlns:a="http://schemas.openxmlformats.org/drawingml/2006/main" xmlns:r="http://schemas.openxmlformats.org/officeDocument/2006/relationships" xmlns:p="http://schemas.openxmlformats.org/presentationml/2006/main">
+  <p:cSld>
+    <p:bg>
+      <p:bgRef idx="1001">
+        <a:schemeClr val="bg1"/>
+      </p:bgRef>
+    </p:bg>
+    <p:spTree>
+      <p:nvGrpSpPr>
+        <p:cNvPr id="1" name=""/>
+        <p:cNvGrpSpPr/>
+        <p:nvPr/>
+      </p:nvGrpSpPr>
+      <p:grpSpPr>
+        <a:xfrm>
+          <a:off x="0" y="0"/>
+          <a:ext cx="0" cy="0"/>
+          <a:chOff x="0" y="0"/>
+          <a:chExt cx="0" cy="0"/>
+        </a:xfrm>
+      </p:grpSpPr>
+      <p:sp>
+        <p:nvSpPr>
+          <p:cNvPr id="2" name="Title Placeholder 1">
+            <a:extLst>
+              <a:ext uri="{FF2B5EF4-FFF2-40B4-BE49-F238E27FC236}">
+                <a16:creationId xmlns:a16="http://schemas.microsoft.com/office/drawing/2014/main" id="{F539F9C0-2E94-40AF-847C-F3790B78425D}"/>
+              </a:ext>
+            </a:extLst>
+          </p:cNvPr>
+          <p:cNvSpPr>
+            <a:spLocks noGrp="1"/>
+          </p:cNvSpPr>
+          <p:nvPr>
+            <p:ph type="title"/>
+          </p:nvPr>
+        </p:nvSpPr>
+        <p:spPr>
+          <a:xfrm>
+            <a:off x="838200" y="365125"/>
+            <a:ext cx="10515600" cy="1325563"/>
+          </a:xfrm>
+          <a:prstGeom prst="rect">
+            <a:avLst/>
+          </a:prstGeom>
+        </p:spPr>
+        <p:txBody>
+          <a:bodyPr vert="horz" lIns="91440" tIns="45720" rIns="91440" bIns="45720" rtlCol="0" anchor="ctr">
+            <a:normAutofit/>
+          </a:bodyPr>
+          <a:lstStyle/>
+          <a:p>
+            <a:r>
+              <a:rPr lang="en-US"/>
+              <a:t>Click to edit Master title style</a:t>
+            </a:r>
+          </a:p>
+        </p:txBody>
+      </p:sp>
+      <p:sp>
+        <p:nvSpPr>
+          <p:cNvPr id="3" name="Text Placeholder 2">
+            <a:extLst>
+              <a:ext uri="{FF2B5EF4-FFF2-40B4-BE49-F238E27FC236}">
+                <a16:creationId xmlns:a16="http://schemas.microsoft.com/office/drawing/2014/main" id="{31FAA326-C8A8-4441-B8DB-47880A40356D}"/>
+              </a:ext>
+            </a:extLst>
+          </p:cNvPr>
+          <p:cNvSpPr>
+            <a:spLocks noGrp="1"/>
+          </p:cNvSpPr>
+          <p:nvPr>
+            <p:ph type="body" idx="1"/>
+          </p:nvPr>
+        </p:nvSpPr>
+        <p:spPr>
+          <a:xfrm>
+            <a:off x="838200" y="1825625"/>
+            <a:ext cx="10515600" cy="4351338"/>
+          </a:xfrm>
+          <a:prstGeom prst="rect">
+            <a:avLst/>
+          </a:prstGeom>
+        </p:spPr>
+        <p:txBody>
+          <a:bodyPr vert="horz" lIns="91440" tIns="45720" rIns="91440" bIns="45720" rtlCol="0">
+            <a:normAutofit/>
+          </a:bodyPr>
+          <a:lstStyle/>
+          <a:p>
+            <a:pPr lvl="0"/>
+            <a:r>
+              <a:rPr lang="en-US"/>
+              <a:t>Click to edit Master text styles</a:t>
+            </a:r>
+          </a:p>
+          <a:p>
+            <a:pPr lvl="1"/>
+            <a:r>
+              <a:rPr lang="en-US"/>
+              <a:t>Second level</a:t>
+            </a:r>
+          </a:p>
+          <a:p>
+            <a:pPr lvl="2"/>
+            <a:r>
+              <a:rPr lang="en-US"/>
+              <a:t>Third level</a:t>
+            </a:r>
+          </a:p>
+          <a:p>
+            <a:pPr lvl="3"/>
+            <a:r>
+              <a:rPr lang="en-US"/>
+              <a:t>Fourth level</a:t>
+            </a:r>
+          </a:p>
+          <a:p>
+            <a:pPr lvl="4"/>
+            <a:r>
+              <a:rPr lang="en-US"/>
+              <a:t>Fifth level</a:t>
+            </a:r>
+          </a:p>
+        </p:txBody>
+      </p:sp>
+      <p:sp>
+        <p:nvSpPr>
+          <p:cNvPr id="4" name="Date Placeholder 3">
+            <a:extLst>
+              <a:ext uri="{FF2B5EF4-FFF2-40B4-BE49-F238E27FC236}">
+                <a16:creationId xmlns:a16="http://schemas.microsoft.com/office/drawing/2014/main" id="{29577FC2-9D0C-4E24-929A-9E26AEEA33B7}"/>
+              </a:ext>
+            </a:extLst>
+          </p:cNvPr>
+          <p:cNvSpPr>
+            <a:spLocks noGrp="1"/>
+          </p:cNvSpPr>
+          <p:nvPr>
+            <p:ph type="dt" sz="half" idx="2"/>
+          </p:nvPr>
+        </p:nvSpPr>
+        <p:spPr>
+          <a:xfrm>
+            <a:off x="838200" y="6356350"/>
+            <a:ext cx="2743200" cy="365125"/>
+          </a:xfrm>
+          <a:prstGeom prst="rect">
+            <a:avLst/>
+          </a:prstGeom>
+        </p:spPr>
+        <p:txBody>
+          <a:bodyPr vert="horz" lIns="91440" tIns="45720" rIns="91440" bIns="45720" rtlCol="0" anchor="ctr"/>
+          <a:lstStyle>
+            <a:lvl1pPr algn="l">
+              <a:defRPr sz="1200">
+                <a:solidFill>
+                  <a:schemeClr val="tx1">
+                    <a:tint val="75000"/>
+                  </a:schemeClr>
+                </a:solidFill>
+              </a:defRPr>
+            </a:lvl1pPr>
+          </a:lstStyle>
+          <a:p>
+            <a:fld id="{CA64DACF-0490-4513-965E-569F8E1539D0}" type="datetimeFigureOut">
+              <a:rPr lang="en-US" smtClean="0"/>
+              <a:t>1/28/2021</a:t>
+            </a:fld>
+            <a:endParaRPr lang="en-US"/>
+          </a:p>
+        </p:txBody>
+      </p:sp>
+      <p:sp>
+        <p:nvSpPr>
+          <p:cNvPr id="5" name="Footer Placeholder 4">
+            <a:extLst>
+              <a:ext uri="{FF2B5EF4-FFF2-40B4-BE49-F238E27FC236}">
+                <a16:creationId xmlns:a16="http://schemas.microsoft.com/office/drawing/2014/main" id="{112BB21C-C92D-44C0-B756-96753E9B3FBE}"/>
+              </a:ext>
+            </a:extLst>
+          </p:cNvPr>
+          <p:cNvSpPr>
+            <a:spLocks noGrp="1"/>
+          </p:cNvSpPr>
+          <p:nvPr>
+            <p:ph type="ftr" sz="quarter" idx="3"/>
+          </p:nvPr>
+        </p:nvSpPr>
+        <p:spPr>
+          <a:xfrm>
+            <a:off x="4038600" y="6356350"/>
+            <a:ext cx="4114800" cy="365125"/>
+          </a:xfrm>
+          <a:prstGeom prst="rect">
+            <a:avLst/>
+          </a:prstGeom>
+        </p:spPr>
+        <p:txBody>
+          <a:bodyPr vert="horz" lIns="91440" tIns="45720" rIns="91440" bIns="45720" rtlCol="0" anchor="ctr"/>
+          <a:lstStyle>
+            <a:lvl1pPr algn="ctr">
+              <a:defRPr sz="1200">
+                <a:solidFill>
+                  <a:schemeClr val="tx1">
+                    <a:tint val="75000"/>
+                  </a:schemeClr>
+                </a:solidFill>
+              </a:defRPr>
+            </a:lvl1pPr>
+          </a:lstStyle>
+          <a:p>
+            <a:endParaRPr lang="en-US"/>
+          </a:p>
+        </p:txBody>
+      </p:sp>
+      <p:sp>
+        <p:nvSpPr>
+          <p:cNvPr id="6" name="Slide Number Placeholder 5">
+            <a:extLst>
+              <a:ext uri="{FF2B5EF4-FFF2-40B4-BE49-F238E27FC236}">
+                <a16:creationId xmlns:a16="http://schemas.microsoft.com/office/drawing/2014/main" id="{561D180D-E38F-465E-A390-518981BB8E09}"/>
+              </a:ext>
+            </a:extLst>
+          </p:cNvPr>
+          <p:cNvSpPr>
+            <a:spLocks noGrp="1"/>
+          </p:cNvSpPr>
+          <p:nvPr>
+            <p:ph type="sldNum" sz="quarter" idx="4"/>
+          </p:nvPr>
+        </p:nvSpPr>
+        <p:spPr>
+          <a:xfrm>
+            <a:off x="8610600" y="6356350"/>
+            <a:ext cx="2743200" cy="365125"/>
+          </a:xfrm>
+          <a:prstGeom prst="rect">
+            <a:avLst/>
+          </a:prstGeom>
+        </p:spPr>
+        <p:txBody>
+          <a:bodyPr vert="horz" lIns="91440" tIns="45720" rIns="91440" bIns="45720" rtlCol="0" anchor="ctr"/>
+          <a:lstStyle>
+            <a:lvl1pPr algn="r">
+              <a:defRPr sz="1200">
+                <a:solidFill>
+                  <a:schemeClr val="tx1">
+                    <a:tint val="75000"/>
+                  </a:schemeClr>
+                </a:solidFill>
+              </a:defRPr>
+            </a:lvl1pPr>
+          </a:lstStyle>
+          <a:p>
+            <a:fld id="{3D6DF9B0-986F-4795-A48B-B8EE7F1E3507}" type="slidenum">
+              <a:rPr lang="en-US" smtClean="0"/>
+              <a:t>‹#›</a:t>
+            </a:fld>
+            <a:endParaRPr lang="en-US"/>
+          </a:p>
+        </p:txBody>
+      </p:sp>
+    </p:spTree>
+    <p:extLst>
+      <p:ext uri="{BB962C8B-B14F-4D97-AF65-F5344CB8AC3E}">
+        <p14:creationId xmlns:p14="http://schemas.microsoft.com/office/powerpoint/2010/main" val="607477027"/>
+      </p:ext>
+    </p:extLst>
+  </p:cSld>
+  <p:clrMap bg1="lt1" tx1="dk1" bg2="lt2" tx2="dk2" accent1="accent1" accent2="accent2" accent3="accent3" accent4="accent4" accent5="accent5" accent6="accent6" hlink="hlink" folHlink="folHlink"/>
+  <p:sldLayoutIdLst>
+    <p:sldLayoutId id="2147483841" r:id="rId1"/>
+    <p:sldLayoutId id="2147483842" r:id="rId2"/>
+    <p:sldLayoutId id="2147483843" r:id="rId3"/>
+    <p:sldLayoutId id="2147483844" r:id="rId4"/>
+    <p:sldLayoutId id="2147483845" r:id="rId5"/>
+    <p:sldLayoutId id="2147483846" r:id="rId6"/>
+    <p:sldLayoutId id="2147483847" r:id="rId7"/>
+    <p:sldLayoutId id="2147483848" r:id="rId8"/>
+    <p:sldLayoutId id="2147483849" r:id="rId9"/>
+    <p:sldLayoutId id="2147483850" r:id="rId10"/>
+    <p:sldLayoutId id="2147483851" r:id="rId11"/>
+  </p:sldLayoutIdLst>
+  <p:txStyles>
+    <p:titleStyle>
+      <a:lvl1pPr algn="l" defTabSz="914400" rtl="0" eaLnBrk="1" latinLnBrk="0" hangingPunct="1">
+        <a:lnSpc>
+          <a:spcPct val="90000"/>
+        </a:lnSpc>
+        <a:spcBef>
+          <a:spcPct val="0"/>
+        </a:spcBef>
+        <a:buNone/>
+        <a:defRPr sz="4400" kern="1200">
+          <a:solidFill>
+            <a:schemeClr val="tx1"/>
+          </a:solidFill>
+          <a:latin typeface="+mj-lt"/>
+          <a:ea typeface="+mj-ea"/>
+          <a:cs typeface="+mj-cs"/>
+        </a:defRPr>
+      </a:lvl1pPr>
+    </p:titleStyle>
+    <p:bodyStyle>
+      <a:lvl1pPr marL="228600" indent="-228600" algn="l" defTabSz="914400" rtl="0" eaLnBrk="1" latinLnBrk="0" hangingPunct="1">
+        <a:lnSpc>
+          <a:spcPct val="90000"/>
+        </a:lnSpc>
+        <a:spcBef>
+          <a:spcPts val="1000"/>
+        </a:spcBef>
+        <a:buFont typeface="Arial" panose="020B0604020202020204" pitchFamily="34" charset="0"/>
+        <a:buChar char="•"/>
+        <a:defRPr sz="2800" kern="1200">
+          <a:solidFill>
+            <a:schemeClr val="tx1"/>
+          </a:solidFill>
+          <a:latin typeface="+mn-lt"/>
+          <a:ea typeface="+mn-ea"/>
+          <a:cs typeface="+mn-cs"/>
+        </a:defRPr>
+      </a:lvl1pPr>
+      <a:lvl2pPr marL="685800" indent="-228600" algn="l" defTabSz="914400" rtl="0" eaLnBrk="1" latinLnBrk="0" hangingPunct="1">
+        <a:lnSpc>
+          <a:spcPct val="90000"/>
+        </a:lnSpc>
+        <a:spcBef>
+          <a:spcPts val="500"/>
+        </a:spcBef>
+        <a:buFont typeface="Arial" panose="020B0604020202020204" pitchFamily="34" charset="0"/>
+        <a:buChar char="•"/>
+        <a:defRPr sz="2400" kern="1200">
+          <a:solidFill>
+            <a:schemeClr val="tx1"/>
+          </a:solidFill>
+          <a:latin typeface="+mn-lt"/>
+          <a:ea typeface="+mn-ea"/>
+          <a:cs typeface="+mn-cs"/>
+        </a:defRPr>
+      </a:lvl2pPr>
+      <a:lvl3pPr marL="1143000" indent="-228600" algn="l" defTabSz="914400" rtl="0" eaLnBrk="1" latinLnBrk="0" hangingPunct="1">
+        <a:lnSpc>
+          <a:spcPct val="90000"/>
+        </a:lnSpc>
+        <a:spcBef>
+          <a:spcPts val="500"/>
+        </a:spcBef>
+        <a:buFont typeface="Arial" panose="020B0604020202020204" pitchFamily="34" charset="0"/>
+        <a:buChar char="•"/>
+        <a:defRPr sz="2000" kern="1200">
+          <a:solidFill>
+            <a:schemeClr val="tx1"/>
+          </a:solidFill>
+          <a:latin typeface="+mn-lt"/>
+          <a:ea typeface="+mn-ea"/>
+          <a:cs typeface="+mn-cs"/>
+        </a:defRPr>
+      </a:lvl3pPr>
+      <a:lvl4pPr marL="1600200" indent="-228600" algn="l" defTabSz="914400" rtl="0" eaLnBrk="1" latinLnBrk="0" hangingPunct="1">
+        <a:lnSpc>
+          <a:spcPct val="90000"/>
+        </a:lnSpc>
+        <a:spcBef>
+          <a:spcPts val="500"/>
+        </a:spcBef>
+        <a:buFont typeface="Arial" panose="020B0604020202020204" pitchFamily="34" charset="0"/>
+        <a:buChar char="•"/>
+        <a:defRPr sz="1800" kern="1200">
+          <a:solidFill>
+            <a:schemeClr val="tx1"/>
+          </a:solidFill>
+          <a:latin typeface="+mn-lt"/>
+          <a:ea typeface="+mn-ea"/>
+          <a:cs typeface="+mn-cs"/>
+        </a:defRPr>
+      </a:lvl4pPr>
+      <a:lvl5pPr marL="2057400" indent="-228600" algn="l" defTabSz="914400" rtl="0" eaLnBrk="1" latinLnBrk="0" hangingPunct="1">
+        <a:lnSpc>
+          <a:spcPct val="90000"/>
+        </a:lnSpc>
+        <a:spcBef>
+          <a:spcPts val="500"/>
+        </a:spcBef>
+        <a:buFont typeface="Arial" panose="020B0604020202020204" pitchFamily="34" charset="0"/>
+        <a:buChar char="•"/>
+        <a:defRPr sz="1800" kern="1200">
+          <a:solidFill>
+            <a:schemeClr val="tx1"/>
+          </a:solidFill>
+          <a:latin typeface="+mn-lt"/>
+          <a:ea typeface="+mn-ea"/>
+          <a:cs typeface="+mn-cs"/>
+        </a:defRPr>
+      </a:lvl5pPr>
+      <a:lvl6pPr marL="2514600" indent="-228600" algn="l" defTabSz="914400" rtl="0" eaLnBrk="1" latinLnBrk="0" hangingPunct="1">
+        <a:lnSpc>
+          <a:spcPct val="90000"/>
+        </a:lnSpc>
+        <a:spcBef>
+          <a:spcPts val="500"/>
+        </a:spcBef>
+        <a:buFont typeface="Arial" panose="020B0604020202020204" pitchFamily="34" charset="0"/>
+        <a:buChar char="•"/>
+        <a:defRPr sz="1800" kern="1200">
+          <a:solidFill>
+            <a:schemeClr val="tx1"/>
+          </a:solidFill>
+          <a:latin typeface="+mn-lt"/>
+          <a:ea typeface="+mn-ea"/>
+          <a:cs typeface="+mn-cs"/>
+        </a:defRPr>
+      </a:lvl6pPr>
+      <a:lvl7pPr marL="2971800" indent="-228600" algn="l" defTabSz="914400" rtl="0" eaLnBrk="1" latinLnBrk="0" hangingPunct="1">
+        <a:lnSpc>
+          <a:spcPct val="90000"/>
+        </a:lnSpc>
+        <a:spcBef>
+          <a:spcPts val="500"/>
+        </a:spcBef>
+        <a:buFont typeface="Arial" panose="020B0604020202020204" pitchFamily="34" charset="0"/>
+        <a:buChar char="•"/>
+        <a:defRPr sz="1800" kern="1200">
+          <a:solidFill>
+            <a:schemeClr val="tx1"/>
+          </a:solidFill>
+          <a:latin typeface="+mn-lt"/>
+          <a:ea typeface="+mn-ea"/>
+          <a:cs typeface="+mn-cs"/>
+        </a:defRPr>
+      </a:lvl7pPr>
+      <a:lvl8pPr marL="3429000" indent="-228600" algn="l" defTabSz="914400" rtl="0" eaLnBrk="1" latinLnBrk="0" hangingPunct="1">
+        <a:lnSpc>
+          <a:spcPct val="90000"/>
+        </a:lnSpc>
+        <a:spcBef>
+          <a:spcPts val="500"/>
+        </a:spcBef>
+        <a:buFont typeface="Arial" panose="020B0604020202020204" pitchFamily="34" charset="0"/>
+        <a:buChar char="•"/>
+        <a:defRPr sz="1800" kern="1200">
+          <a:solidFill>
+            <a:schemeClr val="tx1"/>
+          </a:solidFill>
+          <a:latin typeface="+mn-lt"/>
+          <a:ea typeface="+mn-ea"/>
+          <a:cs typeface="+mn-cs"/>
+        </a:defRPr>
+      </a:lvl8pPr>
+      <a:lvl9pPr marL="3886200" indent="-228600" algn="l" defTabSz="914400" rtl="0" eaLnBrk="1" latinLnBrk="0" hangingPunct="1">
+        <a:lnSpc>
+          <a:spcPct val="90000"/>
+        </a:lnSpc>
+        <a:spcBef>
+          <a:spcPts val="500"/>
+        </a:spcBef>
+        <a:buFont typeface="Arial" panose="020B0604020202020204" pitchFamily="34" charset="0"/>
+        <a:buChar char="•"/>
+        <a:defRPr sz="1800" kern="1200">
+          <a:solidFill>
+            <a:schemeClr val="tx1"/>
+          </a:solidFill>
+          <a:latin typeface="+mn-lt"/>
+          <a:ea typeface="+mn-ea"/>
+          <a:cs typeface="+mn-cs"/>
+        </a:defRPr>
+      </a:lvl9pPr>
+    </p:bodyStyle>
+    <p:otherStyle>
+      <a:defPPr>
+        <a:defRPr lang="en-US"/>
+      </a:defPPr>
+      <a:lvl1pPr marL="0" algn="l" defTabSz="914400" rtl="0" eaLnBrk="1" latinLnBrk="0" hangingPunct="1">
+        <a:defRPr sz="1800" kern="1200">
+          <a:solidFill>
+            <a:schemeClr val="tx1"/>
+          </a:solidFill>
+          <a:latin typeface="+mn-lt"/>
+          <a:ea typeface="+mn-ea"/>
+          <a:cs typeface="+mn-cs"/>
+        </a:defRPr>
+      </a:lvl1pPr>
+      <a:lvl2pPr marL="457200" algn="l" defTabSz="914400" rtl="0" eaLnBrk="1" latinLnBrk="0" hangingPunct="1">
+        <a:defRPr sz="1800" kern="1200">
+          <a:solidFill>
+            <a:schemeClr val="tx1"/>
+          </a:solidFill>
+          <a:latin typeface="+mn-lt"/>
+          <a:ea typeface="+mn-ea"/>
+          <a:cs typeface="+mn-cs"/>
+        </a:defRPr>
+      </a:lvl2pPr>
+      <a:lvl3pPr marL="914400" algn="l" defTabSz="914400" rtl="0" eaLnBrk="1" latinLnBrk="0" hangingPunct="1">
+        <a:defRPr sz="1800" kern="1200">
+          <a:solidFill>
+            <a:schemeClr val="tx1"/>
+          </a:solidFill>
+          <a:latin typeface="+mn-lt"/>
+          <a:ea typeface="+mn-ea"/>
+          <a:cs typeface="+mn-cs"/>
+        </a:defRPr>
+      </a:lvl3pPr>
+      <a:lvl4pPr marL="1371600" algn="l" defTabSz="914400" rtl="0" eaLnBrk="1" latinLnBrk="0" hangingPunct="1">
+        <a:defRPr sz="1800" kern="1200">
+          <a:solidFill>
+            <a:schemeClr val="tx1"/>
+          </a:solidFill>
+          <a:latin typeface="+mn-lt"/>
+          <a:ea typeface="+mn-ea"/>
+          <a:cs typeface="+mn-cs"/>
+        </a:defRPr>
+      </a:lvl4pPr>
+      <a:lvl5pPr marL="1828800" algn="l" defTabSz="914400" rtl="0" eaLnBrk="1" latinLnBrk="0" hangingPunct="1">
+        <a:defRPr sz="1800" kern="1200">
+          <a:solidFill>
+            <a:schemeClr val="tx1"/>
+          </a:solidFill>
+          <a:latin typeface="+mn-lt"/>
+          <a:ea typeface="+mn-ea"/>
+          <a:cs typeface="+mn-cs"/>
+        </a:defRPr>
+      </a:lvl5pPr>
+      <a:lvl6pPr marL="2286000" algn="l" defTabSz="914400" rtl="0" eaLnBrk="1" latinLnBrk="0" hangingPunct="1">
+        <a:defRPr sz="1800" kern="1200">
+          <a:solidFill>
+            <a:schemeClr val="tx1"/>
+          </a:solidFill>
+          <a:latin typeface="+mn-lt"/>
+          <a:ea typeface="+mn-ea"/>
+          <a:cs typeface="+mn-cs"/>
+        </a:defRPr>
+      </a:lvl6pPr>
+      <a:lvl7pPr marL="2743200" algn="l" defTabSz="914400" rtl="0" eaLnBrk="1" latinLnBrk="0" hangingPunct="1">
+        <a:defRPr sz="1800" kern="1200">
+          <a:solidFill>
+            <a:schemeClr val="tx1"/>
+          </a:solidFill>
+          <a:latin typeface="+mn-lt"/>
+          <a:ea typeface="+mn-ea"/>
+          <a:cs typeface="+mn-cs"/>
+        </a:defRPr>
+      </a:lvl7pPr>
+      <a:lvl8pPr marL="3200400" algn="l" defTabSz="914400" rtl="0" eaLnBrk="1" latinLnBrk="0" hangingPunct="1">
+        <a:defRPr sz="1800" kern="1200">
+          <a:solidFill>
+            <a:schemeClr val="tx1"/>
+          </a:solidFill>
+          <a:latin typeface="+mn-lt"/>
+          <a:ea typeface="+mn-ea"/>
+          <a:cs typeface="+mn-cs"/>
+        </a:defRPr>
+      </a:lvl8pPr>
+      <a:lvl9pPr marL="3657600" algn="l" defTabSz="914400" rtl="0" eaLnBrk="1" latinLnBrk="0" hangingPunct="1">
+        <a:defRPr sz="1800" kern="1200">
+          <a:solidFill>
+            <a:schemeClr val="tx1"/>
+          </a:solidFill>
+          <a:latin typeface="+mn-lt"/>
+          <a:ea typeface="+mn-ea"/>
+          <a:cs typeface="+mn-cs"/>
+        </a:defRPr>
+      </a:lvl9pPr>
+    </p:otherStyle>
+  </p:txStyles>
+</p:sldMaster>
+</file>
+
 <file path=ppt/slides/slide1.xml><?xml version="1.0" encoding="utf-8"?>
 <p:sld xmlns:a="http://schemas.openxmlformats.org/drawingml/2006/main" xmlns:r="http://schemas.openxmlformats.org/officeDocument/2006/relationships" xmlns:p="http://schemas.openxmlformats.org/presentationml/2006/main">
   <p:cSld>
@@ -6738,6 +9946,431 @@
           <p:cNvPr id="2" name="Title 1">
             <a:extLst>
               <a:ext uri="{FF2B5EF4-FFF2-40B4-BE49-F238E27FC236}">
+                <a16:creationId xmlns:a16="http://schemas.microsoft.com/office/drawing/2014/main" id="{0CB25684-7F5B-420E-8932-77E78167E4E0}"/>
+              </a:ext>
+            </a:extLst>
+          </p:cNvPr>
+          <p:cNvSpPr>
+            <a:spLocks noGrp="1"/>
+          </p:cNvSpPr>
+          <p:nvPr>
+            <p:ph type="title"/>
+          </p:nvPr>
+        </p:nvSpPr>
+        <p:spPr>
+          <a:xfrm>
+            <a:off x="745724" y="365125"/>
+            <a:ext cx="310719" cy="6168839"/>
+          </a:xfrm>
+        </p:spPr>
+        <p:txBody>
+          <a:bodyPr vert="vert270">
+            <a:noAutofit/>
+          </a:bodyPr>
+          <a:lstStyle/>
+          <a:p>
+            <a:pPr algn="ctr"/>
+            <a:r>
+              <a:rPr lang="de-DE" sz="3600" dirty="0">
+                <a:latin typeface="Adobe Heiti Std R" panose="020B0400000000000000" pitchFamily="34" charset="-128"/>
+                <a:ea typeface="Adobe Heiti Std R" panose="020B0400000000000000" pitchFamily="34" charset="-128"/>
+              </a:rPr>
+              <a:t>Activity Diagram</a:t>
+            </a:r>
+          </a:p>
+        </p:txBody>
+      </p:sp>
+      <p:pic>
+        <p:nvPicPr>
+          <p:cNvPr id="4" name="Picture 3">
+            <a:extLst>
+              <a:ext uri="{FF2B5EF4-FFF2-40B4-BE49-F238E27FC236}">
+                <a16:creationId xmlns:a16="http://schemas.microsoft.com/office/drawing/2014/main" id="{0145F686-4275-4B2C-ACD4-9D5BB7BE5AEB}"/>
+              </a:ext>
+            </a:extLst>
+          </p:cNvPr>
+          <p:cNvPicPr>
+            <a:picLocks noChangeAspect="1"/>
+          </p:cNvPicPr>
+          <p:nvPr/>
+        </p:nvPicPr>
+        <p:blipFill>
+          <a:blip r:embed="rId2">
+            <a:extLst>
+              <a:ext uri="{28A0092B-C50C-407E-A947-70E740481C1C}">
+                <a14:useLocalDpi xmlns:a14="http://schemas.microsoft.com/office/drawing/2010/main" val="0"/>
+              </a:ext>
+            </a:extLst>
+          </a:blip>
+          <a:stretch>
+            <a:fillRect/>
+          </a:stretch>
+        </p:blipFill>
+        <p:spPr>
+          <a:xfrm>
+            <a:off x="3942146" y="0"/>
+            <a:ext cx="4307707" cy="6858000"/>
+          </a:xfrm>
+          <a:prstGeom prst="rect">
+            <a:avLst/>
+          </a:prstGeom>
+        </p:spPr>
+      </p:pic>
+    </p:spTree>
+    <p:extLst>
+      <p:ext uri="{BB962C8B-B14F-4D97-AF65-F5344CB8AC3E}">
+        <p14:creationId xmlns:p14="http://schemas.microsoft.com/office/powerpoint/2010/main" val="1095426782"/>
+      </p:ext>
+    </p:extLst>
+  </p:cSld>
+  <p:clrMapOvr>
+    <a:masterClrMapping/>
+  </p:clrMapOvr>
+</p:sld>
+</file>
+
+<file path=ppt/slides/slide11.xml><?xml version="1.0" encoding="utf-8"?>
+<p:sld xmlns:a="http://schemas.openxmlformats.org/drawingml/2006/main" xmlns:r="http://schemas.openxmlformats.org/officeDocument/2006/relationships" xmlns:p="http://schemas.openxmlformats.org/presentationml/2006/main">
+  <p:cSld>
+    <p:spTree>
+      <p:nvGrpSpPr>
+        <p:cNvPr id="1" name=""/>
+        <p:cNvGrpSpPr/>
+        <p:nvPr/>
+      </p:nvGrpSpPr>
+      <p:grpSpPr>
+        <a:xfrm>
+          <a:off x="0" y="0"/>
+          <a:ext cx="0" cy="0"/>
+          <a:chOff x="0" y="0"/>
+          <a:chExt cx="0" cy="0"/>
+        </a:xfrm>
+      </p:grpSpPr>
+      <p:sp>
+        <p:nvSpPr>
+          <p:cNvPr id="2" name="Title 1">
+            <a:extLst>
+              <a:ext uri="{FF2B5EF4-FFF2-40B4-BE49-F238E27FC236}">
+                <a16:creationId xmlns:a16="http://schemas.microsoft.com/office/drawing/2014/main" id="{B26FE6E7-74C9-4EB6-9EF1-B4B538DCF0A3}"/>
+              </a:ext>
+            </a:extLst>
+          </p:cNvPr>
+          <p:cNvSpPr>
+            <a:spLocks noGrp="1"/>
+          </p:cNvSpPr>
+          <p:nvPr>
+            <p:ph type="ctrTitle"/>
+          </p:nvPr>
+        </p:nvSpPr>
+        <p:spPr>
+          <a:xfrm>
+            <a:off x="1230217" y="1284936"/>
+            <a:ext cx="4865783" cy="673386"/>
+          </a:xfrm>
+        </p:spPr>
+        <p:txBody>
+          <a:bodyPr>
+            <a:noAutofit/>
+          </a:bodyPr>
+          <a:lstStyle/>
+          <a:p>
+            <a:pPr algn="l"/>
+            <a:r>
+              <a:rPr lang="en-CA" sz="3200" b="1" i="1" u="sng" dirty="0"/>
+              <a:t>Gas Leakage:</a:t>
+            </a:r>
+            <a:endParaRPr lang="en-CA" sz="3200" dirty="0"/>
+          </a:p>
+        </p:txBody>
+      </p:sp>
+      <p:sp>
+        <p:nvSpPr>
+          <p:cNvPr id="3" name="Subtitle 2">
+            <a:extLst>
+              <a:ext uri="{FF2B5EF4-FFF2-40B4-BE49-F238E27FC236}">
+                <a16:creationId xmlns:a16="http://schemas.microsoft.com/office/drawing/2014/main" id="{3FABB114-EE08-46B1-A821-37340EF7E44D}"/>
+              </a:ext>
+            </a:extLst>
+          </p:cNvPr>
+          <p:cNvSpPr>
+            <a:spLocks noGrp="1"/>
+          </p:cNvSpPr>
+          <p:nvPr>
+            <p:ph type="subTitle" idx="1"/>
+          </p:nvPr>
+        </p:nvSpPr>
+        <p:spPr>
+          <a:xfrm>
+            <a:off x="1230217" y="2205346"/>
+            <a:ext cx="9144000" cy="3602068"/>
+          </a:xfrm>
+        </p:spPr>
+        <p:txBody>
+          <a:bodyPr>
+            <a:normAutofit/>
+          </a:bodyPr>
+          <a:lstStyle/>
+          <a:p>
+            <a:pPr algn="l"/>
+            <a:r>
+              <a:rPr lang="en-CA" dirty="0"/>
+              <a:t>Generally in our region, we are highly dependent on gas-controlled stoves. This is, indeed, very dangerous. To make a safer environment in the house, our smart home will include a gas leakage system. This system will generally keep track of gas level in the kitchen vicinity. Once the gas level in the kitchen is more than usual, or out of control, the system will take precautionary measures, such as an alarm system will go off, shutting off the gas flow and on user preference, the windows might open.</a:t>
+            </a:r>
+          </a:p>
+          <a:p>
+            <a:pPr algn="l"/>
+            <a:r>
+              <a:rPr lang="en-CA" dirty="0"/>
+              <a:t>Requirements: Gas sensor, alarm system, Micro-controller.</a:t>
+            </a:r>
+          </a:p>
+        </p:txBody>
+      </p:sp>
+    </p:spTree>
+    <p:extLst>
+      <p:ext uri="{BB962C8B-B14F-4D97-AF65-F5344CB8AC3E}">
+        <p14:creationId xmlns:p14="http://schemas.microsoft.com/office/powerpoint/2010/main" val="3920897765"/>
+      </p:ext>
+    </p:extLst>
+  </p:cSld>
+  <p:clrMapOvr>
+    <a:masterClrMapping/>
+  </p:clrMapOvr>
+</p:sld>
+</file>
+
+<file path=ppt/slides/slide12.xml><?xml version="1.0" encoding="utf-8"?>
+<p:sld xmlns:a="http://schemas.openxmlformats.org/drawingml/2006/main" xmlns:r="http://schemas.openxmlformats.org/officeDocument/2006/relationships" xmlns:p="http://schemas.openxmlformats.org/presentationml/2006/main">
+  <p:cSld>
+    <p:spTree>
+      <p:nvGrpSpPr>
+        <p:cNvPr id="1" name=""/>
+        <p:cNvGrpSpPr/>
+        <p:nvPr/>
+      </p:nvGrpSpPr>
+      <p:grpSpPr>
+        <a:xfrm>
+          <a:off x="0" y="0"/>
+          <a:ext cx="0" cy="0"/>
+          <a:chOff x="0" y="0"/>
+          <a:chExt cx="0" cy="0"/>
+        </a:xfrm>
+      </p:grpSpPr>
+      <p:sp>
+        <p:nvSpPr>
+          <p:cNvPr id="2" name="Title 1">
+            <a:extLst>
+              <a:ext uri="{FF2B5EF4-FFF2-40B4-BE49-F238E27FC236}">
+                <a16:creationId xmlns:a16="http://schemas.microsoft.com/office/drawing/2014/main" id="{0CB25684-7F5B-420E-8932-77E78167E4E0}"/>
+              </a:ext>
+            </a:extLst>
+          </p:cNvPr>
+          <p:cNvSpPr>
+            <a:spLocks noGrp="1"/>
+          </p:cNvSpPr>
+          <p:nvPr>
+            <p:ph type="title"/>
+          </p:nvPr>
+        </p:nvSpPr>
+        <p:spPr>
+          <a:xfrm>
+            <a:off x="498074" y="344580"/>
+            <a:ext cx="310719" cy="6168839"/>
+          </a:xfrm>
+        </p:spPr>
+        <p:txBody>
+          <a:bodyPr vert="vert270">
+            <a:noAutofit/>
+          </a:bodyPr>
+          <a:lstStyle/>
+          <a:p>
+            <a:pPr algn="ctr"/>
+            <a:r>
+              <a:rPr lang="de-DE" sz="3600" dirty="0">
+                <a:latin typeface="Adobe Heiti Std R" panose="020B0400000000000000" pitchFamily="34" charset="-128"/>
+                <a:ea typeface="Adobe Heiti Std R" panose="020B0400000000000000" pitchFamily="34" charset="-128"/>
+              </a:rPr>
+              <a:t>Sequence Diagram</a:t>
+            </a:r>
+          </a:p>
+        </p:txBody>
+      </p:sp>
+      <p:pic>
+        <p:nvPicPr>
+          <p:cNvPr id="4" name="Picture 3" descr="Diagram&#10;&#10;Description automatically generated">
+            <a:extLst>
+              <a:ext uri="{FF2B5EF4-FFF2-40B4-BE49-F238E27FC236}">
+                <a16:creationId xmlns:a16="http://schemas.microsoft.com/office/drawing/2014/main" id="{C7988A35-81A7-4670-975C-37904E605542}"/>
+              </a:ext>
+            </a:extLst>
+          </p:cNvPr>
+          <p:cNvPicPr>
+            <a:picLocks noChangeAspect="1"/>
+          </p:cNvPicPr>
+          <p:nvPr/>
+        </p:nvPicPr>
+        <p:blipFill>
+          <a:blip r:embed="rId2">
+            <a:extLst>
+              <a:ext uri="{28A0092B-C50C-407E-A947-70E740481C1C}">
+                <a14:useLocalDpi xmlns:a14="http://schemas.microsoft.com/office/drawing/2010/main" val="0"/>
+              </a:ext>
+            </a:extLst>
+          </a:blip>
+          <a:stretch>
+            <a:fillRect/>
+          </a:stretch>
+        </p:blipFill>
+        <p:spPr>
+          <a:xfrm>
+            <a:off x="1038224" y="1238250"/>
+            <a:ext cx="11148289" cy="4010025"/>
+          </a:xfrm>
+          <a:prstGeom prst="rect">
+            <a:avLst/>
+          </a:prstGeom>
+        </p:spPr>
+      </p:pic>
+    </p:spTree>
+    <p:extLst>
+      <p:ext uri="{BB962C8B-B14F-4D97-AF65-F5344CB8AC3E}">
+        <p14:creationId xmlns:p14="http://schemas.microsoft.com/office/powerpoint/2010/main" val="3303612992"/>
+      </p:ext>
+    </p:extLst>
+  </p:cSld>
+  <p:clrMapOvr>
+    <a:masterClrMapping/>
+  </p:clrMapOvr>
+</p:sld>
+</file>
+
+<file path=ppt/slides/slide13.xml><?xml version="1.0" encoding="utf-8"?>
+<p:sld xmlns:a="http://schemas.openxmlformats.org/drawingml/2006/main" xmlns:r="http://schemas.openxmlformats.org/officeDocument/2006/relationships" xmlns:p="http://schemas.openxmlformats.org/presentationml/2006/main">
+  <p:cSld>
+    <p:spTree>
+      <p:nvGrpSpPr>
+        <p:cNvPr id="1" name=""/>
+        <p:cNvGrpSpPr/>
+        <p:nvPr/>
+      </p:nvGrpSpPr>
+      <p:grpSpPr>
+        <a:xfrm>
+          <a:off x="0" y="0"/>
+          <a:ext cx="0" cy="0"/>
+          <a:chOff x="0" y="0"/>
+          <a:chExt cx="0" cy="0"/>
+        </a:xfrm>
+      </p:grpSpPr>
+      <p:sp>
+        <p:nvSpPr>
+          <p:cNvPr id="2" name="Title 1">
+            <a:extLst>
+              <a:ext uri="{FF2B5EF4-FFF2-40B4-BE49-F238E27FC236}">
+                <a16:creationId xmlns:a16="http://schemas.microsoft.com/office/drawing/2014/main" id="{0CB25684-7F5B-420E-8932-77E78167E4E0}"/>
+              </a:ext>
+            </a:extLst>
+          </p:cNvPr>
+          <p:cNvSpPr>
+            <a:spLocks noGrp="1"/>
+          </p:cNvSpPr>
+          <p:nvPr>
+            <p:ph type="title"/>
+          </p:nvPr>
+        </p:nvSpPr>
+        <p:spPr>
+          <a:xfrm>
+            <a:off x="745724" y="365125"/>
+            <a:ext cx="310719" cy="6168839"/>
+          </a:xfrm>
+        </p:spPr>
+        <p:txBody>
+          <a:bodyPr vert="vert270">
+            <a:noAutofit/>
+          </a:bodyPr>
+          <a:lstStyle/>
+          <a:p>
+            <a:pPr algn="ctr"/>
+            <a:r>
+              <a:rPr lang="de-DE" sz="3600" dirty="0">
+                <a:latin typeface="Adobe Heiti Std R" panose="020B0400000000000000" pitchFamily="34" charset="-128"/>
+                <a:ea typeface="Adobe Heiti Std R" panose="020B0400000000000000" pitchFamily="34" charset="-128"/>
+              </a:rPr>
+              <a:t>Activity Diagram</a:t>
+            </a:r>
+          </a:p>
+        </p:txBody>
+      </p:sp>
+      <p:pic>
+        <p:nvPicPr>
+          <p:cNvPr id="5" name="Picture 4">
+            <a:extLst>
+              <a:ext uri="{FF2B5EF4-FFF2-40B4-BE49-F238E27FC236}">
+                <a16:creationId xmlns:a16="http://schemas.microsoft.com/office/drawing/2014/main" id="{2E9E0CEF-80F4-4359-9EEE-2494A8C020E8}"/>
+              </a:ext>
+            </a:extLst>
+          </p:cNvPr>
+          <p:cNvPicPr>
+            <a:picLocks noChangeAspect="1"/>
+          </p:cNvPicPr>
+          <p:nvPr/>
+        </p:nvPicPr>
+        <p:blipFill>
+          <a:blip r:embed="rId2">
+            <a:extLst>
+              <a:ext uri="{28A0092B-C50C-407E-A947-70E740481C1C}">
+                <a14:useLocalDpi xmlns:a14="http://schemas.microsoft.com/office/drawing/2010/main" val="0"/>
+              </a:ext>
+            </a:extLst>
+          </a:blip>
+          <a:stretch>
+            <a:fillRect/>
+          </a:stretch>
+        </p:blipFill>
+        <p:spPr>
+          <a:xfrm>
+            <a:off x="4010025" y="247650"/>
+            <a:ext cx="4171950" cy="6362700"/>
+          </a:xfrm>
+          <a:prstGeom prst="rect">
+            <a:avLst/>
+          </a:prstGeom>
+        </p:spPr>
+      </p:pic>
+    </p:spTree>
+    <p:extLst>
+      <p:ext uri="{BB962C8B-B14F-4D97-AF65-F5344CB8AC3E}">
+        <p14:creationId xmlns:p14="http://schemas.microsoft.com/office/powerpoint/2010/main" val="1993867761"/>
+      </p:ext>
+    </p:extLst>
+  </p:cSld>
+  <p:clrMapOvr>
+    <a:masterClrMapping/>
+  </p:clrMapOvr>
+</p:sld>
+</file>
+
+<file path=ppt/slides/slide14.xml><?xml version="1.0" encoding="utf-8"?>
+<p:sld xmlns:a="http://schemas.openxmlformats.org/drawingml/2006/main" xmlns:r="http://schemas.openxmlformats.org/officeDocument/2006/relationships" xmlns:p="http://schemas.openxmlformats.org/presentationml/2006/main">
+  <p:cSld>
+    <p:spTree>
+      <p:nvGrpSpPr>
+        <p:cNvPr id="1" name=""/>
+        <p:cNvGrpSpPr/>
+        <p:nvPr/>
+      </p:nvGrpSpPr>
+      <p:grpSpPr>
+        <a:xfrm>
+          <a:off x="0" y="0"/>
+          <a:ext cx="0" cy="0"/>
+          <a:chOff x="0" y="0"/>
+          <a:chExt cx="0" cy="0"/>
+        </a:xfrm>
+      </p:grpSpPr>
+      <p:sp>
+        <p:nvSpPr>
+          <p:cNvPr id="2" name="Title 1">
+            <a:extLst>
+              <a:ext uri="{FF2B5EF4-FFF2-40B4-BE49-F238E27FC236}">
                 <a16:creationId xmlns:a16="http://schemas.microsoft.com/office/drawing/2014/main" id="{B26FE6E7-74C9-4EB6-9EF1-B4B538DCF0A3}"/>
               </a:ext>
             </a:extLst>
@@ -6841,7 +10474,7 @@
 </p:sld>
 </file>
 
-<file path=ppt/slides/slide11.xml><?xml version="1.0" encoding="utf-8"?>
+<file path=ppt/slides/slide15.xml><?xml version="1.0" encoding="utf-8"?>
 <p:sld xmlns:a="http://schemas.openxmlformats.org/drawingml/2006/main" xmlns:r="http://schemas.openxmlformats.org/officeDocument/2006/relationships" xmlns:p="http://schemas.openxmlformats.org/presentationml/2006/main">
   <p:cSld>
     <p:spTree>
@@ -6946,7 +10579,7 @@
 </p:sld>
 </file>
 
-<file path=ppt/slides/slide12.xml><?xml version="1.0" encoding="utf-8"?>
+<file path=ppt/slides/slide16.xml><?xml version="1.0" encoding="utf-8"?>
 <p:sld xmlns:a="http://schemas.openxmlformats.org/drawingml/2006/main" xmlns:r="http://schemas.openxmlformats.org/officeDocument/2006/relationships" xmlns:p="http://schemas.openxmlformats.org/presentationml/2006/main">
   <p:cSld>
     <p:spTree>
@@ -7051,7 +10684,7 @@
 </p:sld>
 </file>
 
-<file path=ppt/slides/slide13.xml><?xml version="1.0" encoding="utf-8"?>
+<file path=ppt/slides/slide17.xml><?xml version="1.0" encoding="utf-8"?>
 <p:sld xmlns:a="http://schemas.openxmlformats.org/drawingml/2006/main" xmlns:r="http://schemas.openxmlformats.org/officeDocument/2006/relationships" xmlns:p="http://schemas.openxmlformats.org/presentationml/2006/main">
   <p:cSld>
     <p:spTree>
@@ -7169,7 +10802,7 @@
 </p:sld>
 </file>
 
-<file path=ppt/slides/slide14.xml><?xml version="1.0" encoding="utf-8"?>
+<file path=ppt/slides/slide18.xml><?xml version="1.0" encoding="utf-8"?>
 <p:sld xmlns:a="http://schemas.openxmlformats.org/drawingml/2006/main" xmlns:r="http://schemas.openxmlformats.org/officeDocument/2006/relationships" xmlns:p="http://schemas.openxmlformats.org/presentationml/2006/main">
   <p:cSld>
     <p:spTree>
@@ -7274,7 +10907,7 @@
 </p:sld>
 </file>
 
-<file path=ppt/slides/slide15.xml><?xml version="1.0" encoding="utf-8"?>
+<file path=ppt/slides/slide19.xml><?xml version="1.0" encoding="utf-8"?>
 <p:sld xmlns:a="http://schemas.openxmlformats.org/drawingml/2006/main" xmlns:r="http://schemas.openxmlformats.org/officeDocument/2006/relationships" xmlns:p="http://schemas.openxmlformats.org/presentationml/2006/main">
   <p:cSld>
     <p:spTree>
@@ -7370,428 +11003,6 @@
     <p:extLst>
       <p:ext uri="{BB962C8B-B14F-4D97-AF65-F5344CB8AC3E}">
         <p14:creationId xmlns:p14="http://schemas.microsoft.com/office/powerpoint/2010/main" val="3652634797"/>
-      </p:ext>
-    </p:extLst>
-  </p:cSld>
-  <p:clrMapOvr>
-    <a:masterClrMapping/>
-  </p:clrMapOvr>
-</p:sld>
-</file>
-
-<file path=ppt/slides/slide16.xml><?xml version="1.0" encoding="utf-8"?>
-<p:sld xmlns:a="http://schemas.openxmlformats.org/drawingml/2006/main" xmlns:r="http://schemas.openxmlformats.org/officeDocument/2006/relationships" xmlns:p="http://schemas.openxmlformats.org/presentationml/2006/main">
-  <p:cSld>
-    <p:spTree>
-      <p:nvGrpSpPr>
-        <p:cNvPr id="1" name=""/>
-        <p:cNvGrpSpPr/>
-        <p:nvPr/>
-      </p:nvGrpSpPr>
-      <p:grpSpPr>
-        <a:xfrm>
-          <a:off x="0" y="0"/>
-          <a:ext cx="0" cy="0"/>
-          <a:chOff x="0" y="0"/>
-          <a:chExt cx="0" cy="0"/>
-        </a:xfrm>
-      </p:grpSpPr>
-      <p:sp>
-        <p:nvSpPr>
-          <p:cNvPr id="2" name="Title 1">
-            <a:extLst>
-              <a:ext uri="{FF2B5EF4-FFF2-40B4-BE49-F238E27FC236}">
-                <a16:creationId xmlns:a16="http://schemas.microsoft.com/office/drawing/2014/main" id="{B26FE6E7-74C9-4EB6-9EF1-B4B538DCF0A3}"/>
-              </a:ext>
-            </a:extLst>
-          </p:cNvPr>
-          <p:cNvSpPr>
-            <a:spLocks noGrp="1"/>
-          </p:cNvSpPr>
-          <p:nvPr>
-            <p:ph type="ctrTitle"/>
-          </p:nvPr>
-        </p:nvSpPr>
-        <p:spPr>
-          <a:xfrm>
-            <a:off x="1230217" y="1284936"/>
-            <a:ext cx="4865783" cy="673386"/>
-          </a:xfrm>
-        </p:spPr>
-        <p:txBody>
-          <a:bodyPr>
-            <a:noAutofit/>
-          </a:bodyPr>
-          <a:lstStyle/>
-          <a:p>
-            <a:pPr algn="l"/>
-            <a:r>
-              <a:rPr lang="en-CA" sz="3200" b="1" i="1" u="sng" dirty="0"/>
-              <a:t>Lightning Rods:</a:t>
-            </a:r>
-            <a:endParaRPr lang="en-CA" sz="3200" dirty="0"/>
-          </a:p>
-        </p:txBody>
-      </p:sp>
-      <p:sp>
-        <p:nvSpPr>
-          <p:cNvPr id="3" name="Subtitle 2">
-            <a:extLst>
-              <a:ext uri="{FF2B5EF4-FFF2-40B4-BE49-F238E27FC236}">
-                <a16:creationId xmlns:a16="http://schemas.microsoft.com/office/drawing/2014/main" id="{3FABB114-EE08-46B1-A821-37340EF7E44D}"/>
-              </a:ext>
-            </a:extLst>
-          </p:cNvPr>
-          <p:cNvSpPr>
-            <a:spLocks noGrp="1"/>
-          </p:cNvSpPr>
-          <p:nvPr>
-            <p:ph type="subTitle" idx="1"/>
-          </p:nvPr>
-        </p:nvSpPr>
-        <p:spPr>
-          <a:xfrm>
-            <a:off x="1230217" y="2205346"/>
-            <a:ext cx="9144000" cy="3602068"/>
-          </a:xfrm>
-        </p:spPr>
-        <p:txBody>
-          <a:bodyPr>
-            <a:normAutofit/>
-          </a:bodyPr>
-          <a:lstStyle/>
-          <a:p>
-            <a:pPr algn="l"/>
-            <a:r>
-              <a:rPr lang="en-CA" dirty="0"/>
-              <a:t>Lightnings are a common phenomenon in our region. In fact, very few houses have precautions to this. So as a precaution, we can use lightning rods to direct the lightning to the ground. So, the smart system can activate the lightning rod, when it can foresee thunderstorms.</a:t>
-            </a:r>
-            <a:br>
-              <a:rPr lang="en-CA" dirty="0"/>
-            </a:br>
-            <a:br>
-              <a:rPr lang="en-CA" dirty="0"/>
-            </a:br>
-            <a:r>
-              <a:rPr lang="en-CA" dirty="0"/>
-              <a:t>Requirements: Smart ESE lightning rod (ESE28)</a:t>
-            </a:r>
-          </a:p>
-        </p:txBody>
-      </p:sp>
-    </p:spTree>
-    <p:extLst>
-      <p:ext uri="{BB962C8B-B14F-4D97-AF65-F5344CB8AC3E}">
-        <p14:creationId xmlns:p14="http://schemas.microsoft.com/office/powerpoint/2010/main" val="2425279065"/>
-      </p:ext>
-    </p:extLst>
-  </p:cSld>
-  <p:clrMapOvr>
-    <a:masterClrMapping/>
-  </p:clrMapOvr>
-</p:sld>
-</file>
-
-<file path=ppt/slides/slide17.xml><?xml version="1.0" encoding="utf-8"?>
-<p:sld xmlns:a="http://schemas.openxmlformats.org/drawingml/2006/main" xmlns:r="http://schemas.openxmlformats.org/officeDocument/2006/relationships" xmlns:p="http://schemas.openxmlformats.org/presentationml/2006/main">
-  <p:cSld>
-    <p:spTree>
-      <p:nvGrpSpPr>
-        <p:cNvPr id="1" name=""/>
-        <p:cNvGrpSpPr/>
-        <p:nvPr/>
-      </p:nvGrpSpPr>
-      <p:grpSpPr>
-        <a:xfrm>
-          <a:off x="0" y="0"/>
-          <a:ext cx="0" cy="0"/>
-          <a:chOff x="0" y="0"/>
-          <a:chExt cx="0" cy="0"/>
-        </a:xfrm>
-      </p:grpSpPr>
-      <p:sp>
-        <p:nvSpPr>
-          <p:cNvPr id="2" name="Title 1">
-            <a:extLst>
-              <a:ext uri="{FF2B5EF4-FFF2-40B4-BE49-F238E27FC236}">
-                <a16:creationId xmlns:a16="http://schemas.microsoft.com/office/drawing/2014/main" id="{0CB25684-7F5B-420E-8932-77E78167E4E0}"/>
-              </a:ext>
-            </a:extLst>
-          </p:cNvPr>
-          <p:cNvSpPr>
-            <a:spLocks noGrp="1"/>
-          </p:cNvSpPr>
-          <p:nvPr>
-            <p:ph type="title"/>
-          </p:nvPr>
-        </p:nvSpPr>
-        <p:spPr>
-          <a:xfrm>
-            <a:off x="498074" y="344580"/>
-            <a:ext cx="310719" cy="6168839"/>
-          </a:xfrm>
-        </p:spPr>
-        <p:txBody>
-          <a:bodyPr vert="vert270">
-            <a:noAutofit/>
-          </a:bodyPr>
-          <a:lstStyle/>
-          <a:p>
-            <a:pPr algn="ctr"/>
-            <a:r>
-              <a:rPr lang="de-DE" sz="3600" dirty="0">
-                <a:latin typeface="Adobe Heiti Std R" panose="020B0400000000000000" pitchFamily="34" charset="-128"/>
-                <a:ea typeface="Adobe Heiti Std R" panose="020B0400000000000000" pitchFamily="34" charset="-128"/>
-              </a:rPr>
-              <a:t>Sequence Diagram</a:t>
-            </a:r>
-          </a:p>
-        </p:txBody>
-      </p:sp>
-      <p:pic>
-        <p:nvPicPr>
-          <p:cNvPr id="5" name="Picture 4" descr="Chart, diagram, box and whisker chart&#10;&#10;Description automatically generated">
-            <a:extLst>
-              <a:ext uri="{FF2B5EF4-FFF2-40B4-BE49-F238E27FC236}">
-                <a16:creationId xmlns:a16="http://schemas.microsoft.com/office/drawing/2014/main" id="{D8972961-E0F8-4903-994F-1FF4C1CE6223}"/>
-              </a:ext>
-            </a:extLst>
-          </p:cNvPr>
-          <p:cNvPicPr>
-            <a:picLocks noChangeAspect="1"/>
-          </p:cNvPicPr>
-          <p:nvPr/>
-        </p:nvPicPr>
-        <p:blipFill>
-          <a:blip r:embed="rId2">
-            <a:extLst>
-              <a:ext uri="{28A0092B-C50C-407E-A947-70E740481C1C}">
-                <a14:useLocalDpi xmlns:a14="http://schemas.microsoft.com/office/drawing/2010/main" val="0"/>
-              </a:ext>
-            </a:extLst>
-          </a:blip>
-          <a:stretch>
-            <a:fillRect/>
-          </a:stretch>
-        </p:blipFill>
-        <p:spPr>
-          <a:xfrm>
-            <a:off x="1500187" y="441658"/>
-            <a:ext cx="9386888" cy="5974681"/>
-          </a:xfrm>
-          <a:prstGeom prst="rect">
-            <a:avLst/>
-          </a:prstGeom>
-        </p:spPr>
-      </p:pic>
-    </p:spTree>
-    <p:extLst>
-      <p:ext uri="{BB962C8B-B14F-4D97-AF65-F5344CB8AC3E}">
-        <p14:creationId xmlns:p14="http://schemas.microsoft.com/office/powerpoint/2010/main" val="2334914832"/>
-      </p:ext>
-    </p:extLst>
-  </p:cSld>
-  <p:clrMapOvr>
-    <a:masterClrMapping/>
-  </p:clrMapOvr>
-</p:sld>
-</file>
-
-<file path=ppt/slides/slide18.xml><?xml version="1.0" encoding="utf-8"?>
-<p:sld xmlns:a="http://schemas.openxmlformats.org/drawingml/2006/main" xmlns:r="http://schemas.openxmlformats.org/officeDocument/2006/relationships" xmlns:p="http://schemas.openxmlformats.org/presentationml/2006/main">
-  <p:cSld>
-    <p:spTree>
-      <p:nvGrpSpPr>
-        <p:cNvPr id="1" name=""/>
-        <p:cNvGrpSpPr/>
-        <p:nvPr/>
-      </p:nvGrpSpPr>
-      <p:grpSpPr>
-        <a:xfrm>
-          <a:off x="0" y="0"/>
-          <a:ext cx="0" cy="0"/>
-          <a:chOff x="0" y="0"/>
-          <a:chExt cx="0" cy="0"/>
-        </a:xfrm>
-      </p:grpSpPr>
-      <p:sp>
-        <p:nvSpPr>
-          <p:cNvPr id="2" name="Title 1">
-            <a:extLst>
-              <a:ext uri="{FF2B5EF4-FFF2-40B4-BE49-F238E27FC236}">
-                <a16:creationId xmlns:a16="http://schemas.microsoft.com/office/drawing/2014/main" id="{0CB25684-7F5B-420E-8932-77E78167E4E0}"/>
-              </a:ext>
-            </a:extLst>
-          </p:cNvPr>
-          <p:cNvSpPr>
-            <a:spLocks noGrp="1"/>
-          </p:cNvSpPr>
-          <p:nvPr>
-            <p:ph type="title"/>
-          </p:nvPr>
-        </p:nvSpPr>
-        <p:spPr>
-          <a:xfrm>
-            <a:off x="745724" y="365125"/>
-            <a:ext cx="310719" cy="6168839"/>
-          </a:xfrm>
-        </p:spPr>
-        <p:txBody>
-          <a:bodyPr vert="vert270">
-            <a:noAutofit/>
-          </a:bodyPr>
-          <a:lstStyle/>
-          <a:p>
-            <a:pPr algn="ctr"/>
-            <a:r>
-              <a:rPr lang="de-DE" sz="3600" dirty="0">
-                <a:latin typeface="Adobe Heiti Std R" panose="020B0400000000000000" pitchFamily="34" charset="-128"/>
-                <a:ea typeface="Adobe Heiti Std R" panose="020B0400000000000000" pitchFamily="34" charset="-128"/>
-              </a:rPr>
-              <a:t>Activity Diagram</a:t>
-            </a:r>
-          </a:p>
-        </p:txBody>
-      </p:sp>
-      <p:pic>
-        <p:nvPicPr>
-          <p:cNvPr id="4" name="Picture 3">
-            <a:extLst>
-              <a:ext uri="{FF2B5EF4-FFF2-40B4-BE49-F238E27FC236}">
-                <a16:creationId xmlns:a16="http://schemas.microsoft.com/office/drawing/2014/main" id="{838D4DCA-8788-4B7C-B118-D351AB12A0E9}"/>
-              </a:ext>
-            </a:extLst>
-          </p:cNvPr>
-          <p:cNvPicPr>
-            <a:picLocks noChangeAspect="1"/>
-          </p:cNvPicPr>
-          <p:nvPr/>
-        </p:nvPicPr>
-        <p:blipFill>
-          <a:blip r:embed="rId2">
-            <a:extLst>
-              <a:ext uri="{28A0092B-C50C-407E-A947-70E740481C1C}">
-                <a14:useLocalDpi xmlns:a14="http://schemas.microsoft.com/office/drawing/2010/main" val="0"/>
-              </a:ext>
-            </a:extLst>
-          </a:blip>
-          <a:stretch>
-            <a:fillRect/>
-          </a:stretch>
-        </p:blipFill>
-        <p:spPr>
-          <a:xfrm>
-            <a:off x="3071812" y="280987"/>
-            <a:ext cx="6048375" cy="6296025"/>
-          </a:xfrm>
-          <a:prstGeom prst="rect">
-            <a:avLst/>
-          </a:prstGeom>
-        </p:spPr>
-      </p:pic>
-    </p:spTree>
-    <p:extLst>
-      <p:ext uri="{BB962C8B-B14F-4D97-AF65-F5344CB8AC3E}">
-        <p14:creationId xmlns:p14="http://schemas.microsoft.com/office/powerpoint/2010/main" val="4215903565"/>
-      </p:ext>
-    </p:extLst>
-  </p:cSld>
-  <p:clrMapOvr>
-    <a:masterClrMapping/>
-  </p:clrMapOvr>
-</p:sld>
-</file>
-
-<file path=ppt/slides/slide19.xml><?xml version="1.0" encoding="utf-8"?>
-<p:sld xmlns:a="http://schemas.openxmlformats.org/drawingml/2006/main" xmlns:r="http://schemas.openxmlformats.org/officeDocument/2006/relationships" xmlns:p="http://schemas.openxmlformats.org/presentationml/2006/main">
-  <p:cSld>
-    <p:spTree>
-      <p:nvGrpSpPr>
-        <p:cNvPr id="1" name=""/>
-        <p:cNvGrpSpPr/>
-        <p:nvPr/>
-      </p:nvGrpSpPr>
-      <p:grpSpPr>
-        <a:xfrm>
-          <a:off x="0" y="0"/>
-          <a:ext cx="0" cy="0"/>
-          <a:chOff x="0" y="0"/>
-          <a:chExt cx="0" cy="0"/>
-        </a:xfrm>
-      </p:grpSpPr>
-      <p:sp>
-        <p:nvSpPr>
-          <p:cNvPr id="2" name="Title 1">
-            <a:extLst>
-              <a:ext uri="{FF2B5EF4-FFF2-40B4-BE49-F238E27FC236}">
-                <a16:creationId xmlns:a16="http://schemas.microsoft.com/office/drawing/2014/main" id="{D863B09D-0EB0-46D9-A1DD-2F77EE03AC64}"/>
-              </a:ext>
-            </a:extLst>
-          </p:cNvPr>
-          <p:cNvSpPr>
-            <a:spLocks noGrp="1"/>
-          </p:cNvSpPr>
-          <p:nvPr>
-            <p:ph type="title"/>
-          </p:nvPr>
-        </p:nvSpPr>
-        <p:spPr>
-          <a:xfrm>
-            <a:off x="945204" y="2339840"/>
-            <a:ext cx="10515600" cy="2170016"/>
-          </a:xfrm>
-        </p:spPr>
-        <p:txBody>
-          <a:bodyPr>
-            <a:normAutofit/>
-          </a:bodyPr>
-          <a:lstStyle/>
-          <a:p>
-            <a:pPr algn="ctr"/>
-            <a:r>
-              <a:rPr lang="de-DE" sz="4800" dirty="0">
-                <a:latin typeface="Adobe Heiti Std R" panose="020B0400000000000000" pitchFamily="34" charset="-128"/>
-                <a:ea typeface="Adobe Heiti Std R" panose="020B0400000000000000" pitchFamily="34" charset="-128"/>
-              </a:rPr>
-              <a:t>Class Diagram</a:t>
-            </a:r>
-            <a:br>
-              <a:rPr lang="de-DE" sz="4800" dirty="0">
-                <a:latin typeface="Adobe Heiti Std R" panose="020B0400000000000000" pitchFamily="34" charset="-128"/>
-                <a:ea typeface="Adobe Heiti Std R" panose="020B0400000000000000" pitchFamily="34" charset="-128"/>
-              </a:rPr>
-            </a:br>
-            <a:r>
-              <a:rPr lang="de-DE" sz="4800" dirty="0">
-                <a:latin typeface="Adobe Heiti Std R" panose="020B0400000000000000" pitchFamily="34" charset="-128"/>
-                <a:ea typeface="Adobe Heiti Std R" panose="020B0400000000000000" pitchFamily="34" charset="-128"/>
-              </a:rPr>
-              <a:t>For</a:t>
-            </a:r>
-            <a:br>
-              <a:rPr lang="de-DE" sz="4800" dirty="0">
-                <a:latin typeface="Adobe Heiti Std R" panose="020B0400000000000000" pitchFamily="34" charset="-128"/>
-                <a:ea typeface="Adobe Heiti Std R" panose="020B0400000000000000" pitchFamily="34" charset="-128"/>
-              </a:rPr>
-            </a:br>
-            <a:r>
-              <a:rPr lang="de-DE" sz="4800" dirty="0">
-                <a:latin typeface="Adobe Heiti Std R" panose="020B0400000000000000" pitchFamily="34" charset="-128"/>
-                <a:ea typeface="Adobe Heiti Std R" panose="020B0400000000000000" pitchFamily="34" charset="-128"/>
-              </a:rPr>
-              <a:t>Smart Home System</a:t>
-            </a:r>
-            <a:endParaRPr lang="en-CA" sz="4800" dirty="0">
-              <a:latin typeface="Adobe Heiti Std R" panose="020B0400000000000000" pitchFamily="34" charset="-128"/>
-              <a:ea typeface="Adobe Heiti Std R" panose="020B0400000000000000" pitchFamily="34" charset="-128"/>
-            </a:endParaRPr>
-          </a:p>
-        </p:txBody>
-      </p:sp>
-    </p:spTree>
-    <p:extLst>
-      <p:ext uri="{BB962C8B-B14F-4D97-AF65-F5344CB8AC3E}">
-        <p14:creationId xmlns:p14="http://schemas.microsoft.com/office/powerpoint/2010/main" val="2527919424"/>
       </p:ext>
     </p:extLst>
   </p:cSld>
@@ -7965,6 +11176,428 @@
           <a:chExt cx="0" cy="0"/>
         </a:xfrm>
       </p:grpSpPr>
+      <p:sp>
+        <p:nvSpPr>
+          <p:cNvPr id="2" name="Title 1">
+            <a:extLst>
+              <a:ext uri="{FF2B5EF4-FFF2-40B4-BE49-F238E27FC236}">
+                <a16:creationId xmlns:a16="http://schemas.microsoft.com/office/drawing/2014/main" id="{B26FE6E7-74C9-4EB6-9EF1-B4B538DCF0A3}"/>
+              </a:ext>
+            </a:extLst>
+          </p:cNvPr>
+          <p:cNvSpPr>
+            <a:spLocks noGrp="1"/>
+          </p:cNvSpPr>
+          <p:nvPr>
+            <p:ph type="ctrTitle"/>
+          </p:nvPr>
+        </p:nvSpPr>
+        <p:spPr>
+          <a:xfrm>
+            <a:off x="1230217" y="1284936"/>
+            <a:ext cx="4865783" cy="673386"/>
+          </a:xfrm>
+        </p:spPr>
+        <p:txBody>
+          <a:bodyPr>
+            <a:noAutofit/>
+          </a:bodyPr>
+          <a:lstStyle/>
+          <a:p>
+            <a:pPr algn="l"/>
+            <a:r>
+              <a:rPr lang="en-CA" sz="3200" b="1" i="1" u="sng" dirty="0"/>
+              <a:t>Lightning Rods:</a:t>
+            </a:r>
+            <a:endParaRPr lang="en-CA" sz="3200" dirty="0"/>
+          </a:p>
+        </p:txBody>
+      </p:sp>
+      <p:sp>
+        <p:nvSpPr>
+          <p:cNvPr id="3" name="Subtitle 2">
+            <a:extLst>
+              <a:ext uri="{FF2B5EF4-FFF2-40B4-BE49-F238E27FC236}">
+                <a16:creationId xmlns:a16="http://schemas.microsoft.com/office/drawing/2014/main" id="{3FABB114-EE08-46B1-A821-37340EF7E44D}"/>
+              </a:ext>
+            </a:extLst>
+          </p:cNvPr>
+          <p:cNvSpPr>
+            <a:spLocks noGrp="1"/>
+          </p:cNvSpPr>
+          <p:nvPr>
+            <p:ph type="subTitle" idx="1"/>
+          </p:nvPr>
+        </p:nvSpPr>
+        <p:spPr>
+          <a:xfrm>
+            <a:off x="1230217" y="2205346"/>
+            <a:ext cx="9144000" cy="3602068"/>
+          </a:xfrm>
+        </p:spPr>
+        <p:txBody>
+          <a:bodyPr>
+            <a:normAutofit/>
+          </a:bodyPr>
+          <a:lstStyle/>
+          <a:p>
+            <a:pPr algn="l"/>
+            <a:r>
+              <a:rPr lang="en-CA" dirty="0"/>
+              <a:t>Lightnings are a common phenomenon in our region. In fact, very few houses have precautions to this. So as a precaution, we can use lightning rods to direct the lightning to the ground. So, the smart system can activate the lightning rod, when it can foresee thunderstorms.</a:t>
+            </a:r>
+            <a:br>
+              <a:rPr lang="en-CA" dirty="0"/>
+            </a:br>
+            <a:br>
+              <a:rPr lang="en-CA" dirty="0"/>
+            </a:br>
+            <a:r>
+              <a:rPr lang="en-CA" dirty="0"/>
+              <a:t>Requirements: Smart ESE lightning rod (ESE28)</a:t>
+            </a:r>
+          </a:p>
+        </p:txBody>
+      </p:sp>
+    </p:spTree>
+    <p:extLst>
+      <p:ext uri="{BB962C8B-B14F-4D97-AF65-F5344CB8AC3E}">
+        <p14:creationId xmlns:p14="http://schemas.microsoft.com/office/powerpoint/2010/main" val="2425279065"/>
+      </p:ext>
+    </p:extLst>
+  </p:cSld>
+  <p:clrMapOvr>
+    <a:masterClrMapping/>
+  </p:clrMapOvr>
+</p:sld>
+</file>
+
+<file path=ppt/slides/slide21.xml><?xml version="1.0" encoding="utf-8"?>
+<p:sld xmlns:a="http://schemas.openxmlformats.org/drawingml/2006/main" xmlns:r="http://schemas.openxmlformats.org/officeDocument/2006/relationships" xmlns:p="http://schemas.openxmlformats.org/presentationml/2006/main">
+  <p:cSld>
+    <p:spTree>
+      <p:nvGrpSpPr>
+        <p:cNvPr id="1" name=""/>
+        <p:cNvGrpSpPr/>
+        <p:nvPr/>
+      </p:nvGrpSpPr>
+      <p:grpSpPr>
+        <a:xfrm>
+          <a:off x="0" y="0"/>
+          <a:ext cx="0" cy="0"/>
+          <a:chOff x="0" y="0"/>
+          <a:chExt cx="0" cy="0"/>
+        </a:xfrm>
+      </p:grpSpPr>
+      <p:sp>
+        <p:nvSpPr>
+          <p:cNvPr id="2" name="Title 1">
+            <a:extLst>
+              <a:ext uri="{FF2B5EF4-FFF2-40B4-BE49-F238E27FC236}">
+                <a16:creationId xmlns:a16="http://schemas.microsoft.com/office/drawing/2014/main" id="{0CB25684-7F5B-420E-8932-77E78167E4E0}"/>
+              </a:ext>
+            </a:extLst>
+          </p:cNvPr>
+          <p:cNvSpPr>
+            <a:spLocks noGrp="1"/>
+          </p:cNvSpPr>
+          <p:nvPr>
+            <p:ph type="title"/>
+          </p:nvPr>
+        </p:nvSpPr>
+        <p:spPr>
+          <a:xfrm>
+            <a:off x="498074" y="344580"/>
+            <a:ext cx="310719" cy="6168839"/>
+          </a:xfrm>
+        </p:spPr>
+        <p:txBody>
+          <a:bodyPr vert="vert270">
+            <a:noAutofit/>
+          </a:bodyPr>
+          <a:lstStyle/>
+          <a:p>
+            <a:pPr algn="ctr"/>
+            <a:r>
+              <a:rPr lang="de-DE" sz="3600" dirty="0">
+                <a:latin typeface="Adobe Heiti Std R" panose="020B0400000000000000" pitchFamily="34" charset="-128"/>
+                <a:ea typeface="Adobe Heiti Std R" panose="020B0400000000000000" pitchFamily="34" charset="-128"/>
+              </a:rPr>
+              <a:t>Sequence Diagram</a:t>
+            </a:r>
+          </a:p>
+        </p:txBody>
+      </p:sp>
+      <p:pic>
+        <p:nvPicPr>
+          <p:cNvPr id="5" name="Picture 4" descr="Chart, diagram, box and whisker chart&#10;&#10;Description automatically generated">
+            <a:extLst>
+              <a:ext uri="{FF2B5EF4-FFF2-40B4-BE49-F238E27FC236}">
+                <a16:creationId xmlns:a16="http://schemas.microsoft.com/office/drawing/2014/main" id="{D8972961-E0F8-4903-994F-1FF4C1CE6223}"/>
+              </a:ext>
+            </a:extLst>
+          </p:cNvPr>
+          <p:cNvPicPr>
+            <a:picLocks noChangeAspect="1"/>
+          </p:cNvPicPr>
+          <p:nvPr/>
+        </p:nvPicPr>
+        <p:blipFill>
+          <a:blip r:embed="rId2">
+            <a:extLst>
+              <a:ext uri="{28A0092B-C50C-407E-A947-70E740481C1C}">
+                <a14:useLocalDpi xmlns:a14="http://schemas.microsoft.com/office/drawing/2010/main" val="0"/>
+              </a:ext>
+            </a:extLst>
+          </a:blip>
+          <a:stretch>
+            <a:fillRect/>
+          </a:stretch>
+        </p:blipFill>
+        <p:spPr>
+          <a:xfrm>
+            <a:off x="1500187" y="441658"/>
+            <a:ext cx="9386888" cy="5974681"/>
+          </a:xfrm>
+          <a:prstGeom prst="rect">
+            <a:avLst/>
+          </a:prstGeom>
+        </p:spPr>
+      </p:pic>
+    </p:spTree>
+    <p:extLst>
+      <p:ext uri="{BB962C8B-B14F-4D97-AF65-F5344CB8AC3E}">
+        <p14:creationId xmlns:p14="http://schemas.microsoft.com/office/powerpoint/2010/main" val="2334914832"/>
+      </p:ext>
+    </p:extLst>
+  </p:cSld>
+  <p:clrMapOvr>
+    <a:masterClrMapping/>
+  </p:clrMapOvr>
+</p:sld>
+</file>
+
+<file path=ppt/slides/slide22.xml><?xml version="1.0" encoding="utf-8"?>
+<p:sld xmlns:a="http://schemas.openxmlformats.org/drawingml/2006/main" xmlns:r="http://schemas.openxmlformats.org/officeDocument/2006/relationships" xmlns:p="http://schemas.openxmlformats.org/presentationml/2006/main">
+  <p:cSld>
+    <p:spTree>
+      <p:nvGrpSpPr>
+        <p:cNvPr id="1" name=""/>
+        <p:cNvGrpSpPr/>
+        <p:nvPr/>
+      </p:nvGrpSpPr>
+      <p:grpSpPr>
+        <a:xfrm>
+          <a:off x="0" y="0"/>
+          <a:ext cx="0" cy="0"/>
+          <a:chOff x="0" y="0"/>
+          <a:chExt cx="0" cy="0"/>
+        </a:xfrm>
+      </p:grpSpPr>
+      <p:sp>
+        <p:nvSpPr>
+          <p:cNvPr id="2" name="Title 1">
+            <a:extLst>
+              <a:ext uri="{FF2B5EF4-FFF2-40B4-BE49-F238E27FC236}">
+                <a16:creationId xmlns:a16="http://schemas.microsoft.com/office/drawing/2014/main" id="{0CB25684-7F5B-420E-8932-77E78167E4E0}"/>
+              </a:ext>
+            </a:extLst>
+          </p:cNvPr>
+          <p:cNvSpPr>
+            <a:spLocks noGrp="1"/>
+          </p:cNvSpPr>
+          <p:nvPr>
+            <p:ph type="title"/>
+          </p:nvPr>
+        </p:nvSpPr>
+        <p:spPr>
+          <a:xfrm>
+            <a:off x="745724" y="365125"/>
+            <a:ext cx="310719" cy="6168839"/>
+          </a:xfrm>
+        </p:spPr>
+        <p:txBody>
+          <a:bodyPr vert="vert270">
+            <a:noAutofit/>
+          </a:bodyPr>
+          <a:lstStyle/>
+          <a:p>
+            <a:pPr algn="ctr"/>
+            <a:r>
+              <a:rPr lang="de-DE" sz="3600" dirty="0">
+                <a:latin typeface="Adobe Heiti Std R" panose="020B0400000000000000" pitchFamily="34" charset="-128"/>
+                <a:ea typeface="Adobe Heiti Std R" panose="020B0400000000000000" pitchFamily="34" charset="-128"/>
+              </a:rPr>
+              <a:t>Activity Diagram</a:t>
+            </a:r>
+          </a:p>
+        </p:txBody>
+      </p:sp>
+      <p:pic>
+        <p:nvPicPr>
+          <p:cNvPr id="4" name="Picture 3">
+            <a:extLst>
+              <a:ext uri="{FF2B5EF4-FFF2-40B4-BE49-F238E27FC236}">
+                <a16:creationId xmlns:a16="http://schemas.microsoft.com/office/drawing/2014/main" id="{838D4DCA-8788-4B7C-B118-D351AB12A0E9}"/>
+              </a:ext>
+            </a:extLst>
+          </p:cNvPr>
+          <p:cNvPicPr>
+            <a:picLocks noChangeAspect="1"/>
+          </p:cNvPicPr>
+          <p:nvPr/>
+        </p:nvPicPr>
+        <p:blipFill>
+          <a:blip r:embed="rId2">
+            <a:extLst>
+              <a:ext uri="{28A0092B-C50C-407E-A947-70E740481C1C}">
+                <a14:useLocalDpi xmlns:a14="http://schemas.microsoft.com/office/drawing/2010/main" val="0"/>
+              </a:ext>
+            </a:extLst>
+          </a:blip>
+          <a:stretch>
+            <a:fillRect/>
+          </a:stretch>
+        </p:blipFill>
+        <p:spPr>
+          <a:xfrm>
+            <a:off x="3071812" y="280987"/>
+            <a:ext cx="6048375" cy="6296025"/>
+          </a:xfrm>
+          <a:prstGeom prst="rect">
+            <a:avLst/>
+          </a:prstGeom>
+        </p:spPr>
+      </p:pic>
+    </p:spTree>
+    <p:extLst>
+      <p:ext uri="{BB962C8B-B14F-4D97-AF65-F5344CB8AC3E}">
+        <p14:creationId xmlns:p14="http://schemas.microsoft.com/office/powerpoint/2010/main" val="4215903565"/>
+      </p:ext>
+    </p:extLst>
+  </p:cSld>
+  <p:clrMapOvr>
+    <a:masterClrMapping/>
+  </p:clrMapOvr>
+</p:sld>
+</file>
+
+<file path=ppt/slides/slide23.xml><?xml version="1.0" encoding="utf-8"?>
+<p:sld xmlns:a="http://schemas.openxmlformats.org/drawingml/2006/main" xmlns:r="http://schemas.openxmlformats.org/officeDocument/2006/relationships" xmlns:p="http://schemas.openxmlformats.org/presentationml/2006/main">
+  <p:cSld>
+    <p:spTree>
+      <p:nvGrpSpPr>
+        <p:cNvPr id="1" name=""/>
+        <p:cNvGrpSpPr/>
+        <p:nvPr/>
+      </p:nvGrpSpPr>
+      <p:grpSpPr>
+        <a:xfrm>
+          <a:off x="0" y="0"/>
+          <a:ext cx="0" cy="0"/>
+          <a:chOff x="0" y="0"/>
+          <a:chExt cx="0" cy="0"/>
+        </a:xfrm>
+      </p:grpSpPr>
+      <p:sp>
+        <p:nvSpPr>
+          <p:cNvPr id="2" name="Title 1">
+            <a:extLst>
+              <a:ext uri="{FF2B5EF4-FFF2-40B4-BE49-F238E27FC236}">
+                <a16:creationId xmlns:a16="http://schemas.microsoft.com/office/drawing/2014/main" id="{D863B09D-0EB0-46D9-A1DD-2F77EE03AC64}"/>
+              </a:ext>
+            </a:extLst>
+          </p:cNvPr>
+          <p:cNvSpPr>
+            <a:spLocks noGrp="1"/>
+          </p:cNvSpPr>
+          <p:nvPr>
+            <p:ph type="title"/>
+          </p:nvPr>
+        </p:nvSpPr>
+        <p:spPr>
+          <a:xfrm>
+            <a:off x="945204" y="2339840"/>
+            <a:ext cx="10515600" cy="2170016"/>
+          </a:xfrm>
+        </p:spPr>
+        <p:txBody>
+          <a:bodyPr>
+            <a:normAutofit/>
+          </a:bodyPr>
+          <a:lstStyle/>
+          <a:p>
+            <a:pPr algn="ctr"/>
+            <a:r>
+              <a:rPr lang="de-DE" sz="4800" dirty="0">
+                <a:latin typeface="Adobe Heiti Std R" panose="020B0400000000000000" pitchFamily="34" charset="-128"/>
+                <a:ea typeface="Adobe Heiti Std R" panose="020B0400000000000000" pitchFamily="34" charset="-128"/>
+              </a:rPr>
+              <a:t>Class Diagram</a:t>
+            </a:r>
+            <a:br>
+              <a:rPr lang="de-DE" sz="4800" dirty="0">
+                <a:latin typeface="Adobe Heiti Std R" panose="020B0400000000000000" pitchFamily="34" charset="-128"/>
+                <a:ea typeface="Adobe Heiti Std R" panose="020B0400000000000000" pitchFamily="34" charset="-128"/>
+              </a:rPr>
+            </a:br>
+            <a:r>
+              <a:rPr lang="de-DE" sz="4800" dirty="0">
+                <a:latin typeface="Adobe Heiti Std R" panose="020B0400000000000000" pitchFamily="34" charset="-128"/>
+                <a:ea typeface="Adobe Heiti Std R" panose="020B0400000000000000" pitchFamily="34" charset="-128"/>
+              </a:rPr>
+              <a:t>For</a:t>
+            </a:r>
+            <a:br>
+              <a:rPr lang="de-DE" sz="4800" dirty="0">
+                <a:latin typeface="Adobe Heiti Std R" panose="020B0400000000000000" pitchFamily="34" charset="-128"/>
+                <a:ea typeface="Adobe Heiti Std R" panose="020B0400000000000000" pitchFamily="34" charset="-128"/>
+              </a:rPr>
+            </a:br>
+            <a:r>
+              <a:rPr lang="de-DE" sz="4800" dirty="0">
+                <a:latin typeface="Adobe Heiti Std R" panose="020B0400000000000000" pitchFamily="34" charset="-128"/>
+                <a:ea typeface="Adobe Heiti Std R" panose="020B0400000000000000" pitchFamily="34" charset="-128"/>
+              </a:rPr>
+              <a:t>Smart Home System</a:t>
+            </a:r>
+            <a:endParaRPr lang="en-CA" sz="4800" dirty="0">
+              <a:latin typeface="Adobe Heiti Std R" panose="020B0400000000000000" pitchFamily="34" charset="-128"/>
+              <a:ea typeface="Adobe Heiti Std R" panose="020B0400000000000000" pitchFamily="34" charset="-128"/>
+            </a:endParaRPr>
+          </a:p>
+        </p:txBody>
+      </p:sp>
+    </p:spTree>
+    <p:extLst>
+      <p:ext uri="{BB962C8B-B14F-4D97-AF65-F5344CB8AC3E}">
+        <p14:creationId xmlns:p14="http://schemas.microsoft.com/office/powerpoint/2010/main" val="2527919424"/>
+      </p:ext>
+    </p:extLst>
+  </p:cSld>
+  <p:clrMapOvr>
+    <a:masterClrMapping/>
+  </p:clrMapOvr>
+</p:sld>
+</file>
+
+<file path=ppt/slides/slide24.xml><?xml version="1.0" encoding="utf-8"?>
+<p:sld xmlns:a="http://schemas.openxmlformats.org/drawingml/2006/main" xmlns:r="http://schemas.openxmlformats.org/officeDocument/2006/relationships" xmlns:p="http://schemas.openxmlformats.org/presentationml/2006/main">
+  <p:cSld>
+    <p:spTree>
+      <p:nvGrpSpPr>
+        <p:cNvPr id="1" name=""/>
+        <p:cNvGrpSpPr/>
+        <p:nvPr/>
+      </p:nvGrpSpPr>
+      <p:grpSpPr>
+        <a:xfrm>
+          <a:off x="0" y="0"/>
+          <a:ext cx="0" cy="0"/>
+          <a:chOff x="0" y="0"/>
+          <a:chExt cx="0" cy="0"/>
+        </a:xfrm>
+      </p:grpSpPr>
       <p:pic>
         <p:nvPicPr>
           <p:cNvPr id="4" name="Picture 3" descr="Diagram&#10;&#10;Description automatically generated">
@@ -8014,7 +11647,7 @@
 </p:sld>
 </file>
 
-<file path=ppt/slides/slide21.xml><?xml version="1.0" encoding="utf-8"?>
+<file path=ppt/slides/slide25.xml><?xml version="1.0" encoding="utf-8"?>
 <p:sld xmlns:a="http://schemas.openxmlformats.org/drawingml/2006/main" xmlns:r="http://schemas.openxmlformats.org/officeDocument/2006/relationships" xmlns:p="http://schemas.openxmlformats.org/presentationml/2006/main">
   <p:cSld>
     <p:spTree>
@@ -8113,7 +11746,7 @@
 </p:sld>
 </file>
 
-<file path=ppt/slides/slide22.xml><?xml version="1.0" encoding="utf-8"?>
+<file path=ppt/slides/slide26.xml><?xml version="1.0" encoding="utf-8"?>
 <p:sld xmlns:a="http://schemas.openxmlformats.org/drawingml/2006/main" xmlns:r="http://schemas.openxmlformats.org/officeDocument/2006/relationships" xmlns:p="http://schemas.openxmlformats.org/presentationml/2006/main">
   <p:cSld>
     <p:spTree>
@@ -8179,7 +11812,7 @@
 </p:sld>
 </file>
 
-<file path=ppt/slides/slide23.xml><?xml version="1.0" encoding="utf-8"?>
+<file path=ppt/slides/slide27.xml><?xml version="1.0" encoding="utf-8"?>
 <p:sld xmlns:a="http://schemas.openxmlformats.org/drawingml/2006/main" xmlns:r="http://schemas.openxmlformats.org/officeDocument/2006/relationships" xmlns:p="http://schemas.openxmlformats.org/presentationml/2006/main">
   <p:cSld>
     <p:spTree>
@@ -8301,7 +11934,7 @@
 </p:sld>
 </file>
 
-<file path=ppt/slides/slide24.xml><?xml version="1.0" encoding="utf-8"?>
+<file path=ppt/slides/slide28.xml><?xml version="1.0" encoding="utf-8"?>
 <p:sld xmlns:a="http://schemas.openxmlformats.org/drawingml/2006/main" xmlns:r="http://schemas.openxmlformats.org/officeDocument/2006/relationships" xmlns:p="http://schemas.openxmlformats.org/presentationml/2006/main">
   <p:cSld>
     <p:spTree>
@@ -8406,7 +12039,7 @@
 </p:sld>
 </file>
 
-<file path=ppt/slides/slide25.xml><?xml version="1.0" encoding="utf-8"?>
+<file path=ppt/slides/slide29.xml><?xml version="1.0" encoding="utf-8"?>
 <p:sld xmlns:a="http://schemas.openxmlformats.org/drawingml/2006/main" xmlns:r="http://schemas.openxmlformats.org/officeDocument/2006/relationships" xmlns:p="http://schemas.openxmlformats.org/presentationml/2006/main">
   <p:cSld>
     <p:spTree>
@@ -8511,7 +12144,1092 @@
 </p:sld>
 </file>
 
-<file path=ppt/slides/slide26.xml><?xml version="1.0" encoding="utf-8"?>
+<file path=ppt/slides/slide3.xml><?xml version="1.0" encoding="utf-8"?>
+<p:sld xmlns:a="http://schemas.openxmlformats.org/drawingml/2006/main" xmlns:r="http://schemas.openxmlformats.org/officeDocument/2006/relationships" xmlns:p="http://schemas.openxmlformats.org/presentationml/2006/main">
+  <p:cSld>
+    <p:bg>
+      <p:bgPr>
+        <a:solidFill>
+          <a:schemeClr val="bg1"/>
+        </a:solidFill>
+        <a:effectLst/>
+      </p:bgPr>
+    </p:bg>
+    <p:spTree>
+      <p:nvGrpSpPr>
+        <p:cNvPr id="1" name=""/>
+        <p:cNvGrpSpPr/>
+        <p:nvPr/>
+      </p:nvGrpSpPr>
+      <p:grpSpPr>
+        <a:xfrm>
+          <a:off x="0" y="0"/>
+          <a:ext cx="0" cy="0"/>
+          <a:chOff x="0" y="0"/>
+          <a:chExt cx="0" cy="0"/>
+        </a:xfrm>
+      </p:grpSpPr>
+      <p:sp useBgFill="1">
+        <p:nvSpPr>
+          <p:cNvPr id="55" name="Rectangle 54">
+            <a:extLst>
+              <a:ext uri="{FF2B5EF4-FFF2-40B4-BE49-F238E27FC236}">
+                <a16:creationId xmlns:a16="http://schemas.microsoft.com/office/drawing/2014/main" id="{327D73B4-9F5C-4A64-A179-51B9500CB8B5}"/>
+              </a:ext>
+              <a:ext uri="{C183D7F6-B498-43B3-948B-1728B52AA6E4}">
+                <adec:decorative xmlns:adec="http://schemas.microsoft.com/office/drawing/2017/decorative" val="1"/>
+              </a:ext>
+            </a:extLst>
+          </p:cNvPr>
+          <p:cNvSpPr>
+            <a:spLocks noGrp="1" noRot="1" noChangeAspect="1" noMove="1" noResize="1" noEditPoints="1" noAdjustHandles="1" noChangeArrowheads="1" noChangeShapeType="1" noTextEdit="1"/>
+          </p:cNvSpPr>
+          <p:nvPr>
+            <p:extLst>
+              <p:ext uri="{386F3935-93C4-4BCD-93E2-E3B085C9AB24}">
+                <p16:designElem xmlns:p16="http://schemas.microsoft.com/office/powerpoint/2015/main" val="1"/>
+              </p:ext>
+            </p:extLst>
+          </p:nvPr>
+        </p:nvSpPr>
+        <p:spPr>
+          <a:xfrm>
+            <a:off x="0" y="0"/>
+            <a:ext cx="12192000" cy="6858000"/>
+          </a:xfrm>
+          <a:prstGeom prst="rect">
+            <a:avLst/>
+          </a:prstGeom>
+          <a:ln>
+            <a:noFill/>
+          </a:ln>
+        </p:spPr>
+        <p:style>
+          <a:lnRef idx="2">
+            <a:schemeClr val="accent1">
+              <a:shade val="50000"/>
+            </a:schemeClr>
+          </a:lnRef>
+          <a:fillRef idx="1">
+            <a:schemeClr val="accent1"/>
+          </a:fillRef>
+          <a:effectRef idx="0">
+            <a:schemeClr val="accent1"/>
+          </a:effectRef>
+          <a:fontRef idx="minor">
+            <a:schemeClr val="lt1"/>
+          </a:fontRef>
+        </p:style>
+        <p:txBody>
+          <a:bodyPr rtlCol="0" anchor="ctr"/>
+          <a:lstStyle/>
+          <a:p>
+            <a:pPr marL="0" marR="0" lvl="0" indent="0" algn="ctr" defTabSz="914400" rtl="0" eaLnBrk="1" fontAlgn="auto" latinLnBrk="0" hangingPunct="1">
+              <a:lnSpc>
+                <a:spcPct val="100000"/>
+              </a:lnSpc>
+              <a:spcBef>
+                <a:spcPts val="0"/>
+              </a:spcBef>
+              <a:spcAft>
+                <a:spcPts val="0"/>
+              </a:spcAft>
+              <a:buClrTx/>
+              <a:buSzTx/>
+              <a:buFontTx/>
+              <a:buNone/>
+              <a:tabLst/>
+              <a:defRPr/>
+            </a:pPr>
+            <a:endParaRPr kumimoji="0" lang="en-US" sz="1800" b="0" i="0" u="none" strike="noStrike" kern="1200" cap="none" spc="0" normalizeH="0" baseline="0" noProof="0" dirty="0">
+              <a:ln>
+                <a:noFill/>
+              </a:ln>
+              <a:solidFill>
+                <a:prstClr val="white"/>
+              </a:solidFill>
+              <a:effectLst/>
+              <a:uLnTx/>
+              <a:uFillTx/>
+              <a:latin typeface="Calibri" panose="020F0502020204030204"/>
+              <a:ea typeface="+mn-ea"/>
+              <a:cs typeface="+mn-cs"/>
+            </a:endParaRPr>
+          </a:p>
+        </p:txBody>
+      </p:sp>
+      <p:sp>
+        <p:nvSpPr>
+          <p:cNvPr id="50" name="TextBox 1">
+            <a:extLst>
+              <a:ext uri="{FF2B5EF4-FFF2-40B4-BE49-F238E27FC236}">
+                <a16:creationId xmlns:a16="http://schemas.microsoft.com/office/drawing/2014/main" id="{8357B84D-A17F-488A-8083-B27726EF1018}"/>
+              </a:ext>
+            </a:extLst>
+          </p:cNvPr>
+          <p:cNvSpPr txBox="1"/>
+          <p:nvPr/>
+        </p:nvSpPr>
+        <p:spPr>
+          <a:xfrm>
+            <a:off x="6657715" y="467271"/>
+            <a:ext cx="4195674" cy="2052522"/>
+          </a:xfrm>
+          <a:prstGeom prst="rect">
+            <a:avLst/>
+          </a:prstGeom>
+        </p:spPr>
+        <p:txBody>
+          <a:bodyPr vert="horz" lIns="91440" tIns="45720" rIns="91440" bIns="45720" rtlCol="0" anchor="b">
+            <a:normAutofit/>
+          </a:bodyPr>
+          <a:lstStyle/>
+          <a:p>
+            <a:pPr marL="0" marR="0" lvl="0" indent="-228600" algn="l" defTabSz="914400" rtl="0" eaLnBrk="1" fontAlgn="auto" latinLnBrk="0" hangingPunct="1">
+              <a:lnSpc>
+                <a:spcPct val="90000"/>
+              </a:lnSpc>
+              <a:spcBef>
+                <a:spcPct val="0"/>
+              </a:spcBef>
+              <a:spcAft>
+                <a:spcPts val="600"/>
+              </a:spcAft>
+              <a:buClrTx/>
+              <a:buSzTx/>
+              <a:buFontTx/>
+              <a:buNone/>
+              <a:tabLst/>
+              <a:defRPr/>
+            </a:pPr>
+            <a:r>
+              <a:rPr kumimoji="0" lang="en-US" sz="2800" b="1" i="0" u="none" strike="noStrike" kern="1200" cap="none" spc="0" normalizeH="0" baseline="0" noProof="0" dirty="0">
+                <a:ln>
+                  <a:noFill/>
+                </a:ln>
+                <a:solidFill>
+                  <a:prstClr val="black"/>
+                </a:solidFill>
+                <a:effectLst/>
+                <a:uLnTx/>
+                <a:uFillTx/>
+                <a:latin typeface="Algerian" panose="04020705040A02060702" pitchFamily="82" charset="0"/>
+                <a:ea typeface="+mn-ea"/>
+                <a:cs typeface="+mn-cs"/>
+              </a:rPr>
+              <a:t>What Does Smart Home Mean?</a:t>
+            </a:r>
+          </a:p>
+        </p:txBody>
+      </p:sp>
+      <p:sp>
+        <p:nvSpPr>
+          <p:cNvPr id="57" name="Oval 56">
+            <a:extLst>
+              <a:ext uri="{FF2B5EF4-FFF2-40B4-BE49-F238E27FC236}">
+                <a16:creationId xmlns:a16="http://schemas.microsoft.com/office/drawing/2014/main" id="{C1F06963-6374-4B48-844F-071A9BAAAE02}"/>
+              </a:ext>
+              <a:ext uri="{C183D7F6-B498-43B3-948B-1728B52AA6E4}">
+                <adec:decorative xmlns:adec="http://schemas.microsoft.com/office/drawing/2017/decorative" val="1"/>
+              </a:ext>
+            </a:extLst>
+          </p:cNvPr>
+          <p:cNvSpPr>
+            <a:spLocks noGrp="1" noRot="1" noChangeAspect="1" noMove="1" noResize="1" noEditPoints="1" noAdjustHandles="1" noChangeArrowheads="1" noChangeShapeType="1" noTextEdit="1"/>
+          </p:cNvSpPr>
+          <p:nvPr>
+            <p:extLst>
+              <p:ext uri="{386F3935-93C4-4BCD-93E2-E3B085C9AB24}">
+                <p16:designElem xmlns:p16="http://schemas.microsoft.com/office/powerpoint/2015/main" val="1"/>
+              </p:ext>
+            </p:extLst>
+          </p:nvPr>
+        </p:nvSpPr>
+        <p:spPr>
+          <a:xfrm>
+            <a:off x="322965" y="554152"/>
+            <a:ext cx="5742189" cy="5742189"/>
+          </a:xfrm>
+          <a:prstGeom prst="ellipse">
+            <a:avLst/>
+          </a:prstGeom>
+          <a:gradFill flip="none" rotWithShape="1">
+            <a:gsLst>
+              <a:gs pos="0">
+                <a:schemeClr val="accent1"/>
+              </a:gs>
+              <a:gs pos="100000">
+                <a:schemeClr val="accent2"/>
+              </a:gs>
+            </a:gsLst>
+            <a:lin ang="2700000" scaled="1"/>
+            <a:tileRect/>
+          </a:gradFill>
+          <a:ln>
+            <a:noFill/>
+          </a:ln>
+        </p:spPr>
+        <p:style>
+          <a:lnRef idx="2">
+            <a:schemeClr val="accent1">
+              <a:shade val="50000"/>
+            </a:schemeClr>
+          </a:lnRef>
+          <a:fillRef idx="1">
+            <a:schemeClr val="accent1"/>
+          </a:fillRef>
+          <a:effectRef idx="0">
+            <a:schemeClr val="accent1"/>
+          </a:effectRef>
+          <a:fontRef idx="minor">
+            <a:schemeClr val="lt1"/>
+          </a:fontRef>
+        </p:style>
+        <p:txBody>
+          <a:bodyPr rtlCol="0" anchor="ctr"/>
+          <a:lstStyle/>
+          <a:p>
+            <a:pPr marL="0" marR="0" lvl="0" indent="0" algn="ctr" defTabSz="914400" rtl="0" eaLnBrk="1" fontAlgn="auto" latinLnBrk="0" hangingPunct="1">
+              <a:lnSpc>
+                <a:spcPct val="100000"/>
+              </a:lnSpc>
+              <a:spcBef>
+                <a:spcPts val="0"/>
+              </a:spcBef>
+              <a:spcAft>
+                <a:spcPts val="0"/>
+              </a:spcAft>
+              <a:buClrTx/>
+              <a:buSzTx/>
+              <a:buFontTx/>
+              <a:buNone/>
+              <a:tabLst/>
+              <a:defRPr/>
+            </a:pPr>
+            <a:endParaRPr kumimoji="0" lang="en-US" sz="1800" b="0" i="0" u="none" strike="noStrike" kern="1200" cap="none" spc="0" normalizeH="0" baseline="0" noProof="0">
+              <a:ln>
+                <a:noFill/>
+              </a:ln>
+              <a:solidFill>
+                <a:prstClr val="white"/>
+              </a:solidFill>
+              <a:effectLst/>
+              <a:uLnTx/>
+              <a:uFillTx/>
+              <a:latin typeface="Calibri" panose="020F0502020204030204"/>
+              <a:ea typeface="+mn-ea"/>
+              <a:cs typeface="+mn-cs"/>
+            </a:endParaRPr>
+          </a:p>
+        </p:txBody>
+      </p:sp>
+      <p:grpSp>
+        <p:nvGrpSpPr>
+          <p:cNvPr id="64" name="Group 58">
+            <a:extLst>
+              <a:ext uri="{FF2B5EF4-FFF2-40B4-BE49-F238E27FC236}">
+                <a16:creationId xmlns:a16="http://schemas.microsoft.com/office/drawing/2014/main" id="{5614C7C0-FA1D-4105-8345-1DF76F9870A8}"/>
+              </a:ext>
+              <a:ext uri="{C183D7F6-B498-43B3-948B-1728B52AA6E4}">
+                <adec:decorative xmlns:adec="http://schemas.microsoft.com/office/drawing/2017/decorative" val="1"/>
+              </a:ext>
+            </a:extLst>
+          </p:cNvPr>
+          <p:cNvGrpSpPr>
+            <a:grpSpLocks noGrp="1" noUngrp="1" noRot="1" noChangeAspect="1" noMove="1" noResize="1"/>
+          </p:cNvGrpSpPr>
+          <p:nvPr>
+            <p:extLst>
+              <p:ext uri="{386F3935-93C4-4BCD-93E2-E3B085C9AB24}">
+                <p16:designElem xmlns:p16="http://schemas.microsoft.com/office/powerpoint/2015/main" val="1"/>
+              </p:ext>
+            </p:extLst>
+          </p:nvPr>
+        </p:nvGrpSpPr>
+        <p:grpSpPr>
+          <a:xfrm>
+            <a:off x="422753" y="703679"/>
+            <a:ext cx="753718" cy="1016562"/>
+            <a:chOff x="422753" y="703679"/>
+            <a:chExt cx="753718" cy="1016562"/>
+          </a:xfrm>
+        </p:grpSpPr>
+        <p:sp>
+          <p:nvSpPr>
+            <p:cNvPr id="66" name="Graphic 11">
+              <a:extLst>
+                <a:ext uri="{FF2B5EF4-FFF2-40B4-BE49-F238E27FC236}">
+                  <a16:creationId xmlns:a16="http://schemas.microsoft.com/office/drawing/2014/main" id="{6CB927A4-E432-4310-9CD5-E89FF5063179}"/>
+                </a:ext>
+                <a:ext uri="{C183D7F6-B498-43B3-948B-1728B52AA6E4}">
+                  <adec:decorative xmlns:adec="http://schemas.microsoft.com/office/drawing/2017/decorative" val="1"/>
+                </a:ext>
+              </a:extLst>
+            </p:cNvPr>
+            <p:cNvSpPr/>
+            <p:nvPr>
+              <p:extLst>
+                <p:ext uri="{386F3935-93C4-4BCD-93E2-E3B085C9AB24}">
+                  <p16:designElem xmlns:p16="http://schemas.microsoft.com/office/powerpoint/2015/main" val="1"/>
+                </p:ext>
+              </p:extLst>
+            </p:nvPr>
+          </p:nvSpPr>
+          <p:spPr>
+            <a:xfrm>
+              <a:off x="1004956" y="703679"/>
+              <a:ext cx="171515" cy="171515"/>
+            </a:xfrm>
+            <a:custGeom>
+              <a:avLst/>
+              <a:gdLst>
+                <a:gd name="connsiteX0" fmla="*/ 159874 w 171515"/>
+                <a:gd name="connsiteY0" fmla="*/ 74116 h 171515"/>
+                <a:gd name="connsiteX1" fmla="*/ 97399 w 171515"/>
+                <a:gd name="connsiteY1" fmla="*/ 74116 h 171515"/>
+                <a:gd name="connsiteX2" fmla="*/ 97399 w 171515"/>
+                <a:gd name="connsiteY2" fmla="*/ 11641 h 171515"/>
+                <a:gd name="connsiteX3" fmla="*/ 85758 w 171515"/>
+                <a:gd name="connsiteY3" fmla="*/ 0 h 171515"/>
+                <a:gd name="connsiteX4" fmla="*/ 74116 w 171515"/>
+                <a:gd name="connsiteY4" fmla="*/ 11641 h 171515"/>
+                <a:gd name="connsiteX5" fmla="*/ 74116 w 171515"/>
+                <a:gd name="connsiteY5" fmla="*/ 74116 h 171515"/>
+                <a:gd name="connsiteX6" fmla="*/ 11641 w 171515"/>
+                <a:gd name="connsiteY6" fmla="*/ 74116 h 171515"/>
+                <a:gd name="connsiteX7" fmla="*/ 0 w 171515"/>
+                <a:gd name="connsiteY7" fmla="*/ 85758 h 171515"/>
+                <a:gd name="connsiteX8" fmla="*/ 11641 w 171515"/>
+                <a:gd name="connsiteY8" fmla="*/ 97399 h 171515"/>
+                <a:gd name="connsiteX9" fmla="*/ 74116 w 171515"/>
+                <a:gd name="connsiteY9" fmla="*/ 97399 h 171515"/>
+                <a:gd name="connsiteX10" fmla="*/ 74116 w 171515"/>
+                <a:gd name="connsiteY10" fmla="*/ 159874 h 171515"/>
+                <a:gd name="connsiteX11" fmla="*/ 85758 w 171515"/>
+                <a:gd name="connsiteY11" fmla="*/ 171515 h 171515"/>
+                <a:gd name="connsiteX12" fmla="*/ 97399 w 171515"/>
+                <a:gd name="connsiteY12" fmla="*/ 159874 h 171515"/>
+                <a:gd name="connsiteX13" fmla="*/ 97399 w 171515"/>
+                <a:gd name="connsiteY13" fmla="*/ 97399 h 171515"/>
+                <a:gd name="connsiteX14" fmla="*/ 159874 w 171515"/>
+                <a:gd name="connsiteY14" fmla="*/ 97399 h 171515"/>
+                <a:gd name="connsiteX15" fmla="*/ 171515 w 171515"/>
+                <a:gd name="connsiteY15" fmla="*/ 85758 h 171515"/>
+                <a:gd name="connsiteX16" fmla="*/ 159874 w 171515"/>
+                <a:gd name="connsiteY16" fmla="*/ 74116 h 171515"/>
+              </a:gdLst>
+              <a:ahLst/>
+              <a:cxnLst>
+                <a:cxn ang="0">
+                  <a:pos x="connsiteX0" y="connsiteY0"/>
+                </a:cxn>
+                <a:cxn ang="0">
+                  <a:pos x="connsiteX1" y="connsiteY1"/>
+                </a:cxn>
+                <a:cxn ang="0">
+                  <a:pos x="connsiteX2" y="connsiteY2"/>
+                </a:cxn>
+                <a:cxn ang="0">
+                  <a:pos x="connsiteX3" y="connsiteY3"/>
+                </a:cxn>
+                <a:cxn ang="0">
+                  <a:pos x="connsiteX4" y="connsiteY4"/>
+                </a:cxn>
+                <a:cxn ang="0">
+                  <a:pos x="connsiteX5" y="connsiteY5"/>
+                </a:cxn>
+                <a:cxn ang="0">
+                  <a:pos x="connsiteX6" y="connsiteY6"/>
+                </a:cxn>
+                <a:cxn ang="0">
+                  <a:pos x="connsiteX7" y="connsiteY7"/>
+                </a:cxn>
+                <a:cxn ang="0">
+                  <a:pos x="connsiteX8" y="connsiteY8"/>
+                </a:cxn>
+                <a:cxn ang="0">
+                  <a:pos x="connsiteX9" y="connsiteY9"/>
+                </a:cxn>
+                <a:cxn ang="0">
+                  <a:pos x="connsiteX10" y="connsiteY10"/>
+                </a:cxn>
+                <a:cxn ang="0">
+                  <a:pos x="connsiteX11" y="connsiteY11"/>
+                </a:cxn>
+                <a:cxn ang="0">
+                  <a:pos x="connsiteX12" y="connsiteY12"/>
+                </a:cxn>
+                <a:cxn ang="0">
+                  <a:pos x="connsiteX13" y="connsiteY13"/>
+                </a:cxn>
+                <a:cxn ang="0">
+                  <a:pos x="connsiteX14" y="connsiteY14"/>
+                </a:cxn>
+                <a:cxn ang="0">
+                  <a:pos x="connsiteX15" y="connsiteY15"/>
+                </a:cxn>
+                <a:cxn ang="0">
+                  <a:pos x="connsiteX16" y="connsiteY16"/>
+                </a:cxn>
+              </a:cxnLst>
+              <a:rect l="l" t="t" r="r" b="b"/>
+              <a:pathLst>
+                <a:path w="171515" h="171515">
+                  <a:moveTo>
+                    <a:pt x="159874" y="74116"/>
+                  </a:moveTo>
+                  <a:lnTo>
+                    <a:pt x="97399" y="74116"/>
+                  </a:lnTo>
+                  <a:lnTo>
+                    <a:pt x="97399" y="11641"/>
+                  </a:lnTo>
+                  <a:cubicBezTo>
+                    <a:pt x="97399" y="5212"/>
+                    <a:pt x="92187" y="0"/>
+                    <a:pt x="85758" y="0"/>
+                  </a:cubicBezTo>
+                  <a:cubicBezTo>
+                    <a:pt x="79328" y="0"/>
+                    <a:pt x="74116" y="5212"/>
+                    <a:pt x="74116" y="11641"/>
+                  </a:cubicBezTo>
+                  <a:lnTo>
+                    <a:pt x="74116" y="74116"/>
+                  </a:lnTo>
+                  <a:lnTo>
+                    <a:pt x="11641" y="74116"/>
+                  </a:lnTo>
+                  <a:cubicBezTo>
+                    <a:pt x="5212" y="74116"/>
+                    <a:pt x="0" y="79328"/>
+                    <a:pt x="0" y="85758"/>
+                  </a:cubicBezTo>
+                  <a:cubicBezTo>
+                    <a:pt x="0" y="92187"/>
+                    <a:pt x="5212" y="97399"/>
+                    <a:pt x="11641" y="97399"/>
+                  </a:cubicBezTo>
+                  <a:lnTo>
+                    <a:pt x="74116" y="97399"/>
+                  </a:lnTo>
+                  <a:lnTo>
+                    <a:pt x="74116" y="159874"/>
+                  </a:lnTo>
+                  <a:cubicBezTo>
+                    <a:pt x="74116" y="166303"/>
+                    <a:pt x="79328" y="171515"/>
+                    <a:pt x="85758" y="171515"/>
+                  </a:cubicBezTo>
+                  <a:cubicBezTo>
+                    <a:pt x="92187" y="171515"/>
+                    <a:pt x="97399" y="166303"/>
+                    <a:pt x="97399" y="159874"/>
+                  </a:cubicBezTo>
+                  <a:lnTo>
+                    <a:pt x="97399" y="97399"/>
+                  </a:lnTo>
+                  <a:lnTo>
+                    <a:pt x="159874" y="97399"/>
+                  </a:lnTo>
+                  <a:cubicBezTo>
+                    <a:pt x="166303" y="97399"/>
+                    <a:pt x="171515" y="92187"/>
+                    <a:pt x="171515" y="85758"/>
+                  </a:cubicBezTo>
+                  <a:cubicBezTo>
+                    <a:pt x="171515" y="79328"/>
+                    <a:pt x="166303" y="74116"/>
+                    <a:pt x="159874" y="74116"/>
+                  </a:cubicBezTo>
+                  <a:close/>
+                </a:path>
+              </a:pathLst>
+            </a:custGeom>
+            <a:solidFill>
+              <a:schemeClr val="accent1"/>
+            </a:solidFill>
+            <a:ln w="776" cap="flat">
+              <a:noFill/>
+              <a:prstDash val="solid"/>
+              <a:miter/>
+            </a:ln>
+          </p:spPr>
+          <p:txBody>
+            <a:bodyPr rtlCol="0" anchor="ctr"/>
+            <a:lstStyle/>
+            <a:p>
+              <a:pPr marL="0" marR="0" lvl="0" indent="0" algn="l" defTabSz="914400" rtl="0" eaLnBrk="1" fontAlgn="auto" latinLnBrk="0" hangingPunct="1">
+                <a:lnSpc>
+                  <a:spcPct val="100000"/>
+                </a:lnSpc>
+                <a:spcBef>
+                  <a:spcPts val="0"/>
+                </a:spcBef>
+                <a:spcAft>
+                  <a:spcPts val="0"/>
+                </a:spcAft>
+                <a:buClrTx/>
+                <a:buSzTx/>
+                <a:buFontTx/>
+                <a:buNone/>
+                <a:tabLst/>
+                <a:defRPr/>
+              </a:pPr>
+              <a:endParaRPr kumimoji="0" lang="en-US" sz="1800" b="0" i="0" u="none" strike="noStrike" kern="1200" cap="none" spc="0" normalizeH="0" baseline="0" noProof="0">
+                <a:ln>
+                  <a:noFill/>
+                </a:ln>
+                <a:solidFill>
+                  <a:prstClr val="black"/>
+                </a:solidFill>
+                <a:effectLst/>
+                <a:uLnTx/>
+                <a:uFillTx/>
+                <a:latin typeface="Calibri" panose="020F0502020204030204"/>
+                <a:ea typeface="+mn-ea"/>
+                <a:cs typeface="+mn-cs"/>
+              </a:endParaRPr>
+            </a:p>
+          </p:txBody>
+        </p:sp>
+        <p:sp>
+          <p:nvSpPr>
+            <p:cNvPr id="67" name="Graphic 12">
+              <a:extLst>
+                <a:ext uri="{FF2B5EF4-FFF2-40B4-BE49-F238E27FC236}">
+                  <a16:creationId xmlns:a16="http://schemas.microsoft.com/office/drawing/2014/main" id="{1453BF6C-B012-48B7-B4E8-6D7AC7C27D02}"/>
+                </a:ext>
+                <a:ext uri="{C183D7F6-B498-43B3-948B-1728B52AA6E4}">
+                  <adec:decorative xmlns:adec="http://schemas.microsoft.com/office/drawing/2017/decorative" val="1"/>
+                </a:ext>
+              </a:extLst>
+            </p:cNvPr>
+            <p:cNvSpPr/>
+            <p:nvPr>
+              <p:extLst>
+                <p:ext uri="{386F3935-93C4-4BCD-93E2-E3B085C9AB24}">
+                  <p16:designElem xmlns:p16="http://schemas.microsoft.com/office/powerpoint/2015/main" val="1"/>
+                </p:ext>
+              </p:extLst>
+            </p:nvPr>
+          </p:nvSpPr>
+          <p:spPr>
+            <a:xfrm>
+              <a:off x="422753" y="1562696"/>
+              <a:ext cx="157545" cy="157545"/>
+            </a:xfrm>
+            <a:custGeom>
+              <a:avLst/>
+              <a:gdLst>
+                <a:gd name="connsiteX0" fmla="*/ 78773 w 157545"/>
+                <a:gd name="connsiteY0" fmla="*/ 23283 h 157545"/>
+                <a:gd name="connsiteX1" fmla="*/ 134262 w 157545"/>
+                <a:gd name="connsiteY1" fmla="*/ 78773 h 157545"/>
+                <a:gd name="connsiteX2" fmla="*/ 78773 w 157545"/>
+                <a:gd name="connsiteY2" fmla="*/ 134262 h 157545"/>
+                <a:gd name="connsiteX3" fmla="*/ 23283 w 157545"/>
+                <a:gd name="connsiteY3" fmla="*/ 78773 h 157545"/>
+                <a:gd name="connsiteX4" fmla="*/ 78773 w 157545"/>
+                <a:gd name="connsiteY4" fmla="*/ 23283 h 157545"/>
+                <a:gd name="connsiteX5" fmla="*/ 78773 w 157545"/>
+                <a:gd name="connsiteY5" fmla="*/ 0 h 157545"/>
+                <a:gd name="connsiteX6" fmla="*/ 0 w 157545"/>
+                <a:gd name="connsiteY6" fmla="*/ 78773 h 157545"/>
+                <a:gd name="connsiteX7" fmla="*/ 78773 w 157545"/>
+                <a:gd name="connsiteY7" fmla="*/ 157545 h 157545"/>
+                <a:gd name="connsiteX8" fmla="*/ 157545 w 157545"/>
+                <a:gd name="connsiteY8" fmla="*/ 78773 h 157545"/>
+                <a:gd name="connsiteX9" fmla="*/ 78773 w 157545"/>
+                <a:gd name="connsiteY9" fmla="*/ 0 h 157545"/>
+              </a:gdLst>
+              <a:ahLst/>
+              <a:cxnLst>
+                <a:cxn ang="0">
+                  <a:pos x="connsiteX0" y="connsiteY0"/>
+                </a:cxn>
+                <a:cxn ang="0">
+                  <a:pos x="connsiteX1" y="connsiteY1"/>
+                </a:cxn>
+                <a:cxn ang="0">
+                  <a:pos x="connsiteX2" y="connsiteY2"/>
+                </a:cxn>
+                <a:cxn ang="0">
+                  <a:pos x="connsiteX3" y="connsiteY3"/>
+                </a:cxn>
+                <a:cxn ang="0">
+                  <a:pos x="connsiteX4" y="connsiteY4"/>
+                </a:cxn>
+                <a:cxn ang="0">
+                  <a:pos x="connsiteX5" y="connsiteY5"/>
+                </a:cxn>
+                <a:cxn ang="0">
+                  <a:pos x="connsiteX6" y="connsiteY6"/>
+                </a:cxn>
+                <a:cxn ang="0">
+                  <a:pos x="connsiteX7" y="connsiteY7"/>
+                </a:cxn>
+                <a:cxn ang="0">
+                  <a:pos x="connsiteX8" y="connsiteY8"/>
+                </a:cxn>
+                <a:cxn ang="0">
+                  <a:pos x="connsiteX9" y="connsiteY9"/>
+                </a:cxn>
+              </a:cxnLst>
+              <a:rect l="l" t="t" r="r" b="b"/>
+              <a:pathLst>
+                <a:path w="157545" h="157545">
+                  <a:moveTo>
+                    <a:pt x="78773" y="23283"/>
+                  </a:moveTo>
+                  <a:cubicBezTo>
+                    <a:pt x="109419" y="23283"/>
+                    <a:pt x="134262" y="48126"/>
+                    <a:pt x="134262" y="78773"/>
+                  </a:cubicBezTo>
+                  <a:cubicBezTo>
+                    <a:pt x="134262" y="109419"/>
+                    <a:pt x="109419" y="134262"/>
+                    <a:pt x="78773" y="134262"/>
+                  </a:cubicBezTo>
+                  <a:cubicBezTo>
+                    <a:pt x="48126" y="134262"/>
+                    <a:pt x="23283" y="109419"/>
+                    <a:pt x="23283" y="78773"/>
+                  </a:cubicBezTo>
+                  <a:cubicBezTo>
+                    <a:pt x="23312" y="48139"/>
+                    <a:pt x="48139" y="23312"/>
+                    <a:pt x="78773" y="23283"/>
+                  </a:cubicBezTo>
+                  <a:moveTo>
+                    <a:pt x="78773" y="0"/>
+                  </a:moveTo>
+                  <a:cubicBezTo>
+                    <a:pt x="35268" y="0"/>
+                    <a:pt x="0" y="35268"/>
+                    <a:pt x="0" y="78773"/>
+                  </a:cubicBezTo>
+                  <a:cubicBezTo>
+                    <a:pt x="0" y="122277"/>
+                    <a:pt x="35268" y="157545"/>
+                    <a:pt x="78773" y="157545"/>
+                  </a:cubicBezTo>
+                  <a:cubicBezTo>
+                    <a:pt x="122277" y="157545"/>
+                    <a:pt x="157545" y="122277"/>
+                    <a:pt x="157545" y="78773"/>
+                  </a:cubicBezTo>
+                  <a:cubicBezTo>
+                    <a:pt x="157545" y="35268"/>
+                    <a:pt x="122277" y="0"/>
+                    <a:pt x="78773" y="0"/>
+                  </a:cubicBezTo>
+                  <a:close/>
+                </a:path>
+              </a:pathLst>
+            </a:custGeom>
+            <a:solidFill>
+              <a:schemeClr val="accent1"/>
+            </a:solidFill>
+            <a:ln w="751" cap="flat">
+              <a:noFill/>
+              <a:prstDash val="solid"/>
+              <a:miter/>
+            </a:ln>
+          </p:spPr>
+          <p:txBody>
+            <a:bodyPr rtlCol="0" anchor="ctr"/>
+            <a:lstStyle/>
+            <a:p>
+              <a:pPr marL="0" marR="0" lvl="0" indent="0" algn="l" defTabSz="914400" rtl="0" eaLnBrk="1" fontAlgn="auto" latinLnBrk="0" hangingPunct="1">
+                <a:lnSpc>
+                  <a:spcPct val="100000"/>
+                </a:lnSpc>
+                <a:spcBef>
+                  <a:spcPts val="0"/>
+                </a:spcBef>
+                <a:spcAft>
+                  <a:spcPts val="0"/>
+                </a:spcAft>
+                <a:buClrTx/>
+                <a:buSzTx/>
+                <a:buFontTx/>
+                <a:buNone/>
+                <a:tabLst/>
+                <a:defRPr/>
+              </a:pPr>
+              <a:endParaRPr kumimoji="0" lang="en-US" sz="1800" b="0" i="0" u="none" strike="noStrike" kern="1200" cap="none" spc="0" normalizeH="0" baseline="0" noProof="0">
+                <a:ln>
+                  <a:noFill/>
+                </a:ln>
+                <a:solidFill>
+                  <a:prstClr val="black"/>
+                </a:solidFill>
+                <a:effectLst/>
+                <a:uLnTx/>
+                <a:uFillTx/>
+                <a:latin typeface="Calibri" panose="020F0502020204030204"/>
+                <a:ea typeface="+mn-ea"/>
+                <a:cs typeface="+mn-cs"/>
+              </a:endParaRPr>
+            </a:p>
+          </p:txBody>
+        </p:sp>
+      </p:grpSp>
+      <p:pic>
+        <p:nvPicPr>
+          <p:cNvPr id="6" name="Graphic 5" descr="House">
+            <a:extLst>
+              <a:ext uri="{FF2B5EF4-FFF2-40B4-BE49-F238E27FC236}">
+                <a16:creationId xmlns:a16="http://schemas.microsoft.com/office/drawing/2014/main" id="{2BA4AF41-2C28-4E75-AA0E-A47F29EDE585}"/>
+              </a:ext>
+            </a:extLst>
+          </p:cNvPr>
+          <p:cNvPicPr>
+            <a:picLocks noChangeAspect="1"/>
+          </p:cNvPicPr>
+          <p:nvPr/>
+        </p:nvPicPr>
+        <p:blipFill>
+          <a:blip r:embed="rId2">
+            <a:extLst>
+              <a:ext uri="{28A0092B-C50C-407E-A947-70E740481C1C}">
+                <a14:useLocalDpi xmlns:a14="http://schemas.microsoft.com/office/drawing/2010/main" val="0"/>
+              </a:ext>
+              <a:ext uri="{96DAC541-7B7A-43D3-8B79-37D633B846F1}">
+                <asvg:svgBlip xmlns:asvg="http://schemas.microsoft.com/office/drawing/2016/SVG/main" r:embed="rId3"/>
+              </a:ext>
+            </a:extLst>
+          </a:blip>
+          <a:stretch>
+            <a:fillRect/>
+          </a:stretch>
+        </p:blipFill>
+        <p:spPr>
+          <a:xfrm>
+            <a:off x="1217770" y="1448957"/>
+            <a:ext cx="3952579" cy="3952579"/>
+          </a:xfrm>
+          <a:prstGeom prst="rect">
+            <a:avLst/>
+          </a:prstGeom>
+        </p:spPr>
+      </p:pic>
+      <p:sp>
+        <p:nvSpPr>
+          <p:cNvPr id="44" name="TextBox 43">
+            <a:extLst>
+              <a:ext uri="{FF2B5EF4-FFF2-40B4-BE49-F238E27FC236}">
+                <a16:creationId xmlns:a16="http://schemas.microsoft.com/office/drawing/2014/main" id="{87A896B0-2DD1-4349-8657-F43C1FA82393}"/>
+              </a:ext>
+            </a:extLst>
+          </p:cNvPr>
+          <p:cNvSpPr txBox="1"/>
+          <p:nvPr/>
+        </p:nvSpPr>
+        <p:spPr>
+          <a:xfrm>
+            <a:off x="6695359" y="2990818"/>
+            <a:ext cx="4890794" cy="2913872"/>
+          </a:xfrm>
+          <a:prstGeom prst="rect">
+            <a:avLst/>
+          </a:prstGeom>
+        </p:spPr>
+        <p:txBody>
+          <a:bodyPr vert="horz" lIns="91440" tIns="45720" rIns="91440" bIns="45720" rtlCol="0" anchor="t">
+            <a:normAutofit/>
+          </a:bodyPr>
+          <a:lstStyle/>
+          <a:p>
+            <a:pPr marL="0" marR="0" lvl="0" indent="-228600" algn="l" defTabSz="914400" rtl="0" eaLnBrk="1" fontAlgn="auto" latinLnBrk="0" hangingPunct="1">
+              <a:lnSpc>
+                <a:spcPct val="90000"/>
+              </a:lnSpc>
+              <a:spcBef>
+                <a:spcPts val="0"/>
+              </a:spcBef>
+              <a:spcAft>
+                <a:spcPts val="600"/>
+              </a:spcAft>
+              <a:buClrTx/>
+              <a:buSzTx/>
+              <a:buFont typeface="Arial" panose="020B0604020202020204" pitchFamily="34" charset="0"/>
+              <a:buChar char="•"/>
+              <a:tabLst/>
+              <a:defRPr/>
+            </a:pPr>
+            <a:r>
+              <a:rPr kumimoji="0" lang="en-US" sz="2400" b="1" i="0" u="none" strike="noStrike" kern="1200" cap="none" spc="0" normalizeH="0" baseline="0" noProof="0" dirty="0">
+                <a:ln>
+                  <a:noFill/>
+                </a:ln>
+                <a:solidFill>
+                  <a:prstClr val="black">
+                    <a:alpha val="80000"/>
+                  </a:prstClr>
+                </a:solidFill>
+                <a:effectLst/>
+                <a:uLnTx/>
+                <a:uFillTx/>
+                <a:latin typeface="Calibri" panose="020F0502020204030204"/>
+                <a:ea typeface="+mn-ea"/>
+                <a:cs typeface="+mn-cs"/>
+              </a:rPr>
+              <a:t>Smart Home System or Artificial Intelligent Homes means automation and control of the electrical appliance with Artificial Intelligent. It can also be remotely controlled by electronic devices[1].</a:t>
+            </a:r>
+          </a:p>
+          <a:p>
+            <a:pPr marL="0" marR="0" lvl="0" indent="-228600" algn="l" defTabSz="914400" rtl="0" eaLnBrk="1" fontAlgn="auto" latinLnBrk="0" hangingPunct="1">
+              <a:lnSpc>
+                <a:spcPct val="90000"/>
+              </a:lnSpc>
+              <a:spcBef>
+                <a:spcPts val="0"/>
+              </a:spcBef>
+              <a:spcAft>
+                <a:spcPts val="600"/>
+              </a:spcAft>
+              <a:buClrTx/>
+              <a:buSzTx/>
+              <a:buFont typeface="Arial" panose="020B0604020202020204" pitchFamily="34" charset="0"/>
+              <a:buChar char="•"/>
+              <a:tabLst/>
+              <a:defRPr/>
+            </a:pPr>
+            <a:endParaRPr kumimoji="0" lang="en-US" sz="2000" b="0" i="0" u="none" strike="noStrike" kern="1200" cap="none" spc="0" normalizeH="0" baseline="0" noProof="0" dirty="0">
+              <a:ln>
+                <a:noFill/>
+              </a:ln>
+              <a:solidFill>
+                <a:prstClr val="black">
+                  <a:alpha val="80000"/>
+                </a:prstClr>
+              </a:solidFill>
+              <a:effectLst/>
+              <a:uLnTx/>
+              <a:uFillTx/>
+              <a:latin typeface="Calibri" panose="020F0502020204030204"/>
+              <a:ea typeface="+mn-ea"/>
+              <a:cs typeface="+mn-cs"/>
+            </a:endParaRPr>
+          </a:p>
+        </p:txBody>
+      </p:sp>
+      <p:sp>
+        <p:nvSpPr>
+          <p:cNvPr id="63" name="Graphic 10">
+            <a:extLst>
+              <a:ext uri="{FF2B5EF4-FFF2-40B4-BE49-F238E27FC236}">
+                <a16:creationId xmlns:a16="http://schemas.microsoft.com/office/drawing/2014/main" id="{E3020543-B24B-4EC4-8FFC-8DD88EEA91A8}"/>
+              </a:ext>
+              <a:ext uri="{C183D7F6-B498-43B3-948B-1728B52AA6E4}">
+                <adec:decorative xmlns:adec="http://schemas.microsoft.com/office/drawing/2017/decorative" val="1"/>
+              </a:ext>
+            </a:extLst>
+          </p:cNvPr>
+          <p:cNvSpPr>
+            <a:spLocks noGrp="1" noRot="1" noChangeAspect="1" noMove="1" noResize="1" noEditPoints="1" noAdjustHandles="1" noChangeArrowheads="1" noChangeShapeType="1" noTextEdit="1"/>
+          </p:cNvSpPr>
+          <p:nvPr>
+            <p:extLst>
+              <p:ext uri="{386F3935-93C4-4BCD-93E2-E3B085C9AB24}">
+                <p16:designElem xmlns:p16="http://schemas.microsoft.com/office/powerpoint/2015/main" val="1"/>
+              </p:ext>
+            </p:extLst>
+          </p:nvPr>
+        </p:nvSpPr>
+        <p:spPr>
+          <a:xfrm>
+            <a:off x="5454149" y="5775082"/>
+            <a:ext cx="112426" cy="112426"/>
+          </a:xfrm>
+          <a:custGeom>
+            <a:avLst/>
+            <a:gdLst>
+              <a:gd name="connsiteX0" fmla="*/ 112426 w 112426"/>
+              <a:gd name="connsiteY0" fmla="*/ 56213 h 112426"/>
+              <a:gd name="connsiteX1" fmla="*/ 56213 w 112426"/>
+              <a:gd name="connsiteY1" fmla="*/ 112426 h 112426"/>
+              <a:gd name="connsiteX2" fmla="*/ 0 w 112426"/>
+              <a:gd name="connsiteY2" fmla="*/ 56213 h 112426"/>
+              <a:gd name="connsiteX3" fmla="*/ 56213 w 112426"/>
+              <a:gd name="connsiteY3" fmla="*/ 0 h 112426"/>
+              <a:gd name="connsiteX4" fmla="*/ 112426 w 112426"/>
+              <a:gd name="connsiteY4" fmla="*/ 56213 h 112426"/>
+            </a:gdLst>
+            <a:ahLst/>
+            <a:cxnLst>
+              <a:cxn ang="0">
+                <a:pos x="connsiteX0" y="connsiteY0"/>
+              </a:cxn>
+              <a:cxn ang="0">
+                <a:pos x="connsiteX1" y="connsiteY1"/>
+              </a:cxn>
+              <a:cxn ang="0">
+                <a:pos x="connsiteX2" y="connsiteY2"/>
+              </a:cxn>
+              <a:cxn ang="0">
+                <a:pos x="connsiteX3" y="connsiteY3"/>
+              </a:cxn>
+              <a:cxn ang="0">
+                <a:pos x="connsiteX4" y="connsiteY4"/>
+              </a:cxn>
+            </a:cxnLst>
+            <a:rect l="l" t="t" r="r" b="b"/>
+            <a:pathLst>
+              <a:path w="112426" h="112426">
+                <a:moveTo>
+                  <a:pt x="112426" y="56213"/>
+                </a:moveTo>
+                <a:cubicBezTo>
+                  <a:pt x="112426" y="87259"/>
+                  <a:pt x="87259" y="112426"/>
+                  <a:pt x="56213" y="112426"/>
+                </a:cubicBezTo>
+                <a:cubicBezTo>
+                  <a:pt x="25167" y="112426"/>
+                  <a:pt x="0" y="87259"/>
+                  <a:pt x="0" y="56213"/>
+                </a:cubicBezTo>
+                <a:cubicBezTo>
+                  <a:pt x="0" y="25167"/>
+                  <a:pt x="25167" y="0"/>
+                  <a:pt x="56213" y="0"/>
+                </a:cubicBezTo>
+                <a:cubicBezTo>
+                  <a:pt x="87259" y="0"/>
+                  <a:pt x="112426" y="25167"/>
+                  <a:pt x="112426" y="56213"/>
+                </a:cubicBezTo>
+                <a:close/>
+              </a:path>
+            </a:pathLst>
+          </a:custGeom>
+          <a:solidFill>
+            <a:schemeClr val="accent1"/>
+          </a:solidFill>
+          <a:ln w="516" cap="flat">
+            <a:noFill/>
+            <a:prstDash val="solid"/>
+            <a:miter/>
+          </a:ln>
+        </p:spPr>
+        <p:txBody>
+          <a:bodyPr rtlCol="0" anchor="ctr"/>
+          <a:lstStyle/>
+          <a:p>
+            <a:pPr marL="0" marR="0" lvl="0" indent="0" algn="l" defTabSz="914400" rtl="0" eaLnBrk="1" fontAlgn="auto" latinLnBrk="0" hangingPunct="1">
+              <a:lnSpc>
+                <a:spcPct val="100000"/>
+              </a:lnSpc>
+              <a:spcBef>
+                <a:spcPts val="0"/>
+              </a:spcBef>
+              <a:spcAft>
+                <a:spcPts val="0"/>
+              </a:spcAft>
+              <a:buClrTx/>
+              <a:buSzTx/>
+              <a:buFontTx/>
+              <a:buNone/>
+              <a:tabLst/>
+              <a:defRPr/>
+            </a:pPr>
+            <a:endParaRPr kumimoji="0" lang="en-US" sz="1800" b="0" i="0" u="none" strike="noStrike" kern="1200" cap="none" spc="0" normalizeH="0" baseline="0" noProof="0">
+              <a:ln>
+                <a:noFill/>
+              </a:ln>
+              <a:solidFill>
+                <a:prstClr val="black"/>
+              </a:solidFill>
+              <a:effectLst/>
+              <a:uLnTx/>
+              <a:uFillTx/>
+              <a:latin typeface="Calibri" panose="020F0502020204030204"/>
+              <a:ea typeface="+mn-ea"/>
+              <a:cs typeface="+mn-cs"/>
+            </a:endParaRPr>
+          </a:p>
+        </p:txBody>
+      </p:sp>
+      <p:cxnSp>
+        <p:nvCxnSpPr>
+          <p:cNvPr id="65" name="Straight Connector 64">
+            <a:extLst>
+              <a:ext uri="{FF2B5EF4-FFF2-40B4-BE49-F238E27FC236}">
+                <a16:creationId xmlns:a16="http://schemas.microsoft.com/office/drawing/2014/main" id="{C49DA8F6-BCC1-4447-B54C-57856834B94B}"/>
+              </a:ext>
+              <a:ext uri="{C183D7F6-B498-43B3-948B-1728B52AA6E4}">
+                <adec:decorative xmlns:adec="http://schemas.microsoft.com/office/drawing/2017/decorative" val="1"/>
+              </a:ext>
+            </a:extLst>
+          </p:cNvPr>
+          <p:cNvCxnSpPr>
+            <a:cxnSpLocks noGrp="1" noRot="1" noChangeAspect="1" noMove="1" noResize="1" noEditPoints="1" noAdjustHandles="1" noChangeArrowheads="1" noChangeShapeType="1"/>
+          </p:cNvCxnSpPr>
+          <p:nvPr>
+            <p:extLst>
+              <p:ext uri="{386F3935-93C4-4BCD-93E2-E3B085C9AB24}">
+                <p16:designElem xmlns:p16="http://schemas.microsoft.com/office/powerpoint/2015/main" val="1"/>
+              </p:ext>
+            </p:extLst>
+          </p:nvPr>
+        </p:nvCxnSpPr>
+        <p:spPr>
+          <a:xfrm>
+            <a:off x="11586162" y="3610394"/>
+            <a:ext cx="0" cy="3238728"/>
+          </a:xfrm>
+          <a:prstGeom prst="line">
+            <a:avLst/>
+          </a:prstGeom>
+          <a:ln w="25400" cap="sq">
+            <a:gradFill flip="none" rotWithShape="1">
+              <a:gsLst>
+                <a:gs pos="0">
+                  <a:schemeClr val="accent1"/>
+                </a:gs>
+                <a:gs pos="100000">
+                  <a:schemeClr val="accent2"/>
+                </a:gs>
+              </a:gsLst>
+              <a:lin ang="16200000" scaled="1"/>
+              <a:tileRect/>
+            </a:gradFill>
+            <a:bevel/>
+          </a:ln>
+        </p:spPr>
+        <p:style>
+          <a:lnRef idx="1">
+            <a:schemeClr val="accent1"/>
+          </a:lnRef>
+          <a:fillRef idx="0">
+            <a:schemeClr val="accent1"/>
+          </a:fillRef>
+          <a:effectRef idx="0">
+            <a:schemeClr val="accent1"/>
+          </a:effectRef>
+          <a:fontRef idx="minor">
+            <a:schemeClr val="tx1"/>
+          </a:fontRef>
+        </p:style>
+      </p:cxnSp>
+    </p:spTree>
+    <p:extLst>
+      <p:ext uri="{BB962C8B-B14F-4D97-AF65-F5344CB8AC3E}">
+        <p14:creationId xmlns:p14="http://schemas.microsoft.com/office/powerpoint/2010/main" val="389007164"/>
+      </p:ext>
+    </p:extLst>
+  </p:cSld>
+  <p:clrMapOvr>
+    <a:masterClrMapping/>
+  </p:clrMapOvr>
+</p:sld>
+</file>
+
+<file path=ppt/slides/slide30.xml><?xml version="1.0" encoding="utf-8"?>
 <p:sld xmlns:a="http://schemas.openxmlformats.org/drawingml/2006/main" xmlns:r="http://schemas.openxmlformats.org/officeDocument/2006/relationships" xmlns:p="http://schemas.openxmlformats.org/presentationml/2006/main">
   <p:cSld>
     <p:spTree>
@@ -8616,7 +13334,7 @@
 </p:sld>
 </file>
 
-<file path=ppt/slides/slide27.xml><?xml version="1.0" encoding="utf-8"?>
+<file path=ppt/slides/slide31.xml><?xml version="1.0" encoding="utf-8"?>
 <p:sld xmlns:a="http://schemas.openxmlformats.org/drawingml/2006/main" xmlns:r="http://schemas.openxmlformats.org/officeDocument/2006/relationships" xmlns:p="http://schemas.openxmlformats.org/presentationml/2006/main">
   <p:cSld>
     <p:spTree>
@@ -8721,7 +13439,7 @@
 </p:sld>
 </file>
 
-<file path=ppt/slides/slide28.xml><?xml version="1.0" encoding="utf-8"?>
+<file path=ppt/slides/slide32.xml><?xml version="1.0" encoding="utf-8"?>
 <p:sld xmlns:a="http://schemas.openxmlformats.org/drawingml/2006/main" xmlns:r="http://schemas.openxmlformats.org/officeDocument/2006/relationships" xmlns:p="http://schemas.openxmlformats.org/presentationml/2006/main">
   <p:cSld>
     <p:spTree>
@@ -8740,70 +13458,103 @@
       </p:grpSpPr>
       <p:sp>
         <p:nvSpPr>
-          <p:cNvPr id="2" name="Title 1">
-            <a:extLst>
-              <a:ext uri="{FF2B5EF4-FFF2-40B4-BE49-F238E27FC236}">
-                <a16:creationId xmlns:a16="http://schemas.microsoft.com/office/drawing/2014/main" id="{A45F80EC-8706-4D2F-9071-88B538145B98}"/>
-              </a:ext>
-            </a:extLst>
-          </p:cNvPr>
-          <p:cNvSpPr>
-            <a:spLocks noGrp="1"/>
-          </p:cNvSpPr>
-          <p:nvPr>
-            <p:ph type="title"/>
-          </p:nvPr>
+          <p:cNvPr id="2" name="Rectangle 1">
+            <a:extLst>
+              <a:ext uri="{FF2B5EF4-FFF2-40B4-BE49-F238E27FC236}">
+                <a16:creationId xmlns:a16="http://schemas.microsoft.com/office/drawing/2014/main" id="{B583A949-9A9C-441F-899A-B69D89CAE7D4}"/>
+              </a:ext>
+            </a:extLst>
+          </p:cNvPr>
+          <p:cNvSpPr/>
+          <p:nvPr/>
         </p:nvSpPr>
         <p:spPr>
           <a:xfrm>
-            <a:off x="760379" y="2592759"/>
-            <a:ext cx="10515600" cy="1325563"/>
+            <a:off x="1845733" y="1951672"/>
+            <a:ext cx="7467600" cy="3046988"/>
           </a:xfrm>
+          <a:prstGeom prst="rect">
+            <a:avLst/>
+          </a:prstGeom>
         </p:spPr>
         <p:txBody>
-          <a:bodyPr/>
-          <a:lstStyle/>
-          <a:p>
-            <a:pPr algn="ctr"/>
-            <a:r>
-              <a:rPr lang="de-DE" dirty="0" err="1">
-                <a:latin typeface="Adobe Heiti Std R" panose="020B0400000000000000" pitchFamily="34" charset="-128"/>
-                <a:ea typeface="Adobe Heiti Std R" panose="020B0400000000000000" pitchFamily="34" charset="-128"/>
-              </a:rPr>
-              <a:t>Thank</a:t>
-            </a:r>
-            <a:r>
-              <a:rPr lang="de-DE" dirty="0">
-                <a:latin typeface="Adobe Heiti Std R" panose="020B0400000000000000" pitchFamily="34" charset="-128"/>
-                <a:ea typeface="Adobe Heiti Std R" panose="020B0400000000000000" pitchFamily="34" charset="-128"/>
-              </a:rPr>
-              <a:t> </a:t>
-            </a:r>
-            <a:r>
-              <a:rPr lang="de-DE" dirty="0" err="1">
-                <a:latin typeface="Adobe Heiti Std R" panose="020B0400000000000000" pitchFamily="34" charset="-128"/>
-                <a:ea typeface="Adobe Heiti Std R" panose="020B0400000000000000" pitchFamily="34" charset="-128"/>
-              </a:rPr>
-              <a:t>you</a:t>
-            </a:r>
-            <a:r>
-              <a:rPr lang="de-DE" dirty="0">
-                <a:latin typeface="Adobe Heiti Std R" panose="020B0400000000000000" pitchFamily="34" charset="-128"/>
-                <a:ea typeface="Adobe Heiti Std R" panose="020B0400000000000000" pitchFamily="34" charset="-128"/>
-              </a:rPr>
-              <a:t>!</a:t>
-            </a:r>
-            <a:endParaRPr lang="en-CA" dirty="0">
-              <a:latin typeface="Adobe Heiti Std R" panose="020B0400000000000000" pitchFamily="34" charset="-128"/>
-              <a:ea typeface="Adobe Heiti Std R" panose="020B0400000000000000" pitchFamily="34" charset="-128"/>
-            </a:endParaRPr>
+          <a:bodyPr wrap="square">
+            <a:spAutoFit/>
+          </a:bodyPr>
+          <a:lstStyle/>
+          <a:p>
+            <a:r>
+              <a:rPr lang="en-CA" sz="2400" dirty="0"/>
+              <a:t>Electricity shortage is a big problem in our Country. But by installing this Smart Lighting System can save a lot of electricity. It will always check for the motion so if anyone forgets to turn off the lights it can automatically detect that and will take action automatically.</a:t>
+            </a:r>
+          </a:p>
+          <a:p>
+            <a:endParaRPr lang="en-CA" sz="2400" dirty="0"/>
+          </a:p>
+          <a:p>
+            <a:r>
+              <a:rPr lang="en-CA" sz="2400" dirty="0"/>
+              <a:t>Requirements: Motion sensor, Light intensity sensor, </a:t>
+            </a:r>
+            <a:r>
+              <a:rPr lang="en-CA" sz="2400" dirty="0" err="1"/>
+              <a:t>Smarthub</a:t>
+            </a:r>
+            <a:r>
+              <a:rPr lang="en-CA" sz="2400" dirty="0"/>
+              <a:t>(Micro-controller).</a:t>
+            </a:r>
+          </a:p>
+        </p:txBody>
+      </p:sp>
+      <p:sp>
+        <p:nvSpPr>
+          <p:cNvPr id="3" name="TextBox 2">
+            <a:extLst>
+              <a:ext uri="{FF2B5EF4-FFF2-40B4-BE49-F238E27FC236}">
+                <a16:creationId xmlns:a16="http://schemas.microsoft.com/office/drawing/2014/main" id="{CFA8545E-8AAB-40E7-901B-81CEFDEDB64A}"/>
+              </a:ext>
+            </a:extLst>
+          </p:cNvPr>
+          <p:cNvSpPr txBox="1"/>
+          <p:nvPr/>
+        </p:nvSpPr>
+        <p:spPr>
+          <a:xfrm>
+            <a:off x="1845733" y="778933"/>
+            <a:ext cx="6096000" cy="584775"/>
+          </a:xfrm>
+          <a:prstGeom prst="rect">
+            <a:avLst/>
+          </a:prstGeom>
+          <a:noFill/>
+        </p:spPr>
+        <p:txBody>
+          <a:bodyPr wrap="square" rtlCol="0">
+            <a:spAutoFit/>
+          </a:bodyPr>
+          <a:lstStyle/>
+          <a:p>
+            <a:r>
+              <a:rPr lang="de-DE" sz="3200" i="1" u="sng" dirty="0"/>
+              <a:t>Smart </a:t>
+            </a:r>
+            <a:r>
+              <a:rPr lang="de-DE" sz="3200" i="1" u="sng" dirty="0" err="1"/>
+              <a:t>Lighting</a:t>
+            </a:r>
+            <a:r>
+              <a:rPr lang="de-DE" sz="3200" i="1" u="sng" dirty="0"/>
+              <a:t> System</a:t>
+            </a:r>
+            <a:endParaRPr lang="en-CA" sz="3200" i="1" u="sng" dirty="0"/>
           </a:p>
         </p:txBody>
       </p:sp>
     </p:spTree>
     <p:extLst>
       <p:ext uri="{BB962C8B-B14F-4D97-AF65-F5344CB8AC3E}">
-        <p14:creationId xmlns:p14="http://schemas.microsoft.com/office/powerpoint/2010/main" val="322336275"/>
+        <p14:creationId xmlns:p14="http://schemas.microsoft.com/office/powerpoint/2010/main" val="4192420267"/>
       </p:ext>
     </p:extLst>
   </p:cSld>
@@ -8813,7 +13564,7 @@
 </p:sld>
 </file>
 
-<file path=ppt/slides/slide3.xml><?xml version="1.0" encoding="utf-8"?>
+<file path=ppt/slides/slide33.xml><?xml version="1.0" encoding="utf-8"?>
 <p:sld xmlns:a="http://schemas.openxmlformats.org/drawingml/2006/main" xmlns:r="http://schemas.openxmlformats.org/officeDocument/2006/relationships" xmlns:p="http://schemas.openxmlformats.org/presentationml/2006/main">
   <p:cSld>
     <p:spTree>
@@ -8830,53 +13581,664 @@
           <a:chExt cx="0" cy="0"/>
         </a:xfrm>
       </p:grpSpPr>
-      <p:sp>
-        <p:nvSpPr>
-          <p:cNvPr id="2" name="Title 1">
-            <a:extLst>
-              <a:ext uri="{FF2B5EF4-FFF2-40B4-BE49-F238E27FC236}">
-                <a16:creationId xmlns:a16="http://schemas.microsoft.com/office/drawing/2014/main" id="{D863B09D-0EB0-46D9-A1DD-2F77EE03AC64}"/>
-              </a:ext>
-            </a:extLst>
-          </p:cNvPr>
-          <p:cNvSpPr>
-            <a:spLocks noGrp="1"/>
-          </p:cNvSpPr>
-          <p:nvPr>
-            <p:ph type="title"/>
-          </p:nvPr>
-        </p:nvSpPr>
+      <p:pic>
+        <p:nvPicPr>
+          <p:cNvPr id="3" name="Picture 2">
+            <a:extLst>
+              <a:ext uri="{FF2B5EF4-FFF2-40B4-BE49-F238E27FC236}">
+                <a16:creationId xmlns:a16="http://schemas.microsoft.com/office/drawing/2014/main" id="{0F5F6327-7947-4F2C-8C28-54129A96B889}"/>
+              </a:ext>
+            </a:extLst>
+          </p:cNvPr>
+          <p:cNvPicPr>
+            <a:picLocks noChangeAspect="1"/>
+          </p:cNvPicPr>
+          <p:nvPr/>
+        </p:nvPicPr>
+        <p:blipFill>
+          <a:blip r:embed="rId2">
+            <a:extLst>
+              <a:ext uri="{28A0092B-C50C-407E-A947-70E740481C1C}">
+                <a14:useLocalDpi xmlns:a14="http://schemas.microsoft.com/office/drawing/2010/main" val="0"/>
+              </a:ext>
+            </a:extLst>
+          </a:blip>
+          <a:stretch>
+            <a:fillRect/>
+          </a:stretch>
+        </p:blipFill>
         <p:spPr>
           <a:xfrm>
-            <a:off x="945204" y="2339840"/>
+            <a:off x="1243012" y="119062"/>
+            <a:ext cx="9705975" cy="6619875"/>
+          </a:xfrm>
+          <a:prstGeom prst="rect">
+            <a:avLst/>
+          </a:prstGeom>
+        </p:spPr>
+      </p:pic>
+      <p:sp>
+        <p:nvSpPr>
+          <p:cNvPr id="2" name="TextBox 1">
+            <a:extLst>
+              <a:ext uri="{FF2B5EF4-FFF2-40B4-BE49-F238E27FC236}">
+                <a16:creationId xmlns:a16="http://schemas.microsoft.com/office/drawing/2014/main" id="{A7B46474-C4B1-4B83-9DD7-C7708C4F7CA0}"/>
+              </a:ext>
+            </a:extLst>
+          </p:cNvPr>
+          <p:cNvSpPr txBox="1"/>
+          <p:nvPr/>
+        </p:nvSpPr>
+        <p:spPr>
+          <a:xfrm rot="16200000">
+            <a:off x="-848601" y="3077453"/>
+            <a:ext cx="2489137" cy="369332"/>
+          </a:xfrm>
+          <a:prstGeom prst="rect">
+            <a:avLst/>
+          </a:prstGeom>
+          <a:noFill/>
+        </p:spPr>
+        <p:txBody>
+          <a:bodyPr wrap="square" rtlCol="0">
+            <a:spAutoFit/>
+          </a:bodyPr>
+          <a:lstStyle/>
+          <a:p>
+            <a:r>
+              <a:rPr lang="de-DE" dirty="0" err="1"/>
+              <a:t>Sequence</a:t>
+            </a:r>
+            <a:r>
+              <a:rPr lang="de-DE" dirty="0"/>
+              <a:t> </a:t>
+            </a:r>
+            <a:r>
+              <a:rPr lang="de-DE" dirty="0" err="1"/>
+              <a:t>Diagram</a:t>
+            </a:r>
+            <a:endParaRPr lang="en-CA" dirty="0"/>
+          </a:p>
+        </p:txBody>
+      </p:sp>
+    </p:spTree>
+    <p:extLst>
+      <p:ext uri="{BB962C8B-B14F-4D97-AF65-F5344CB8AC3E}">
+        <p14:creationId xmlns:p14="http://schemas.microsoft.com/office/powerpoint/2010/main" val="3560193358"/>
+      </p:ext>
+    </p:extLst>
+  </p:cSld>
+  <p:clrMapOvr>
+    <a:masterClrMapping/>
+  </p:clrMapOvr>
+</p:sld>
+</file>
+
+<file path=ppt/slides/slide34.xml><?xml version="1.0" encoding="utf-8"?>
+<p:sld xmlns:a="http://schemas.openxmlformats.org/drawingml/2006/main" xmlns:r="http://schemas.openxmlformats.org/officeDocument/2006/relationships" xmlns:p="http://schemas.openxmlformats.org/presentationml/2006/main">
+  <p:cSld>
+    <p:spTree>
+      <p:nvGrpSpPr>
+        <p:cNvPr id="1" name=""/>
+        <p:cNvGrpSpPr/>
+        <p:nvPr/>
+      </p:nvGrpSpPr>
+      <p:grpSpPr>
+        <a:xfrm>
+          <a:off x="0" y="0"/>
+          <a:ext cx="0" cy="0"/>
+          <a:chOff x="0" y="0"/>
+          <a:chExt cx="0" cy="0"/>
+        </a:xfrm>
+      </p:grpSpPr>
+      <p:pic>
+        <p:nvPicPr>
+          <p:cNvPr id="3" name="Picture 2">
+            <a:extLst>
+              <a:ext uri="{FF2B5EF4-FFF2-40B4-BE49-F238E27FC236}">
+                <a16:creationId xmlns:a16="http://schemas.microsoft.com/office/drawing/2014/main" id="{40CA078C-1DF5-42FF-A73E-53E028F12142}"/>
+              </a:ext>
+            </a:extLst>
+          </p:cNvPr>
+          <p:cNvPicPr>
+            <a:picLocks noChangeAspect="1"/>
+          </p:cNvPicPr>
+          <p:nvPr/>
+        </p:nvPicPr>
+        <p:blipFill>
+          <a:blip r:embed="rId2">
+            <a:extLst>
+              <a:ext uri="{28A0092B-C50C-407E-A947-70E740481C1C}">
+                <a14:useLocalDpi xmlns:a14="http://schemas.microsoft.com/office/drawing/2010/main" val="0"/>
+              </a:ext>
+            </a:extLst>
+          </a:blip>
+          <a:stretch>
+            <a:fillRect/>
+          </a:stretch>
+        </p:blipFill>
+        <p:spPr>
+          <a:xfrm>
+            <a:off x="0" y="590476"/>
+            <a:ext cx="12192000" cy="5677047"/>
+          </a:xfrm>
+          <a:prstGeom prst="rect">
+            <a:avLst/>
+          </a:prstGeom>
+        </p:spPr>
+      </p:pic>
+      <p:sp>
+        <p:nvSpPr>
+          <p:cNvPr id="2" name="TextBox 1">
+            <a:extLst>
+              <a:ext uri="{FF2B5EF4-FFF2-40B4-BE49-F238E27FC236}">
+                <a16:creationId xmlns:a16="http://schemas.microsoft.com/office/drawing/2014/main" id="{0686459A-C525-4EE3-9005-66F6A6CE7E00}"/>
+              </a:ext>
+            </a:extLst>
+          </p:cNvPr>
+          <p:cNvSpPr txBox="1"/>
+          <p:nvPr/>
+        </p:nvSpPr>
+        <p:spPr>
+          <a:xfrm>
+            <a:off x="5112203" y="105427"/>
+            <a:ext cx="1967593" cy="369332"/>
+          </a:xfrm>
+          <a:prstGeom prst="rect">
+            <a:avLst/>
+          </a:prstGeom>
+          <a:noFill/>
+        </p:spPr>
+        <p:txBody>
+          <a:bodyPr wrap="square" rtlCol="0">
+            <a:spAutoFit/>
+          </a:bodyPr>
+          <a:lstStyle/>
+          <a:p>
+            <a:r>
+              <a:rPr lang="de-DE" dirty="0" err="1"/>
+              <a:t>Activity</a:t>
+            </a:r>
+            <a:r>
+              <a:rPr lang="de-DE" dirty="0"/>
+              <a:t> </a:t>
+            </a:r>
+            <a:r>
+              <a:rPr lang="de-DE" dirty="0" err="1"/>
+              <a:t>Diagram</a:t>
+            </a:r>
+            <a:endParaRPr lang="en-CA" dirty="0"/>
+          </a:p>
+        </p:txBody>
+      </p:sp>
+    </p:spTree>
+    <p:extLst>
+      <p:ext uri="{BB962C8B-B14F-4D97-AF65-F5344CB8AC3E}">
+        <p14:creationId xmlns:p14="http://schemas.microsoft.com/office/powerpoint/2010/main" val="1548523284"/>
+      </p:ext>
+    </p:extLst>
+  </p:cSld>
+  <p:clrMapOvr>
+    <a:masterClrMapping/>
+  </p:clrMapOvr>
+</p:sld>
+</file>
+
+<file path=ppt/slides/slide35.xml><?xml version="1.0" encoding="utf-8"?>
+<p:sld xmlns:a="http://schemas.openxmlformats.org/drawingml/2006/main" xmlns:r="http://schemas.openxmlformats.org/officeDocument/2006/relationships" xmlns:p="http://schemas.openxmlformats.org/presentationml/2006/main">
+  <p:cSld>
+    <p:spTree>
+      <p:nvGrpSpPr>
+        <p:cNvPr id="1" name=""/>
+        <p:cNvGrpSpPr/>
+        <p:nvPr/>
+      </p:nvGrpSpPr>
+      <p:grpSpPr>
+        <a:xfrm>
+          <a:off x="0" y="0"/>
+          <a:ext cx="0" cy="0"/>
+          <a:chOff x="0" y="0"/>
+          <a:chExt cx="0" cy="0"/>
+        </a:xfrm>
+      </p:grpSpPr>
+      <p:pic>
+        <p:nvPicPr>
+          <p:cNvPr id="3" name="Picture 2">
+            <a:extLst>
+              <a:ext uri="{FF2B5EF4-FFF2-40B4-BE49-F238E27FC236}">
+                <a16:creationId xmlns:a16="http://schemas.microsoft.com/office/drawing/2014/main" id="{0A06360F-28E7-490F-A109-D4E4643C98D0}"/>
+              </a:ext>
+            </a:extLst>
+          </p:cNvPr>
+          <p:cNvPicPr>
+            <a:picLocks noChangeAspect="1"/>
+          </p:cNvPicPr>
+          <p:nvPr/>
+        </p:nvPicPr>
+        <p:blipFill>
+          <a:blip r:embed="rId2">
+            <a:extLst>
+              <a:ext uri="{28A0092B-C50C-407E-A947-70E740481C1C}">
+                <a14:useLocalDpi xmlns:a14="http://schemas.microsoft.com/office/drawing/2010/main" val="0"/>
+              </a:ext>
+            </a:extLst>
+          </a:blip>
+          <a:stretch>
+            <a:fillRect/>
+          </a:stretch>
+        </p:blipFill>
+        <p:spPr>
+          <a:xfrm>
+            <a:off x="1676400" y="176976"/>
+            <a:ext cx="8213302" cy="6504047"/>
+          </a:xfrm>
+          <a:prstGeom prst="rect">
+            <a:avLst/>
+          </a:prstGeom>
+        </p:spPr>
+      </p:pic>
+      <p:sp>
+        <p:nvSpPr>
+          <p:cNvPr id="2" name="TextBox 1">
+            <a:extLst>
+              <a:ext uri="{FF2B5EF4-FFF2-40B4-BE49-F238E27FC236}">
+                <a16:creationId xmlns:a16="http://schemas.microsoft.com/office/drawing/2014/main" id="{99C9A583-66E8-410C-8A80-A237147A1330}"/>
+              </a:ext>
+            </a:extLst>
+          </p:cNvPr>
+          <p:cNvSpPr txBox="1"/>
+          <p:nvPr/>
+        </p:nvSpPr>
+        <p:spPr>
+          <a:xfrm rot="16200000">
+            <a:off x="-979715" y="2873828"/>
+            <a:ext cx="2898322" cy="369332"/>
+          </a:xfrm>
+          <a:prstGeom prst="rect">
+            <a:avLst/>
+          </a:prstGeom>
+          <a:noFill/>
+        </p:spPr>
+        <p:txBody>
+          <a:bodyPr wrap="square" rtlCol="0">
+            <a:spAutoFit/>
+          </a:bodyPr>
+          <a:lstStyle/>
+          <a:p>
+            <a:r>
+              <a:rPr lang="de-DE" dirty="0"/>
+              <a:t>Class </a:t>
+            </a:r>
+            <a:r>
+              <a:rPr lang="de-DE" dirty="0" err="1"/>
+              <a:t>Diagram</a:t>
+            </a:r>
+            <a:endParaRPr lang="en-CA" dirty="0"/>
+          </a:p>
+        </p:txBody>
+      </p:sp>
+    </p:spTree>
+    <p:extLst>
+      <p:ext uri="{BB962C8B-B14F-4D97-AF65-F5344CB8AC3E}">
+        <p14:creationId xmlns:p14="http://schemas.microsoft.com/office/powerpoint/2010/main" val="3755627330"/>
+      </p:ext>
+    </p:extLst>
+  </p:cSld>
+  <p:clrMapOvr>
+    <a:masterClrMapping/>
+  </p:clrMapOvr>
+</p:sld>
+</file>
+
+<file path=ppt/slides/slide36.xml><?xml version="1.0" encoding="utf-8"?>
+<p:sld xmlns:a="http://schemas.openxmlformats.org/drawingml/2006/main" xmlns:r="http://schemas.openxmlformats.org/officeDocument/2006/relationships" xmlns:p="http://schemas.openxmlformats.org/presentationml/2006/main">
+  <p:cSld>
+    <p:spTree>
+      <p:nvGrpSpPr>
+        <p:cNvPr id="1" name=""/>
+        <p:cNvGrpSpPr/>
+        <p:nvPr/>
+      </p:nvGrpSpPr>
+      <p:grpSpPr>
+        <a:xfrm>
+          <a:off x="0" y="0"/>
+          <a:ext cx="0" cy="0"/>
+          <a:chOff x="0" y="0"/>
+          <a:chExt cx="0" cy="0"/>
+        </a:xfrm>
+      </p:grpSpPr>
+      <p:pic>
+        <p:nvPicPr>
+          <p:cNvPr id="3" name="Picture 2">
+            <a:extLst>
+              <a:ext uri="{FF2B5EF4-FFF2-40B4-BE49-F238E27FC236}">
+                <a16:creationId xmlns:a16="http://schemas.microsoft.com/office/drawing/2014/main" id="{E10745EE-671B-49F4-8BBB-E4FEBCC249D9}"/>
+              </a:ext>
+            </a:extLst>
+          </p:cNvPr>
+          <p:cNvPicPr>
+            <a:picLocks noChangeAspect="1"/>
+          </p:cNvPicPr>
+          <p:nvPr/>
+        </p:nvPicPr>
+        <p:blipFill>
+          <a:blip r:embed="rId2">
+            <a:extLst>
+              <a:ext uri="{28A0092B-C50C-407E-A947-70E740481C1C}">
+                <a14:useLocalDpi xmlns:a14="http://schemas.microsoft.com/office/drawing/2010/main" val="0"/>
+              </a:ext>
+            </a:extLst>
+          </a:blip>
+          <a:stretch>
+            <a:fillRect/>
+          </a:stretch>
+        </p:blipFill>
+        <p:spPr>
+          <a:xfrm>
+            <a:off x="316970" y="914400"/>
+            <a:ext cx="10918101" cy="5029199"/>
+          </a:xfrm>
+          <a:prstGeom prst="rect">
+            <a:avLst/>
+          </a:prstGeom>
+        </p:spPr>
+      </p:pic>
+      <p:sp>
+        <p:nvSpPr>
+          <p:cNvPr id="2" name="TextBox 1">
+            <a:extLst>
+              <a:ext uri="{FF2B5EF4-FFF2-40B4-BE49-F238E27FC236}">
+                <a16:creationId xmlns:a16="http://schemas.microsoft.com/office/drawing/2014/main" id="{F8338F8A-D3FD-4185-A5F0-6C60CC5889DB}"/>
+              </a:ext>
+            </a:extLst>
+          </p:cNvPr>
+          <p:cNvSpPr txBox="1"/>
+          <p:nvPr/>
+        </p:nvSpPr>
+        <p:spPr>
+          <a:xfrm>
+            <a:off x="4514850" y="220436"/>
+            <a:ext cx="3200400" cy="369332"/>
+          </a:xfrm>
+          <a:prstGeom prst="rect">
+            <a:avLst/>
+          </a:prstGeom>
+          <a:noFill/>
+        </p:spPr>
+        <p:txBody>
+          <a:bodyPr wrap="square" rtlCol="0">
+            <a:spAutoFit/>
+          </a:bodyPr>
+          <a:lstStyle/>
+          <a:p>
+            <a:r>
+              <a:rPr lang="de-DE" dirty="0"/>
+              <a:t>State </a:t>
+            </a:r>
+            <a:r>
+              <a:rPr lang="de-DE" dirty="0" err="1"/>
+              <a:t>Machine</a:t>
+            </a:r>
+            <a:r>
+              <a:rPr lang="de-DE" dirty="0"/>
+              <a:t> </a:t>
+            </a:r>
+            <a:r>
+              <a:rPr lang="de-DE" dirty="0" err="1"/>
+              <a:t>Diagram</a:t>
+            </a:r>
+            <a:endParaRPr lang="en-CA" dirty="0"/>
+          </a:p>
+        </p:txBody>
+      </p:sp>
+    </p:spTree>
+    <p:extLst>
+      <p:ext uri="{BB962C8B-B14F-4D97-AF65-F5344CB8AC3E}">
+        <p14:creationId xmlns:p14="http://schemas.microsoft.com/office/powerpoint/2010/main" val="2413780446"/>
+      </p:ext>
+    </p:extLst>
+  </p:cSld>
+  <p:clrMapOvr>
+    <a:masterClrMapping/>
+  </p:clrMapOvr>
+</p:sld>
+</file>
+
+<file path=ppt/slides/slide37.xml><?xml version="1.0" encoding="utf-8"?>
+<p:sld xmlns:a="http://schemas.openxmlformats.org/drawingml/2006/main" xmlns:r="http://schemas.openxmlformats.org/officeDocument/2006/relationships" xmlns:p="http://schemas.openxmlformats.org/presentationml/2006/main">
+  <p:cSld>
+    <p:spTree>
+      <p:nvGrpSpPr>
+        <p:cNvPr id="1" name=""/>
+        <p:cNvGrpSpPr/>
+        <p:nvPr/>
+      </p:nvGrpSpPr>
+      <p:grpSpPr>
+        <a:xfrm>
+          <a:off x="0" y="0"/>
+          <a:ext cx="0" cy="0"/>
+          <a:chOff x="0" y="0"/>
+          <a:chExt cx="0" cy="0"/>
+        </a:xfrm>
+      </p:grpSpPr>
+      <p:sp>
+        <p:nvSpPr>
+          <p:cNvPr id="2" name="Title 1">
+            <a:extLst>
+              <a:ext uri="{FF2B5EF4-FFF2-40B4-BE49-F238E27FC236}">
+                <a16:creationId xmlns:a16="http://schemas.microsoft.com/office/drawing/2014/main" id="{A45F80EC-8706-4D2F-9071-88B538145B98}"/>
+              </a:ext>
+            </a:extLst>
+          </p:cNvPr>
+          <p:cNvSpPr>
+            <a:spLocks noGrp="1"/>
+          </p:cNvSpPr>
+          <p:nvPr>
+            <p:ph type="title"/>
+          </p:nvPr>
+        </p:nvSpPr>
+        <p:spPr>
+          <a:xfrm>
+            <a:off x="760379" y="2592759"/>
             <a:ext cx="10515600" cy="1325563"/>
           </a:xfrm>
         </p:spPr>
         <p:txBody>
-          <a:bodyPr>
-            <a:normAutofit/>
-          </a:bodyPr>
+          <a:bodyPr/>
           <a:lstStyle/>
           <a:p>
             <a:pPr algn="ctr"/>
             <a:r>
-              <a:rPr lang="de-DE" sz="4800" dirty="0">
+              <a:rPr lang="de-DE" dirty="0" err="1">
                 <a:latin typeface="Adobe Heiti Std R" panose="020B0400000000000000" pitchFamily="34" charset="-128"/>
                 <a:ea typeface="Adobe Heiti Std R" panose="020B0400000000000000" pitchFamily="34" charset="-128"/>
               </a:rPr>
-              <a:t>Ideas &amp; Scenarios</a:t>
-            </a:r>
-            <a:endParaRPr lang="en-CA" sz="4800" dirty="0">
+              <a:t>Thank</a:t>
+            </a:r>
+            <a:r>
+              <a:rPr lang="de-DE" dirty="0">
+                <a:latin typeface="Adobe Heiti Std R" panose="020B0400000000000000" pitchFamily="34" charset="-128"/>
+                <a:ea typeface="Adobe Heiti Std R" panose="020B0400000000000000" pitchFamily="34" charset="-128"/>
+              </a:rPr>
+              <a:t> </a:t>
+            </a:r>
+            <a:r>
+              <a:rPr lang="de-DE" dirty="0" err="1">
+                <a:latin typeface="Adobe Heiti Std R" panose="020B0400000000000000" pitchFamily="34" charset="-128"/>
+                <a:ea typeface="Adobe Heiti Std R" panose="020B0400000000000000" pitchFamily="34" charset="-128"/>
+              </a:rPr>
+              <a:t>you</a:t>
+            </a:r>
+            <a:r>
+              <a:rPr lang="de-DE" dirty="0">
+                <a:latin typeface="Adobe Heiti Std R" panose="020B0400000000000000" pitchFamily="34" charset="-128"/>
+                <a:ea typeface="Adobe Heiti Std R" panose="020B0400000000000000" pitchFamily="34" charset="-128"/>
+              </a:rPr>
+              <a:t>!</a:t>
+            </a:r>
+            <a:endParaRPr lang="en-CA" dirty="0">
               <a:latin typeface="Adobe Heiti Std R" panose="020B0400000000000000" pitchFamily="34" charset="-128"/>
               <a:ea typeface="Adobe Heiti Std R" panose="020B0400000000000000" pitchFamily="34" charset="-128"/>
             </a:endParaRPr>
           </a:p>
         </p:txBody>
       </p:sp>
+      <p:sp>
+        <p:nvSpPr>
+          <p:cNvPr id="4" name="TextBox 3">
+            <a:extLst>
+              <a:ext uri="{FF2B5EF4-FFF2-40B4-BE49-F238E27FC236}">
+                <a16:creationId xmlns:a16="http://schemas.microsoft.com/office/drawing/2014/main" id="{D78F9EC6-AD68-4E1D-8F81-0CF726F69A0B}"/>
+              </a:ext>
+            </a:extLst>
+          </p:cNvPr>
+          <p:cNvSpPr txBox="1"/>
+          <p:nvPr/>
+        </p:nvSpPr>
+        <p:spPr>
+          <a:xfrm>
+            <a:off x="1890793" y="3804834"/>
+            <a:ext cx="8276095" cy="769441"/>
+          </a:xfrm>
+          <a:prstGeom prst="rect">
+            <a:avLst/>
+          </a:prstGeom>
+          <a:noFill/>
+        </p:spPr>
+        <p:txBody>
+          <a:bodyPr wrap="square" rtlCol="0">
+            <a:spAutoFit/>
+          </a:bodyPr>
+          <a:lstStyle/>
+          <a:p>
+            <a:pPr algn="ctr"/>
+            <a:r>
+              <a:rPr lang="de-DE" sz="4400" b="1" dirty="0" err="1"/>
+              <a:t>Have</a:t>
+            </a:r>
+            <a:r>
+              <a:rPr lang="de-DE" sz="4400" b="1" dirty="0"/>
+              <a:t> </a:t>
+            </a:r>
+            <a:r>
+              <a:rPr lang="de-DE" sz="4400" b="1" dirty="0" err="1"/>
+              <a:t>any</a:t>
+            </a:r>
+            <a:r>
+              <a:rPr lang="de-DE" sz="4400" b="1" dirty="0"/>
+              <a:t> </a:t>
+            </a:r>
+            <a:r>
+              <a:rPr lang="de-DE" sz="4400" b="1" dirty="0" err="1"/>
+              <a:t>questions</a:t>
+            </a:r>
+            <a:r>
+              <a:rPr lang="de-DE" sz="4400" b="1" dirty="0"/>
+              <a:t>?</a:t>
+            </a:r>
+            <a:endParaRPr lang="en-CA" sz="4400" b="1" dirty="0"/>
+          </a:p>
+        </p:txBody>
+      </p:sp>
     </p:spTree>
     <p:extLst>
       <p:ext uri="{BB962C8B-B14F-4D97-AF65-F5344CB8AC3E}">
-        <p14:creationId xmlns:p14="http://schemas.microsoft.com/office/powerpoint/2010/main" val="3527878251"/>
+        <p14:creationId xmlns:p14="http://schemas.microsoft.com/office/powerpoint/2010/main" val="322336275"/>
+      </p:ext>
+    </p:extLst>
+  </p:cSld>
+  <p:clrMapOvr>
+    <a:masterClrMapping/>
+  </p:clrMapOvr>
+</p:sld>
+</file>
+
+<file path=ppt/slides/slide38.xml><?xml version="1.0" encoding="utf-8"?>
+<p:sld xmlns:a="http://schemas.openxmlformats.org/drawingml/2006/main" xmlns:r="http://schemas.openxmlformats.org/officeDocument/2006/relationships" xmlns:p="http://schemas.openxmlformats.org/presentationml/2006/main">
+  <p:cSld>
+    <p:spTree>
+      <p:nvGrpSpPr>
+        <p:cNvPr id="1" name=""/>
+        <p:cNvGrpSpPr/>
+        <p:nvPr/>
+      </p:nvGrpSpPr>
+      <p:grpSpPr>
+        <a:xfrm>
+          <a:off x="0" y="0"/>
+          <a:ext cx="0" cy="0"/>
+          <a:chOff x="0" y="0"/>
+          <a:chExt cx="0" cy="0"/>
+        </a:xfrm>
+      </p:grpSpPr>
+      <p:pic>
+        <p:nvPicPr>
+          <p:cNvPr id="5" name="Picture 4">
+            <a:extLst>
+              <a:ext uri="{FF2B5EF4-FFF2-40B4-BE49-F238E27FC236}">
+                <a16:creationId xmlns:a16="http://schemas.microsoft.com/office/drawing/2014/main" id="{EB35430B-2B1C-41C6-8612-D20F63D7F387}"/>
+              </a:ext>
+            </a:extLst>
+          </p:cNvPr>
+          <p:cNvPicPr>
+            <a:picLocks noChangeAspect="1"/>
+          </p:cNvPicPr>
+          <p:nvPr/>
+        </p:nvPicPr>
+        <p:blipFill>
+          <a:blip r:embed="rId2"/>
+          <a:stretch>
+            <a:fillRect/>
+          </a:stretch>
+        </p:blipFill>
+        <p:spPr>
+          <a:xfrm>
+            <a:off x="643467" y="1771045"/>
+            <a:ext cx="7047923" cy="3311674"/>
+          </a:xfrm>
+          <a:prstGeom prst="rect">
+            <a:avLst/>
+          </a:prstGeom>
+        </p:spPr>
+      </p:pic>
+      <p:sp>
+        <p:nvSpPr>
+          <p:cNvPr id="3" name="TextBox 2">
+            <a:extLst>
+              <a:ext uri="{FF2B5EF4-FFF2-40B4-BE49-F238E27FC236}">
+                <a16:creationId xmlns:a16="http://schemas.microsoft.com/office/drawing/2014/main" id="{1B87CA7B-67B9-44DB-990B-6F93D94EF565}"/>
+              </a:ext>
+            </a:extLst>
+          </p:cNvPr>
+          <p:cNvSpPr txBox="1"/>
+          <p:nvPr/>
+        </p:nvSpPr>
+        <p:spPr>
+          <a:xfrm>
+            <a:off x="539931" y="516191"/>
+            <a:ext cx="11234057" cy="461665"/>
+          </a:xfrm>
+          <a:prstGeom prst="rect">
+            <a:avLst/>
+          </a:prstGeom>
+          <a:noFill/>
+        </p:spPr>
+        <p:txBody>
+          <a:bodyPr wrap="square" rtlCol="0">
+            <a:spAutoFit/>
+          </a:bodyPr>
+          <a:lstStyle/>
+          <a:p>
+            <a:r>
+              <a:rPr lang="en-US" sz="2400" b="1" dirty="0"/>
+              <a:t>References</a:t>
+            </a:r>
+          </a:p>
+        </p:txBody>
+      </p:sp>
+    </p:spTree>
+    <p:extLst>
+      <p:ext uri="{BB962C8B-B14F-4D97-AF65-F5344CB8AC3E}">
+        <p14:creationId xmlns:p14="http://schemas.microsoft.com/office/powerpoint/2010/main" val="3118312165"/>
       </p:ext>
     </p:extLst>
   </p:cSld>
@@ -8905,108 +14267,151 @@
       </p:grpSpPr>
       <p:sp>
         <p:nvSpPr>
-          <p:cNvPr id="2" name="Title 1">
-            <a:extLst>
-              <a:ext uri="{FF2B5EF4-FFF2-40B4-BE49-F238E27FC236}">
-                <a16:creationId xmlns:a16="http://schemas.microsoft.com/office/drawing/2014/main" id="{B26FE6E7-74C9-4EB6-9EF1-B4B538DCF0A3}"/>
-              </a:ext>
-            </a:extLst>
-          </p:cNvPr>
-          <p:cNvSpPr>
-            <a:spLocks noGrp="1"/>
-          </p:cNvSpPr>
-          <p:nvPr>
-            <p:ph type="ctrTitle"/>
-          </p:nvPr>
+          <p:cNvPr id="4" name="TextBox 3">
+            <a:extLst>
+              <a:ext uri="{FF2B5EF4-FFF2-40B4-BE49-F238E27FC236}">
+                <a16:creationId xmlns:a16="http://schemas.microsoft.com/office/drawing/2014/main" id="{22841045-0EA0-49CB-AEE8-0C76B3116119}"/>
+              </a:ext>
+            </a:extLst>
+          </p:cNvPr>
+          <p:cNvSpPr txBox="1"/>
+          <p:nvPr/>
         </p:nvSpPr>
         <p:spPr>
           <a:xfrm>
-            <a:off x="1230217" y="1284936"/>
-            <a:ext cx="4865783" cy="673386"/>
+            <a:off x="477981" y="1122363"/>
+            <a:ext cx="4023360" cy="3204134"/>
           </a:xfrm>
+          <a:prstGeom prst="rect">
+            <a:avLst/>
+          </a:prstGeom>
         </p:spPr>
         <p:txBody>
-          <a:bodyPr>
-            <a:noAutofit/>
+          <a:bodyPr vert="horz" lIns="91440" tIns="45720" rIns="91440" bIns="45720" rtlCol="0" anchor="b">
+            <a:normAutofit/>
           </a:bodyPr>
           <a:lstStyle/>
           <a:p>
-            <a:pPr algn="l"/>
-            <a:r>
-              <a:rPr lang="en-CA" sz="3200" b="1" i="1" u="sng" dirty="0"/>
-              <a:t>Smart Gardening:</a:t>
-            </a:r>
-            <a:endParaRPr lang="en-CA" sz="3200" dirty="0"/>
-          </a:p>
-        </p:txBody>
-      </p:sp>
-      <p:sp>
-        <p:nvSpPr>
-          <p:cNvPr id="3" name="Subtitle 2">
-            <a:extLst>
-              <a:ext uri="{FF2B5EF4-FFF2-40B4-BE49-F238E27FC236}">
-                <a16:creationId xmlns:a16="http://schemas.microsoft.com/office/drawing/2014/main" id="{3FABB114-EE08-46B1-A821-37340EF7E44D}"/>
-              </a:ext>
-            </a:extLst>
-          </p:cNvPr>
-          <p:cNvSpPr>
-            <a:spLocks noGrp="1"/>
-          </p:cNvSpPr>
-          <p:nvPr>
-            <p:ph type="subTitle" idx="1"/>
-          </p:nvPr>
-        </p:nvSpPr>
+            <a:pPr>
+              <a:lnSpc>
+                <a:spcPct val="90000"/>
+              </a:lnSpc>
+              <a:spcBef>
+                <a:spcPct val="0"/>
+              </a:spcBef>
+              <a:spcAft>
+                <a:spcPts val="600"/>
+              </a:spcAft>
+            </a:pPr>
+            <a:r>
+              <a:rPr lang="en-US" sz="4800" b="1">
+                <a:latin typeface="+mj-lt"/>
+                <a:ea typeface="+mj-ea"/>
+                <a:cs typeface="+mj-cs"/>
+              </a:rPr>
+              <a:t>Architectural Overview</a:t>
+            </a:r>
+          </a:p>
+        </p:txBody>
+      </p:sp>
+      <p:pic>
+        <p:nvPicPr>
+          <p:cNvPr id="3" name="Picture 2" descr="Diagram&#10;&#10;Description automatically generated">
+            <a:extLst>
+              <a:ext uri="{FF2B5EF4-FFF2-40B4-BE49-F238E27FC236}">
+                <a16:creationId xmlns:a16="http://schemas.microsoft.com/office/drawing/2014/main" id="{F356132A-BB37-4778-9683-D5E270BA4C37}"/>
+              </a:ext>
+            </a:extLst>
+          </p:cNvPr>
+          <p:cNvPicPr>
+            <a:picLocks noChangeAspect="1"/>
+          </p:cNvPicPr>
+          <p:nvPr/>
+        </p:nvPicPr>
+        <p:blipFill rotWithShape="1">
+          <a:blip r:embed="rId2">
+            <a:extLst>
+              <a:ext uri="{28A0092B-C50C-407E-A947-70E740481C1C}">
+                <a14:useLocalDpi xmlns:a14="http://schemas.microsoft.com/office/drawing/2010/main" val="0"/>
+              </a:ext>
+            </a:extLst>
+          </a:blip>
+          <a:srcRect t="335" r="-2" b="-2"/>
+          <a:stretch/>
+        </p:blipFill>
         <p:spPr>
           <a:xfrm>
-            <a:off x="1230217" y="2497176"/>
-            <a:ext cx="9144000" cy="1655762"/>
+            <a:off x="4868487" y="10"/>
+            <a:ext cx="7323513" cy="6857990"/>
           </a:xfrm>
+          <a:prstGeom prst="rect">
+            <a:avLst/>
+          </a:prstGeom>
         </p:spPr>
-        <p:txBody>
-          <a:bodyPr>
-            <a:normAutofit fontScale="92500"/>
+      </p:pic>
+      <p:sp>
+        <p:nvSpPr>
+          <p:cNvPr id="5" name="TextBox 4">
+            <a:extLst>
+              <a:ext uri="{FF2B5EF4-FFF2-40B4-BE49-F238E27FC236}">
+                <a16:creationId xmlns:a16="http://schemas.microsoft.com/office/drawing/2014/main" id="{24A6FF7C-9996-414E-94FB-618E1F84E00E}"/>
+              </a:ext>
+            </a:extLst>
+          </p:cNvPr>
+          <p:cNvSpPr txBox="1"/>
+          <p:nvPr/>
+        </p:nvSpPr>
+        <p:spPr>
+          <a:xfrm>
+            <a:off x="235131" y="5277394"/>
+            <a:ext cx="3901440" cy="600164"/>
+          </a:xfrm>
+          <a:prstGeom prst="rect">
+            <a:avLst/>
+          </a:prstGeom>
+          <a:noFill/>
+        </p:spPr>
+        <p:txBody>
+          <a:bodyPr wrap="square" rtlCol="0">
+            <a:spAutoFit/>
           </a:bodyPr>
           <a:lstStyle/>
           <a:p>
-            <a:pPr algn="l"/>
-            <a:r>
-              <a:rPr lang="en-CA" dirty="0"/>
-              <a:t>A separate space for garden in the house for the plant lovers. The smart home will allow devices like </a:t>
-            </a:r>
-            <a:r>
-              <a:rPr lang="en-CA" dirty="0" err="1"/>
-              <a:t>GreenSens</a:t>
-            </a:r>
-            <a:r>
-              <a:rPr lang="en-CA" dirty="0"/>
-              <a:t> to be compatible with it, keeping the user constantly updated about the health of each of the plants in the garden. </a:t>
-            </a:r>
-          </a:p>
-          <a:p>
-            <a:pPr algn="l"/>
-            <a:r>
-              <a:rPr lang="en-CA" dirty="0"/>
-              <a:t>Requirements: </a:t>
-            </a:r>
-            <a:r>
-              <a:rPr lang="en-CA" dirty="0" err="1"/>
-              <a:t>GreenSens</a:t>
-            </a:r>
-            <a:r>
-              <a:rPr lang="en-CA" dirty="0"/>
-              <a:t>, Space in the house.</a:t>
-            </a:r>
-          </a:p>
-          <a:p>
-            <a:pPr algn="l"/>
-            <a:endParaRPr lang="en-CA" dirty="0"/>
+            <a:r>
+              <a:rPr lang="en-US" sz="1100" dirty="0"/>
+              <a:t>Al-</a:t>
+            </a:r>
+            <a:r>
+              <a:rPr lang="en-US" sz="1100" dirty="0" err="1"/>
+              <a:t>Qutayri</a:t>
+            </a:r>
+            <a:r>
+              <a:rPr lang="en-US" sz="1100" dirty="0"/>
+              <a:t>, Mahmoud &amp; </a:t>
+            </a:r>
+            <a:r>
+              <a:rPr lang="en-US" sz="1100" dirty="0" err="1"/>
+              <a:t>Jeedella</a:t>
+            </a:r>
+            <a:r>
+              <a:rPr lang="en-US" sz="1100" dirty="0"/>
+              <a:t>, </a:t>
+            </a:r>
+            <a:r>
+              <a:rPr lang="en-US" sz="1100" dirty="0" err="1"/>
+              <a:t>Jeedella</a:t>
+            </a:r>
+            <a:r>
+              <a:rPr lang="en-US" sz="1100" dirty="0"/>
+              <a:t>. (2010). Integrated Wireless Technologies for Smart Homes Applications. 10.5772/8412. </a:t>
+            </a:r>
           </a:p>
         </p:txBody>
       </p:sp>
     </p:spTree>
     <p:extLst>
       <p:ext uri="{BB962C8B-B14F-4D97-AF65-F5344CB8AC3E}">
-        <p14:creationId xmlns:p14="http://schemas.microsoft.com/office/powerpoint/2010/main" val="223492563"/>
+        <p14:creationId xmlns:p14="http://schemas.microsoft.com/office/powerpoint/2010/main" val="3046739377"/>
       </p:ext>
     </p:extLst>
   </p:cSld>
@@ -9035,83 +14440,219 @@
       </p:grpSpPr>
       <p:sp>
         <p:nvSpPr>
-          <p:cNvPr id="2" name="Title 1">
-            <a:extLst>
-              <a:ext uri="{FF2B5EF4-FFF2-40B4-BE49-F238E27FC236}">
-                <a16:creationId xmlns:a16="http://schemas.microsoft.com/office/drawing/2014/main" id="{0CB25684-7F5B-420E-8932-77E78167E4E0}"/>
-              </a:ext>
-            </a:extLst>
-          </p:cNvPr>
-          <p:cNvSpPr>
-            <a:spLocks noGrp="1"/>
-          </p:cNvSpPr>
-          <p:nvPr>
-            <p:ph type="title"/>
-          </p:nvPr>
+          <p:cNvPr id="10" name="TextBox 9">
+            <a:extLst>
+              <a:ext uri="{FF2B5EF4-FFF2-40B4-BE49-F238E27FC236}">
+                <a16:creationId xmlns:a16="http://schemas.microsoft.com/office/drawing/2014/main" id="{FD87E08E-88C0-4050-BA9D-212D1EF1F3D9}"/>
+              </a:ext>
+            </a:extLst>
+          </p:cNvPr>
+          <p:cNvSpPr txBox="1"/>
+          <p:nvPr/>
         </p:nvSpPr>
         <p:spPr>
           <a:xfrm>
-            <a:off x="736488" y="187065"/>
-            <a:ext cx="10504167" cy="378691"/>
-          </a:xfrm>
-        </p:spPr>
-        <p:txBody>
-          <a:bodyPr vert="horz">
-            <a:noAutofit/>
-          </a:bodyPr>
-          <a:lstStyle/>
-          <a:p>
-            <a:pPr algn="ctr"/>
-            <a:r>
-              <a:rPr lang="de-DE" sz="3600" dirty="0">
-                <a:latin typeface="Adobe Heiti Std R" panose="020B0400000000000000" pitchFamily="34" charset="-128"/>
-                <a:ea typeface="Adobe Heiti Std R" panose="020B0400000000000000" pitchFamily="34" charset="-128"/>
-              </a:rPr>
-              <a:t>Sequence Diagram</a:t>
-            </a:r>
-          </a:p>
-        </p:txBody>
-      </p:sp>
-      <p:pic>
-        <p:nvPicPr>
-          <p:cNvPr id="4" name="Picture 3" descr="Diagram, box and whisker chart&#10;&#10;Description automatically generated">
-            <a:extLst>
-              <a:ext uri="{FF2B5EF4-FFF2-40B4-BE49-F238E27FC236}">
-                <a16:creationId xmlns:a16="http://schemas.microsoft.com/office/drawing/2014/main" id="{CE55FB2C-C1D0-4028-B04C-C72E365C4F82}"/>
-              </a:ext>
-            </a:extLst>
-          </p:cNvPr>
-          <p:cNvPicPr>
-            <a:picLocks noChangeAspect="1"/>
-          </p:cNvPicPr>
-          <p:nvPr/>
-        </p:nvPicPr>
-        <p:blipFill>
-          <a:blip r:embed="rId2">
-            <a:extLst>
-              <a:ext uri="{28A0092B-C50C-407E-A947-70E740481C1C}">
-                <a14:useLocalDpi xmlns:a14="http://schemas.microsoft.com/office/drawing/2010/main" val="0"/>
-              </a:ext>
-            </a:extLst>
-          </a:blip>
-          <a:stretch>
-            <a:fillRect/>
-          </a:stretch>
-        </p:blipFill>
-        <p:spPr>
-          <a:xfrm>
-            <a:off x="0" y="805424"/>
-            <a:ext cx="12192000" cy="5676165"/>
+            <a:off x="-827598" y="151522"/>
+            <a:ext cx="5608864" cy="523220"/>
           </a:xfrm>
           <a:prstGeom prst="rect">
             <a:avLst/>
           </a:prstGeom>
+          <a:noFill/>
         </p:spPr>
-      </p:pic>
+        <p:txBody>
+          <a:bodyPr wrap="square" rtlCol="0">
+            <a:spAutoFit/>
+          </a:bodyPr>
+          <a:lstStyle/>
+          <a:p>
+            <a:pPr algn="ctr"/>
+            <a:r>
+              <a:rPr lang="de-DE" sz="2800" dirty="0" err="1">
+                <a:latin typeface="Adobe Heiti Std R" panose="020B0400000000000000" pitchFamily="34" charset="-128"/>
+                <a:ea typeface="Adobe Heiti Std R" panose="020B0400000000000000" pitchFamily="34" charset="-128"/>
+              </a:rPr>
+              <a:t>Disadvantages</a:t>
+            </a:r>
+            <a:endParaRPr lang="de-DE" sz="2800" dirty="0">
+              <a:latin typeface="Adobe Heiti Std R" panose="020B0400000000000000" pitchFamily="34" charset="-128"/>
+              <a:ea typeface="Adobe Heiti Std R" panose="020B0400000000000000" pitchFamily="34" charset="-128"/>
+            </a:endParaRPr>
+          </a:p>
+        </p:txBody>
+      </p:sp>
+      <p:sp>
+        <p:nvSpPr>
+          <p:cNvPr id="12" name="TextBox 11">
+            <a:extLst>
+              <a:ext uri="{FF2B5EF4-FFF2-40B4-BE49-F238E27FC236}">
+                <a16:creationId xmlns:a16="http://schemas.microsoft.com/office/drawing/2014/main" id="{E327506D-7F3D-4137-9E1C-E134CD95DE6A}"/>
+              </a:ext>
+            </a:extLst>
+          </p:cNvPr>
+          <p:cNvSpPr txBox="1"/>
+          <p:nvPr/>
+        </p:nvSpPr>
+        <p:spPr>
+          <a:xfrm>
+            <a:off x="653557" y="1104945"/>
+            <a:ext cx="4833257" cy="5078313"/>
+          </a:xfrm>
+          <a:prstGeom prst="rect">
+            <a:avLst/>
+          </a:prstGeom>
+          <a:noFill/>
+        </p:spPr>
+        <p:txBody>
+          <a:bodyPr wrap="square" rtlCol="0">
+            <a:spAutoFit/>
+          </a:bodyPr>
+          <a:lstStyle/>
+          <a:p>
+            <a:pPr marL="285750" indent="-285750">
+              <a:buFont typeface="Arial" panose="020B0604020202020204" pitchFamily="34" charset="0"/>
+              <a:buChar char="•"/>
+            </a:pPr>
+            <a:r>
+              <a:rPr lang="en-CA" dirty="0"/>
+              <a:t>Significant installation costs</a:t>
+            </a:r>
+          </a:p>
+          <a:p>
+            <a:endParaRPr lang="de-DE" dirty="0"/>
+          </a:p>
+          <a:p>
+            <a:pPr marL="285750" indent="-285750">
+              <a:buFont typeface="Arial" panose="020B0604020202020204" pitchFamily="34" charset="0"/>
+              <a:buChar char="•"/>
+            </a:pPr>
+            <a:r>
+              <a:rPr lang="en-CA" dirty="0"/>
+              <a:t>Unreliable internet connection</a:t>
+            </a:r>
+          </a:p>
+          <a:p>
+            <a:pPr marL="285750" indent="-285750">
+              <a:buFont typeface="Arial" panose="020B0604020202020204" pitchFamily="34" charset="0"/>
+              <a:buChar char="•"/>
+            </a:pPr>
+            <a:endParaRPr lang="de-DE" dirty="0"/>
+          </a:p>
+          <a:p>
+            <a:pPr marL="285750" indent="-285750">
+              <a:buFont typeface="Arial" panose="020B0604020202020204" pitchFamily="34" charset="0"/>
+              <a:buChar char="•"/>
+            </a:pPr>
+            <a:r>
+              <a:rPr lang="en-CA" dirty="0"/>
+              <a:t>Cyber Threat</a:t>
+            </a:r>
+          </a:p>
+          <a:p>
+            <a:pPr marL="285750" indent="-285750">
+              <a:buFont typeface="Arial" panose="020B0604020202020204" pitchFamily="34" charset="0"/>
+              <a:buChar char="•"/>
+            </a:pPr>
+            <a:endParaRPr lang="de-DE" dirty="0"/>
+          </a:p>
+          <a:p>
+            <a:pPr marL="285750" indent="-285750">
+              <a:buFont typeface="Arial" panose="020B0604020202020204" pitchFamily="34" charset="0"/>
+              <a:buChar char="•"/>
+            </a:pPr>
+            <a:r>
+              <a:rPr lang="en-CA" dirty="0"/>
+              <a:t>Technological problems in connected homes</a:t>
+            </a:r>
+          </a:p>
+          <a:p>
+            <a:pPr marL="285750" indent="-285750">
+              <a:buFont typeface="Arial" panose="020B0604020202020204" pitchFamily="34" charset="0"/>
+              <a:buChar char="•"/>
+            </a:pPr>
+            <a:endParaRPr lang="de-DE" dirty="0"/>
+          </a:p>
+          <a:p>
+            <a:pPr marL="285750" indent="-285750">
+              <a:buFont typeface="Arial" panose="020B0604020202020204" pitchFamily="34" charset="0"/>
+              <a:buChar char="•"/>
+            </a:pPr>
+            <a:r>
+              <a:rPr lang="en-CA" dirty="0"/>
+              <a:t>You may lock yourself out of your own house</a:t>
+            </a:r>
+          </a:p>
+          <a:p>
+            <a:pPr marL="285750" indent="-285750">
+              <a:buFont typeface="Arial" panose="020B0604020202020204" pitchFamily="34" charset="0"/>
+              <a:buChar char="•"/>
+            </a:pPr>
+            <a:endParaRPr lang="de-DE" dirty="0"/>
+          </a:p>
+          <a:p>
+            <a:pPr marL="285750" indent="-285750">
+              <a:buFont typeface="Arial" panose="020B0604020202020204" pitchFamily="34" charset="0"/>
+              <a:buChar char="•"/>
+            </a:pPr>
+            <a:r>
+              <a:rPr lang="en-CA" dirty="0"/>
+              <a:t>Helplessness if technology fails</a:t>
+            </a:r>
+          </a:p>
+          <a:p>
+            <a:pPr marL="285750" indent="-285750">
+              <a:buFont typeface="Arial" panose="020B0604020202020204" pitchFamily="34" charset="0"/>
+              <a:buChar char="•"/>
+            </a:pPr>
+            <a:endParaRPr lang="en-CA" dirty="0"/>
+          </a:p>
+          <a:p>
+            <a:pPr marL="285750" indent="-285750">
+              <a:buFont typeface="Arial" panose="020B0604020202020204" pitchFamily="34" charset="0"/>
+              <a:buChar char="•"/>
+            </a:pPr>
+            <a:r>
+              <a:rPr lang="en-CA" dirty="0"/>
+              <a:t>Some people may not like smart technologies</a:t>
+            </a:r>
+          </a:p>
+          <a:p>
+            <a:pPr marL="285750" indent="-285750">
+              <a:buFont typeface="Arial" panose="020B0604020202020204" pitchFamily="34" charset="0"/>
+              <a:buChar char="•"/>
+            </a:pPr>
+            <a:endParaRPr lang="en-CA" dirty="0"/>
+          </a:p>
+          <a:p>
+            <a:pPr marL="285750" indent="-285750">
+              <a:buFont typeface="Arial" panose="020B0604020202020204" pitchFamily="34" charset="0"/>
+              <a:buChar char="•"/>
+            </a:pPr>
+            <a:r>
+              <a:rPr lang="en-CA" dirty="0"/>
+              <a:t>Compatibility problems between devices</a:t>
+            </a:r>
+            <a:br>
+              <a:rPr lang="en-CA" dirty="0"/>
+            </a:br>
+            <a:endParaRPr lang="en-CA" dirty="0"/>
+          </a:p>
+          <a:p>
+            <a:pPr marL="285750" indent="-285750">
+              <a:buFont typeface="Arial" panose="020B0604020202020204" pitchFamily="34" charset="0"/>
+              <a:buChar char="•"/>
+            </a:pPr>
+            <a:endParaRPr lang="en-CA" dirty="0"/>
+          </a:p>
+          <a:p>
+            <a:endParaRPr lang="de-DE" dirty="0"/>
+          </a:p>
+        </p:txBody>
+      </p:sp>
     </p:spTree>
     <p:extLst>
       <p:ext uri="{BB962C8B-B14F-4D97-AF65-F5344CB8AC3E}">
-        <p14:creationId xmlns:p14="http://schemas.microsoft.com/office/powerpoint/2010/main" val="2108247022"/>
+        <p14:creationId xmlns:p14="http://schemas.microsoft.com/office/powerpoint/2010/main" val="357887279"/>
       </p:ext>
     </p:extLst>
   </p:cSld>
@@ -9140,83 +14681,221 @@
       </p:grpSpPr>
       <p:sp>
         <p:nvSpPr>
-          <p:cNvPr id="2" name="Title 1">
-            <a:extLst>
-              <a:ext uri="{FF2B5EF4-FFF2-40B4-BE49-F238E27FC236}">
-                <a16:creationId xmlns:a16="http://schemas.microsoft.com/office/drawing/2014/main" id="{0CB25684-7F5B-420E-8932-77E78167E4E0}"/>
-              </a:ext>
-            </a:extLst>
-          </p:cNvPr>
-          <p:cNvSpPr>
-            <a:spLocks noGrp="1"/>
-          </p:cNvSpPr>
-          <p:nvPr>
-            <p:ph type="title"/>
-          </p:nvPr>
+          <p:cNvPr id="9" name="TextBox 8">
+            <a:extLst>
+              <a:ext uri="{FF2B5EF4-FFF2-40B4-BE49-F238E27FC236}">
+                <a16:creationId xmlns:a16="http://schemas.microsoft.com/office/drawing/2014/main" id="{05F80074-72C1-4789-9470-F0ADC94EA3D8}"/>
+              </a:ext>
+            </a:extLst>
+          </p:cNvPr>
+          <p:cNvSpPr txBox="1"/>
+          <p:nvPr/>
         </p:nvSpPr>
         <p:spPr>
           <a:xfrm>
-            <a:off x="745724" y="365125"/>
-            <a:ext cx="310719" cy="6168839"/>
-          </a:xfrm>
-        </p:spPr>
-        <p:txBody>
-          <a:bodyPr vert="vert270">
-            <a:noAutofit/>
-          </a:bodyPr>
-          <a:lstStyle/>
-          <a:p>
-            <a:pPr algn="ctr"/>
-            <a:r>
-              <a:rPr lang="de-DE" sz="3600" dirty="0">
-                <a:latin typeface="Adobe Heiti Std R" panose="020B0400000000000000" pitchFamily="34" charset="-128"/>
-                <a:ea typeface="Adobe Heiti Std R" panose="020B0400000000000000" pitchFamily="34" charset="-128"/>
-              </a:rPr>
-              <a:t>Activity Diagram</a:t>
-            </a:r>
-          </a:p>
-        </p:txBody>
-      </p:sp>
-      <p:pic>
-        <p:nvPicPr>
-          <p:cNvPr id="4" name="Picture 3">
-            <a:extLst>
-              <a:ext uri="{FF2B5EF4-FFF2-40B4-BE49-F238E27FC236}">
-                <a16:creationId xmlns:a16="http://schemas.microsoft.com/office/drawing/2014/main" id="{0145F686-4275-4B2C-ACD4-9D5BB7BE5AEB}"/>
-              </a:ext>
-            </a:extLst>
-          </p:cNvPr>
-          <p:cNvPicPr>
-            <a:picLocks noChangeAspect="1"/>
-          </p:cNvPicPr>
-          <p:nvPr/>
-        </p:nvPicPr>
-        <p:blipFill>
-          <a:blip r:embed="rId2">
-            <a:extLst>
-              <a:ext uri="{28A0092B-C50C-407E-A947-70E740481C1C}">
-                <a14:useLocalDpi xmlns:a14="http://schemas.microsoft.com/office/drawing/2010/main" val="0"/>
-              </a:ext>
-            </a:extLst>
-          </a:blip>
-          <a:stretch>
-            <a:fillRect/>
-          </a:stretch>
-        </p:blipFill>
-        <p:spPr>
-          <a:xfrm>
-            <a:off x="3942146" y="0"/>
-            <a:ext cx="4307707" cy="6858000"/>
+            <a:off x="538841" y="1444491"/>
+            <a:ext cx="7519309" cy="4247317"/>
           </a:xfrm>
           <a:prstGeom prst="rect">
             <a:avLst/>
           </a:prstGeom>
+          <a:noFill/>
         </p:spPr>
-      </p:pic>
+        <p:txBody>
+          <a:bodyPr wrap="square" rtlCol="0" anchor="ctr">
+            <a:spAutoFit/>
+          </a:bodyPr>
+          <a:lstStyle/>
+          <a:p>
+            <a:pPr marL="285750" indent="-285750">
+              <a:buFont typeface="Arial" panose="020B0604020202020204" pitchFamily="34" charset="0"/>
+              <a:buChar char="•"/>
+            </a:pPr>
+            <a:r>
+              <a:rPr lang="en-CA" dirty="0">
+                <a:latin typeface="Helvetica Neue"/>
+              </a:rPr>
+              <a:t>Managing all of your home devices from one place</a:t>
+            </a:r>
+          </a:p>
+          <a:p>
+            <a:pPr marL="285750" indent="-285750">
+              <a:buFont typeface="Arial" panose="020B0604020202020204" pitchFamily="34" charset="0"/>
+              <a:buChar char="•"/>
+            </a:pPr>
+            <a:endParaRPr lang="de-DE" dirty="0">
+              <a:latin typeface="Helvetica Neue"/>
+            </a:endParaRPr>
+          </a:p>
+          <a:p>
+            <a:pPr marL="285750" indent="-285750">
+              <a:buFont typeface="Arial" panose="020B0604020202020204" pitchFamily="34" charset="0"/>
+              <a:buChar char="•"/>
+            </a:pPr>
+            <a:r>
+              <a:rPr lang="en-CA" dirty="0">
+                <a:latin typeface="Helvetica Neue"/>
+              </a:rPr>
+              <a:t>Flexibility for new devices and appliances</a:t>
+            </a:r>
+          </a:p>
+          <a:p>
+            <a:pPr marL="285750" indent="-285750">
+              <a:buFont typeface="Arial" panose="020B0604020202020204" pitchFamily="34" charset="0"/>
+              <a:buChar char="•"/>
+            </a:pPr>
+            <a:endParaRPr lang="en-CA" dirty="0"/>
+          </a:p>
+          <a:p>
+            <a:pPr marL="285750" indent="-285750">
+              <a:buFont typeface="Arial" panose="020B0604020202020204" pitchFamily="34" charset="0"/>
+              <a:buChar char="•"/>
+            </a:pPr>
+            <a:r>
+              <a:rPr lang="en-CA" dirty="0">
+                <a:latin typeface="Helvetica Neue"/>
+              </a:rPr>
+              <a:t>Maximizing home security</a:t>
+            </a:r>
+          </a:p>
+          <a:p>
+            <a:pPr marL="285750" indent="-285750">
+              <a:buFont typeface="Arial" panose="020B0604020202020204" pitchFamily="34" charset="0"/>
+              <a:buChar char="•"/>
+            </a:pPr>
+            <a:endParaRPr lang="en-CA" dirty="0"/>
+          </a:p>
+          <a:p>
+            <a:pPr marL="285750" indent="-285750">
+              <a:buFont typeface="Arial" panose="020B0604020202020204" pitchFamily="34" charset="0"/>
+              <a:buChar char="•"/>
+            </a:pPr>
+            <a:r>
+              <a:rPr lang="en-CA" dirty="0">
+                <a:latin typeface="Helvetica Neue"/>
+              </a:rPr>
+              <a:t>Remote control of home functions with smartphone or other devices</a:t>
+            </a:r>
+          </a:p>
+          <a:p>
+            <a:pPr marL="285750" indent="-285750">
+              <a:buFont typeface="Arial" panose="020B0604020202020204" pitchFamily="34" charset="0"/>
+              <a:buChar char="•"/>
+            </a:pPr>
+            <a:endParaRPr lang="en-CA" dirty="0"/>
+          </a:p>
+          <a:p>
+            <a:pPr marL="285750" indent="-285750">
+              <a:buFont typeface="Arial" panose="020B0604020202020204" pitchFamily="34" charset="0"/>
+              <a:buChar char="•"/>
+            </a:pPr>
+            <a:r>
+              <a:rPr lang="en-CA" dirty="0">
+                <a:latin typeface="Helvetica Neue"/>
+              </a:rPr>
+              <a:t>Increased energy efficiency</a:t>
+            </a:r>
+          </a:p>
+          <a:p>
+            <a:pPr marL="285750" indent="-285750">
+              <a:buFont typeface="Arial" panose="020B0604020202020204" pitchFamily="34" charset="0"/>
+              <a:buChar char="•"/>
+            </a:pPr>
+            <a:endParaRPr lang="en-CA" dirty="0">
+              <a:latin typeface="Helvetica Neue"/>
+            </a:endParaRPr>
+          </a:p>
+          <a:p>
+            <a:pPr marL="285750" indent="-285750">
+              <a:buFont typeface="Arial" panose="020B0604020202020204" pitchFamily="34" charset="0"/>
+              <a:buChar char="•"/>
+            </a:pPr>
+            <a:r>
+              <a:rPr lang="en-CA" dirty="0">
+                <a:latin typeface="Helvetica Neue"/>
+              </a:rPr>
+              <a:t>Improved appliance functionality</a:t>
+            </a:r>
+          </a:p>
+          <a:p>
+            <a:endParaRPr lang="de-DE" dirty="0">
+              <a:latin typeface="Helvetica Neue"/>
+            </a:endParaRPr>
+          </a:p>
+          <a:p>
+            <a:pPr marL="285750" indent="-285750">
+              <a:buFont typeface="Arial" panose="020B0604020202020204" pitchFamily="34" charset="0"/>
+              <a:buChar char="•"/>
+            </a:pPr>
+            <a:r>
+              <a:rPr lang="en-CA" dirty="0">
+                <a:latin typeface="Helvetica Neue"/>
+              </a:rPr>
+              <a:t>Home management insights</a:t>
+            </a:r>
+            <a:endParaRPr lang="en-CA" dirty="0"/>
+          </a:p>
+          <a:p>
+            <a:pPr marL="285750" indent="-285750">
+              <a:buFont typeface="Arial" panose="020B0604020202020204" pitchFamily="34" charset="0"/>
+              <a:buChar char="•"/>
+            </a:pPr>
+            <a:endParaRPr lang="en-CA" dirty="0"/>
+          </a:p>
+          <a:p>
+            <a:pPr marL="285750" indent="-285750">
+              <a:buFont typeface="Arial" panose="020B0604020202020204" pitchFamily="34" charset="0"/>
+              <a:buChar char="•"/>
+            </a:pPr>
+            <a:endParaRPr lang="en-CA" dirty="0"/>
+          </a:p>
+        </p:txBody>
+      </p:sp>
+      <p:sp>
+        <p:nvSpPr>
+          <p:cNvPr id="14" name="TextBox 13">
+            <a:extLst>
+              <a:ext uri="{FF2B5EF4-FFF2-40B4-BE49-F238E27FC236}">
+                <a16:creationId xmlns:a16="http://schemas.microsoft.com/office/drawing/2014/main" id="{43418555-AECE-466C-911D-2C007DF4E0E5}"/>
+              </a:ext>
+            </a:extLst>
+          </p:cNvPr>
+          <p:cNvSpPr txBox="1"/>
+          <p:nvPr/>
+        </p:nvSpPr>
+        <p:spPr>
+          <a:xfrm>
+            <a:off x="701574" y="365973"/>
+            <a:ext cx="4147458" cy="800219"/>
+          </a:xfrm>
+          <a:prstGeom prst="rect">
+            <a:avLst/>
+          </a:prstGeom>
+          <a:noFill/>
+        </p:spPr>
+        <p:txBody>
+          <a:bodyPr wrap="square" rtlCol="0">
+            <a:spAutoFit/>
+          </a:bodyPr>
+          <a:lstStyle/>
+          <a:p>
+            <a:r>
+              <a:rPr lang="de-DE" sz="2800" dirty="0">
+                <a:latin typeface="Adobe Heiti Std R" panose="020B0400000000000000" pitchFamily="34" charset="-128"/>
+                <a:ea typeface="Adobe Heiti Std R" panose="020B0400000000000000" pitchFamily="34" charset="-128"/>
+              </a:rPr>
+              <a:t>Advantages</a:t>
+            </a:r>
+          </a:p>
+          <a:p>
+            <a:endParaRPr lang="en-CA" dirty="0"/>
+          </a:p>
+        </p:txBody>
+      </p:sp>
     </p:spTree>
     <p:extLst>
       <p:ext uri="{BB962C8B-B14F-4D97-AF65-F5344CB8AC3E}">
-        <p14:creationId xmlns:p14="http://schemas.microsoft.com/office/powerpoint/2010/main" val="1095426782"/>
+        <p14:creationId xmlns:p14="http://schemas.microsoft.com/office/powerpoint/2010/main" val="902517128"/>
       </p:ext>
     </p:extLst>
   </p:cSld>
@@ -9248,58 +14927,21 @@
           <p:cNvPr id="2" name="Title 1">
             <a:extLst>
               <a:ext uri="{FF2B5EF4-FFF2-40B4-BE49-F238E27FC236}">
-                <a16:creationId xmlns:a16="http://schemas.microsoft.com/office/drawing/2014/main" id="{B26FE6E7-74C9-4EB6-9EF1-B4B538DCF0A3}"/>
-              </a:ext>
-            </a:extLst>
-          </p:cNvPr>
-          <p:cNvSpPr>
-            <a:spLocks noGrp="1"/>
-          </p:cNvSpPr>
-          <p:nvPr>
-            <p:ph type="ctrTitle"/>
+                <a16:creationId xmlns:a16="http://schemas.microsoft.com/office/drawing/2014/main" id="{D863B09D-0EB0-46D9-A1DD-2F77EE03AC64}"/>
+              </a:ext>
+            </a:extLst>
+          </p:cNvPr>
+          <p:cNvSpPr>
+            <a:spLocks noGrp="1"/>
+          </p:cNvSpPr>
+          <p:nvPr>
+            <p:ph type="title"/>
           </p:nvPr>
         </p:nvSpPr>
         <p:spPr>
           <a:xfrm>
-            <a:off x="1230217" y="1284936"/>
-            <a:ext cx="4865783" cy="673386"/>
-          </a:xfrm>
-        </p:spPr>
-        <p:txBody>
-          <a:bodyPr>
-            <a:noAutofit/>
-          </a:bodyPr>
-          <a:lstStyle/>
-          <a:p>
-            <a:pPr algn="l"/>
-            <a:r>
-              <a:rPr lang="en-CA" sz="3200" b="1" i="1" u="sng" dirty="0"/>
-              <a:t>Gas Leakage:</a:t>
-            </a:r>
-            <a:endParaRPr lang="en-CA" sz="3200" dirty="0"/>
-          </a:p>
-        </p:txBody>
-      </p:sp>
-      <p:sp>
-        <p:nvSpPr>
-          <p:cNvPr id="3" name="Subtitle 2">
-            <a:extLst>
-              <a:ext uri="{FF2B5EF4-FFF2-40B4-BE49-F238E27FC236}">
-                <a16:creationId xmlns:a16="http://schemas.microsoft.com/office/drawing/2014/main" id="{3FABB114-EE08-46B1-A821-37340EF7E44D}"/>
-              </a:ext>
-            </a:extLst>
-          </p:cNvPr>
-          <p:cNvSpPr>
-            <a:spLocks noGrp="1"/>
-          </p:cNvSpPr>
-          <p:nvPr>
-            <p:ph type="subTitle" idx="1"/>
-          </p:nvPr>
-        </p:nvSpPr>
-        <p:spPr>
-          <a:xfrm>
-            <a:off x="1230217" y="2205346"/>
-            <a:ext cx="9144000" cy="3602068"/>
+            <a:off x="945204" y="2339840"/>
+            <a:ext cx="10515600" cy="1325563"/>
           </a:xfrm>
         </p:spPr>
         <p:txBody>
@@ -9308,25 +14950,25 @@
           </a:bodyPr>
           <a:lstStyle/>
           <a:p>
-            <a:pPr algn="l"/>
-            <a:r>
-              <a:rPr lang="en-CA" dirty="0"/>
-              <a:t>Generally in our region, we are highly dependent on gas-controlled stoves. This is, indeed, very dangerous. To make a safer environment in the house, our smart home will include a gas leakage system. This system will generally keep track of gas level in the kitchen vicinity. Once the gas level in the kitchen is more than usual, or out of control, the system will take precautionary measures, such as an alarm system will go off, shutting off the gas flow and on user preference, the windows might open.</a:t>
-            </a:r>
-          </a:p>
-          <a:p>
-            <a:pPr algn="l"/>
-            <a:r>
-              <a:rPr lang="en-CA" dirty="0"/>
-              <a:t>Requirements: Gas sensor, alarm system, Micro-controller.</a:t>
-            </a:r>
+            <a:pPr algn="ctr"/>
+            <a:r>
+              <a:rPr lang="de-DE" sz="4800" dirty="0">
+                <a:latin typeface="Adobe Heiti Std R" panose="020B0400000000000000" pitchFamily="34" charset="-128"/>
+                <a:ea typeface="Adobe Heiti Std R" panose="020B0400000000000000" pitchFamily="34" charset="-128"/>
+              </a:rPr>
+              <a:t>Ideas &amp; Scenarios</a:t>
+            </a:r>
+            <a:endParaRPr lang="en-CA" sz="4800" dirty="0">
+              <a:latin typeface="Adobe Heiti Std R" panose="020B0400000000000000" pitchFamily="34" charset="-128"/>
+              <a:ea typeface="Adobe Heiti Std R" panose="020B0400000000000000" pitchFamily="34" charset="-128"/>
+            </a:endParaRPr>
           </a:p>
         </p:txBody>
       </p:sp>
     </p:spTree>
     <p:extLst>
       <p:ext uri="{BB962C8B-B14F-4D97-AF65-F5344CB8AC3E}">
-        <p14:creationId xmlns:p14="http://schemas.microsoft.com/office/powerpoint/2010/main" val="3920897765"/>
+        <p14:creationId xmlns:p14="http://schemas.microsoft.com/office/powerpoint/2010/main" val="3527878251"/>
       </p:ext>
     </p:extLst>
   </p:cSld>
@@ -9358,80 +15000,105 @@
           <p:cNvPr id="2" name="Title 1">
             <a:extLst>
               <a:ext uri="{FF2B5EF4-FFF2-40B4-BE49-F238E27FC236}">
-                <a16:creationId xmlns:a16="http://schemas.microsoft.com/office/drawing/2014/main" id="{0CB25684-7F5B-420E-8932-77E78167E4E0}"/>
-              </a:ext>
-            </a:extLst>
-          </p:cNvPr>
-          <p:cNvSpPr>
-            <a:spLocks noGrp="1"/>
-          </p:cNvSpPr>
-          <p:nvPr>
-            <p:ph type="title"/>
+                <a16:creationId xmlns:a16="http://schemas.microsoft.com/office/drawing/2014/main" id="{B26FE6E7-74C9-4EB6-9EF1-B4B538DCF0A3}"/>
+              </a:ext>
+            </a:extLst>
+          </p:cNvPr>
+          <p:cNvSpPr>
+            <a:spLocks noGrp="1"/>
+          </p:cNvSpPr>
+          <p:nvPr>
+            <p:ph type="ctrTitle"/>
           </p:nvPr>
         </p:nvSpPr>
         <p:spPr>
           <a:xfrm>
-            <a:off x="498074" y="344580"/>
-            <a:ext cx="310719" cy="6168839"/>
+            <a:off x="1230217" y="1284936"/>
+            <a:ext cx="4865783" cy="673386"/>
           </a:xfrm>
         </p:spPr>
         <p:txBody>
-          <a:bodyPr vert="vert270">
+          <a:bodyPr>
             <a:noAutofit/>
           </a:bodyPr>
           <a:lstStyle/>
           <a:p>
-            <a:pPr algn="ctr"/>
-            <a:r>
-              <a:rPr lang="de-DE" sz="3600" dirty="0">
-                <a:latin typeface="Adobe Heiti Std R" panose="020B0400000000000000" pitchFamily="34" charset="-128"/>
-                <a:ea typeface="Adobe Heiti Std R" panose="020B0400000000000000" pitchFamily="34" charset="-128"/>
-              </a:rPr>
-              <a:t>Sequence Diagram</a:t>
-            </a:r>
-          </a:p>
-        </p:txBody>
-      </p:sp>
-      <p:pic>
-        <p:nvPicPr>
-          <p:cNvPr id="4" name="Picture 3" descr="Diagram&#10;&#10;Description automatically generated">
-            <a:extLst>
-              <a:ext uri="{FF2B5EF4-FFF2-40B4-BE49-F238E27FC236}">
-                <a16:creationId xmlns:a16="http://schemas.microsoft.com/office/drawing/2014/main" id="{C7988A35-81A7-4670-975C-37904E605542}"/>
-              </a:ext>
-            </a:extLst>
-          </p:cNvPr>
-          <p:cNvPicPr>
-            <a:picLocks noChangeAspect="1"/>
-          </p:cNvPicPr>
-          <p:nvPr/>
-        </p:nvPicPr>
-        <p:blipFill>
-          <a:blip r:embed="rId2">
-            <a:extLst>
-              <a:ext uri="{28A0092B-C50C-407E-A947-70E740481C1C}">
-                <a14:useLocalDpi xmlns:a14="http://schemas.microsoft.com/office/drawing/2010/main" val="0"/>
-              </a:ext>
-            </a:extLst>
-          </a:blip>
-          <a:stretch>
-            <a:fillRect/>
-          </a:stretch>
-        </p:blipFill>
+            <a:pPr algn="l"/>
+            <a:r>
+              <a:rPr lang="en-CA" sz="3200" b="1" i="1" u="sng" dirty="0"/>
+              <a:t>Smart Gardening:</a:t>
+            </a:r>
+            <a:endParaRPr lang="en-CA" sz="3200" dirty="0"/>
+          </a:p>
+        </p:txBody>
+      </p:sp>
+      <p:sp>
+        <p:nvSpPr>
+          <p:cNvPr id="3" name="Subtitle 2">
+            <a:extLst>
+              <a:ext uri="{FF2B5EF4-FFF2-40B4-BE49-F238E27FC236}">
+                <a16:creationId xmlns:a16="http://schemas.microsoft.com/office/drawing/2014/main" id="{3FABB114-EE08-46B1-A821-37340EF7E44D}"/>
+              </a:ext>
+            </a:extLst>
+          </p:cNvPr>
+          <p:cNvSpPr>
+            <a:spLocks noGrp="1"/>
+          </p:cNvSpPr>
+          <p:nvPr>
+            <p:ph type="subTitle" idx="1"/>
+          </p:nvPr>
+        </p:nvSpPr>
         <p:spPr>
           <a:xfrm>
-            <a:off x="1038224" y="1238250"/>
-            <a:ext cx="11148289" cy="4010025"/>
+            <a:off x="1230217" y="2497176"/>
+            <a:ext cx="9144000" cy="1655762"/>
           </a:xfrm>
-          <a:prstGeom prst="rect">
-            <a:avLst/>
-          </a:prstGeom>
         </p:spPr>
-      </p:pic>
+        <p:txBody>
+          <a:bodyPr>
+            <a:normAutofit fontScale="92500"/>
+          </a:bodyPr>
+          <a:lstStyle/>
+          <a:p>
+            <a:pPr algn="l"/>
+            <a:r>
+              <a:rPr lang="en-CA" dirty="0"/>
+              <a:t>A separate space for garden in the house for the plant lovers. The smart home will allow devices like </a:t>
+            </a:r>
+            <a:r>
+              <a:rPr lang="en-CA" dirty="0" err="1"/>
+              <a:t>GreenSens</a:t>
+            </a:r>
+            <a:r>
+              <a:rPr lang="en-CA" dirty="0"/>
+              <a:t> to be compatible with it, keeping the user constantly updated about the health of each of the plants in the garden. </a:t>
+            </a:r>
+          </a:p>
+          <a:p>
+            <a:pPr algn="l"/>
+            <a:r>
+              <a:rPr lang="en-CA" dirty="0"/>
+              <a:t>Requirements: </a:t>
+            </a:r>
+            <a:r>
+              <a:rPr lang="en-CA" dirty="0" err="1"/>
+              <a:t>GreenSens</a:t>
+            </a:r>
+            <a:r>
+              <a:rPr lang="en-CA" dirty="0"/>
+              <a:t>, Space in the house.</a:t>
+            </a:r>
+          </a:p>
+          <a:p>
+            <a:pPr algn="l"/>
+            <a:endParaRPr lang="en-CA" dirty="0"/>
+          </a:p>
+        </p:txBody>
+      </p:sp>
     </p:spTree>
     <p:extLst>
       <p:ext uri="{BB962C8B-B14F-4D97-AF65-F5344CB8AC3E}">
-        <p14:creationId xmlns:p14="http://schemas.microsoft.com/office/powerpoint/2010/main" val="3303612992"/>
+        <p14:creationId xmlns:p14="http://schemas.microsoft.com/office/powerpoint/2010/main" val="223492563"/>
       </p:ext>
     </p:extLst>
   </p:cSld>
@@ -9476,12 +15143,12 @@
         </p:nvSpPr>
         <p:spPr>
           <a:xfrm>
-            <a:off x="745724" y="365125"/>
-            <a:ext cx="310719" cy="6168839"/>
+            <a:off x="736488" y="187065"/>
+            <a:ext cx="10504167" cy="378691"/>
           </a:xfrm>
         </p:spPr>
         <p:txBody>
-          <a:bodyPr vert="vert270">
+          <a:bodyPr vert="horz">
             <a:noAutofit/>
           </a:bodyPr>
           <a:lstStyle/>
@@ -9492,17 +15159,17 @@
                 <a:latin typeface="Adobe Heiti Std R" panose="020B0400000000000000" pitchFamily="34" charset="-128"/>
                 <a:ea typeface="Adobe Heiti Std R" panose="020B0400000000000000" pitchFamily="34" charset="-128"/>
               </a:rPr>
-              <a:t>Activity Diagram</a:t>
+              <a:t>Sequence Diagram</a:t>
             </a:r>
           </a:p>
         </p:txBody>
       </p:sp>
       <p:pic>
         <p:nvPicPr>
-          <p:cNvPr id="5" name="Picture 4">
-            <a:extLst>
-              <a:ext uri="{FF2B5EF4-FFF2-40B4-BE49-F238E27FC236}">
-                <a16:creationId xmlns:a16="http://schemas.microsoft.com/office/drawing/2014/main" id="{2E9E0CEF-80F4-4359-9EEE-2494A8C020E8}"/>
+          <p:cNvPr id="4" name="Picture 3" descr="Diagram, box and whisker chart&#10;&#10;Description automatically generated">
+            <a:extLst>
+              <a:ext uri="{FF2B5EF4-FFF2-40B4-BE49-F238E27FC236}">
+                <a16:creationId xmlns:a16="http://schemas.microsoft.com/office/drawing/2014/main" id="{CE55FB2C-C1D0-4028-B04C-C72E365C4F82}"/>
               </a:ext>
             </a:extLst>
           </p:cNvPr>
@@ -9525,8 +15192,8 @@
         </p:blipFill>
         <p:spPr>
           <a:xfrm>
-            <a:off x="4010025" y="247650"/>
-            <a:ext cx="4171950" cy="6362700"/>
+            <a:off x="0" y="805424"/>
+            <a:ext cx="12192000" cy="5676165"/>
           </a:xfrm>
           <a:prstGeom prst="rect">
             <a:avLst/>
@@ -9536,7 +15203,7 @@
     </p:spTree>
     <p:extLst>
       <p:ext uri="{BB962C8B-B14F-4D97-AF65-F5344CB8AC3E}">
-        <p14:creationId xmlns:p14="http://schemas.microsoft.com/office/powerpoint/2010/main" val="1993867761"/>
+        <p14:creationId xmlns:p14="http://schemas.microsoft.com/office/powerpoint/2010/main" val="2108247022"/>
       </p:ext>
     </p:extLst>
   </p:cSld>
@@ -10100,4 +15767,299 @@
     </a:ext>
   </a:extLst>
 </a:theme>
+</file>
+
+<file path=ppt/theme/theme3.xml><?xml version="1.0" encoding="utf-8"?>
+<a:theme xmlns:a="http://schemas.openxmlformats.org/drawingml/2006/main" name="2_Office Theme">
+  <a:themeElements>
+    <a:clrScheme name="Office">
+      <a:dk1>
+        <a:sysClr val="windowText" lastClr="000000"/>
+      </a:dk1>
+      <a:lt1>
+        <a:sysClr val="window" lastClr="FFFFFF"/>
+      </a:lt1>
+      <a:dk2>
+        <a:srgbClr val="44546A"/>
+      </a:dk2>
+      <a:lt2>
+        <a:srgbClr val="E7E6E6"/>
+      </a:lt2>
+      <a:accent1>
+        <a:srgbClr val="4472C4"/>
+      </a:accent1>
+      <a:accent2>
+        <a:srgbClr val="ED7D31"/>
+      </a:accent2>
+      <a:accent3>
+        <a:srgbClr val="A5A5A5"/>
+      </a:accent3>
+      <a:accent4>
+        <a:srgbClr val="FFC000"/>
+      </a:accent4>
+      <a:accent5>
+        <a:srgbClr val="5B9BD5"/>
+      </a:accent5>
+      <a:accent6>
+        <a:srgbClr val="70AD47"/>
+      </a:accent6>
+      <a:hlink>
+        <a:srgbClr val="0563C1"/>
+      </a:hlink>
+      <a:folHlink>
+        <a:srgbClr val="954F72"/>
+      </a:folHlink>
+    </a:clrScheme>
+    <a:fontScheme name="Office">
+      <a:majorFont>
+        <a:latin typeface="Calibri Light" panose="020F0302020204030204"/>
+        <a:ea typeface=""/>
+        <a:cs typeface=""/>
+        <a:font script="Jpan" typeface="游ゴシック Light"/>
+        <a:font script="Hang" typeface="맑은 고딕"/>
+        <a:font script="Hans" typeface="等线 Light"/>
+        <a:font script="Hant" typeface="新細明體"/>
+        <a:font script="Arab" typeface="Times New Roman"/>
+        <a:font script="Hebr" typeface="Times New Roman"/>
+        <a:font script="Thai" typeface="Angsana New"/>
+        <a:font script="Ethi" typeface="Nyala"/>
+        <a:font script="Beng" typeface="Vrinda"/>
+        <a:font script="Gujr" typeface="Shruti"/>
+        <a:font script="Khmr" typeface="MoolBoran"/>
+        <a:font script="Knda" typeface="Tunga"/>
+        <a:font script="Guru" typeface="Raavi"/>
+        <a:font script="Cans" typeface="Euphemia"/>
+        <a:font script="Cher" typeface="Plantagenet Cherokee"/>
+        <a:font script="Yiii" typeface="Microsoft Yi Baiti"/>
+        <a:font script="Tibt" typeface="Microsoft Himalaya"/>
+        <a:font script="Thaa" typeface="MV Boli"/>
+        <a:font script="Deva" typeface="Mangal"/>
+        <a:font script="Telu" typeface="Gautami"/>
+        <a:font script="Taml" typeface="Latha"/>
+        <a:font script="Syrc" typeface="Estrangelo Edessa"/>
+        <a:font script="Orya" typeface="Kalinga"/>
+        <a:font script="Mlym" typeface="Kartika"/>
+        <a:font script="Laoo" typeface="DokChampa"/>
+        <a:font script="Sinh" typeface="Iskoola Pota"/>
+        <a:font script="Mong" typeface="Mongolian Baiti"/>
+        <a:font script="Viet" typeface="Times New Roman"/>
+        <a:font script="Uigh" typeface="Microsoft Uighur"/>
+        <a:font script="Geor" typeface="Sylfaen"/>
+        <a:font script="Armn" typeface="Arial"/>
+        <a:font script="Bugi" typeface="Leelawadee UI"/>
+        <a:font script="Bopo" typeface="Microsoft JhengHei"/>
+        <a:font script="Java" typeface="Javanese Text"/>
+        <a:font script="Lisu" typeface="Segoe UI"/>
+        <a:font script="Mymr" typeface="Myanmar Text"/>
+        <a:font script="Nkoo" typeface="Ebrima"/>
+        <a:font script="Olck" typeface="Nirmala UI"/>
+        <a:font script="Osma" typeface="Ebrima"/>
+        <a:font script="Phag" typeface="Phagspa"/>
+        <a:font script="Syrn" typeface="Estrangelo Edessa"/>
+        <a:font script="Syrj" typeface="Estrangelo Edessa"/>
+        <a:font script="Syre" typeface="Estrangelo Edessa"/>
+        <a:font script="Sora" typeface="Nirmala UI"/>
+        <a:font script="Tale" typeface="Microsoft Tai Le"/>
+        <a:font script="Talu" typeface="Microsoft New Tai Lue"/>
+        <a:font script="Tfng" typeface="Ebrima"/>
+      </a:majorFont>
+      <a:minorFont>
+        <a:latin typeface="Calibri" panose="020F0502020204030204"/>
+        <a:ea typeface=""/>
+        <a:cs typeface=""/>
+        <a:font script="Jpan" typeface="游ゴシック"/>
+        <a:font script="Hang" typeface="맑은 고딕"/>
+        <a:font script="Hans" typeface="等线"/>
+        <a:font script="Hant" typeface="新細明體"/>
+        <a:font script="Arab" typeface="Arial"/>
+        <a:font script="Hebr" typeface="Arial"/>
+        <a:font script="Thai" typeface="Cordia New"/>
+        <a:font script="Ethi" typeface="Nyala"/>
+        <a:font script="Beng" typeface="Vrinda"/>
+        <a:font script="Gujr" typeface="Shruti"/>
+        <a:font script="Khmr" typeface="DaunPenh"/>
+        <a:font script="Knda" typeface="Tunga"/>
+        <a:font script="Guru" typeface="Raavi"/>
+        <a:font script="Cans" typeface="Euphemia"/>
+        <a:font script="Cher" typeface="Plantagenet Cherokee"/>
+        <a:font script="Yiii" typeface="Microsoft Yi Baiti"/>
+        <a:font script="Tibt" typeface="Microsoft Himalaya"/>
+        <a:font script="Thaa" typeface="MV Boli"/>
+        <a:font script="Deva" typeface="Mangal"/>
+        <a:font script="Telu" typeface="Gautami"/>
+        <a:font script="Taml" typeface="Latha"/>
+        <a:font script="Syrc" typeface="Estrangelo Edessa"/>
+        <a:font script="Orya" typeface="Kalinga"/>
+        <a:font script="Mlym" typeface="Kartika"/>
+        <a:font script="Laoo" typeface="DokChampa"/>
+        <a:font script="Sinh" typeface="Iskoola Pota"/>
+        <a:font script="Mong" typeface="Mongolian Baiti"/>
+        <a:font script="Viet" typeface="Arial"/>
+        <a:font script="Uigh" typeface="Microsoft Uighur"/>
+        <a:font script="Geor" typeface="Sylfaen"/>
+        <a:font script="Armn" typeface="Arial"/>
+        <a:font script="Bugi" typeface="Leelawadee UI"/>
+        <a:font script="Bopo" typeface="Microsoft JhengHei"/>
+        <a:font script="Java" typeface="Javanese Text"/>
+        <a:font script="Lisu" typeface="Segoe UI"/>
+        <a:font script="Mymr" typeface="Myanmar Text"/>
+        <a:font script="Nkoo" typeface="Ebrima"/>
+        <a:font script="Olck" typeface="Nirmala UI"/>
+        <a:font script="Osma" typeface="Ebrima"/>
+        <a:font script="Phag" typeface="Phagspa"/>
+        <a:font script="Syrn" typeface="Estrangelo Edessa"/>
+        <a:font script="Syrj" typeface="Estrangelo Edessa"/>
+        <a:font script="Syre" typeface="Estrangelo Edessa"/>
+        <a:font script="Sora" typeface="Nirmala UI"/>
+        <a:font script="Tale" typeface="Microsoft Tai Le"/>
+        <a:font script="Talu" typeface="Microsoft New Tai Lue"/>
+        <a:font script="Tfng" typeface="Ebrima"/>
+      </a:minorFont>
+    </a:fontScheme>
+    <a:fmtScheme name="Office">
+      <a:fillStyleLst>
+        <a:solidFill>
+          <a:schemeClr val="phClr"/>
+        </a:solidFill>
+        <a:gradFill rotWithShape="1">
+          <a:gsLst>
+            <a:gs pos="0">
+              <a:schemeClr val="phClr">
+                <a:lumMod val="110000"/>
+                <a:satMod val="105000"/>
+                <a:tint val="67000"/>
+              </a:schemeClr>
+            </a:gs>
+            <a:gs pos="50000">
+              <a:schemeClr val="phClr">
+                <a:lumMod val="105000"/>
+                <a:satMod val="103000"/>
+                <a:tint val="73000"/>
+              </a:schemeClr>
+            </a:gs>
+            <a:gs pos="100000">
+              <a:schemeClr val="phClr">
+                <a:lumMod val="105000"/>
+                <a:satMod val="109000"/>
+                <a:tint val="81000"/>
+              </a:schemeClr>
+            </a:gs>
+          </a:gsLst>
+          <a:lin ang="5400000" scaled="0"/>
+        </a:gradFill>
+        <a:gradFill rotWithShape="1">
+          <a:gsLst>
+            <a:gs pos="0">
+              <a:schemeClr val="phClr">
+                <a:satMod val="103000"/>
+                <a:lumMod val="102000"/>
+                <a:tint val="94000"/>
+              </a:schemeClr>
+            </a:gs>
+            <a:gs pos="50000">
+              <a:schemeClr val="phClr">
+                <a:satMod val="110000"/>
+                <a:lumMod val="100000"/>
+                <a:shade val="100000"/>
+              </a:schemeClr>
+            </a:gs>
+            <a:gs pos="100000">
+              <a:schemeClr val="phClr">
+                <a:lumMod val="99000"/>
+                <a:satMod val="120000"/>
+                <a:shade val="78000"/>
+              </a:schemeClr>
+            </a:gs>
+          </a:gsLst>
+          <a:lin ang="5400000" scaled="0"/>
+        </a:gradFill>
+      </a:fillStyleLst>
+      <a:lnStyleLst>
+        <a:ln w="6350" cap="flat" cmpd="sng" algn="ctr">
+          <a:solidFill>
+            <a:schemeClr val="phClr"/>
+          </a:solidFill>
+          <a:prstDash val="solid"/>
+          <a:miter lim="800000"/>
+        </a:ln>
+        <a:ln w="12700" cap="flat" cmpd="sng" algn="ctr">
+          <a:solidFill>
+            <a:schemeClr val="phClr"/>
+          </a:solidFill>
+          <a:prstDash val="solid"/>
+          <a:miter lim="800000"/>
+        </a:ln>
+        <a:ln w="19050" cap="flat" cmpd="sng" algn="ctr">
+          <a:solidFill>
+            <a:schemeClr val="phClr"/>
+          </a:solidFill>
+          <a:prstDash val="solid"/>
+          <a:miter lim="800000"/>
+        </a:ln>
+      </a:lnStyleLst>
+      <a:effectStyleLst>
+        <a:effectStyle>
+          <a:effectLst/>
+        </a:effectStyle>
+        <a:effectStyle>
+          <a:effectLst/>
+        </a:effectStyle>
+        <a:effectStyle>
+          <a:effectLst>
+            <a:outerShdw blurRad="57150" dist="19050" dir="5400000" algn="ctr" rotWithShape="0">
+              <a:srgbClr val="000000">
+                <a:alpha val="63000"/>
+              </a:srgbClr>
+            </a:outerShdw>
+          </a:effectLst>
+        </a:effectStyle>
+      </a:effectStyleLst>
+      <a:bgFillStyleLst>
+        <a:solidFill>
+          <a:schemeClr val="phClr"/>
+        </a:solidFill>
+        <a:solidFill>
+          <a:schemeClr val="phClr">
+            <a:tint val="95000"/>
+            <a:satMod val="170000"/>
+          </a:schemeClr>
+        </a:solidFill>
+        <a:gradFill rotWithShape="1">
+          <a:gsLst>
+            <a:gs pos="0">
+              <a:schemeClr val="phClr">
+                <a:tint val="93000"/>
+                <a:satMod val="150000"/>
+                <a:shade val="98000"/>
+                <a:lumMod val="102000"/>
+              </a:schemeClr>
+            </a:gs>
+            <a:gs pos="50000">
+              <a:schemeClr val="phClr">
+                <a:tint val="98000"/>
+                <a:satMod val="130000"/>
+                <a:shade val="90000"/>
+                <a:lumMod val="103000"/>
+              </a:schemeClr>
+            </a:gs>
+            <a:gs pos="100000">
+              <a:schemeClr val="phClr">
+                <a:shade val="63000"/>
+                <a:satMod val="120000"/>
+              </a:schemeClr>
+            </a:gs>
+          </a:gsLst>
+          <a:lin ang="5400000" scaled="0"/>
+        </a:gradFill>
+      </a:bgFillStyleLst>
+    </a:fmtScheme>
+  </a:themeElements>
+  <a:objectDefaults/>
+  <a:extraClrSchemeLst/>
+  <a:extLst>
+    <a:ext uri="{05A4C25C-085E-4340-85A3-A5531E510DB2}">
+      <thm15:themeFamily xmlns:thm15="http://schemas.microsoft.com/office/thememl/2012/main" name="Office Theme" id="{62F939B6-93AF-4DB8-9C6B-D6C7DFDC589F}" vid="{4A3C46E8-61CC-4603-A589-7422A47A8E4A}"/>
+    </a:ext>
+  </a:extLst>
+</a:theme>
 </file>
--- a/Final presentation/Smart Home system.pptx
+++ b/Final presentation/Smart Home system.pptx
@@ -4,36 +4,47 @@
   <p:sldMasterIdLst>
     <p:sldMasterId id="2147483816" r:id="rId1"/>
     <p:sldMasterId id="2147483828" r:id="rId2"/>
+    <p:sldMasterId id="2147483840" r:id="rId3"/>
   </p:sldMasterIdLst>
   <p:sldIdLst>
-    <p:sldId id="309" r:id="rId3"/>
-    <p:sldId id="310" r:id="rId4"/>
-    <p:sldId id="291" r:id="rId5"/>
-    <p:sldId id="259" r:id="rId6"/>
-    <p:sldId id="295" r:id="rId7"/>
-    <p:sldId id="296" r:id="rId8"/>
-    <p:sldId id="261" r:id="rId9"/>
-    <p:sldId id="297" r:id="rId10"/>
-    <p:sldId id="298" r:id="rId11"/>
-    <p:sldId id="263" r:id="rId12"/>
-    <p:sldId id="299" r:id="rId13"/>
-    <p:sldId id="300" r:id="rId14"/>
-    <p:sldId id="267" r:id="rId15"/>
-    <p:sldId id="301" r:id="rId16"/>
-    <p:sldId id="302" r:id="rId17"/>
-    <p:sldId id="270" r:id="rId18"/>
-    <p:sldId id="303" r:id="rId19"/>
-    <p:sldId id="304" r:id="rId20"/>
-    <p:sldId id="305" r:id="rId21"/>
-    <p:sldId id="306" r:id="rId22"/>
-    <p:sldId id="307" r:id="rId23"/>
-    <p:sldId id="308" r:id="rId24"/>
-    <p:sldId id="292" r:id="rId25"/>
-    <p:sldId id="311" r:id="rId26"/>
-    <p:sldId id="312" r:id="rId27"/>
-    <p:sldId id="313" r:id="rId28"/>
-    <p:sldId id="314" r:id="rId29"/>
-    <p:sldId id="271" r:id="rId30"/>
+    <p:sldId id="309" r:id="rId4"/>
+    <p:sldId id="310" r:id="rId5"/>
+    <p:sldId id="257" r:id="rId6"/>
+    <p:sldId id="315" r:id="rId7"/>
+    <p:sldId id="269" r:id="rId8"/>
+    <p:sldId id="316" r:id="rId9"/>
+    <p:sldId id="291" r:id="rId10"/>
+    <p:sldId id="259" r:id="rId11"/>
+    <p:sldId id="295" r:id="rId12"/>
+    <p:sldId id="296" r:id="rId13"/>
+    <p:sldId id="261" r:id="rId14"/>
+    <p:sldId id="297" r:id="rId15"/>
+    <p:sldId id="298" r:id="rId16"/>
+    <p:sldId id="263" r:id="rId17"/>
+    <p:sldId id="299" r:id="rId18"/>
+    <p:sldId id="300" r:id="rId19"/>
+    <p:sldId id="267" r:id="rId20"/>
+    <p:sldId id="301" r:id="rId21"/>
+    <p:sldId id="302" r:id="rId22"/>
+    <p:sldId id="270" r:id="rId23"/>
+    <p:sldId id="303" r:id="rId24"/>
+    <p:sldId id="304" r:id="rId25"/>
+    <p:sldId id="305" r:id="rId26"/>
+    <p:sldId id="306" r:id="rId27"/>
+    <p:sldId id="307" r:id="rId28"/>
+    <p:sldId id="308" r:id="rId29"/>
+    <p:sldId id="292" r:id="rId30"/>
+    <p:sldId id="311" r:id="rId31"/>
+    <p:sldId id="312" r:id="rId32"/>
+    <p:sldId id="313" r:id="rId33"/>
+    <p:sldId id="314" r:id="rId34"/>
+    <p:sldId id="272" r:id="rId35"/>
+    <p:sldId id="273" r:id="rId36"/>
+    <p:sldId id="274" r:id="rId37"/>
+    <p:sldId id="276" r:id="rId38"/>
+    <p:sldId id="275" r:id="rId39"/>
+    <p:sldId id="271" r:id="rId40"/>
+    <p:sldId id="317" r:id="rId41"/>
   </p:sldIdLst>
   <p:sldSz cx="12192000" cy="6858000"/>
   <p:notesSz cx="6858000" cy="9144000"/>
@@ -3500,6 +3511,1630 @@
 </p:sldLayout>
 </file>
 
+<file path=ppt/slideLayouts/slideLayout23.xml><?xml version="1.0" encoding="utf-8"?>
+<p:sldLayout xmlns:a="http://schemas.openxmlformats.org/drawingml/2006/main" xmlns:r="http://schemas.openxmlformats.org/officeDocument/2006/relationships" xmlns:p="http://schemas.openxmlformats.org/presentationml/2006/main" type="title" preserve="1">
+  <p:cSld name="Title Slide">
+    <p:spTree>
+      <p:nvGrpSpPr>
+        <p:cNvPr id="1" name=""/>
+        <p:cNvGrpSpPr/>
+        <p:nvPr/>
+      </p:nvGrpSpPr>
+      <p:grpSpPr>
+        <a:xfrm>
+          <a:off x="0" y="0"/>
+          <a:ext cx="0" cy="0"/>
+          <a:chOff x="0" y="0"/>
+          <a:chExt cx="0" cy="0"/>
+        </a:xfrm>
+      </p:grpSpPr>
+      <p:sp>
+        <p:nvSpPr>
+          <p:cNvPr id="2" name="Title 1">
+            <a:extLst>
+              <a:ext uri="{FF2B5EF4-FFF2-40B4-BE49-F238E27FC236}">
+                <a16:creationId xmlns:a16="http://schemas.microsoft.com/office/drawing/2014/main" id="{2C6810EE-3330-4552-BEEC-F1FBB86DE51D}"/>
+              </a:ext>
+            </a:extLst>
+          </p:cNvPr>
+          <p:cNvSpPr>
+            <a:spLocks noGrp="1"/>
+          </p:cNvSpPr>
+          <p:nvPr>
+            <p:ph type="ctrTitle"/>
+          </p:nvPr>
+        </p:nvSpPr>
+        <p:spPr>
+          <a:xfrm>
+            <a:off x="1524000" y="1122363"/>
+            <a:ext cx="9144000" cy="2387600"/>
+          </a:xfrm>
+        </p:spPr>
+        <p:txBody>
+          <a:bodyPr anchor="b"/>
+          <a:lstStyle>
+            <a:lvl1pPr algn="ctr">
+              <a:defRPr sz="6000"/>
+            </a:lvl1pPr>
+          </a:lstStyle>
+          <a:p>
+            <a:r>
+              <a:rPr lang="en-US"/>
+              <a:t>Click to edit Master title style</a:t>
+            </a:r>
+          </a:p>
+        </p:txBody>
+      </p:sp>
+      <p:sp>
+        <p:nvSpPr>
+          <p:cNvPr id="3" name="Subtitle 2">
+            <a:extLst>
+              <a:ext uri="{FF2B5EF4-FFF2-40B4-BE49-F238E27FC236}">
+                <a16:creationId xmlns:a16="http://schemas.microsoft.com/office/drawing/2014/main" id="{01CDE204-7FD2-4B19-90D4-9FEE2DD05BD9}"/>
+              </a:ext>
+            </a:extLst>
+          </p:cNvPr>
+          <p:cNvSpPr>
+            <a:spLocks noGrp="1"/>
+          </p:cNvSpPr>
+          <p:nvPr>
+            <p:ph type="subTitle" idx="1"/>
+          </p:nvPr>
+        </p:nvSpPr>
+        <p:spPr>
+          <a:xfrm>
+            <a:off x="1524000" y="3602038"/>
+            <a:ext cx="9144000" cy="1655762"/>
+          </a:xfrm>
+        </p:spPr>
+        <p:txBody>
+          <a:bodyPr/>
+          <a:lstStyle>
+            <a:lvl1pPr marL="0" indent="0" algn="ctr">
+              <a:buNone/>
+              <a:defRPr sz="2400"/>
+            </a:lvl1pPr>
+            <a:lvl2pPr marL="457200" indent="0" algn="ctr">
+              <a:buNone/>
+              <a:defRPr sz="2000"/>
+            </a:lvl2pPr>
+            <a:lvl3pPr marL="914400" indent="0" algn="ctr">
+              <a:buNone/>
+              <a:defRPr sz="1800"/>
+            </a:lvl3pPr>
+            <a:lvl4pPr marL="1371600" indent="0" algn="ctr">
+              <a:buNone/>
+              <a:defRPr sz="1600"/>
+            </a:lvl4pPr>
+            <a:lvl5pPr marL="1828800" indent="0" algn="ctr">
+              <a:buNone/>
+              <a:defRPr sz="1600"/>
+            </a:lvl5pPr>
+            <a:lvl6pPr marL="2286000" indent="0" algn="ctr">
+              <a:buNone/>
+              <a:defRPr sz="1600"/>
+            </a:lvl6pPr>
+            <a:lvl7pPr marL="2743200" indent="0" algn="ctr">
+              <a:buNone/>
+              <a:defRPr sz="1600"/>
+            </a:lvl7pPr>
+            <a:lvl8pPr marL="3200400" indent="0" algn="ctr">
+              <a:buNone/>
+              <a:defRPr sz="1600"/>
+            </a:lvl8pPr>
+            <a:lvl9pPr marL="3657600" indent="0" algn="ctr">
+              <a:buNone/>
+              <a:defRPr sz="1600"/>
+            </a:lvl9pPr>
+          </a:lstStyle>
+          <a:p>
+            <a:r>
+              <a:rPr lang="en-US"/>
+              <a:t>Click to edit Master subtitle style</a:t>
+            </a:r>
+          </a:p>
+        </p:txBody>
+      </p:sp>
+      <p:sp>
+        <p:nvSpPr>
+          <p:cNvPr id="4" name="Date Placeholder 3">
+            <a:extLst>
+              <a:ext uri="{FF2B5EF4-FFF2-40B4-BE49-F238E27FC236}">
+                <a16:creationId xmlns:a16="http://schemas.microsoft.com/office/drawing/2014/main" id="{F7DB6F6E-3551-4B7F-AE48-E626C6D56FBC}"/>
+              </a:ext>
+            </a:extLst>
+          </p:cNvPr>
+          <p:cNvSpPr>
+            <a:spLocks noGrp="1"/>
+          </p:cNvSpPr>
+          <p:nvPr>
+            <p:ph type="dt" sz="half" idx="10"/>
+          </p:nvPr>
+        </p:nvSpPr>
+        <p:spPr/>
+        <p:txBody>
+          <a:bodyPr/>
+          <a:lstStyle/>
+          <a:p>
+            <a:fld id="{CA64DACF-0490-4513-965E-569F8E1539D0}" type="datetimeFigureOut">
+              <a:rPr lang="en-US" smtClean="0"/>
+              <a:t>1/28/2021</a:t>
+            </a:fld>
+            <a:endParaRPr lang="en-US"/>
+          </a:p>
+        </p:txBody>
+      </p:sp>
+      <p:sp>
+        <p:nvSpPr>
+          <p:cNvPr id="5" name="Footer Placeholder 4">
+            <a:extLst>
+              <a:ext uri="{FF2B5EF4-FFF2-40B4-BE49-F238E27FC236}">
+                <a16:creationId xmlns:a16="http://schemas.microsoft.com/office/drawing/2014/main" id="{17323381-8FBF-4BBC-AD83-6B02529018F4}"/>
+              </a:ext>
+            </a:extLst>
+          </p:cNvPr>
+          <p:cNvSpPr>
+            <a:spLocks noGrp="1"/>
+          </p:cNvSpPr>
+          <p:nvPr>
+            <p:ph type="ftr" sz="quarter" idx="11"/>
+          </p:nvPr>
+        </p:nvSpPr>
+        <p:spPr/>
+        <p:txBody>
+          <a:bodyPr/>
+          <a:lstStyle/>
+          <a:p>
+            <a:endParaRPr lang="en-US"/>
+          </a:p>
+        </p:txBody>
+      </p:sp>
+      <p:sp>
+        <p:nvSpPr>
+          <p:cNvPr id="6" name="Slide Number Placeholder 5">
+            <a:extLst>
+              <a:ext uri="{FF2B5EF4-FFF2-40B4-BE49-F238E27FC236}">
+                <a16:creationId xmlns:a16="http://schemas.microsoft.com/office/drawing/2014/main" id="{2C416215-D957-4CCE-B5EF-1A540AD419DC}"/>
+              </a:ext>
+            </a:extLst>
+          </p:cNvPr>
+          <p:cNvSpPr>
+            <a:spLocks noGrp="1"/>
+          </p:cNvSpPr>
+          <p:nvPr>
+            <p:ph type="sldNum" sz="quarter" idx="12"/>
+          </p:nvPr>
+        </p:nvSpPr>
+        <p:spPr/>
+        <p:txBody>
+          <a:bodyPr/>
+          <a:lstStyle/>
+          <a:p>
+            <a:fld id="{3D6DF9B0-986F-4795-A48B-B8EE7F1E3507}" type="slidenum">
+              <a:rPr lang="en-US" smtClean="0"/>
+              <a:t>‹#›</a:t>
+            </a:fld>
+            <a:endParaRPr lang="en-US"/>
+          </a:p>
+        </p:txBody>
+      </p:sp>
+    </p:spTree>
+    <p:extLst>
+      <p:ext uri="{BB962C8B-B14F-4D97-AF65-F5344CB8AC3E}">
+        <p14:creationId xmlns:p14="http://schemas.microsoft.com/office/powerpoint/2010/main" val="2961247312"/>
+      </p:ext>
+    </p:extLst>
+  </p:cSld>
+  <p:clrMapOvr>
+    <a:masterClrMapping/>
+  </p:clrMapOvr>
+</p:sldLayout>
+</file>
+
+<file path=ppt/slideLayouts/slideLayout24.xml><?xml version="1.0" encoding="utf-8"?>
+<p:sldLayout xmlns:a="http://schemas.openxmlformats.org/drawingml/2006/main" xmlns:r="http://schemas.openxmlformats.org/officeDocument/2006/relationships" xmlns:p="http://schemas.openxmlformats.org/presentationml/2006/main" type="obj" preserve="1">
+  <p:cSld name="Title and Content">
+    <p:spTree>
+      <p:nvGrpSpPr>
+        <p:cNvPr id="1" name=""/>
+        <p:cNvGrpSpPr/>
+        <p:nvPr/>
+      </p:nvGrpSpPr>
+      <p:grpSpPr>
+        <a:xfrm>
+          <a:off x="0" y="0"/>
+          <a:ext cx="0" cy="0"/>
+          <a:chOff x="0" y="0"/>
+          <a:chExt cx="0" cy="0"/>
+        </a:xfrm>
+      </p:grpSpPr>
+      <p:sp>
+        <p:nvSpPr>
+          <p:cNvPr id="2" name="Title 1">
+            <a:extLst>
+              <a:ext uri="{FF2B5EF4-FFF2-40B4-BE49-F238E27FC236}">
+                <a16:creationId xmlns:a16="http://schemas.microsoft.com/office/drawing/2014/main" id="{A1D80DF3-F2FB-436A-A688-F0CC46EFE4FC}"/>
+              </a:ext>
+            </a:extLst>
+          </p:cNvPr>
+          <p:cNvSpPr>
+            <a:spLocks noGrp="1"/>
+          </p:cNvSpPr>
+          <p:nvPr>
+            <p:ph type="title"/>
+          </p:nvPr>
+        </p:nvSpPr>
+        <p:spPr/>
+        <p:txBody>
+          <a:bodyPr/>
+          <a:lstStyle/>
+          <a:p>
+            <a:r>
+              <a:rPr lang="en-US"/>
+              <a:t>Click to edit Master title style</a:t>
+            </a:r>
+          </a:p>
+        </p:txBody>
+      </p:sp>
+      <p:sp>
+        <p:nvSpPr>
+          <p:cNvPr id="3" name="Content Placeholder 2">
+            <a:extLst>
+              <a:ext uri="{FF2B5EF4-FFF2-40B4-BE49-F238E27FC236}">
+                <a16:creationId xmlns:a16="http://schemas.microsoft.com/office/drawing/2014/main" id="{9E9B1533-6A5B-422E-804C-CF7C39B5B090}"/>
+              </a:ext>
+            </a:extLst>
+          </p:cNvPr>
+          <p:cNvSpPr>
+            <a:spLocks noGrp="1"/>
+          </p:cNvSpPr>
+          <p:nvPr>
+            <p:ph idx="1"/>
+          </p:nvPr>
+        </p:nvSpPr>
+        <p:spPr/>
+        <p:txBody>
+          <a:bodyPr/>
+          <a:lstStyle/>
+          <a:p>
+            <a:pPr lvl="0"/>
+            <a:r>
+              <a:rPr lang="en-US"/>
+              <a:t>Click to edit Master text styles</a:t>
+            </a:r>
+          </a:p>
+          <a:p>
+            <a:pPr lvl="1"/>
+            <a:r>
+              <a:rPr lang="en-US"/>
+              <a:t>Second level</a:t>
+            </a:r>
+          </a:p>
+          <a:p>
+            <a:pPr lvl="2"/>
+            <a:r>
+              <a:rPr lang="en-US"/>
+              <a:t>Third level</a:t>
+            </a:r>
+          </a:p>
+          <a:p>
+            <a:pPr lvl="3"/>
+            <a:r>
+              <a:rPr lang="en-US"/>
+              <a:t>Fourth level</a:t>
+            </a:r>
+          </a:p>
+          <a:p>
+            <a:pPr lvl="4"/>
+            <a:r>
+              <a:rPr lang="en-US"/>
+              <a:t>Fifth level</a:t>
+            </a:r>
+          </a:p>
+        </p:txBody>
+      </p:sp>
+      <p:sp>
+        <p:nvSpPr>
+          <p:cNvPr id="4" name="Date Placeholder 3">
+            <a:extLst>
+              <a:ext uri="{FF2B5EF4-FFF2-40B4-BE49-F238E27FC236}">
+                <a16:creationId xmlns:a16="http://schemas.microsoft.com/office/drawing/2014/main" id="{EBF72E64-DE2D-4CD5-8821-57D0355FE97A}"/>
+              </a:ext>
+            </a:extLst>
+          </p:cNvPr>
+          <p:cNvSpPr>
+            <a:spLocks noGrp="1"/>
+          </p:cNvSpPr>
+          <p:nvPr>
+            <p:ph type="dt" sz="half" idx="10"/>
+          </p:nvPr>
+        </p:nvSpPr>
+        <p:spPr/>
+        <p:txBody>
+          <a:bodyPr/>
+          <a:lstStyle/>
+          <a:p>
+            <a:fld id="{CA64DACF-0490-4513-965E-569F8E1539D0}" type="datetimeFigureOut">
+              <a:rPr lang="en-US" smtClean="0"/>
+              <a:t>1/28/2021</a:t>
+            </a:fld>
+            <a:endParaRPr lang="en-US"/>
+          </a:p>
+        </p:txBody>
+      </p:sp>
+      <p:sp>
+        <p:nvSpPr>
+          <p:cNvPr id="5" name="Footer Placeholder 4">
+            <a:extLst>
+              <a:ext uri="{FF2B5EF4-FFF2-40B4-BE49-F238E27FC236}">
+                <a16:creationId xmlns:a16="http://schemas.microsoft.com/office/drawing/2014/main" id="{3F9CF93E-8BFC-43EE-A99E-DD4903345C26}"/>
+              </a:ext>
+            </a:extLst>
+          </p:cNvPr>
+          <p:cNvSpPr>
+            <a:spLocks noGrp="1"/>
+          </p:cNvSpPr>
+          <p:nvPr>
+            <p:ph type="ftr" sz="quarter" idx="11"/>
+          </p:nvPr>
+        </p:nvSpPr>
+        <p:spPr/>
+        <p:txBody>
+          <a:bodyPr/>
+          <a:lstStyle/>
+          <a:p>
+            <a:endParaRPr lang="en-US"/>
+          </a:p>
+        </p:txBody>
+      </p:sp>
+      <p:sp>
+        <p:nvSpPr>
+          <p:cNvPr id="6" name="Slide Number Placeholder 5">
+            <a:extLst>
+              <a:ext uri="{FF2B5EF4-FFF2-40B4-BE49-F238E27FC236}">
+                <a16:creationId xmlns:a16="http://schemas.microsoft.com/office/drawing/2014/main" id="{AF23E640-73D4-4263-8BA7-9807F3C1FE93}"/>
+              </a:ext>
+            </a:extLst>
+          </p:cNvPr>
+          <p:cNvSpPr>
+            <a:spLocks noGrp="1"/>
+          </p:cNvSpPr>
+          <p:nvPr>
+            <p:ph type="sldNum" sz="quarter" idx="12"/>
+          </p:nvPr>
+        </p:nvSpPr>
+        <p:spPr/>
+        <p:txBody>
+          <a:bodyPr/>
+          <a:lstStyle/>
+          <a:p>
+            <a:fld id="{3D6DF9B0-986F-4795-A48B-B8EE7F1E3507}" type="slidenum">
+              <a:rPr lang="en-US" smtClean="0"/>
+              <a:t>‹#›</a:t>
+            </a:fld>
+            <a:endParaRPr lang="en-US"/>
+          </a:p>
+        </p:txBody>
+      </p:sp>
+    </p:spTree>
+    <p:extLst>
+      <p:ext uri="{BB962C8B-B14F-4D97-AF65-F5344CB8AC3E}">
+        <p14:creationId xmlns:p14="http://schemas.microsoft.com/office/powerpoint/2010/main" val="2438750112"/>
+      </p:ext>
+    </p:extLst>
+  </p:cSld>
+  <p:clrMapOvr>
+    <a:masterClrMapping/>
+  </p:clrMapOvr>
+</p:sldLayout>
+</file>
+
+<file path=ppt/slideLayouts/slideLayout25.xml><?xml version="1.0" encoding="utf-8"?>
+<p:sldLayout xmlns:a="http://schemas.openxmlformats.org/drawingml/2006/main" xmlns:r="http://schemas.openxmlformats.org/officeDocument/2006/relationships" xmlns:p="http://schemas.openxmlformats.org/presentationml/2006/main" type="secHead" preserve="1">
+  <p:cSld name="Section Header">
+    <p:spTree>
+      <p:nvGrpSpPr>
+        <p:cNvPr id="1" name=""/>
+        <p:cNvGrpSpPr/>
+        <p:nvPr/>
+      </p:nvGrpSpPr>
+      <p:grpSpPr>
+        <a:xfrm>
+          <a:off x="0" y="0"/>
+          <a:ext cx="0" cy="0"/>
+          <a:chOff x="0" y="0"/>
+          <a:chExt cx="0" cy="0"/>
+        </a:xfrm>
+      </p:grpSpPr>
+      <p:sp>
+        <p:nvSpPr>
+          <p:cNvPr id="2" name="Title 1">
+            <a:extLst>
+              <a:ext uri="{FF2B5EF4-FFF2-40B4-BE49-F238E27FC236}">
+                <a16:creationId xmlns:a16="http://schemas.microsoft.com/office/drawing/2014/main" id="{C580698E-6C1F-4333-A59B-2544FC51D4C3}"/>
+              </a:ext>
+            </a:extLst>
+          </p:cNvPr>
+          <p:cNvSpPr>
+            <a:spLocks noGrp="1"/>
+          </p:cNvSpPr>
+          <p:nvPr>
+            <p:ph type="title"/>
+          </p:nvPr>
+        </p:nvSpPr>
+        <p:spPr>
+          <a:xfrm>
+            <a:off x="831850" y="1709738"/>
+            <a:ext cx="10515600" cy="2852737"/>
+          </a:xfrm>
+        </p:spPr>
+        <p:txBody>
+          <a:bodyPr anchor="b"/>
+          <a:lstStyle>
+            <a:lvl1pPr>
+              <a:defRPr sz="6000"/>
+            </a:lvl1pPr>
+          </a:lstStyle>
+          <a:p>
+            <a:r>
+              <a:rPr lang="en-US"/>
+              <a:t>Click to edit Master title style</a:t>
+            </a:r>
+          </a:p>
+        </p:txBody>
+      </p:sp>
+      <p:sp>
+        <p:nvSpPr>
+          <p:cNvPr id="3" name="Text Placeholder 2">
+            <a:extLst>
+              <a:ext uri="{FF2B5EF4-FFF2-40B4-BE49-F238E27FC236}">
+                <a16:creationId xmlns:a16="http://schemas.microsoft.com/office/drawing/2014/main" id="{FAF4CA12-67DD-452E-B2DA-CCE5287E00C5}"/>
+              </a:ext>
+            </a:extLst>
+          </p:cNvPr>
+          <p:cNvSpPr>
+            <a:spLocks noGrp="1"/>
+          </p:cNvSpPr>
+          <p:nvPr>
+            <p:ph type="body" idx="1"/>
+          </p:nvPr>
+        </p:nvSpPr>
+        <p:spPr>
+          <a:xfrm>
+            <a:off x="831850" y="4589463"/>
+            <a:ext cx="10515600" cy="1500187"/>
+          </a:xfrm>
+        </p:spPr>
+        <p:txBody>
+          <a:bodyPr/>
+          <a:lstStyle>
+            <a:lvl1pPr marL="0" indent="0">
+              <a:buNone/>
+              <a:defRPr sz="2400">
+                <a:solidFill>
+                  <a:schemeClr val="tx1">
+                    <a:tint val="75000"/>
+                  </a:schemeClr>
+                </a:solidFill>
+              </a:defRPr>
+            </a:lvl1pPr>
+            <a:lvl2pPr marL="457200" indent="0">
+              <a:buNone/>
+              <a:defRPr sz="2000">
+                <a:solidFill>
+                  <a:schemeClr val="tx1">
+                    <a:tint val="75000"/>
+                  </a:schemeClr>
+                </a:solidFill>
+              </a:defRPr>
+            </a:lvl2pPr>
+            <a:lvl3pPr marL="914400" indent="0">
+              <a:buNone/>
+              <a:defRPr sz="1800">
+                <a:solidFill>
+                  <a:schemeClr val="tx1">
+                    <a:tint val="75000"/>
+                  </a:schemeClr>
+                </a:solidFill>
+              </a:defRPr>
+            </a:lvl3pPr>
+            <a:lvl4pPr marL="1371600" indent="0">
+              <a:buNone/>
+              <a:defRPr sz="1600">
+                <a:solidFill>
+                  <a:schemeClr val="tx1">
+                    <a:tint val="75000"/>
+                  </a:schemeClr>
+                </a:solidFill>
+              </a:defRPr>
+            </a:lvl4pPr>
+            <a:lvl5pPr marL="1828800" indent="0">
+              <a:buNone/>
+              <a:defRPr sz="1600">
+                <a:solidFill>
+                  <a:schemeClr val="tx1">
+                    <a:tint val="75000"/>
+                  </a:schemeClr>
+                </a:solidFill>
+              </a:defRPr>
+            </a:lvl5pPr>
+            <a:lvl6pPr marL="2286000" indent="0">
+              <a:buNone/>
+              <a:defRPr sz="1600">
+                <a:solidFill>
+                  <a:schemeClr val="tx1">
+                    <a:tint val="75000"/>
+                  </a:schemeClr>
+                </a:solidFill>
+              </a:defRPr>
+            </a:lvl6pPr>
+            <a:lvl7pPr marL="2743200" indent="0">
+              <a:buNone/>
+              <a:defRPr sz="1600">
+                <a:solidFill>
+                  <a:schemeClr val="tx1">
+                    <a:tint val="75000"/>
+                  </a:schemeClr>
+                </a:solidFill>
+              </a:defRPr>
+            </a:lvl7pPr>
+            <a:lvl8pPr marL="3200400" indent="0">
+              <a:buNone/>
+              <a:defRPr sz="1600">
+                <a:solidFill>
+                  <a:schemeClr val="tx1">
+                    <a:tint val="75000"/>
+                  </a:schemeClr>
+                </a:solidFill>
+              </a:defRPr>
+            </a:lvl8pPr>
+            <a:lvl9pPr marL="3657600" indent="0">
+              <a:buNone/>
+              <a:defRPr sz="1600">
+                <a:solidFill>
+                  <a:schemeClr val="tx1">
+                    <a:tint val="75000"/>
+                  </a:schemeClr>
+                </a:solidFill>
+              </a:defRPr>
+            </a:lvl9pPr>
+          </a:lstStyle>
+          <a:p>
+            <a:pPr lvl="0"/>
+            <a:r>
+              <a:rPr lang="en-US"/>
+              <a:t>Click to edit Master text styles</a:t>
+            </a:r>
+          </a:p>
+        </p:txBody>
+      </p:sp>
+      <p:sp>
+        <p:nvSpPr>
+          <p:cNvPr id="4" name="Date Placeholder 3">
+            <a:extLst>
+              <a:ext uri="{FF2B5EF4-FFF2-40B4-BE49-F238E27FC236}">
+                <a16:creationId xmlns:a16="http://schemas.microsoft.com/office/drawing/2014/main" id="{4F8AB78C-C140-4612-8B51-D50617C977B9}"/>
+              </a:ext>
+            </a:extLst>
+          </p:cNvPr>
+          <p:cNvSpPr>
+            <a:spLocks noGrp="1"/>
+          </p:cNvSpPr>
+          <p:nvPr>
+            <p:ph type="dt" sz="half" idx="10"/>
+          </p:nvPr>
+        </p:nvSpPr>
+        <p:spPr/>
+        <p:txBody>
+          <a:bodyPr/>
+          <a:lstStyle/>
+          <a:p>
+            <a:fld id="{CA64DACF-0490-4513-965E-569F8E1539D0}" type="datetimeFigureOut">
+              <a:rPr lang="en-US" smtClean="0"/>
+              <a:t>1/28/2021</a:t>
+            </a:fld>
+            <a:endParaRPr lang="en-US"/>
+          </a:p>
+        </p:txBody>
+      </p:sp>
+      <p:sp>
+        <p:nvSpPr>
+          <p:cNvPr id="5" name="Footer Placeholder 4">
+            <a:extLst>
+              <a:ext uri="{FF2B5EF4-FFF2-40B4-BE49-F238E27FC236}">
+                <a16:creationId xmlns:a16="http://schemas.microsoft.com/office/drawing/2014/main" id="{AE123459-2AEE-4F03-880A-C73C00D4F042}"/>
+              </a:ext>
+            </a:extLst>
+          </p:cNvPr>
+          <p:cNvSpPr>
+            <a:spLocks noGrp="1"/>
+          </p:cNvSpPr>
+          <p:nvPr>
+            <p:ph type="ftr" sz="quarter" idx="11"/>
+          </p:nvPr>
+        </p:nvSpPr>
+        <p:spPr/>
+        <p:txBody>
+          <a:bodyPr/>
+          <a:lstStyle/>
+          <a:p>
+            <a:endParaRPr lang="en-US"/>
+          </a:p>
+        </p:txBody>
+      </p:sp>
+      <p:sp>
+        <p:nvSpPr>
+          <p:cNvPr id="6" name="Slide Number Placeholder 5">
+            <a:extLst>
+              <a:ext uri="{FF2B5EF4-FFF2-40B4-BE49-F238E27FC236}">
+                <a16:creationId xmlns:a16="http://schemas.microsoft.com/office/drawing/2014/main" id="{E8F8E8CC-5847-4937-826C-87471F1A2DFC}"/>
+              </a:ext>
+            </a:extLst>
+          </p:cNvPr>
+          <p:cNvSpPr>
+            <a:spLocks noGrp="1"/>
+          </p:cNvSpPr>
+          <p:nvPr>
+            <p:ph type="sldNum" sz="quarter" idx="12"/>
+          </p:nvPr>
+        </p:nvSpPr>
+        <p:spPr/>
+        <p:txBody>
+          <a:bodyPr/>
+          <a:lstStyle/>
+          <a:p>
+            <a:fld id="{3D6DF9B0-986F-4795-A48B-B8EE7F1E3507}" type="slidenum">
+              <a:rPr lang="en-US" smtClean="0"/>
+              <a:t>‹#›</a:t>
+            </a:fld>
+            <a:endParaRPr lang="en-US"/>
+          </a:p>
+        </p:txBody>
+      </p:sp>
+    </p:spTree>
+    <p:extLst>
+      <p:ext uri="{BB962C8B-B14F-4D97-AF65-F5344CB8AC3E}">
+        <p14:creationId xmlns:p14="http://schemas.microsoft.com/office/powerpoint/2010/main" val="2697259556"/>
+      </p:ext>
+    </p:extLst>
+  </p:cSld>
+  <p:clrMapOvr>
+    <a:masterClrMapping/>
+  </p:clrMapOvr>
+</p:sldLayout>
+</file>
+
+<file path=ppt/slideLayouts/slideLayout26.xml><?xml version="1.0" encoding="utf-8"?>
+<p:sldLayout xmlns:a="http://schemas.openxmlformats.org/drawingml/2006/main" xmlns:r="http://schemas.openxmlformats.org/officeDocument/2006/relationships" xmlns:p="http://schemas.openxmlformats.org/presentationml/2006/main" type="twoObj" preserve="1">
+  <p:cSld name="Two Content">
+    <p:spTree>
+      <p:nvGrpSpPr>
+        <p:cNvPr id="1" name=""/>
+        <p:cNvGrpSpPr/>
+        <p:nvPr/>
+      </p:nvGrpSpPr>
+      <p:grpSpPr>
+        <a:xfrm>
+          <a:off x="0" y="0"/>
+          <a:ext cx="0" cy="0"/>
+          <a:chOff x="0" y="0"/>
+          <a:chExt cx="0" cy="0"/>
+        </a:xfrm>
+      </p:grpSpPr>
+      <p:sp>
+        <p:nvSpPr>
+          <p:cNvPr id="2" name="Title 1">
+            <a:extLst>
+              <a:ext uri="{FF2B5EF4-FFF2-40B4-BE49-F238E27FC236}">
+                <a16:creationId xmlns:a16="http://schemas.microsoft.com/office/drawing/2014/main" id="{5717A621-7A5E-4FD1-931C-92814A47CBB8}"/>
+              </a:ext>
+            </a:extLst>
+          </p:cNvPr>
+          <p:cNvSpPr>
+            <a:spLocks noGrp="1"/>
+          </p:cNvSpPr>
+          <p:nvPr>
+            <p:ph type="title"/>
+          </p:nvPr>
+        </p:nvSpPr>
+        <p:spPr/>
+        <p:txBody>
+          <a:bodyPr/>
+          <a:lstStyle/>
+          <a:p>
+            <a:r>
+              <a:rPr lang="en-US"/>
+              <a:t>Click to edit Master title style</a:t>
+            </a:r>
+          </a:p>
+        </p:txBody>
+      </p:sp>
+      <p:sp>
+        <p:nvSpPr>
+          <p:cNvPr id="3" name="Content Placeholder 2">
+            <a:extLst>
+              <a:ext uri="{FF2B5EF4-FFF2-40B4-BE49-F238E27FC236}">
+                <a16:creationId xmlns:a16="http://schemas.microsoft.com/office/drawing/2014/main" id="{BCD97139-339A-460A-A441-F82C08A7AF04}"/>
+              </a:ext>
+            </a:extLst>
+          </p:cNvPr>
+          <p:cNvSpPr>
+            <a:spLocks noGrp="1"/>
+          </p:cNvSpPr>
+          <p:nvPr>
+            <p:ph sz="half" idx="1"/>
+          </p:nvPr>
+        </p:nvSpPr>
+        <p:spPr>
+          <a:xfrm>
+            <a:off x="838200" y="1825625"/>
+            <a:ext cx="5181600" cy="4351338"/>
+          </a:xfrm>
+        </p:spPr>
+        <p:txBody>
+          <a:bodyPr/>
+          <a:lstStyle/>
+          <a:p>
+            <a:pPr lvl="0"/>
+            <a:r>
+              <a:rPr lang="en-US"/>
+              <a:t>Click to edit Master text styles</a:t>
+            </a:r>
+          </a:p>
+          <a:p>
+            <a:pPr lvl="1"/>
+            <a:r>
+              <a:rPr lang="en-US"/>
+              <a:t>Second level</a:t>
+            </a:r>
+          </a:p>
+          <a:p>
+            <a:pPr lvl="2"/>
+            <a:r>
+              <a:rPr lang="en-US"/>
+              <a:t>Third level</a:t>
+            </a:r>
+          </a:p>
+          <a:p>
+            <a:pPr lvl="3"/>
+            <a:r>
+              <a:rPr lang="en-US"/>
+              <a:t>Fourth level</a:t>
+            </a:r>
+          </a:p>
+          <a:p>
+            <a:pPr lvl="4"/>
+            <a:r>
+              <a:rPr lang="en-US"/>
+              <a:t>Fifth level</a:t>
+            </a:r>
+          </a:p>
+        </p:txBody>
+      </p:sp>
+      <p:sp>
+        <p:nvSpPr>
+          <p:cNvPr id="4" name="Content Placeholder 3">
+            <a:extLst>
+              <a:ext uri="{FF2B5EF4-FFF2-40B4-BE49-F238E27FC236}">
+                <a16:creationId xmlns:a16="http://schemas.microsoft.com/office/drawing/2014/main" id="{444DD43B-133B-4C8C-BBAC-911E8C1C88E2}"/>
+              </a:ext>
+            </a:extLst>
+          </p:cNvPr>
+          <p:cNvSpPr>
+            <a:spLocks noGrp="1"/>
+          </p:cNvSpPr>
+          <p:nvPr>
+            <p:ph sz="half" idx="2"/>
+          </p:nvPr>
+        </p:nvSpPr>
+        <p:spPr>
+          <a:xfrm>
+            <a:off x="6172200" y="1825625"/>
+            <a:ext cx="5181600" cy="4351338"/>
+          </a:xfrm>
+        </p:spPr>
+        <p:txBody>
+          <a:bodyPr/>
+          <a:lstStyle/>
+          <a:p>
+            <a:pPr lvl="0"/>
+            <a:r>
+              <a:rPr lang="en-US"/>
+              <a:t>Click to edit Master text styles</a:t>
+            </a:r>
+          </a:p>
+          <a:p>
+            <a:pPr lvl="1"/>
+            <a:r>
+              <a:rPr lang="en-US"/>
+              <a:t>Second level</a:t>
+            </a:r>
+          </a:p>
+          <a:p>
+            <a:pPr lvl="2"/>
+            <a:r>
+              <a:rPr lang="en-US"/>
+              <a:t>Third level</a:t>
+            </a:r>
+          </a:p>
+          <a:p>
+            <a:pPr lvl="3"/>
+            <a:r>
+              <a:rPr lang="en-US"/>
+              <a:t>Fourth level</a:t>
+            </a:r>
+          </a:p>
+          <a:p>
+            <a:pPr lvl="4"/>
+            <a:r>
+              <a:rPr lang="en-US"/>
+              <a:t>Fifth level</a:t>
+            </a:r>
+          </a:p>
+        </p:txBody>
+      </p:sp>
+      <p:sp>
+        <p:nvSpPr>
+          <p:cNvPr id="5" name="Date Placeholder 4">
+            <a:extLst>
+              <a:ext uri="{FF2B5EF4-FFF2-40B4-BE49-F238E27FC236}">
+                <a16:creationId xmlns:a16="http://schemas.microsoft.com/office/drawing/2014/main" id="{E027D1E6-0D37-4CD4-8E36-6C0734BFC728}"/>
+              </a:ext>
+            </a:extLst>
+          </p:cNvPr>
+          <p:cNvSpPr>
+            <a:spLocks noGrp="1"/>
+          </p:cNvSpPr>
+          <p:nvPr>
+            <p:ph type="dt" sz="half" idx="10"/>
+          </p:nvPr>
+        </p:nvSpPr>
+        <p:spPr/>
+        <p:txBody>
+          <a:bodyPr/>
+          <a:lstStyle/>
+          <a:p>
+            <a:fld id="{CA64DACF-0490-4513-965E-569F8E1539D0}" type="datetimeFigureOut">
+              <a:rPr lang="en-US" smtClean="0"/>
+              <a:t>1/28/2021</a:t>
+            </a:fld>
+            <a:endParaRPr lang="en-US"/>
+          </a:p>
+        </p:txBody>
+      </p:sp>
+      <p:sp>
+        <p:nvSpPr>
+          <p:cNvPr id="6" name="Footer Placeholder 5">
+            <a:extLst>
+              <a:ext uri="{FF2B5EF4-FFF2-40B4-BE49-F238E27FC236}">
+                <a16:creationId xmlns:a16="http://schemas.microsoft.com/office/drawing/2014/main" id="{3CDAFCEC-95FE-420D-8669-A38DF5B8CEE5}"/>
+              </a:ext>
+            </a:extLst>
+          </p:cNvPr>
+          <p:cNvSpPr>
+            <a:spLocks noGrp="1"/>
+          </p:cNvSpPr>
+          <p:nvPr>
+            <p:ph type="ftr" sz="quarter" idx="11"/>
+          </p:nvPr>
+        </p:nvSpPr>
+        <p:spPr/>
+        <p:txBody>
+          <a:bodyPr/>
+          <a:lstStyle/>
+          <a:p>
+            <a:endParaRPr lang="en-US"/>
+          </a:p>
+        </p:txBody>
+      </p:sp>
+      <p:sp>
+        <p:nvSpPr>
+          <p:cNvPr id="7" name="Slide Number Placeholder 6">
+            <a:extLst>
+              <a:ext uri="{FF2B5EF4-FFF2-40B4-BE49-F238E27FC236}">
+                <a16:creationId xmlns:a16="http://schemas.microsoft.com/office/drawing/2014/main" id="{EFBFB8EF-8601-4C92-8866-79094961021D}"/>
+              </a:ext>
+            </a:extLst>
+          </p:cNvPr>
+          <p:cNvSpPr>
+            <a:spLocks noGrp="1"/>
+          </p:cNvSpPr>
+          <p:nvPr>
+            <p:ph type="sldNum" sz="quarter" idx="12"/>
+          </p:nvPr>
+        </p:nvSpPr>
+        <p:spPr/>
+        <p:txBody>
+          <a:bodyPr/>
+          <a:lstStyle/>
+          <a:p>
+            <a:fld id="{3D6DF9B0-986F-4795-A48B-B8EE7F1E3507}" type="slidenum">
+              <a:rPr lang="en-US" smtClean="0"/>
+              <a:t>‹#›</a:t>
+            </a:fld>
+            <a:endParaRPr lang="en-US"/>
+          </a:p>
+        </p:txBody>
+      </p:sp>
+    </p:spTree>
+    <p:extLst>
+      <p:ext uri="{BB962C8B-B14F-4D97-AF65-F5344CB8AC3E}">
+        <p14:creationId xmlns:p14="http://schemas.microsoft.com/office/powerpoint/2010/main" val="3477503843"/>
+      </p:ext>
+    </p:extLst>
+  </p:cSld>
+  <p:clrMapOvr>
+    <a:masterClrMapping/>
+  </p:clrMapOvr>
+</p:sldLayout>
+</file>
+
+<file path=ppt/slideLayouts/slideLayout27.xml><?xml version="1.0" encoding="utf-8"?>
+<p:sldLayout xmlns:a="http://schemas.openxmlformats.org/drawingml/2006/main" xmlns:r="http://schemas.openxmlformats.org/officeDocument/2006/relationships" xmlns:p="http://schemas.openxmlformats.org/presentationml/2006/main" type="twoTxTwoObj" preserve="1">
+  <p:cSld name="Comparison">
+    <p:spTree>
+      <p:nvGrpSpPr>
+        <p:cNvPr id="1" name=""/>
+        <p:cNvGrpSpPr/>
+        <p:nvPr/>
+      </p:nvGrpSpPr>
+      <p:grpSpPr>
+        <a:xfrm>
+          <a:off x="0" y="0"/>
+          <a:ext cx="0" cy="0"/>
+          <a:chOff x="0" y="0"/>
+          <a:chExt cx="0" cy="0"/>
+        </a:xfrm>
+      </p:grpSpPr>
+      <p:sp>
+        <p:nvSpPr>
+          <p:cNvPr id="2" name="Title 1">
+            <a:extLst>
+              <a:ext uri="{FF2B5EF4-FFF2-40B4-BE49-F238E27FC236}">
+                <a16:creationId xmlns:a16="http://schemas.microsoft.com/office/drawing/2014/main" id="{791C3145-6AA6-4E96-8731-0164D92749CD}"/>
+              </a:ext>
+            </a:extLst>
+          </p:cNvPr>
+          <p:cNvSpPr>
+            <a:spLocks noGrp="1"/>
+          </p:cNvSpPr>
+          <p:nvPr>
+            <p:ph type="title"/>
+          </p:nvPr>
+        </p:nvSpPr>
+        <p:spPr>
+          <a:xfrm>
+            <a:off x="839788" y="365125"/>
+            <a:ext cx="10515600" cy="1325563"/>
+          </a:xfrm>
+        </p:spPr>
+        <p:txBody>
+          <a:bodyPr/>
+          <a:lstStyle/>
+          <a:p>
+            <a:r>
+              <a:rPr lang="en-US"/>
+              <a:t>Click to edit Master title style</a:t>
+            </a:r>
+          </a:p>
+        </p:txBody>
+      </p:sp>
+      <p:sp>
+        <p:nvSpPr>
+          <p:cNvPr id="3" name="Text Placeholder 2">
+            <a:extLst>
+              <a:ext uri="{FF2B5EF4-FFF2-40B4-BE49-F238E27FC236}">
+                <a16:creationId xmlns:a16="http://schemas.microsoft.com/office/drawing/2014/main" id="{91139A85-92BC-4D55-BEF0-9949E232BB9F}"/>
+              </a:ext>
+            </a:extLst>
+          </p:cNvPr>
+          <p:cNvSpPr>
+            <a:spLocks noGrp="1"/>
+          </p:cNvSpPr>
+          <p:nvPr>
+            <p:ph type="body" idx="1"/>
+          </p:nvPr>
+        </p:nvSpPr>
+        <p:spPr>
+          <a:xfrm>
+            <a:off x="839788" y="1681163"/>
+            <a:ext cx="5157787" cy="823912"/>
+          </a:xfrm>
+        </p:spPr>
+        <p:txBody>
+          <a:bodyPr anchor="b"/>
+          <a:lstStyle>
+            <a:lvl1pPr marL="0" indent="0">
+              <a:buNone/>
+              <a:defRPr sz="2400" b="1"/>
+            </a:lvl1pPr>
+            <a:lvl2pPr marL="457200" indent="0">
+              <a:buNone/>
+              <a:defRPr sz="2000" b="1"/>
+            </a:lvl2pPr>
+            <a:lvl3pPr marL="914400" indent="0">
+              <a:buNone/>
+              <a:defRPr sz="1800" b="1"/>
+            </a:lvl3pPr>
+            <a:lvl4pPr marL="1371600" indent="0">
+              <a:buNone/>
+              <a:defRPr sz="1600" b="1"/>
+            </a:lvl4pPr>
+            <a:lvl5pPr marL="1828800" indent="0">
+              <a:buNone/>
+              <a:defRPr sz="1600" b="1"/>
+            </a:lvl5pPr>
+            <a:lvl6pPr marL="2286000" indent="0">
+              <a:buNone/>
+              <a:defRPr sz="1600" b="1"/>
+            </a:lvl6pPr>
+            <a:lvl7pPr marL="2743200" indent="0">
+              <a:buNone/>
+              <a:defRPr sz="1600" b="1"/>
+            </a:lvl7pPr>
+            <a:lvl8pPr marL="3200400" indent="0">
+              <a:buNone/>
+              <a:defRPr sz="1600" b="1"/>
+            </a:lvl8pPr>
+            <a:lvl9pPr marL="3657600" indent="0">
+              <a:buNone/>
+              <a:defRPr sz="1600" b="1"/>
+            </a:lvl9pPr>
+          </a:lstStyle>
+          <a:p>
+            <a:pPr lvl="0"/>
+            <a:r>
+              <a:rPr lang="en-US"/>
+              <a:t>Click to edit Master text styles</a:t>
+            </a:r>
+          </a:p>
+        </p:txBody>
+      </p:sp>
+      <p:sp>
+        <p:nvSpPr>
+          <p:cNvPr id="4" name="Content Placeholder 3">
+            <a:extLst>
+              <a:ext uri="{FF2B5EF4-FFF2-40B4-BE49-F238E27FC236}">
+                <a16:creationId xmlns:a16="http://schemas.microsoft.com/office/drawing/2014/main" id="{24C415DA-CE22-4412-8309-75715FD09CA9}"/>
+              </a:ext>
+            </a:extLst>
+          </p:cNvPr>
+          <p:cNvSpPr>
+            <a:spLocks noGrp="1"/>
+          </p:cNvSpPr>
+          <p:nvPr>
+            <p:ph sz="half" idx="2"/>
+          </p:nvPr>
+        </p:nvSpPr>
+        <p:spPr>
+          <a:xfrm>
+            <a:off x="839788" y="2505075"/>
+            <a:ext cx="5157787" cy="3684588"/>
+          </a:xfrm>
+        </p:spPr>
+        <p:txBody>
+          <a:bodyPr/>
+          <a:lstStyle/>
+          <a:p>
+            <a:pPr lvl="0"/>
+            <a:r>
+              <a:rPr lang="en-US"/>
+              <a:t>Click to edit Master text styles</a:t>
+            </a:r>
+          </a:p>
+          <a:p>
+            <a:pPr lvl="1"/>
+            <a:r>
+              <a:rPr lang="en-US"/>
+              <a:t>Second level</a:t>
+            </a:r>
+          </a:p>
+          <a:p>
+            <a:pPr lvl="2"/>
+            <a:r>
+              <a:rPr lang="en-US"/>
+              <a:t>Third level</a:t>
+            </a:r>
+          </a:p>
+          <a:p>
+            <a:pPr lvl="3"/>
+            <a:r>
+              <a:rPr lang="en-US"/>
+              <a:t>Fourth level</a:t>
+            </a:r>
+          </a:p>
+          <a:p>
+            <a:pPr lvl="4"/>
+            <a:r>
+              <a:rPr lang="en-US"/>
+              <a:t>Fifth level</a:t>
+            </a:r>
+          </a:p>
+        </p:txBody>
+      </p:sp>
+      <p:sp>
+        <p:nvSpPr>
+          <p:cNvPr id="5" name="Text Placeholder 4">
+            <a:extLst>
+              <a:ext uri="{FF2B5EF4-FFF2-40B4-BE49-F238E27FC236}">
+                <a16:creationId xmlns:a16="http://schemas.microsoft.com/office/drawing/2014/main" id="{A480EA30-296A-4965-A657-D469DC733E31}"/>
+              </a:ext>
+            </a:extLst>
+          </p:cNvPr>
+          <p:cNvSpPr>
+            <a:spLocks noGrp="1"/>
+          </p:cNvSpPr>
+          <p:nvPr>
+            <p:ph type="body" sz="quarter" idx="3"/>
+          </p:nvPr>
+        </p:nvSpPr>
+        <p:spPr>
+          <a:xfrm>
+            <a:off x="6172200" y="1681163"/>
+            <a:ext cx="5183188" cy="823912"/>
+          </a:xfrm>
+        </p:spPr>
+        <p:txBody>
+          <a:bodyPr anchor="b"/>
+          <a:lstStyle>
+            <a:lvl1pPr marL="0" indent="0">
+              <a:buNone/>
+              <a:defRPr sz="2400" b="1"/>
+            </a:lvl1pPr>
+            <a:lvl2pPr marL="457200" indent="0">
+              <a:buNone/>
+              <a:defRPr sz="2000" b="1"/>
+            </a:lvl2pPr>
+            <a:lvl3pPr marL="914400" indent="0">
+              <a:buNone/>
+              <a:defRPr sz="1800" b="1"/>
+            </a:lvl3pPr>
+            <a:lvl4pPr marL="1371600" indent="0">
+              <a:buNone/>
+              <a:defRPr sz="1600" b="1"/>
+            </a:lvl4pPr>
+            <a:lvl5pPr marL="1828800" indent="0">
+              <a:buNone/>
+              <a:defRPr sz="1600" b="1"/>
+            </a:lvl5pPr>
+            <a:lvl6pPr marL="2286000" indent="0">
+              <a:buNone/>
+              <a:defRPr sz="1600" b="1"/>
+            </a:lvl6pPr>
+            <a:lvl7pPr marL="2743200" indent="0">
+              <a:buNone/>
+              <a:defRPr sz="1600" b="1"/>
+            </a:lvl7pPr>
+            <a:lvl8pPr marL="3200400" indent="0">
+              <a:buNone/>
+              <a:defRPr sz="1600" b="1"/>
+            </a:lvl8pPr>
+            <a:lvl9pPr marL="3657600" indent="0">
+              <a:buNone/>
+              <a:defRPr sz="1600" b="1"/>
+            </a:lvl9pPr>
+          </a:lstStyle>
+          <a:p>
+            <a:pPr lvl="0"/>
+            <a:r>
+              <a:rPr lang="en-US"/>
+              <a:t>Click to edit Master text styles</a:t>
+            </a:r>
+          </a:p>
+        </p:txBody>
+      </p:sp>
+      <p:sp>
+        <p:nvSpPr>
+          <p:cNvPr id="6" name="Content Placeholder 5">
+            <a:extLst>
+              <a:ext uri="{FF2B5EF4-FFF2-40B4-BE49-F238E27FC236}">
+                <a16:creationId xmlns:a16="http://schemas.microsoft.com/office/drawing/2014/main" id="{FFF95015-3606-4590-862A-1E822E06434D}"/>
+              </a:ext>
+            </a:extLst>
+          </p:cNvPr>
+          <p:cNvSpPr>
+            <a:spLocks noGrp="1"/>
+          </p:cNvSpPr>
+          <p:nvPr>
+            <p:ph sz="quarter" idx="4"/>
+          </p:nvPr>
+        </p:nvSpPr>
+        <p:spPr>
+          <a:xfrm>
+            <a:off x="6172200" y="2505075"/>
+            <a:ext cx="5183188" cy="3684588"/>
+          </a:xfrm>
+        </p:spPr>
+        <p:txBody>
+          <a:bodyPr/>
+          <a:lstStyle/>
+          <a:p>
+            <a:pPr lvl="0"/>
+            <a:r>
+              <a:rPr lang="en-US"/>
+              <a:t>Click to edit Master text styles</a:t>
+            </a:r>
+          </a:p>
+          <a:p>
+            <a:pPr lvl="1"/>
+            <a:r>
+              <a:rPr lang="en-US"/>
+              <a:t>Second level</a:t>
+            </a:r>
+          </a:p>
+          <a:p>
+            <a:pPr lvl="2"/>
+            <a:r>
+              <a:rPr lang="en-US"/>
+              <a:t>Third level</a:t>
+            </a:r>
+          </a:p>
+          <a:p>
+            <a:pPr lvl="3"/>
+            <a:r>
+              <a:rPr lang="en-US"/>
+              <a:t>Fourth level</a:t>
+            </a:r>
+          </a:p>
+          <a:p>
+            <a:pPr lvl="4"/>
+            <a:r>
+              <a:rPr lang="en-US"/>
+              <a:t>Fifth level</a:t>
+            </a:r>
+          </a:p>
+        </p:txBody>
+      </p:sp>
+      <p:sp>
+        <p:nvSpPr>
+          <p:cNvPr id="7" name="Date Placeholder 6">
+            <a:extLst>
+              <a:ext uri="{FF2B5EF4-FFF2-40B4-BE49-F238E27FC236}">
+                <a16:creationId xmlns:a16="http://schemas.microsoft.com/office/drawing/2014/main" id="{2E0B097E-9296-43B1-9038-F30498EA9776}"/>
+              </a:ext>
+            </a:extLst>
+          </p:cNvPr>
+          <p:cNvSpPr>
+            <a:spLocks noGrp="1"/>
+          </p:cNvSpPr>
+          <p:nvPr>
+            <p:ph type="dt" sz="half" idx="10"/>
+          </p:nvPr>
+        </p:nvSpPr>
+        <p:spPr/>
+        <p:txBody>
+          <a:bodyPr/>
+          <a:lstStyle/>
+          <a:p>
+            <a:fld id="{CA64DACF-0490-4513-965E-569F8E1539D0}" type="datetimeFigureOut">
+              <a:rPr lang="en-US" smtClean="0"/>
+              <a:t>1/28/2021</a:t>
+            </a:fld>
+            <a:endParaRPr lang="en-US"/>
+          </a:p>
+        </p:txBody>
+      </p:sp>
+      <p:sp>
+        <p:nvSpPr>
+          <p:cNvPr id="8" name="Footer Placeholder 7">
+            <a:extLst>
+              <a:ext uri="{FF2B5EF4-FFF2-40B4-BE49-F238E27FC236}">
+                <a16:creationId xmlns:a16="http://schemas.microsoft.com/office/drawing/2014/main" id="{21AF83F5-D8A2-46E9-9425-7842E308FC77}"/>
+              </a:ext>
+            </a:extLst>
+          </p:cNvPr>
+          <p:cNvSpPr>
+            <a:spLocks noGrp="1"/>
+          </p:cNvSpPr>
+          <p:nvPr>
+            <p:ph type="ftr" sz="quarter" idx="11"/>
+          </p:nvPr>
+        </p:nvSpPr>
+        <p:spPr/>
+        <p:txBody>
+          <a:bodyPr/>
+          <a:lstStyle/>
+          <a:p>
+            <a:endParaRPr lang="en-US"/>
+          </a:p>
+        </p:txBody>
+      </p:sp>
+      <p:sp>
+        <p:nvSpPr>
+          <p:cNvPr id="9" name="Slide Number Placeholder 8">
+            <a:extLst>
+              <a:ext uri="{FF2B5EF4-FFF2-40B4-BE49-F238E27FC236}">
+                <a16:creationId xmlns:a16="http://schemas.microsoft.com/office/drawing/2014/main" id="{7813775E-B2F4-459D-9481-975B69C34794}"/>
+              </a:ext>
+            </a:extLst>
+          </p:cNvPr>
+          <p:cNvSpPr>
+            <a:spLocks noGrp="1"/>
+          </p:cNvSpPr>
+          <p:nvPr>
+            <p:ph type="sldNum" sz="quarter" idx="12"/>
+          </p:nvPr>
+        </p:nvSpPr>
+        <p:spPr/>
+        <p:txBody>
+          <a:bodyPr/>
+          <a:lstStyle/>
+          <a:p>
+            <a:fld id="{3D6DF9B0-986F-4795-A48B-B8EE7F1E3507}" type="slidenum">
+              <a:rPr lang="en-US" smtClean="0"/>
+              <a:t>‹#›</a:t>
+            </a:fld>
+            <a:endParaRPr lang="en-US"/>
+          </a:p>
+        </p:txBody>
+      </p:sp>
+    </p:spTree>
+    <p:extLst>
+      <p:ext uri="{BB962C8B-B14F-4D97-AF65-F5344CB8AC3E}">
+        <p14:creationId xmlns:p14="http://schemas.microsoft.com/office/powerpoint/2010/main" val="16114066"/>
+      </p:ext>
+    </p:extLst>
+  </p:cSld>
+  <p:clrMapOvr>
+    <a:masterClrMapping/>
+  </p:clrMapOvr>
+</p:sldLayout>
+</file>
+
+<file path=ppt/slideLayouts/slideLayout28.xml><?xml version="1.0" encoding="utf-8"?>
+<p:sldLayout xmlns:a="http://schemas.openxmlformats.org/drawingml/2006/main" xmlns:r="http://schemas.openxmlformats.org/officeDocument/2006/relationships" xmlns:p="http://schemas.openxmlformats.org/presentationml/2006/main" type="titleOnly" preserve="1">
+  <p:cSld name="Title Only">
+    <p:spTree>
+      <p:nvGrpSpPr>
+        <p:cNvPr id="1" name=""/>
+        <p:cNvGrpSpPr/>
+        <p:nvPr/>
+      </p:nvGrpSpPr>
+      <p:grpSpPr>
+        <a:xfrm>
+          <a:off x="0" y="0"/>
+          <a:ext cx="0" cy="0"/>
+          <a:chOff x="0" y="0"/>
+          <a:chExt cx="0" cy="0"/>
+        </a:xfrm>
+      </p:grpSpPr>
+      <p:sp>
+        <p:nvSpPr>
+          <p:cNvPr id="2" name="Title 1">
+            <a:extLst>
+              <a:ext uri="{FF2B5EF4-FFF2-40B4-BE49-F238E27FC236}">
+                <a16:creationId xmlns:a16="http://schemas.microsoft.com/office/drawing/2014/main" id="{172E4C7B-8DAA-45E2-9C85-38642BB9CAAF}"/>
+              </a:ext>
+            </a:extLst>
+          </p:cNvPr>
+          <p:cNvSpPr>
+            <a:spLocks noGrp="1"/>
+          </p:cNvSpPr>
+          <p:nvPr>
+            <p:ph type="title"/>
+          </p:nvPr>
+        </p:nvSpPr>
+        <p:spPr/>
+        <p:txBody>
+          <a:bodyPr/>
+          <a:lstStyle/>
+          <a:p>
+            <a:r>
+              <a:rPr lang="en-US"/>
+              <a:t>Click to edit Master title style</a:t>
+            </a:r>
+          </a:p>
+        </p:txBody>
+      </p:sp>
+      <p:sp>
+        <p:nvSpPr>
+          <p:cNvPr id="3" name="Date Placeholder 2">
+            <a:extLst>
+              <a:ext uri="{FF2B5EF4-FFF2-40B4-BE49-F238E27FC236}">
+                <a16:creationId xmlns:a16="http://schemas.microsoft.com/office/drawing/2014/main" id="{397FA18C-12D6-4D7A-A283-8DAACD903E11}"/>
+              </a:ext>
+            </a:extLst>
+          </p:cNvPr>
+          <p:cNvSpPr>
+            <a:spLocks noGrp="1"/>
+          </p:cNvSpPr>
+          <p:nvPr>
+            <p:ph type="dt" sz="half" idx="10"/>
+          </p:nvPr>
+        </p:nvSpPr>
+        <p:spPr/>
+        <p:txBody>
+          <a:bodyPr/>
+          <a:lstStyle/>
+          <a:p>
+            <a:fld id="{CA64DACF-0490-4513-965E-569F8E1539D0}" type="datetimeFigureOut">
+              <a:rPr lang="en-US" smtClean="0"/>
+              <a:t>1/28/2021</a:t>
+            </a:fld>
+            <a:endParaRPr lang="en-US"/>
+          </a:p>
+        </p:txBody>
+      </p:sp>
+      <p:sp>
+        <p:nvSpPr>
+          <p:cNvPr id="4" name="Footer Placeholder 3">
+            <a:extLst>
+              <a:ext uri="{FF2B5EF4-FFF2-40B4-BE49-F238E27FC236}">
+                <a16:creationId xmlns:a16="http://schemas.microsoft.com/office/drawing/2014/main" id="{F3FE735E-ECD9-42E3-AD20-560150C60C6C}"/>
+              </a:ext>
+            </a:extLst>
+          </p:cNvPr>
+          <p:cNvSpPr>
+            <a:spLocks noGrp="1"/>
+          </p:cNvSpPr>
+          <p:nvPr>
+            <p:ph type="ftr" sz="quarter" idx="11"/>
+          </p:nvPr>
+        </p:nvSpPr>
+        <p:spPr/>
+        <p:txBody>
+          <a:bodyPr/>
+          <a:lstStyle/>
+          <a:p>
+            <a:endParaRPr lang="en-US"/>
+          </a:p>
+        </p:txBody>
+      </p:sp>
+      <p:sp>
+        <p:nvSpPr>
+          <p:cNvPr id="5" name="Slide Number Placeholder 4">
+            <a:extLst>
+              <a:ext uri="{FF2B5EF4-FFF2-40B4-BE49-F238E27FC236}">
+                <a16:creationId xmlns:a16="http://schemas.microsoft.com/office/drawing/2014/main" id="{946A3A3A-0CE7-40A6-B79D-EECC8E3C1EDE}"/>
+              </a:ext>
+            </a:extLst>
+          </p:cNvPr>
+          <p:cNvSpPr>
+            <a:spLocks noGrp="1"/>
+          </p:cNvSpPr>
+          <p:nvPr>
+            <p:ph type="sldNum" sz="quarter" idx="12"/>
+          </p:nvPr>
+        </p:nvSpPr>
+        <p:spPr/>
+        <p:txBody>
+          <a:bodyPr/>
+          <a:lstStyle/>
+          <a:p>
+            <a:fld id="{3D6DF9B0-986F-4795-A48B-B8EE7F1E3507}" type="slidenum">
+              <a:rPr lang="en-US" smtClean="0"/>
+              <a:t>‹#›</a:t>
+            </a:fld>
+            <a:endParaRPr lang="en-US"/>
+          </a:p>
+        </p:txBody>
+      </p:sp>
+    </p:spTree>
+    <p:extLst>
+      <p:ext uri="{BB962C8B-B14F-4D97-AF65-F5344CB8AC3E}">
+        <p14:creationId xmlns:p14="http://schemas.microsoft.com/office/powerpoint/2010/main" val="2724710374"/>
+      </p:ext>
+    </p:extLst>
+  </p:cSld>
+  <p:clrMapOvr>
+    <a:masterClrMapping/>
+  </p:clrMapOvr>
+</p:sldLayout>
+</file>
+
+<file path=ppt/slideLayouts/slideLayout29.xml><?xml version="1.0" encoding="utf-8"?>
+<p:sldLayout xmlns:a="http://schemas.openxmlformats.org/drawingml/2006/main" xmlns:r="http://schemas.openxmlformats.org/officeDocument/2006/relationships" xmlns:p="http://schemas.openxmlformats.org/presentationml/2006/main" type="blank" preserve="1">
+  <p:cSld name="Blank">
+    <p:spTree>
+      <p:nvGrpSpPr>
+        <p:cNvPr id="1" name=""/>
+        <p:cNvGrpSpPr/>
+        <p:nvPr/>
+      </p:nvGrpSpPr>
+      <p:grpSpPr>
+        <a:xfrm>
+          <a:off x="0" y="0"/>
+          <a:ext cx="0" cy="0"/>
+          <a:chOff x="0" y="0"/>
+          <a:chExt cx="0" cy="0"/>
+        </a:xfrm>
+      </p:grpSpPr>
+      <p:sp>
+        <p:nvSpPr>
+          <p:cNvPr id="2" name="Date Placeholder 1">
+            <a:extLst>
+              <a:ext uri="{FF2B5EF4-FFF2-40B4-BE49-F238E27FC236}">
+                <a16:creationId xmlns:a16="http://schemas.microsoft.com/office/drawing/2014/main" id="{4B30C10F-0D22-4CCC-90E8-FBBA554F4D70}"/>
+              </a:ext>
+            </a:extLst>
+          </p:cNvPr>
+          <p:cNvSpPr>
+            <a:spLocks noGrp="1"/>
+          </p:cNvSpPr>
+          <p:nvPr>
+            <p:ph type="dt" sz="half" idx="10"/>
+          </p:nvPr>
+        </p:nvSpPr>
+        <p:spPr/>
+        <p:txBody>
+          <a:bodyPr/>
+          <a:lstStyle/>
+          <a:p>
+            <a:fld id="{CA64DACF-0490-4513-965E-569F8E1539D0}" type="datetimeFigureOut">
+              <a:rPr lang="en-US" smtClean="0"/>
+              <a:t>1/28/2021</a:t>
+            </a:fld>
+            <a:endParaRPr lang="en-US"/>
+          </a:p>
+        </p:txBody>
+      </p:sp>
+      <p:sp>
+        <p:nvSpPr>
+          <p:cNvPr id="3" name="Footer Placeholder 2">
+            <a:extLst>
+              <a:ext uri="{FF2B5EF4-FFF2-40B4-BE49-F238E27FC236}">
+                <a16:creationId xmlns:a16="http://schemas.microsoft.com/office/drawing/2014/main" id="{C15FA7A0-446C-4C7E-BEC1-2D2522CA2CC3}"/>
+              </a:ext>
+            </a:extLst>
+          </p:cNvPr>
+          <p:cNvSpPr>
+            <a:spLocks noGrp="1"/>
+          </p:cNvSpPr>
+          <p:nvPr>
+            <p:ph type="ftr" sz="quarter" idx="11"/>
+          </p:nvPr>
+        </p:nvSpPr>
+        <p:spPr/>
+        <p:txBody>
+          <a:bodyPr/>
+          <a:lstStyle/>
+          <a:p>
+            <a:endParaRPr lang="en-US"/>
+          </a:p>
+        </p:txBody>
+      </p:sp>
+      <p:sp>
+        <p:nvSpPr>
+          <p:cNvPr id="4" name="Slide Number Placeholder 3">
+            <a:extLst>
+              <a:ext uri="{FF2B5EF4-FFF2-40B4-BE49-F238E27FC236}">
+                <a16:creationId xmlns:a16="http://schemas.microsoft.com/office/drawing/2014/main" id="{BFDC77EF-414C-4FFC-BC73-8CB4E51C3D28}"/>
+              </a:ext>
+            </a:extLst>
+          </p:cNvPr>
+          <p:cNvSpPr>
+            <a:spLocks noGrp="1"/>
+          </p:cNvSpPr>
+          <p:nvPr>
+            <p:ph type="sldNum" sz="quarter" idx="12"/>
+          </p:nvPr>
+        </p:nvSpPr>
+        <p:spPr/>
+        <p:txBody>
+          <a:bodyPr/>
+          <a:lstStyle/>
+          <a:p>
+            <a:fld id="{3D6DF9B0-986F-4795-A48B-B8EE7F1E3507}" type="slidenum">
+              <a:rPr lang="en-US" smtClean="0"/>
+              <a:t>‹#›</a:t>
+            </a:fld>
+            <a:endParaRPr lang="en-US"/>
+          </a:p>
+        </p:txBody>
+      </p:sp>
+    </p:spTree>
+    <p:extLst>
+      <p:ext uri="{BB962C8B-B14F-4D97-AF65-F5344CB8AC3E}">
+        <p14:creationId xmlns:p14="http://schemas.microsoft.com/office/powerpoint/2010/main" val="3009295384"/>
+      </p:ext>
+    </p:extLst>
+  </p:cSld>
+  <p:clrMapOvr>
+    <a:masterClrMapping/>
+  </p:clrMapOvr>
+</p:sldLayout>
+</file>
+
 <file path=ppt/slideLayouts/slideLayout3.xml><?xml version="1.0" encoding="utf-8"?>
 <p:sldLayout xmlns:a="http://schemas.openxmlformats.org/drawingml/2006/main" xmlns:r="http://schemas.openxmlformats.org/officeDocument/2006/relationships" xmlns:p="http://schemas.openxmlformats.org/presentationml/2006/main" type="secHead" preserve="1">
   <p:cSld name="Section Header">
@@ -3737,6 +5372,1011 @@
     <p:extLst>
       <p:ext uri="{BB962C8B-B14F-4D97-AF65-F5344CB8AC3E}">
         <p14:creationId xmlns:p14="http://schemas.microsoft.com/office/powerpoint/2010/main" val="3269034092"/>
+      </p:ext>
+    </p:extLst>
+  </p:cSld>
+  <p:clrMapOvr>
+    <a:masterClrMapping/>
+  </p:clrMapOvr>
+</p:sldLayout>
+</file>
+
+<file path=ppt/slideLayouts/slideLayout30.xml><?xml version="1.0" encoding="utf-8"?>
+<p:sldLayout xmlns:a="http://schemas.openxmlformats.org/drawingml/2006/main" xmlns:r="http://schemas.openxmlformats.org/officeDocument/2006/relationships" xmlns:p="http://schemas.openxmlformats.org/presentationml/2006/main" type="objTx" preserve="1">
+  <p:cSld name="Content with Caption">
+    <p:spTree>
+      <p:nvGrpSpPr>
+        <p:cNvPr id="1" name=""/>
+        <p:cNvGrpSpPr/>
+        <p:nvPr/>
+      </p:nvGrpSpPr>
+      <p:grpSpPr>
+        <a:xfrm>
+          <a:off x="0" y="0"/>
+          <a:ext cx="0" cy="0"/>
+          <a:chOff x="0" y="0"/>
+          <a:chExt cx="0" cy="0"/>
+        </a:xfrm>
+      </p:grpSpPr>
+      <p:sp>
+        <p:nvSpPr>
+          <p:cNvPr id="2" name="Title 1">
+            <a:extLst>
+              <a:ext uri="{FF2B5EF4-FFF2-40B4-BE49-F238E27FC236}">
+                <a16:creationId xmlns:a16="http://schemas.microsoft.com/office/drawing/2014/main" id="{0A2CBAAE-E7BD-4596-8688-C3632B2BA371}"/>
+              </a:ext>
+            </a:extLst>
+          </p:cNvPr>
+          <p:cNvSpPr>
+            <a:spLocks noGrp="1"/>
+          </p:cNvSpPr>
+          <p:nvPr>
+            <p:ph type="title"/>
+          </p:nvPr>
+        </p:nvSpPr>
+        <p:spPr>
+          <a:xfrm>
+            <a:off x="839788" y="457200"/>
+            <a:ext cx="3932237" cy="1600200"/>
+          </a:xfrm>
+        </p:spPr>
+        <p:txBody>
+          <a:bodyPr anchor="b"/>
+          <a:lstStyle>
+            <a:lvl1pPr>
+              <a:defRPr sz="3200"/>
+            </a:lvl1pPr>
+          </a:lstStyle>
+          <a:p>
+            <a:r>
+              <a:rPr lang="en-US"/>
+              <a:t>Click to edit Master title style</a:t>
+            </a:r>
+          </a:p>
+        </p:txBody>
+      </p:sp>
+      <p:sp>
+        <p:nvSpPr>
+          <p:cNvPr id="3" name="Content Placeholder 2">
+            <a:extLst>
+              <a:ext uri="{FF2B5EF4-FFF2-40B4-BE49-F238E27FC236}">
+                <a16:creationId xmlns:a16="http://schemas.microsoft.com/office/drawing/2014/main" id="{D225B6D4-2360-4ED9-99E8-37358B39037E}"/>
+              </a:ext>
+            </a:extLst>
+          </p:cNvPr>
+          <p:cNvSpPr>
+            <a:spLocks noGrp="1"/>
+          </p:cNvSpPr>
+          <p:nvPr>
+            <p:ph idx="1"/>
+          </p:nvPr>
+        </p:nvSpPr>
+        <p:spPr>
+          <a:xfrm>
+            <a:off x="5183188" y="987425"/>
+            <a:ext cx="6172200" cy="4873625"/>
+          </a:xfrm>
+        </p:spPr>
+        <p:txBody>
+          <a:bodyPr/>
+          <a:lstStyle>
+            <a:lvl1pPr>
+              <a:defRPr sz="3200"/>
+            </a:lvl1pPr>
+            <a:lvl2pPr>
+              <a:defRPr sz="2800"/>
+            </a:lvl2pPr>
+            <a:lvl3pPr>
+              <a:defRPr sz="2400"/>
+            </a:lvl3pPr>
+            <a:lvl4pPr>
+              <a:defRPr sz="2000"/>
+            </a:lvl4pPr>
+            <a:lvl5pPr>
+              <a:defRPr sz="2000"/>
+            </a:lvl5pPr>
+            <a:lvl6pPr>
+              <a:defRPr sz="2000"/>
+            </a:lvl6pPr>
+            <a:lvl7pPr>
+              <a:defRPr sz="2000"/>
+            </a:lvl7pPr>
+            <a:lvl8pPr>
+              <a:defRPr sz="2000"/>
+            </a:lvl8pPr>
+            <a:lvl9pPr>
+              <a:defRPr sz="2000"/>
+            </a:lvl9pPr>
+          </a:lstStyle>
+          <a:p>
+            <a:pPr lvl="0"/>
+            <a:r>
+              <a:rPr lang="en-US"/>
+              <a:t>Click to edit Master text styles</a:t>
+            </a:r>
+          </a:p>
+          <a:p>
+            <a:pPr lvl="1"/>
+            <a:r>
+              <a:rPr lang="en-US"/>
+              <a:t>Second level</a:t>
+            </a:r>
+          </a:p>
+          <a:p>
+            <a:pPr lvl="2"/>
+            <a:r>
+              <a:rPr lang="en-US"/>
+              <a:t>Third level</a:t>
+            </a:r>
+          </a:p>
+          <a:p>
+            <a:pPr lvl="3"/>
+            <a:r>
+              <a:rPr lang="en-US"/>
+              <a:t>Fourth level</a:t>
+            </a:r>
+          </a:p>
+          <a:p>
+            <a:pPr lvl="4"/>
+            <a:r>
+              <a:rPr lang="en-US"/>
+              <a:t>Fifth level</a:t>
+            </a:r>
+          </a:p>
+        </p:txBody>
+      </p:sp>
+      <p:sp>
+        <p:nvSpPr>
+          <p:cNvPr id="4" name="Text Placeholder 3">
+            <a:extLst>
+              <a:ext uri="{FF2B5EF4-FFF2-40B4-BE49-F238E27FC236}">
+                <a16:creationId xmlns:a16="http://schemas.microsoft.com/office/drawing/2014/main" id="{3BFD51B7-409D-4B80-A6AF-FB2F0FA6E560}"/>
+              </a:ext>
+            </a:extLst>
+          </p:cNvPr>
+          <p:cNvSpPr>
+            <a:spLocks noGrp="1"/>
+          </p:cNvSpPr>
+          <p:nvPr>
+            <p:ph type="body" sz="half" idx="2"/>
+          </p:nvPr>
+        </p:nvSpPr>
+        <p:spPr>
+          <a:xfrm>
+            <a:off x="839788" y="2057400"/>
+            <a:ext cx="3932237" cy="3811588"/>
+          </a:xfrm>
+        </p:spPr>
+        <p:txBody>
+          <a:bodyPr/>
+          <a:lstStyle>
+            <a:lvl1pPr marL="0" indent="0">
+              <a:buNone/>
+              <a:defRPr sz="1600"/>
+            </a:lvl1pPr>
+            <a:lvl2pPr marL="457200" indent="0">
+              <a:buNone/>
+              <a:defRPr sz="1400"/>
+            </a:lvl2pPr>
+            <a:lvl3pPr marL="914400" indent="0">
+              <a:buNone/>
+              <a:defRPr sz="1200"/>
+            </a:lvl3pPr>
+            <a:lvl4pPr marL="1371600" indent="0">
+              <a:buNone/>
+              <a:defRPr sz="1000"/>
+            </a:lvl4pPr>
+            <a:lvl5pPr marL="1828800" indent="0">
+              <a:buNone/>
+              <a:defRPr sz="1000"/>
+            </a:lvl5pPr>
+            <a:lvl6pPr marL="2286000" indent="0">
+              <a:buNone/>
+              <a:defRPr sz="1000"/>
+            </a:lvl6pPr>
+            <a:lvl7pPr marL="2743200" indent="0">
+              <a:buNone/>
+              <a:defRPr sz="1000"/>
+            </a:lvl7pPr>
+            <a:lvl8pPr marL="3200400" indent="0">
+              <a:buNone/>
+              <a:defRPr sz="1000"/>
+            </a:lvl8pPr>
+            <a:lvl9pPr marL="3657600" indent="0">
+              <a:buNone/>
+              <a:defRPr sz="1000"/>
+            </a:lvl9pPr>
+          </a:lstStyle>
+          <a:p>
+            <a:pPr lvl="0"/>
+            <a:r>
+              <a:rPr lang="en-US"/>
+              <a:t>Click to edit Master text styles</a:t>
+            </a:r>
+          </a:p>
+        </p:txBody>
+      </p:sp>
+      <p:sp>
+        <p:nvSpPr>
+          <p:cNvPr id="5" name="Date Placeholder 4">
+            <a:extLst>
+              <a:ext uri="{FF2B5EF4-FFF2-40B4-BE49-F238E27FC236}">
+                <a16:creationId xmlns:a16="http://schemas.microsoft.com/office/drawing/2014/main" id="{A79FF76C-9AFD-4657-9142-49AEAD66203D}"/>
+              </a:ext>
+            </a:extLst>
+          </p:cNvPr>
+          <p:cNvSpPr>
+            <a:spLocks noGrp="1"/>
+          </p:cNvSpPr>
+          <p:nvPr>
+            <p:ph type="dt" sz="half" idx="10"/>
+          </p:nvPr>
+        </p:nvSpPr>
+        <p:spPr/>
+        <p:txBody>
+          <a:bodyPr/>
+          <a:lstStyle/>
+          <a:p>
+            <a:fld id="{CA64DACF-0490-4513-965E-569F8E1539D0}" type="datetimeFigureOut">
+              <a:rPr lang="en-US" smtClean="0"/>
+              <a:t>1/28/2021</a:t>
+            </a:fld>
+            <a:endParaRPr lang="en-US"/>
+          </a:p>
+        </p:txBody>
+      </p:sp>
+      <p:sp>
+        <p:nvSpPr>
+          <p:cNvPr id="6" name="Footer Placeholder 5">
+            <a:extLst>
+              <a:ext uri="{FF2B5EF4-FFF2-40B4-BE49-F238E27FC236}">
+                <a16:creationId xmlns:a16="http://schemas.microsoft.com/office/drawing/2014/main" id="{83730151-C7DE-433D-85F8-30F6B42F66C6}"/>
+              </a:ext>
+            </a:extLst>
+          </p:cNvPr>
+          <p:cNvSpPr>
+            <a:spLocks noGrp="1"/>
+          </p:cNvSpPr>
+          <p:nvPr>
+            <p:ph type="ftr" sz="quarter" idx="11"/>
+          </p:nvPr>
+        </p:nvSpPr>
+        <p:spPr/>
+        <p:txBody>
+          <a:bodyPr/>
+          <a:lstStyle/>
+          <a:p>
+            <a:endParaRPr lang="en-US"/>
+          </a:p>
+        </p:txBody>
+      </p:sp>
+      <p:sp>
+        <p:nvSpPr>
+          <p:cNvPr id="7" name="Slide Number Placeholder 6">
+            <a:extLst>
+              <a:ext uri="{FF2B5EF4-FFF2-40B4-BE49-F238E27FC236}">
+                <a16:creationId xmlns:a16="http://schemas.microsoft.com/office/drawing/2014/main" id="{F578C00F-1DFF-4E0B-84A0-E2777C76963B}"/>
+              </a:ext>
+            </a:extLst>
+          </p:cNvPr>
+          <p:cNvSpPr>
+            <a:spLocks noGrp="1"/>
+          </p:cNvSpPr>
+          <p:nvPr>
+            <p:ph type="sldNum" sz="quarter" idx="12"/>
+          </p:nvPr>
+        </p:nvSpPr>
+        <p:spPr/>
+        <p:txBody>
+          <a:bodyPr/>
+          <a:lstStyle/>
+          <a:p>
+            <a:fld id="{3D6DF9B0-986F-4795-A48B-B8EE7F1E3507}" type="slidenum">
+              <a:rPr lang="en-US" smtClean="0"/>
+              <a:t>‹#›</a:t>
+            </a:fld>
+            <a:endParaRPr lang="en-US"/>
+          </a:p>
+        </p:txBody>
+      </p:sp>
+    </p:spTree>
+    <p:extLst>
+      <p:ext uri="{BB962C8B-B14F-4D97-AF65-F5344CB8AC3E}">
+        <p14:creationId xmlns:p14="http://schemas.microsoft.com/office/powerpoint/2010/main" val="3429416044"/>
+      </p:ext>
+    </p:extLst>
+  </p:cSld>
+  <p:clrMapOvr>
+    <a:masterClrMapping/>
+  </p:clrMapOvr>
+</p:sldLayout>
+</file>
+
+<file path=ppt/slideLayouts/slideLayout31.xml><?xml version="1.0" encoding="utf-8"?>
+<p:sldLayout xmlns:a="http://schemas.openxmlformats.org/drawingml/2006/main" xmlns:r="http://schemas.openxmlformats.org/officeDocument/2006/relationships" xmlns:p="http://schemas.openxmlformats.org/presentationml/2006/main" type="picTx" preserve="1">
+  <p:cSld name="Picture with Caption">
+    <p:spTree>
+      <p:nvGrpSpPr>
+        <p:cNvPr id="1" name=""/>
+        <p:cNvGrpSpPr/>
+        <p:nvPr/>
+      </p:nvGrpSpPr>
+      <p:grpSpPr>
+        <a:xfrm>
+          <a:off x="0" y="0"/>
+          <a:ext cx="0" cy="0"/>
+          <a:chOff x="0" y="0"/>
+          <a:chExt cx="0" cy="0"/>
+        </a:xfrm>
+      </p:grpSpPr>
+      <p:sp>
+        <p:nvSpPr>
+          <p:cNvPr id="2" name="Title 1">
+            <a:extLst>
+              <a:ext uri="{FF2B5EF4-FFF2-40B4-BE49-F238E27FC236}">
+                <a16:creationId xmlns:a16="http://schemas.microsoft.com/office/drawing/2014/main" id="{1E9A90FC-D77D-421F-B6B5-A1DC5B57226B}"/>
+              </a:ext>
+            </a:extLst>
+          </p:cNvPr>
+          <p:cNvSpPr>
+            <a:spLocks noGrp="1"/>
+          </p:cNvSpPr>
+          <p:nvPr>
+            <p:ph type="title"/>
+          </p:nvPr>
+        </p:nvSpPr>
+        <p:spPr>
+          <a:xfrm>
+            <a:off x="839788" y="457200"/>
+            <a:ext cx="3932237" cy="1600200"/>
+          </a:xfrm>
+        </p:spPr>
+        <p:txBody>
+          <a:bodyPr anchor="b"/>
+          <a:lstStyle>
+            <a:lvl1pPr>
+              <a:defRPr sz="3200"/>
+            </a:lvl1pPr>
+          </a:lstStyle>
+          <a:p>
+            <a:r>
+              <a:rPr lang="en-US"/>
+              <a:t>Click to edit Master title style</a:t>
+            </a:r>
+          </a:p>
+        </p:txBody>
+      </p:sp>
+      <p:sp>
+        <p:nvSpPr>
+          <p:cNvPr id="3" name="Picture Placeholder 2">
+            <a:extLst>
+              <a:ext uri="{FF2B5EF4-FFF2-40B4-BE49-F238E27FC236}">
+                <a16:creationId xmlns:a16="http://schemas.microsoft.com/office/drawing/2014/main" id="{7B9FC590-6323-446E-B3DC-80A7EE1D7BC0}"/>
+              </a:ext>
+            </a:extLst>
+          </p:cNvPr>
+          <p:cNvSpPr>
+            <a:spLocks noGrp="1"/>
+          </p:cNvSpPr>
+          <p:nvPr>
+            <p:ph type="pic" idx="1"/>
+          </p:nvPr>
+        </p:nvSpPr>
+        <p:spPr>
+          <a:xfrm>
+            <a:off x="5183188" y="987425"/>
+            <a:ext cx="6172200" cy="4873625"/>
+          </a:xfrm>
+        </p:spPr>
+        <p:txBody>
+          <a:bodyPr/>
+          <a:lstStyle>
+            <a:lvl1pPr marL="0" indent="0">
+              <a:buNone/>
+              <a:defRPr sz="3200"/>
+            </a:lvl1pPr>
+            <a:lvl2pPr marL="457200" indent="0">
+              <a:buNone/>
+              <a:defRPr sz="2800"/>
+            </a:lvl2pPr>
+            <a:lvl3pPr marL="914400" indent="0">
+              <a:buNone/>
+              <a:defRPr sz="2400"/>
+            </a:lvl3pPr>
+            <a:lvl4pPr marL="1371600" indent="0">
+              <a:buNone/>
+              <a:defRPr sz="2000"/>
+            </a:lvl4pPr>
+            <a:lvl5pPr marL="1828800" indent="0">
+              <a:buNone/>
+              <a:defRPr sz="2000"/>
+            </a:lvl5pPr>
+            <a:lvl6pPr marL="2286000" indent="0">
+              <a:buNone/>
+              <a:defRPr sz="2000"/>
+            </a:lvl6pPr>
+            <a:lvl7pPr marL="2743200" indent="0">
+              <a:buNone/>
+              <a:defRPr sz="2000"/>
+            </a:lvl7pPr>
+            <a:lvl8pPr marL="3200400" indent="0">
+              <a:buNone/>
+              <a:defRPr sz="2000"/>
+            </a:lvl8pPr>
+            <a:lvl9pPr marL="3657600" indent="0">
+              <a:buNone/>
+              <a:defRPr sz="2000"/>
+            </a:lvl9pPr>
+          </a:lstStyle>
+          <a:p>
+            <a:endParaRPr lang="en-US"/>
+          </a:p>
+        </p:txBody>
+      </p:sp>
+      <p:sp>
+        <p:nvSpPr>
+          <p:cNvPr id="4" name="Text Placeholder 3">
+            <a:extLst>
+              <a:ext uri="{FF2B5EF4-FFF2-40B4-BE49-F238E27FC236}">
+                <a16:creationId xmlns:a16="http://schemas.microsoft.com/office/drawing/2014/main" id="{D4F0A4B7-7CC7-40E5-A77A-566CFDDB15E9}"/>
+              </a:ext>
+            </a:extLst>
+          </p:cNvPr>
+          <p:cNvSpPr>
+            <a:spLocks noGrp="1"/>
+          </p:cNvSpPr>
+          <p:nvPr>
+            <p:ph type="body" sz="half" idx="2"/>
+          </p:nvPr>
+        </p:nvSpPr>
+        <p:spPr>
+          <a:xfrm>
+            <a:off x="839788" y="2057400"/>
+            <a:ext cx="3932237" cy="3811588"/>
+          </a:xfrm>
+        </p:spPr>
+        <p:txBody>
+          <a:bodyPr/>
+          <a:lstStyle>
+            <a:lvl1pPr marL="0" indent="0">
+              <a:buNone/>
+              <a:defRPr sz="1600"/>
+            </a:lvl1pPr>
+            <a:lvl2pPr marL="457200" indent="0">
+              <a:buNone/>
+              <a:defRPr sz="1400"/>
+            </a:lvl2pPr>
+            <a:lvl3pPr marL="914400" indent="0">
+              <a:buNone/>
+              <a:defRPr sz="1200"/>
+            </a:lvl3pPr>
+            <a:lvl4pPr marL="1371600" indent="0">
+              <a:buNone/>
+              <a:defRPr sz="1000"/>
+            </a:lvl4pPr>
+            <a:lvl5pPr marL="1828800" indent="0">
+              <a:buNone/>
+              <a:defRPr sz="1000"/>
+            </a:lvl5pPr>
+            <a:lvl6pPr marL="2286000" indent="0">
+              <a:buNone/>
+              <a:defRPr sz="1000"/>
+            </a:lvl6pPr>
+            <a:lvl7pPr marL="2743200" indent="0">
+              <a:buNone/>
+              <a:defRPr sz="1000"/>
+            </a:lvl7pPr>
+            <a:lvl8pPr marL="3200400" indent="0">
+              <a:buNone/>
+              <a:defRPr sz="1000"/>
+            </a:lvl8pPr>
+            <a:lvl9pPr marL="3657600" indent="0">
+              <a:buNone/>
+              <a:defRPr sz="1000"/>
+            </a:lvl9pPr>
+          </a:lstStyle>
+          <a:p>
+            <a:pPr lvl="0"/>
+            <a:r>
+              <a:rPr lang="en-US"/>
+              <a:t>Click to edit Master text styles</a:t>
+            </a:r>
+          </a:p>
+        </p:txBody>
+      </p:sp>
+      <p:sp>
+        <p:nvSpPr>
+          <p:cNvPr id="5" name="Date Placeholder 4">
+            <a:extLst>
+              <a:ext uri="{FF2B5EF4-FFF2-40B4-BE49-F238E27FC236}">
+                <a16:creationId xmlns:a16="http://schemas.microsoft.com/office/drawing/2014/main" id="{D0E050C3-B7C6-4A59-8E87-1BB2A8ECCB35}"/>
+              </a:ext>
+            </a:extLst>
+          </p:cNvPr>
+          <p:cNvSpPr>
+            <a:spLocks noGrp="1"/>
+          </p:cNvSpPr>
+          <p:nvPr>
+            <p:ph type="dt" sz="half" idx="10"/>
+          </p:nvPr>
+        </p:nvSpPr>
+        <p:spPr/>
+        <p:txBody>
+          <a:bodyPr/>
+          <a:lstStyle/>
+          <a:p>
+            <a:fld id="{CA64DACF-0490-4513-965E-569F8E1539D0}" type="datetimeFigureOut">
+              <a:rPr lang="en-US" smtClean="0"/>
+              <a:t>1/28/2021</a:t>
+            </a:fld>
+            <a:endParaRPr lang="en-US"/>
+          </a:p>
+        </p:txBody>
+      </p:sp>
+      <p:sp>
+        <p:nvSpPr>
+          <p:cNvPr id="6" name="Footer Placeholder 5">
+            <a:extLst>
+              <a:ext uri="{FF2B5EF4-FFF2-40B4-BE49-F238E27FC236}">
+                <a16:creationId xmlns:a16="http://schemas.microsoft.com/office/drawing/2014/main" id="{C784A5B4-73F2-455D-91E3-140E9D7CE151}"/>
+              </a:ext>
+            </a:extLst>
+          </p:cNvPr>
+          <p:cNvSpPr>
+            <a:spLocks noGrp="1"/>
+          </p:cNvSpPr>
+          <p:nvPr>
+            <p:ph type="ftr" sz="quarter" idx="11"/>
+          </p:nvPr>
+        </p:nvSpPr>
+        <p:spPr/>
+        <p:txBody>
+          <a:bodyPr/>
+          <a:lstStyle/>
+          <a:p>
+            <a:endParaRPr lang="en-US"/>
+          </a:p>
+        </p:txBody>
+      </p:sp>
+      <p:sp>
+        <p:nvSpPr>
+          <p:cNvPr id="7" name="Slide Number Placeholder 6">
+            <a:extLst>
+              <a:ext uri="{FF2B5EF4-FFF2-40B4-BE49-F238E27FC236}">
+                <a16:creationId xmlns:a16="http://schemas.microsoft.com/office/drawing/2014/main" id="{1CE96241-8BEE-4500-9731-CB993DD380AA}"/>
+              </a:ext>
+            </a:extLst>
+          </p:cNvPr>
+          <p:cNvSpPr>
+            <a:spLocks noGrp="1"/>
+          </p:cNvSpPr>
+          <p:nvPr>
+            <p:ph type="sldNum" sz="quarter" idx="12"/>
+          </p:nvPr>
+        </p:nvSpPr>
+        <p:spPr/>
+        <p:txBody>
+          <a:bodyPr/>
+          <a:lstStyle/>
+          <a:p>
+            <a:fld id="{3D6DF9B0-986F-4795-A48B-B8EE7F1E3507}" type="slidenum">
+              <a:rPr lang="en-US" smtClean="0"/>
+              <a:t>‹#›</a:t>
+            </a:fld>
+            <a:endParaRPr lang="en-US"/>
+          </a:p>
+        </p:txBody>
+      </p:sp>
+    </p:spTree>
+    <p:extLst>
+      <p:ext uri="{BB962C8B-B14F-4D97-AF65-F5344CB8AC3E}">
+        <p14:creationId xmlns:p14="http://schemas.microsoft.com/office/powerpoint/2010/main" val="4282106216"/>
+      </p:ext>
+    </p:extLst>
+  </p:cSld>
+  <p:clrMapOvr>
+    <a:masterClrMapping/>
+  </p:clrMapOvr>
+</p:sldLayout>
+</file>
+
+<file path=ppt/slideLayouts/slideLayout32.xml><?xml version="1.0" encoding="utf-8"?>
+<p:sldLayout xmlns:a="http://schemas.openxmlformats.org/drawingml/2006/main" xmlns:r="http://schemas.openxmlformats.org/officeDocument/2006/relationships" xmlns:p="http://schemas.openxmlformats.org/presentationml/2006/main" type="vertTx" preserve="1">
+  <p:cSld name="Title and Vertical Text">
+    <p:spTree>
+      <p:nvGrpSpPr>
+        <p:cNvPr id="1" name=""/>
+        <p:cNvGrpSpPr/>
+        <p:nvPr/>
+      </p:nvGrpSpPr>
+      <p:grpSpPr>
+        <a:xfrm>
+          <a:off x="0" y="0"/>
+          <a:ext cx="0" cy="0"/>
+          <a:chOff x="0" y="0"/>
+          <a:chExt cx="0" cy="0"/>
+        </a:xfrm>
+      </p:grpSpPr>
+      <p:sp>
+        <p:nvSpPr>
+          <p:cNvPr id="2" name="Title 1">
+            <a:extLst>
+              <a:ext uri="{FF2B5EF4-FFF2-40B4-BE49-F238E27FC236}">
+                <a16:creationId xmlns:a16="http://schemas.microsoft.com/office/drawing/2014/main" id="{A2FFDEA0-8132-4DCE-8E71-6B4DB8FA183E}"/>
+              </a:ext>
+            </a:extLst>
+          </p:cNvPr>
+          <p:cNvSpPr>
+            <a:spLocks noGrp="1"/>
+          </p:cNvSpPr>
+          <p:nvPr>
+            <p:ph type="title"/>
+          </p:nvPr>
+        </p:nvSpPr>
+        <p:spPr/>
+        <p:txBody>
+          <a:bodyPr/>
+          <a:lstStyle/>
+          <a:p>
+            <a:r>
+              <a:rPr lang="en-US"/>
+              <a:t>Click to edit Master title style</a:t>
+            </a:r>
+          </a:p>
+        </p:txBody>
+      </p:sp>
+      <p:sp>
+        <p:nvSpPr>
+          <p:cNvPr id="3" name="Vertical Text Placeholder 2">
+            <a:extLst>
+              <a:ext uri="{FF2B5EF4-FFF2-40B4-BE49-F238E27FC236}">
+                <a16:creationId xmlns:a16="http://schemas.microsoft.com/office/drawing/2014/main" id="{074EBA34-8363-4337-B8B1-550DFA0616E3}"/>
+              </a:ext>
+            </a:extLst>
+          </p:cNvPr>
+          <p:cNvSpPr>
+            <a:spLocks noGrp="1"/>
+          </p:cNvSpPr>
+          <p:nvPr>
+            <p:ph type="body" orient="vert" idx="1"/>
+          </p:nvPr>
+        </p:nvSpPr>
+        <p:spPr/>
+        <p:txBody>
+          <a:bodyPr vert="eaVert"/>
+          <a:lstStyle/>
+          <a:p>
+            <a:pPr lvl="0"/>
+            <a:r>
+              <a:rPr lang="en-US"/>
+              <a:t>Click to edit Master text styles</a:t>
+            </a:r>
+          </a:p>
+          <a:p>
+            <a:pPr lvl="1"/>
+            <a:r>
+              <a:rPr lang="en-US"/>
+              <a:t>Second level</a:t>
+            </a:r>
+          </a:p>
+          <a:p>
+            <a:pPr lvl="2"/>
+            <a:r>
+              <a:rPr lang="en-US"/>
+              <a:t>Third level</a:t>
+            </a:r>
+          </a:p>
+          <a:p>
+            <a:pPr lvl="3"/>
+            <a:r>
+              <a:rPr lang="en-US"/>
+              <a:t>Fourth level</a:t>
+            </a:r>
+          </a:p>
+          <a:p>
+            <a:pPr lvl="4"/>
+            <a:r>
+              <a:rPr lang="en-US"/>
+              <a:t>Fifth level</a:t>
+            </a:r>
+          </a:p>
+        </p:txBody>
+      </p:sp>
+      <p:sp>
+        <p:nvSpPr>
+          <p:cNvPr id="4" name="Date Placeholder 3">
+            <a:extLst>
+              <a:ext uri="{FF2B5EF4-FFF2-40B4-BE49-F238E27FC236}">
+                <a16:creationId xmlns:a16="http://schemas.microsoft.com/office/drawing/2014/main" id="{C7AF9DA3-A1E5-4352-958E-CFFF65F2D286}"/>
+              </a:ext>
+            </a:extLst>
+          </p:cNvPr>
+          <p:cNvSpPr>
+            <a:spLocks noGrp="1"/>
+          </p:cNvSpPr>
+          <p:nvPr>
+            <p:ph type="dt" sz="half" idx="10"/>
+          </p:nvPr>
+        </p:nvSpPr>
+        <p:spPr/>
+        <p:txBody>
+          <a:bodyPr/>
+          <a:lstStyle/>
+          <a:p>
+            <a:fld id="{CA64DACF-0490-4513-965E-569F8E1539D0}" type="datetimeFigureOut">
+              <a:rPr lang="en-US" smtClean="0"/>
+              <a:t>1/28/2021</a:t>
+            </a:fld>
+            <a:endParaRPr lang="en-US"/>
+          </a:p>
+        </p:txBody>
+      </p:sp>
+      <p:sp>
+        <p:nvSpPr>
+          <p:cNvPr id="5" name="Footer Placeholder 4">
+            <a:extLst>
+              <a:ext uri="{FF2B5EF4-FFF2-40B4-BE49-F238E27FC236}">
+                <a16:creationId xmlns:a16="http://schemas.microsoft.com/office/drawing/2014/main" id="{DCB521FC-4E01-448E-AF00-A11BB5AFDFB0}"/>
+              </a:ext>
+            </a:extLst>
+          </p:cNvPr>
+          <p:cNvSpPr>
+            <a:spLocks noGrp="1"/>
+          </p:cNvSpPr>
+          <p:nvPr>
+            <p:ph type="ftr" sz="quarter" idx="11"/>
+          </p:nvPr>
+        </p:nvSpPr>
+        <p:spPr/>
+        <p:txBody>
+          <a:bodyPr/>
+          <a:lstStyle/>
+          <a:p>
+            <a:endParaRPr lang="en-US"/>
+          </a:p>
+        </p:txBody>
+      </p:sp>
+      <p:sp>
+        <p:nvSpPr>
+          <p:cNvPr id="6" name="Slide Number Placeholder 5">
+            <a:extLst>
+              <a:ext uri="{FF2B5EF4-FFF2-40B4-BE49-F238E27FC236}">
+                <a16:creationId xmlns:a16="http://schemas.microsoft.com/office/drawing/2014/main" id="{3D8C3E96-9D4B-432A-8296-D6EB5D279A9B}"/>
+              </a:ext>
+            </a:extLst>
+          </p:cNvPr>
+          <p:cNvSpPr>
+            <a:spLocks noGrp="1"/>
+          </p:cNvSpPr>
+          <p:nvPr>
+            <p:ph type="sldNum" sz="quarter" idx="12"/>
+          </p:nvPr>
+        </p:nvSpPr>
+        <p:spPr/>
+        <p:txBody>
+          <a:bodyPr/>
+          <a:lstStyle/>
+          <a:p>
+            <a:fld id="{3D6DF9B0-986F-4795-A48B-B8EE7F1E3507}" type="slidenum">
+              <a:rPr lang="en-US" smtClean="0"/>
+              <a:t>‹#›</a:t>
+            </a:fld>
+            <a:endParaRPr lang="en-US"/>
+          </a:p>
+        </p:txBody>
+      </p:sp>
+    </p:spTree>
+    <p:extLst>
+      <p:ext uri="{BB962C8B-B14F-4D97-AF65-F5344CB8AC3E}">
+        <p14:creationId xmlns:p14="http://schemas.microsoft.com/office/powerpoint/2010/main" val="3512501748"/>
+      </p:ext>
+    </p:extLst>
+  </p:cSld>
+  <p:clrMapOvr>
+    <a:masterClrMapping/>
+  </p:clrMapOvr>
+</p:sldLayout>
+</file>
+
+<file path=ppt/slideLayouts/slideLayout33.xml><?xml version="1.0" encoding="utf-8"?>
+<p:sldLayout xmlns:a="http://schemas.openxmlformats.org/drawingml/2006/main" xmlns:r="http://schemas.openxmlformats.org/officeDocument/2006/relationships" xmlns:p="http://schemas.openxmlformats.org/presentationml/2006/main" type="vertTitleAndTx" preserve="1">
+  <p:cSld name="Vertical Title and Text">
+    <p:spTree>
+      <p:nvGrpSpPr>
+        <p:cNvPr id="1" name=""/>
+        <p:cNvGrpSpPr/>
+        <p:nvPr/>
+      </p:nvGrpSpPr>
+      <p:grpSpPr>
+        <a:xfrm>
+          <a:off x="0" y="0"/>
+          <a:ext cx="0" cy="0"/>
+          <a:chOff x="0" y="0"/>
+          <a:chExt cx="0" cy="0"/>
+        </a:xfrm>
+      </p:grpSpPr>
+      <p:sp>
+        <p:nvSpPr>
+          <p:cNvPr id="2" name="Vertical Title 1">
+            <a:extLst>
+              <a:ext uri="{FF2B5EF4-FFF2-40B4-BE49-F238E27FC236}">
+                <a16:creationId xmlns:a16="http://schemas.microsoft.com/office/drawing/2014/main" id="{2DF81137-5C3D-4D8E-B556-AFC72509EFB7}"/>
+              </a:ext>
+            </a:extLst>
+          </p:cNvPr>
+          <p:cNvSpPr>
+            <a:spLocks noGrp="1"/>
+          </p:cNvSpPr>
+          <p:nvPr>
+            <p:ph type="title" orient="vert"/>
+          </p:nvPr>
+        </p:nvSpPr>
+        <p:spPr>
+          <a:xfrm>
+            <a:off x="8724900" y="365125"/>
+            <a:ext cx="2628900" cy="5811838"/>
+          </a:xfrm>
+        </p:spPr>
+        <p:txBody>
+          <a:bodyPr vert="eaVert"/>
+          <a:lstStyle/>
+          <a:p>
+            <a:r>
+              <a:rPr lang="en-US"/>
+              <a:t>Click to edit Master title style</a:t>
+            </a:r>
+          </a:p>
+        </p:txBody>
+      </p:sp>
+      <p:sp>
+        <p:nvSpPr>
+          <p:cNvPr id="3" name="Vertical Text Placeholder 2">
+            <a:extLst>
+              <a:ext uri="{FF2B5EF4-FFF2-40B4-BE49-F238E27FC236}">
+                <a16:creationId xmlns:a16="http://schemas.microsoft.com/office/drawing/2014/main" id="{841C4720-160B-491C-ACCB-CC8BD3BE7598}"/>
+              </a:ext>
+            </a:extLst>
+          </p:cNvPr>
+          <p:cNvSpPr>
+            <a:spLocks noGrp="1"/>
+          </p:cNvSpPr>
+          <p:nvPr>
+            <p:ph type="body" orient="vert" idx="1"/>
+          </p:nvPr>
+        </p:nvSpPr>
+        <p:spPr>
+          <a:xfrm>
+            <a:off x="838200" y="365125"/>
+            <a:ext cx="7734300" cy="5811838"/>
+          </a:xfrm>
+        </p:spPr>
+        <p:txBody>
+          <a:bodyPr vert="eaVert"/>
+          <a:lstStyle/>
+          <a:p>
+            <a:pPr lvl="0"/>
+            <a:r>
+              <a:rPr lang="en-US"/>
+              <a:t>Click to edit Master text styles</a:t>
+            </a:r>
+          </a:p>
+          <a:p>
+            <a:pPr lvl="1"/>
+            <a:r>
+              <a:rPr lang="en-US"/>
+              <a:t>Second level</a:t>
+            </a:r>
+          </a:p>
+          <a:p>
+            <a:pPr lvl="2"/>
+            <a:r>
+              <a:rPr lang="en-US"/>
+              <a:t>Third level</a:t>
+            </a:r>
+          </a:p>
+          <a:p>
+            <a:pPr lvl="3"/>
+            <a:r>
+              <a:rPr lang="en-US"/>
+              <a:t>Fourth level</a:t>
+            </a:r>
+          </a:p>
+          <a:p>
+            <a:pPr lvl="4"/>
+            <a:r>
+              <a:rPr lang="en-US"/>
+              <a:t>Fifth level</a:t>
+            </a:r>
+          </a:p>
+        </p:txBody>
+      </p:sp>
+      <p:sp>
+        <p:nvSpPr>
+          <p:cNvPr id="4" name="Date Placeholder 3">
+            <a:extLst>
+              <a:ext uri="{FF2B5EF4-FFF2-40B4-BE49-F238E27FC236}">
+                <a16:creationId xmlns:a16="http://schemas.microsoft.com/office/drawing/2014/main" id="{8140065C-7AC5-4A96-9C9E-377DCBD38B84}"/>
+              </a:ext>
+            </a:extLst>
+          </p:cNvPr>
+          <p:cNvSpPr>
+            <a:spLocks noGrp="1"/>
+          </p:cNvSpPr>
+          <p:nvPr>
+            <p:ph type="dt" sz="half" idx="10"/>
+          </p:nvPr>
+        </p:nvSpPr>
+        <p:spPr/>
+        <p:txBody>
+          <a:bodyPr/>
+          <a:lstStyle/>
+          <a:p>
+            <a:fld id="{CA64DACF-0490-4513-965E-569F8E1539D0}" type="datetimeFigureOut">
+              <a:rPr lang="en-US" smtClean="0"/>
+              <a:t>1/28/2021</a:t>
+            </a:fld>
+            <a:endParaRPr lang="en-US"/>
+          </a:p>
+        </p:txBody>
+      </p:sp>
+      <p:sp>
+        <p:nvSpPr>
+          <p:cNvPr id="5" name="Footer Placeholder 4">
+            <a:extLst>
+              <a:ext uri="{FF2B5EF4-FFF2-40B4-BE49-F238E27FC236}">
+                <a16:creationId xmlns:a16="http://schemas.microsoft.com/office/drawing/2014/main" id="{D87C98C2-7787-4BEE-9E7B-0883B9BD1933}"/>
+              </a:ext>
+            </a:extLst>
+          </p:cNvPr>
+          <p:cNvSpPr>
+            <a:spLocks noGrp="1"/>
+          </p:cNvSpPr>
+          <p:nvPr>
+            <p:ph type="ftr" sz="quarter" idx="11"/>
+          </p:nvPr>
+        </p:nvSpPr>
+        <p:spPr/>
+        <p:txBody>
+          <a:bodyPr/>
+          <a:lstStyle/>
+          <a:p>
+            <a:endParaRPr lang="en-US"/>
+          </a:p>
+        </p:txBody>
+      </p:sp>
+      <p:sp>
+        <p:nvSpPr>
+          <p:cNvPr id="6" name="Slide Number Placeholder 5">
+            <a:extLst>
+              <a:ext uri="{FF2B5EF4-FFF2-40B4-BE49-F238E27FC236}">
+                <a16:creationId xmlns:a16="http://schemas.microsoft.com/office/drawing/2014/main" id="{97D08933-31AC-4E34-BCC8-D59117F3F45E}"/>
+              </a:ext>
+            </a:extLst>
+          </p:cNvPr>
+          <p:cNvSpPr>
+            <a:spLocks noGrp="1"/>
+          </p:cNvSpPr>
+          <p:nvPr>
+            <p:ph type="sldNum" sz="quarter" idx="12"/>
+          </p:nvPr>
+        </p:nvSpPr>
+        <p:spPr/>
+        <p:txBody>
+          <a:bodyPr/>
+          <a:lstStyle/>
+          <a:p>
+            <a:fld id="{3D6DF9B0-986F-4795-A48B-B8EE7F1E3507}" type="slidenum">
+              <a:rPr lang="en-US" smtClean="0"/>
+              <a:t>‹#›</a:t>
+            </a:fld>
+            <a:endParaRPr lang="en-US"/>
+          </a:p>
+        </p:txBody>
+      </p:sp>
+    </p:spTree>
+    <p:extLst>
+      <p:ext uri="{BB962C8B-B14F-4D97-AF65-F5344CB8AC3E}">
+        <p14:creationId xmlns:p14="http://schemas.microsoft.com/office/powerpoint/2010/main" val="3539055830"/>
       </p:ext>
     </p:extLst>
   </p:cSld>
@@ -6202,6 +8842,574 @@
 </p:sldMaster>
 </file>
 
+<file path=ppt/slideMasters/slideMaster3.xml><?xml version="1.0" encoding="utf-8"?>
+<p:sldMaster xmlns:a="http://schemas.openxmlformats.org/drawingml/2006/main" xmlns:r="http://schemas.openxmlformats.org/officeDocument/2006/relationships" xmlns:p="http://schemas.openxmlformats.org/presentationml/2006/main">
+  <p:cSld>
+    <p:bg>
+      <p:bgRef idx="1001">
+        <a:schemeClr val="bg1"/>
+      </p:bgRef>
+    </p:bg>
+    <p:spTree>
+      <p:nvGrpSpPr>
+        <p:cNvPr id="1" name=""/>
+        <p:cNvGrpSpPr/>
+        <p:nvPr/>
+      </p:nvGrpSpPr>
+      <p:grpSpPr>
+        <a:xfrm>
+          <a:off x="0" y="0"/>
+          <a:ext cx="0" cy="0"/>
+          <a:chOff x="0" y="0"/>
+          <a:chExt cx="0" cy="0"/>
+        </a:xfrm>
+      </p:grpSpPr>
+      <p:sp>
+        <p:nvSpPr>
+          <p:cNvPr id="2" name="Title Placeholder 1">
+            <a:extLst>
+              <a:ext uri="{FF2B5EF4-FFF2-40B4-BE49-F238E27FC236}">
+                <a16:creationId xmlns:a16="http://schemas.microsoft.com/office/drawing/2014/main" id="{F539F9C0-2E94-40AF-847C-F3790B78425D}"/>
+              </a:ext>
+            </a:extLst>
+          </p:cNvPr>
+          <p:cNvSpPr>
+            <a:spLocks noGrp="1"/>
+          </p:cNvSpPr>
+          <p:nvPr>
+            <p:ph type="title"/>
+          </p:nvPr>
+        </p:nvSpPr>
+        <p:spPr>
+          <a:xfrm>
+            <a:off x="838200" y="365125"/>
+            <a:ext cx="10515600" cy="1325563"/>
+          </a:xfrm>
+          <a:prstGeom prst="rect">
+            <a:avLst/>
+          </a:prstGeom>
+        </p:spPr>
+        <p:txBody>
+          <a:bodyPr vert="horz" lIns="91440" tIns="45720" rIns="91440" bIns="45720" rtlCol="0" anchor="ctr">
+            <a:normAutofit/>
+          </a:bodyPr>
+          <a:lstStyle/>
+          <a:p>
+            <a:r>
+              <a:rPr lang="en-US"/>
+              <a:t>Click to edit Master title style</a:t>
+            </a:r>
+          </a:p>
+        </p:txBody>
+      </p:sp>
+      <p:sp>
+        <p:nvSpPr>
+          <p:cNvPr id="3" name="Text Placeholder 2">
+            <a:extLst>
+              <a:ext uri="{FF2B5EF4-FFF2-40B4-BE49-F238E27FC236}">
+                <a16:creationId xmlns:a16="http://schemas.microsoft.com/office/drawing/2014/main" id="{31FAA326-C8A8-4441-B8DB-47880A40356D}"/>
+              </a:ext>
+            </a:extLst>
+          </p:cNvPr>
+          <p:cNvSpPr>
+            <a:spLocks noGrp="1"/>
+          </p:cNvSpPr>
+          <p:nvPr>
+            <p:ph type="body" idx="1"/>
+          </p:nvPr>
+        </p:nvSpPr>
+        <p:spPr>
+          <a:xfrm>
+            <a:off x="838200" y="1825625"/>
+            <a:ext cx="10515600" cy="4351338"/>
+          </a:xfrm>
+          <a:prstGeom prst="rect">
+            <a:avLst/>
+          </a:prstGeom>
+        </p:spPr>
+        <p:txBody>
+          <a:bodyPr vert="horz" lIns="91440" tIns="45720" rIns="91440" bIns="45720" rtlCol="0">
+            <a:normAutofit/>
+          </a:bodyPr>
+          <a:lstStyle/>
+          <a:p>
+            <a:pPr lvl="0"/>
+            <a:r>
+              <a:rPr lang="en-US"/>
+              <a:t>Click to edit Master text styles</a:t>
+            </a:r>
+          </a:p>
+          <a:p>
+            <a:pPr lvl="1"/>
+            <a:r>
+              <a:rPr lang="en-US"/>
+              <a:t>Second level</a:t>
+            </a:r>
+          </a:p>
+          <a:p>
+            <a:pPr lvl="2"/>
+            <a:r>
+              <a:rPr lang="en-US"/>
+              <a:t>Third level</a:t>
+            </a:r>
+          </a:p>
+          <a:p>
+            <a:pPr lvl="3"/>
+            <a:r>
+              <a:rPr lang="en-US"/>
+              <a:t>Fourth level</a:t>
+            </a:r>
+          </a:p>
+          <a:p>
+            <a:pPr lvl="4"/>
+            <a:r>
+              <a:rPr lang="en-US"/>
+              <a:t>Fifth level</a:t>
+            </a:r>
+          </a:p>
+        </p:txBody>
+      </p:sp>
+      <p:sp>
+        <p:nvSpPr>
+          <p:cNvPr id="4" name="Date Placeholder 3">
+            <a:extLst>
+              <a:ext uri="{FF2B5EF4-FFF2-40B4-BE49-F238E27FC236}">
+                <a16:creationId xmlns:a16="http://schemas.microsoft.com/office/drawing/2014/main" id="{29577FC2-9D0C-4E24-929A-9E26AEEA33B7}"/>
+              </a:ext>
+            </a:extLst>
+          </p:cNvPr>
+          <p:cNvSpPr>
+            <a:spLocks noGrp="1"/>
+          </p:cNvSpPr>
+          <p:nvPr>
+            <p:ph type="dt" sz="half" idx="2"/>
+          </p:nvPr>
+        </p:nvSpPr>
+        <p:spPr>
+          <a:xfrm>
+            <a:off x="838200" y="6356350"/>
+            <a:ext cx="2743200" cy="365125"/>
+          </a:xfrm>
+          <a:prstGeom prst="rect">
+            <a:avLst/>
+          </a:prstGeom>
+        </p:spPr>
+        <p:txBody>
+          <a:bodyPr vert="horz" lIns="91440" tIns="45720" rIns="91440" bIns="45720" rtlCol="0" anchor="ctr"/>
+          <a:lstStyle>
+            <a:lvl1pPr algn="l">
+              <a:defRPr sz="1200">
+                <a:solidFill>
+                  <a:schemeClr val="tx1">
+                    <a:tint val="75000"/>
+                  </a:schemeClr>
+                </a:solidFill>
+              </a:defRPr>
+            </a:lvl1pPr>
+          </a:lstStyle>
+          <a:p>
+            <a:fld id="{CA64DACF-0490-4513-965E-569F8E1539D0}" type="datetimeFigureOut">
+              <a:rPr lang="en-US" smtClean="0"/>
+              <a:t>1/28/2021</a:t>
+            </a:fld>
+            <a:endParaRPr lang="en-US"/>
+          </a:p>
+        </p:txBody>
+      </p:sp>
+      <p:sp>
+        <p:nvSpPr>
+          <p:cNvPr id="5" name="Footer Placeholder 4">
+            <a:extLst>
+              <a:ext uri="{FF2B5EF4-FFF2-40B4-BE49-F238E27FC236}">
+                <a16:creationId xmlns:a16="http://schemas.microsoft.com/office/drawing/2014/main" id="{112BB21C-C92D-44C0-B756-96753E9B3FBE}"/>
+              </a:ext>
+            </a:extLst>
+          </p:cNvPr>
+          <p:cNvSpPr>
+            <a:spLocks noGrp="1"/>
+          </p:cNvSpPr>
+          <p:nvPr>
+            <p:ph type="ftr" sz="quarter" idx="3"/>
+          </p:nvPr>
+        </p:nvSpPr>
+        <p:spPr>
+          <a:xfrm>
+            <a:off x="4038600" y="6356350"/>
+            <a:ext cx="4114800" cy="365125"/>
+          </a:xfrm>
+          <a:prstGeom prst="rect">
+            <a:avLst/>
+          </a:prstGeom>
+        </p:spPr>
+        <p:txBody>
+          <a:bodyPr vert="horz" lIns="91440" tIns="45720" rIns="91440" bIns="45720" rtlCol="0" anchor="ctr"/>
+          <a:lstStyle>
+            <a:lvl1pPr algn="ctr">
+              <a:defRPr sz="1200">
+                <a:solidFill>
+                  <a:schemeClr val="tx1">
+                    <a:tint val="75000"/>
+                  </a:schemeClr>
+                </a:solidFill>
+              </a:defRPr>
+            </a:lvl1pPr>
+          </a:lstStyle>
+          <a:p>
+            <a:endParaRPr lang="en-US"/>
+          </a:p>
+        </p:txBody>
+      </p:sp>
+      <p:sp>
+        <p:nvSpPr>
+          <p:cNvPr id="6" name="Slide Number Placeholder 5">
+            <a:extLst>
+              <a:ext uri="{FF2B5EF4-FFF2-40B4-BE49-F238E27FC236}">
+                <a16:creationId xmlns:a16="http://schemas.microsoft.com/office/drawing/2014/main" id="{561D180D-E38F-465E-A390-518981BB8E09}"/>
+              </a:ext>
+            </a:extLst>
+          </p:cNvPr>
+          <p:cNvSpPr>
+            <a:spLocks noGrp="1"/>
+          </p:cNvSpPr>
+          <p:nvPr>
+            <p:ph type="sldNum" sz="quarter" idx="4"/>
+          </p:nvPr>
+        </p:nvSpPr>
+        <p:spPr>
+          <a:xfrm>
+            <a:off x="8610600" y="6356350"/>
+            <a:ext cx="2743200" cy="365125"/>
+          </a:xfrm>
+          <a:prstGeom prst="rect">
+            <a:avLst/>
+          </a:prstGeom>
+        </p:spPr>
+        <p:txBody>
+          <a:bodyPr vert="horz" lIns="91440" tIns="45720" rIns="91440" bIns="45720" rtlCol="0" anchor="ctr"/>
+          <a:lstStyle>
+            <a:lvl1pPr algn="r">
+              <a:defRPr sz="1200">
+                <a:solidFill>
+                  <a:schemeClr val="tx1">
+                    <a:tint val="75000"/>
+                  </a:schemeClr>
+                </a:solidFill>
+              </a:defRPr>
+            </a:lvl1pPr>
+          </a:lstStyle>
+          <a:p>
+            <a:fld id="{3D6DF9B0-986F-4795-A48B-B8EE7F1E3507}" type="slidenum">
+              <a:rPr lang="en-US" smtClean="0"/>
+              <a:t>‹#›</a:t>
+            </a:fld>
+            <a:endParaRPr lang="en-US"/>
+          </a:p>
+        </p:txBody>
+      </p:sp>
+    </p:spTree>
+    <p:extLst>
+      <p:ext uri="{BB962C8B-B14F-4D97-AF65-F5344CB8AC3E}">
+        <p14:creationId xmlns:p14="http://schemas.microsoft.com/office/powerpoint/2010/main" val="607477027"/>
+      </p:ext>
+    </p:extLst>
+  </p:cSld>
+  <p:clrMap bg1="lt1" tx1="dk1" bg2="lt2" tx2="dk2" accent1="accent1" accent2="accent2" accent3="accent3" accent4="accent4" accent5="accent5" accent6="accent6" hlink="hlink" folHlink="folHlink"/>
+  <p:sldLayoutIdLst>
+    <p:sldLayoutId id="2147483841" r:id="rId1"/>
+    <p:sldLayoutId id="2147483842" r:id="rId2"/>
+    <p:sldLayoutId id="2147483843" r:id="rId3"/>
+    <p:sldLayoutId id="2147483844" r:id="rId4"/>
+    <p:sldLayoutId id="2147483845" r:id="rId5"/>
+    <p:sldLayoutId id="2147483846" r:id="rId6"/>
+    <p:sldLayoutId id="2147483847" r:id="rId7"/>
+    <p:sldLayoutId id="2147483848" r:id="rId8"/>
+    <p:sldLayoutId id="2147483849" r:id="rId9"/>
+    <p:sldLayoutId id="2147483850" r:id="rId10"/>
+    <p:sldLayoutId id="2147483851" r:id="rId11"/>
+  </p:sldLayoutIdLst>
+  <p:txStyles>
+    <p:titleStyle>
+      <a:lvl1pPr algn="l" defTabSz="914400" rtl="0" eaLnBrk="1" latinLnBrk="0" hangingPunct="1">
+        <a:lnSpc>
+          <a:spcPct val="90000"/>
+        </a:lnSpc>
+        <a:spcBef>
+          <a:spcPct val="0"/>
+        </a:spcBef>
+        <a:buNone/>
+        <a:defRPr sz="4400" kern="1200">
+          <a:solidFill>
+            <a:schemeClr val="tx1"/>
+          </a:solidFill>
+          <a:latin typeface="+mj-lt"/>
+          <a:ea typeface="+mj-ea"/>
+          <a:cs typeface="+mj-cs"/>
+        </a:defRPr>
+      </a:lvl1pPr>
+    </p:titleStyle>
+    <p:bodyStyle>
+      <a:lvl1pPr marL="228600" indent="-228600" algn="l" defTabSz="914400" rtl="0" eaLnBrk="1" latinLnBrk="0" hangingPunct="1">
+        <a:lnSpc>
+          <a:spcPct val="90000"/>
+        </a:lnSpc>
+        <a:spcBef>
+          <a:spcPts val="1000"/>
+        </a:spcBef>
+        <a:buFont typeface="Arial" panose="020B0604020202020204" pitchFamily="34" charset="0"/>
+        <a:buChar char="•"/>
+        <a:defRPr sz="2800" kern="1200">
+          <a:solidFill>
+            <a:schemeClr val="tx1"/>
+          </a:solidFill>
+          <a:latin typeface="+mn-lt"/>
+          <a:ea typeface="+mn-ea"/>
+          <a:cs typeface="+mn-cs"/>
+        </a:defRPr>
+      </a:lvl1pPr>
+      <a:lvl2pPr marL="685800" indent="-228600" algn="l" defTabSz="914400" rtl="0" eaLnBrk="1" latinLnBrk="0" hangingPunct="1">
+        <a:lnSpc>
+          <a:spcPct val="90000"/>
+        </a:lnSpc>
+        <a:spcBef>
+          <a:spcPts val="500"/>
+        </a:spcBef>
+        <a:buFont typeface="Arial" panose="020B0604020202020204" pitchFamily="34" charset="0"/>
+        <a:buChar char="•"/>
+        <a:defRPr sz="2400" kern="1200">
+          <a:solidFill>
+            <a:schemeClr val="tx1"/>
+          </a:solidFill>
+          <a:latin typeface="+mn-lt"/>
+          <a:ea typeface="+mn-ea"/>
+          <a:cs typeface="+mn-cs"/>
+        </a:defRPr>
+      </a:lvl2pPr>
+      <a:lvl3pPr marL="1143000" indent="-228600" algn="l" defTabSz="914400" rtl="0" eaLnBrk="1" latinLnBrk="0" hangingPunct="1">
+        <a:lnSpc>
+          <a:spcPct val="90000"/>
+        </a:lnSpc>
+        <a:spcBef>
+          <a:spcPts val="500"/>
+        </a:spcBef>
+        <a:buFont typeface="Arial" panose="020B0604020202020204" pitchFamily="34" charset="0"/>
+        <a:buChar char="•"/>
+        <a:defRPr sz="2000" kern="1200">
+          <a:solidFill>
+            <a:schemeClr val="tx1"/>
+          </a:solidFill>
+          <a:latin typeface="+mn-lt"/>
+          <a:ea typeface="+mn-ea"/>
+          <a:cs typeface="+mn-cs"/>
+        </a:defRPr>
+      </a:lvl3pPr>
+      <a:lvl4pPr marL="1600200" indent="-228600" algn="l" defTabSz="914400" rtl="0" eaLnBrk="1" latinLnBrk="0" hangingPunct="1">
+        <a:lnSpc>
+          <a:spcPct val="90000"/>
+        </a:lnSpc>
+        <a:spcBef>
+          <a:spcPts val="500"/>
+        </a:spcBef>
+        <a:buFont typeface="Arial" panose="020B0604020202020204" pitchFamily="34" charset="0"/>
+        <a:buChar char="•"/>
+        <a:defRPr sz="1800" kern="1200">
+          <a:solidFill>
+            <a:schemeClr val="tx1"/>
+          </a:solidFill>
+          <a:latin typeface="+mn-lt"/>
+          <a:ea typeface="+mn-ea"/>
+          <a:cs typeface="+mn-cs"/>
+        </a:defRPr>
+      </a:lvl4pPr>
+      <a:lvl5pPr marL="2057400" indent="-228600" algn="l" defTabSz="914400" rtl="0" eaLnBrk="1" latinLnBrk="0" hangingPunct="1">
+        <a:lnSpc>
+          <a:spcPct val="90000"/>
+        </a:lnSpc>
+        <a:spcBef>
+          <a:spcPts val="500"/>
+        </a:spcBef>
+        <a:buFont typeface="Arial" panose="020B0604020202020204" pitchFamily="34" charset="0"/>
+        <a:buChar char="•"/>
+        <a:defRPr sz="1800" kern="1200">
+          <a:solidFill>
+            <a:schemeClr val="tx1"/>
+          </a:solidFill>
+          <a:latin typeface="+mn-lt"/>
+          <a:ea typeface="+mn-ea"/>
+          <a:cs typeface="+mn-cs"/>
+        </a:defRPr>
+      </a:lvl5pPr>
+      <a:lvl6pPr marL="2514600" indent="-228600" algn="l" defTabSz="914400" rtl="0" eaLnBrk="1" latinLnBrk="0" hangingPunct="1">
+        <a:lnSpc>
+          <a:spcPct val="90000"/>
+        </a:lnSpc>
+        <a:spcBef>
+          <a:spcPts val="500"/>
+        </a:spcBef>
+        <a:buFont typeface="Arial" panose="020B0604020202020204" pitchFamily="34" charset="0"/>
+        <a:buChar char="•"/>
+        <a:defRPr sz="1800" kern="1200">
+          <a:solidFill>
+            <a:schemeClr val="tx1"/>
+          </a:solidFill>
+          <a:latin typeface="+mn-lt"/>
+          <a:ea typeface="+mn-ea"/>
+          <a:cs typeface="+mn-cs"/>
+        </a:defRPr>
+      </a:lvl6pPr>
+      <a:lvl7pPr marL="2971800" indent="-228600" algn="l" defTabSz="914400" rtl="0" eaLnBrk="1" latinLnBrk="0" hangingPunct="1">
+        <a:lnSpc>
+          <a:spcPct val="90000"/>
+        </a:lnSpc>
+        <a:spcBef>
+          <a:spcPts val="500"/>
+        </a:spcBef>
+        <a:buFont typeface="Arial" panose="020B0604020202020204" pitchFamily="34" charset="0"/>
+        <a:buChar char="•"/>
+        <a:defRPr sz="1800" kern="1200">
+          <a:solidFill>
+            <a:schemeClr val="tx1"/>
+          </a:solidFill>
+          <a:latin typeface="+mn-lt"/>
+          <a:ea typeface="+mn-ea"/>
+          <a:cs typeface="+mn-cs"/>
+        </a:defRPr>
+      </a:lvl7pPr>
+      <a:lvl8pPr marL="3429000" indent="-228600" algn="l" defTabSz="914400" rtl="0" eaLnBrk="1" latinLnBrk="0" hangingPunct="1">
+        <a:lnSpc>
+          <a:spcPct val="90000"/>
+        </a:lnSpc>
+        <a:spcBef>
+          <a:spcPts val="500"/>
+        </a:spcBef>
+        <a:buFont typeface="Arial" panose="020B0604020202020204" pitchFamily="34" charset="0"/>
+        <a:buChar char="•"/>
+        <a:defRPr sz="1800" kern="1200">
+          <a:solidFill>
+            <a:schemeClr val="tx1"/>
+          </a:solidFill>
+          <a:latin typeface="+mn-lt"/>
+          <a:ea typeface="+mn-ea"/>
+          <a:cs typeface="+mn-cs"/>
+        </a:defRPr>
+      </a:lvl8pPr>
+      <a:lvl9pPr marL="3886200" indent="-228600" algn="l" defTabSz="914400" rtl="0" eaLnBrk="1" latinLnBrk="0" hangingPunct="1">
+        <a:lnSpc>
+          <a:spcPct val="90000"/>
+        </a:lnSpc>
+        <a:spcBef>
+          <a:spcPts val="500"/>
+        </a:spcBef>
+        <a:buFont typeface="Arial" panose="020B0604020202020204" pitchFamily="34" charset="0"/>
+        <a:buChar char="•"/>
+        <a:defRPr sz="1800" kern="1200">
+          <a:solidFill>
+            <a:schemeClr val="tx1"/>
+          </a:solidFill>
+          <a:latin typeface="+mn-lt"/>
+          <a:ea typeface="+mn-ea"/>
+          <a:cs typeface="+mn-cs"/>
+        </a:defRPr>
+      </a:lvl9pPr>
+    </p:bodyStyle>
+    <p:otherStyle>
+      <a:defPPr>
+        <a:defRPr lang="en-US"/>
+      </a:defPPr>
+      <a:lvl1pPr marL="0" algn="l" defTabSz="914400" rtl="0" eaLnBrk="1" latinLnBrk="0" hangingPunct="1">
+        <a:defRPr sz="1800" kern="1200">
+          <a:solidFill>
+            <a:schemeClr val="tx1"/>
+          </a:solidFill>
+          <a:latin typeface="+mn-lt"/>
+          <a:ea typeface="+mn-ea"/>
+          <a:cs typeface="+mn-cs"/>
+        </a:defRPr>
+      </a:lvl1pPr>
+      <a:lvl2pPr marL="457200" algn="l" defTabSz="914400" rtl="0" eaLnBrk="1" latinLnBrk="0" hangingPunct="1">
+        <a:defRPr sz="1800" kern="1200">
+          <a:solidFill>
+            <a:schemeClr val="tx1"/>
+          </a:solidFill>
+          <a:latin typeface="+mn-lt"/>
+          <a:ea typeface="+mn-ea"/>
+          <a:cs typeface="+mn-cs"/>
+        </a:defRPr>
+      </a:lvl2pPr>
+      <a:lvl3pPr marL="914400" algn="l" defTabSz="914400" rtl="0" eaLnBrk="1" latinLnBrk="0" hangingPunct="1">
+        <a:defRPr sz="1800" kern="1200">
+          <a:solidFill>
+            <a:schemeClr val="tx1"/>
+          </a:solidFill>
+          <a:latin typeface="+mn-lt"/>
+          <a:ea typeface="+mn-ea"/>
+          <a:cs typeface="+mn-cs"/>
+        </a:defRPr>
+      </a:lvl3pPr>
+      <a:lvl4pPr marL="1371600" algn="l" defTabSz="914400" rtl="0" eaLnBrk="1" latinLnBrk="0" hangingPunct="1">
+        <a:defRPr sz="1800" kern="1200">
+          <a:solidFill>
+            <a:schemeClr val="tx1"/>
+          </a:solidFill>
+          <a:latin typeface="+mn-lt"/>
+          <a:ea typeface="+mn-ea"/>
+          <a:cs typeface="+mn-cs"/>
+        </a:defRPr>
+      </a:lvl4pPr>
+      <a:lvl5pPr marL="1828800" algn="l" defTabSz="914400" rtl="0" eaLnBrk="1" latinLnBrk="0" hangingPunct="1">
+        <a:defRPr sz="1800" kern="1200">
+          <a:solidFill>
+            <a:schemeClr val="tx1"/>
+          </a:solidFill>
+          <a:latin typeface="+mn-lt"/>
+          <a:ea typeface="+mn-ea"/>
+          <a:cs typeface="+mn-cs"/>
+        </a:defRPr>
+      </a:lvl5pPr>
+      <a:lvl6pPr marL="2286000" algn="l" defTabSz="914400" rtl="0" eaLnBrk="1" latinLnBrk="0" hangingPunct="1">
+        <a:defRPr sz="1800" kern="1200">
+          <a:solidFill>
+            <a:schemeClr val="tx1"/>
+          </a:solidFill>
+          <a:latin typeface="+mn-lt"/>
+          <a:ea typeface="+mn-ea"/>
+          <a:cs typeface="+mn-cs"/>
+        </a:defRPr>
+      </a:lvl6pPr>
+      <a:lvl7pPr marL="2743200" algn="l" defTabSz="914400" rtl="0" eaLnBrk="1" latinLnBrk="0" hangingPunct="1">
+        <a:defRPr sz="1800" kern="1200">
+          <a:solidFill>
+            <a:schemeClr val="tx1"/>
+          </a:solidFill>
+          <a:latin typeface="+mn-lt"/>
+          <a:ea typeface="+mn-ea"/>
+          <a:cs typeface="+mn-cs"/>
+        </a:defRPr>
+      </a:lvl7pPr>
+      <a:lvl8pPr marL="3200400" algn="l" defTabSz="914400" rtl="0" eaLnBrk="1" latinLnBrk="0" hangingPunct="1">
+        <a:defRPr sz="1800" kern="1200">
+          <a:solidFill>
+            <a:schemeClr val="tx1"/>
+          </a:solidFill>
+          <a:latin typeface="+mn-lt"/>
+          <a:ea typeface="+mn-ea"/>
+          <a:cs typeface="+mn-cs"/>
+        </a:defRPr>
+      </a:lvl8pPr>
+      <a:lvl9pPr marL="3657600" algn="l" defTabSz="914400" rtl="0" eaLnBrk="1" latinLnBrk="0" hangingPunct="1">
+        <a:defRPr sz="1800" kern="1200">
+          <a:solidFill>
+            <a:schemeClr val="tx1"/>
+          </a:solidFill>
+          <a:latin typeface="+mn-lt"/>
+          <a:ea typeface="+mn-ea"/>
+          <a:cs typeface="+mn-cs"/>
+        </a:defRPr>
+      </a:lvl9pPr>
+    </p:otherStyle>
+  </p:txStyles>
+</p:sldMaster>
+</file>
+
 <file path=ppt/slides/slide1.xml><?xml version="1.0" encoding="utf-8"?>
 <p:sld xmlns:a="http://schemas.openxmlformats.org/drawingml/2006/main" xmlns:r="http://schemas.openxmlformats.org/officeDocument/2006/relationships" xmlns:p="http://schemas.openxmlformats.org/presentationml/2006/main">
   <p:cSld>
@@ -6738,6 +9946,431 @@
           <p:cNvPr id="2" name="Title 1">
             <a:extLst>
               <a:ext uri="{FF2B5EF4-FFF2-40B4-BE49-F238E27FC236}">
+                <a16:creationId xmlns:a16="http://schemas.microsoft.com/office/drawing/2014/main" id="{0CB25684-7F5B-420E-8932-77E78167E4E0}"/>
+              </a:ext>
+            </a:extLst>
+          </p:cNvPr>
+          <p:cNvSpPr>
+            <a:spLocks noGrp="1"/>
+          </p:cNvSpPr>
+          <p:nvPr>
+            <p:ph type="title"/>
+          </p:nvPr>
+        </p:nvSpPr>
+        <p:spPr>
+          <a:xfrm>
+            <a:off x="745724" y="365125"/>
+            <a:ext cx="310719" cy="6168839"/>
+          </a:xfrm>
+        </p:spPr>
+        <p:txBody>
+          <a:bodyPr vert="vert270">
+            <a:noAutofit/>
+          </a:bodyPr>
+          <a:lstStyle/>
+          <a:p>
+            <a:pPr algn="ctr"/>
+            <a:r>
+              <a:rPr lang="de-DE" sz="3600" dirty="0">
+                <a:latin typeface="Adobe Heiti Std R" panose="020B0400000000000000" pitchFamily="34" charset="-128"/>
+                <a:ea typeface="Adobe Heiti Std R" panose="020B0400000000000000" pitchFamily="34" charset="-128"/>
+              </a:rPr>
+              <a:t>Activity Diagram</a:t>
+            </a:r>
+          </a:p>
+        </p:txBody>
+      </p:sp>
+      <p:pic>
+        <p:nvPicPr>
+          <p:cNvPr id="4" name="Picture 3">
+            <a:extLst>
+              <a:ext uri="{FF2B5EF4-FFF2-40B4-BE49-F238E27FC236}">
+                <a16:creationId xmlns:a16="http://schemas.microsoft.com/office/drawing/2014/main" id="{0145F686-4275-4B2C-ACD4-9D5BB7BE5AEB}"/>
+              </a:ext>
+            </a:extLst>
+          </p:cNvPr>
+          <p:cNvPicPr>
+            <a:picLocks noChangeAspect="1"/>
+          </p:cNvPicPr>
+          <p:nvPr/>
+        </p:nvPicPr>
+        <p:blipFill>
+          <a:blip r:embed="rId2">
+            <a:extLst>
+              <a:ext uri="{28A0092B-C50C-407E-A947-70E740481C1C}">
+                <a14:useLocalDpi xmlns:a14="http://schemas.microsoft.com/office/drawing/2010/main" val="0"/>
+              </a:ext>
+            </a:extLst>
+          </a:blip>
+          <a:stretch>
+            <a:fillRect/>
+          </a:stretch>
+        </p:blipFill>
+        <p:spPr>
+          <a:xfrm>
+            <a:off x="3942146" y="0"/>
+            <a:ext cx="4307707" cy="6858000"/>
+          </a:xfrm>
+          <a:prstGeom prst="rect">
+            <a:avLst/>
+          </a:prstGeom>
+        </p:spPr>
+      </p:pic>
+    </p:spTree>
+    <p:extLst>
+      <p:ext uri="{BB962C8B-B14F-4D97-AF65-F5344CB8AC3E}">
+        <p14:creationId xmlns:p14="http://schemas.microsoft.com/office/powerpoint/2010/main" val="1095426782"/>
+      </p:ext>
+    </p:extLst>
+  </p:cSld>
+  <p:clrMapOvr>
+    <a:masterClrMapping/>
+  </p:clrMapOvr>
+</p:sld>
+</file>
+
+<file path=ppt/slides/slide11.xml><?xml version="1.0" encoding="utf-8"?>
+<p:sld xmlns:a="http://schemas.openxmlformats.org/drawingml/2006/main" xmlns:r="http://schemas.openxmlformats.org/officeDocument/2006/relationships" xmlns:p="http://schemas.openxmlformats.org/presentationml/2006/main">
+  <p:cSld>
+    <p:spTree>
+      <p:nvGrpSpPr>
+        <p:cNvPr id="1" name=""/>
+        <p:cNvGrpSpPr/>
+        <p:nvPr/>
+      </p:nvGrpSpPr>
+      <p:grpSpPr>
+        <a:xfrm>
+          <a:off x="0" y="0"/>
+          <a:ext cx="0" cy="0"/>
+          <a:chOff x="0" y="0"/>
+          <a:chExt cx="0" cy="0"/>
+        </a:xfrm>
+      </p:grpSpPr>
+      <p:sp>
+        <p:nvSpPr>
+          <p:cNvPr id="2" name="Title 1">
+            <a:extLst>
+              <a:ext uri="{FF2B5EF4-FFF2-40B4-BE49-F238E27FC236}">
+                <a16:creationId xmlns:a16="http://schemas.microsoft.com/office/drawing/2014/main" id="{B26FE6E7-74C9-4EB6-9EF1-B4B538DCF0A3}"/>
+              </a:ext>
+            </a:extLst>
+          </p:cNvPr>
+          <p:cNvSpPr>
+            <a:spLocks noGrp="1"/>
+          </p:cNvSpPr>
+          <p:nvPr>
+            <p:ph type="ctrTitle"/>
+          </p:nvPr>
+        </p:nvSpPr>
+        <p:spPr>
+          <a:xfrm>
+            <a:off x="1230217" y="1284936"/>
+            <a:ext cx="4865783" cy="673386"/>
+          </a:xfrm>
+        </p:spPr>
+        <p:txBody>
+          <a:bodyPr>
+            <a:noAutofit/>
+          </a:bodyPr>
+          <a:lstStyle/>
+          <a:p>
+            <a:pPr algn="l"/>
+            <a:r>
+              <a:rPr lang="en-CA" sz="3200" b="1" i="1" u="sng" dirty="0"/>
+              <a:t>Gas Leakage:</a:t>
+            </a:r>
+            <a:endParaRPr lang="en-CA" sz="3200" dirty="0"/>
+          </a:p>
+        </p:txBody>
+      </p:sp>
+      <p:sp>
+        <p:nvSpPr>
+          <p:cNvPr id="3" name="Subtitle 2">
+            <a:extLst>
+              <a:ext uri="{FF2B5EF4-FFF2-40B4-BE49-F238E27FC236}">
+                <a16:creationId xmlns:a16="http://schemas.microsoft.com/office/drawing/2014/main" id="{3FABB114-EE08-46B1-A821-37340EF7E44D}"/>
+              </a:ext>
+            </a:extLst>
+          </p:cNvPr>
+          <p:cNvSpPr>
+            <a:spLocks noGrp="1"/>
+          </p:cNvSpPr>
+          <p:nvPr>
+            <p:ph type="subTitle" idx="1"/>
+          </p:nvPr>
+        </p:nvSpPr>
+        <p:spPr>
+          <a:xfrm>
+            <a:off x="1230217" y="2205346"/>
+            <a:ext cx="9144000" cy="3602068"/>
+          </a:xfrm>
+        </p:spPr>
+        <p:txBody>
+          <a:bodyPr>
+            <a:normAutofit/>
+          </a:bodyPr>
+          <a:lstStyle/>
+          <a:p>
+            <a:pPr algn="l"/>
+            <a:r>
+              <a:rPr lang="en-CA" dirty="0"/>
+              <a:t>Generally in our region, we are highly dependent on gas-controlled stoves. This is, indeed, very dangerous. To make a safer environment in the house, our smart home will include a gas leakage system. This system will generally keep track of gas level in the kitchen vicinity. Once the gas level in the kitchen is more than usual, or out of control, the system will take precautionary measures, such as an alarm system will go off, shutting off the gas flow and on user preference, the windows might open.</a:t>
+            </a:r>
+          </a:p>
+          <a:p>
+            <a:pPr algn="l"/>
+            <a:r>
+              <a:rPr lang="en-CA" dirty="0"/>
+              <a:t>Requirements: Gas sensor, alarm system, Micro-controller.</a:t>
+            </a:r>
+          </a:p>
+        </p:txBody>
+      </p:sp>
+    </p:spTree>
+    <p:extLst>
+      <p:ext uri="{BB962C8B-B14F-4D97-AF65-F5344CB8AC3E}">
+        <p14:creationId xmlns:p14="http://schemas.microsoft.com/office/powerpoint/2010/main" val="3920897765"/>
+      </p:ext>
+    </p:extLst>
+  </p:cSld>
+  <p:clrMapOvr>
+    <a:masterClrMapping/>
+  </p:clrMapOvr>
+</p:sld>
+</file>
+
+<file path=ppt/slides/slide12.xml><?xml version="1.0" encoding="utf-8"?>
+<p:sld xmlns:a="http://schemas.openxmlformats.org/drawingml/2006/main" xmlns:r="http://schemas.openxmlformats.org/officeDocument/2006/relationships" xmlns:p="http://schemas.openxmlformats.org/presentationml/2006/main">
+  <p:cSld>
+    <p:spTree>
+      <p:nvGrpSpPr>
+        <p:cNvPr id="1" name=""/>
+        <p:cNvGrpSpPr/>
+        <p:nvPr/>
+      </p:nvGrpSpPr>
+      <p:grpSpPr>
+        <a:xfrm>
+          <a:off x="0" y="0"/>
+          <a:ext cx="0" cy="0"/>
+          <a:chOff x="0" y="0"/>
+          <a:chExt cx="0" cy="0"/>
+        </a:xfrm>
+      </p:grpSpPr>
+      <p:sp>
+        <p:nvSpPr>
+          <p:cNvPr id="2" name="Title 1">
+            <a:extLst>
+              <a:ext uri="{FF2B5EF4-FFF2-40B4-BE49-F238E27FC236}">
+                <a16:creationId xmlns:a16="http://schemas.microsoft.com/office/drawing/2014/main" id="{0CB25684-7F5B-420E-8932-77E78167E4E0}"/>
+              </a:ext>
+            </a:extLst>
+          </p:cNvPr>
+          <p:cNvSpPr>
+            <a:spLocks noGrp="1"/>
+          </p:cNvSpPr>
+          <p:nvPr>
+            <p:ph type="title"/>
+          </p:nvPr>
+        </p:nvSpPr>
+        <p:spPr>
+          <a:xfrm>
+            <a:off x="498074" y="344580"/>
+            <a:ext cx="310719" cy="6168839"/>
+          </a:xfrm>
+        </p:spPr>
+        <p:txBody>
+          <a:bodyPr vert="vert270">
+            <a:noAutofit/>
+          </a:bodyPr>
+          <a:lstStyle/>
+          <a:p>
+            <a:pPr algn="ctr"/>
+            <a:r>
+              <a:rPr lang="de-DE" sz="3600" dirty="0">
+                <a:latin typeface="Adobe Heiti Std R" panose="020B0400000000000000" pitchFamily="34" charset="-128"/>
+                <a:ea typeface="Adobe Heiti Std R" panose="020B0400000000000000" pitchFamily="34" charset="-128"/>
+              </a:rPr>
+              <a:t>Sequence Diagram</a:t>
+            </a:r>
+          </a:p>
+        </p:txBody>
+      </p:sp>
+      <p:pic>
+        <p:nvPicPr>
+          <p:cNvPr id="4" name="Picture 3" descr="Diagram&#10;&#10;Description automatically generated">
+            <a:extLst>
+              <a:ext uri="{FF2B5EF4-FFF2-40B4-BE49-F238E27FC236}">
+                <a16:creationId xmlns:a16="http://schemas.microsoft.com/office/drawing/2014/main" id="{C7988A35-81A7-4670-975C-37904E605542}"/>
+              </a:ext>
+            </a:extLst>
+          </p:cNvPr>
+          <p:cNvPicPr>
+            <a:picLocks noChangeAspect="1"/>
+          </p:cNvPicPr>
+          <p:nvPr/>
+        </p:nvPicPr>
+        <p:blipFill>
+          <a:blip r:embed="rId2">
+            <a:extLst>
+              <a:ext uri="{28A0092B-C50C-407E-A947-70E740481C1C}">
+                <a14:useLocalDpi xmlns:a14="http://schemas.microsoft.com/office/drawing/2010/main" val="0"/>
+              </a:ext>
+            </a:extLst>
+          </a:blip>
+          <a:stretch>
+            <a:fillRect/>
+          </a:stretch>
+        </p:blipFill>
+        <p:spPr>
+          <a:xfrm>
+            <a:off x="1038224" y="1238250"/>
+            <a:ext cx="11148289" cy="4010025"/>
+          </a:xfrm>
+          <a:prstGeom prst="rect">
+            <a:avLst/>
+          </a:prstGeom>
+        </p:spPr>
+      </p:pic>
+    </p:spTree>
+    <p:extLst>
+      <p:ext uri="{BB962C8B-B14F-4D97-AF65-F5344CB8AC3E}">
+        <p14:creationId xmlns:p14="http://schemas.microsoft.com/office/powerpoint/2010/main" val="3303612992"/>
+      </p:ext>
+    </p:extLst>
+  </p:cSld>
+  <p:clrMapOvr>
+    <a:masterClrMapping/>
+  </p:clrMapOvr>
+</p:sld>
+</file>
+
+<file path=ppt/slides/slide13.xml><?xml version="1.0" encoding="utf-8"?>
+<p:sld xmlns:a="http://schemas.openxmlformats.org/drawingml/2006/main" xmlns:r="http://schemas.openxmlformats.org/officeDocument/2006/relationships" xmlns:p="http://schemas.openxmlformats.org/presentationml/2006/main">
+  <p:cSld>
+    <p:spTree>
+      <p:nvGrpSpPr>
+        <p:cNvPr id="1" name=""/>
+        <p:cNvGrpSpPr/>
+        <p:nvPr/>
+      </p:nvGrpSpPr>
+      <p:grpSpPr>
+        <a:xfrm>
+          <a:off x="0" y="0"/>
+          <a:ext cx="0" cy="0"/>
+          <a:chOff x="0" y="0"/>
+          <a:chExt cx="0" cy="0"/>
+        </a:xfrm>
+      </p:grpSpPr>
+      <p:sp>
+        <p:nvSpPr>
+          <p:cNvPr id="2" name="Title 1">
+            <a:extLst>
+              <a:ext uri="{FF2B5EF4-FFF2-40B4-BE49-F238E27FC236}">
+                <a16:creationId xmlns:a16="http://schemas.microsoft.com/office/drawing/2014/main" id="{0CB25684-7F5B-420E-8932-77E78167E4E0}"/>
+              </a:ext>
+            </a:extLst>
+          </p:cNvPr>
+          <p:cNvSpPr>
+            <a:spLocks noGrp="1"/>
+          </p:cNvSpPr>
+          <p:nvPr>
+            <p:ph type="title"/>
+          </p:nvPr>
+        </p:nvSpPr>
+        <p:spPr>
+          <a:xfrm>
+            <a:off x="745724" y="365125"/>
+            <a:ext cx="310719" cy="6168839"/>
+          </a:xfrm>
+        </p:spPr>
+        <p:txBody>
+          <a:bodyPr vert="vert270">
+            <a:noAutofit/>
+          </a:bodyPr>
+          <a:lstStyle/>
+          <a:p>
+            <a:pPr algn="ctr"/>
+            <a:r>
+              <a:rPr lang="de-DE" sz="3600" dirty="0">
+                <a:latin typeface="Adobe Heiti Std R" panose="020B0400000000000000" pitchFamily="34" charset="-128"/>
+                <a:ea typeface="Adobe Heiti Std R" panose="020B0400000000000000" pitchFamily="34" charset="-128"/>
+              </a:rPr>
+              <a:t>Activity Diagram</a:t>
+            </a:r>
+          </a:p>
+        </p:txBody>
+      </p:sp>
+      <p:pic>
+        <p:nvPicPr>
+          <p:cNvPr id="5" name="Picture 4">
+            <a:extLst>
+              <a:ext uri="{FF2B5EF4-FFF2-40B4-BE49-F238E27FC236}">
+                <a16:creationId xmlns:a16="http://schemas.microsoft.com/office/drawing/2014/main" id="{2E9E0CEF-80F4-4359-9EEE-2494A8C020E8}"/>
+              </a:ext>
+            </a:extLst>
+          </p:cNvPr>
+          <p:cNvPicPr>
+            <a:picLocks noChangeAspect="1"/>
+          </p:cNvPicPr>
+          <p:nvPr/>
+        </p:nvPicPr>
+        <p:blipFill>
+          <a:blip r:embed="rId2">
+            <a:extLst>
+              <a:ext uri="{28A0092B-C50C-407E-A947-70E740481C1C}">
+                <a14:useLocalDpi xmlns:a14="http://schemas.microsoft.com/office/drawing/2010/main" val="0"/>
+              </a:ext>
+            </a:extLst>
+          </a:blip>
+          <a:stretch>
+            <a:fillRect/>
+          </a:stretch>
+        </p:blipFill>
+        <p:spPr>
+          <a:xfrm>
+            <a:off x="4010025" y="247650"/>
+            <a:ext cx="4171950" cy="6362700"/>
+          </a:xfrm>
+          <a:prstGeom prst="rect">
+            <a:avLst/>
+          </a:prstGeom>
+        </p:spPr>
+      </p:pic>
+    </p:spTree>
+    <p:extLst>
+      <p:ext uri="{BB962C8B-B14F-4D97-AF65-F5344CB8AC3E}">
+        <p14:creationId xmlns:p14="http://schemas.microsoft.com/office/powerpoint/2010/main" val="1993867761"/>
+      </p:ext>
+    </p:extLst>
+  </p:cSld>
+  <p:clrMapOvr>
+    <a:masterClrMapping/>
+  </p:clrMapOvr>
+</p:sld>
+</file>
+
+<file path=ppt/slides/slide14.xml><?xml version="1.0" encoding="utf-8"?>
+<p:sld xmlns:a="http://schemas.openxmlformats.org/drawingml/2006/main" xmlns:r="http://schemas.openxmlformats.org/officeDocument/2006/relationships" xmlns:p="http://schemas.openxmlformats.org/presentationml/2006/main">
+  <p:cSld>
+    <p:spTree>
+      <p:nvGrpSpPr>
+        <p:cNvPr id="1" name=""/>
+        <p:cNvGrpSpPr/>
+        <p:nvPr/>
+      </p:nvGrpSpPr>
+      <p:grpSpPr>
+        <a:xfrm>
+          <a:off x="0" y="0"/>
+          <a:ext cx="0" cy="0"/>
+          <a:chOff x="0" y="0"/>
+          <a:chExt cx="0" cy="0"/>
+        </a:xfrm>
+      </p:grpSpPr>
+      <p:sp>
+        <p:nvSpPr>
+          <p:cNvPr id="2" name="Title 1">
+            <a:extLst>
+              <a:ext uri="{FF2B5EF4-FFF2-40B4-BE49-F238E27FC236}">
                 <a16:creationId xmlns:a16="http://schemas.microsoft.com/office/drawing/2014/main" id="{B26FE6E7-74C9-4EB6-9EF1-B4B538DCF0A3}"/>
               </a:ext>
             </a:extLst>
@@ -6841,7 +10474,7 @@
 </p:sld>
 </file>
 
-<file path=ppt/slides/slide11.xml><?xml version="1.0" encoding="utf-8"?>
+<file path=ppt/slides/slide15.xml><?xml version="1.0" encoding="utf-8"?>
 <p:sld xmlns:a="http://schemas.openxmlformats.org/drawingml/2006/main" xmlns:r="http://schemas.openxmlformats.org/officeDocument/2006/relationships" xmlns:p="http://schemas.openxmlformats.org/presentationml/2006/main">
   <p:cSld>
     <p:spTree>
@@ -6946,7 +10579,7 @@
 </p:sld>
 </file>
 
-<file path=ppt/slides/slide12.xml><?xml version="1.0" encoding="utf-8"?>
+<file path=ppt/slides/slide16.xml><?xml version="1.0" encoding="utf-8"?>
 <p:sld xmlns:a="http://schemas.openxmlformats.org/drawingml/2006/main" xmlns:r="http://schemas.openxmlformats.org/officeDocument/2006/relationships" xmlns:p="http://schemas.openxmlformats.org/presentationml/2006/main">
   <p:cSld>
     <p:spTree>
@@ -7051,7 +10684,7 @@
 </p:sld>
 </file>
 
-<file path=ppt/slides/slide13.xml><?xml version="1.0" encoding="utf-8"?>
+<file path=ppt/slides/slide17.xml><?xml version="1.0" encoding="utf-8"?>
 <p:sld xmlns:a="http://schemas.openxmlformats.org/drawingml/2006/main" xmlns:r="http://schemas.openxmlformats.org/officeDocument/2006/relationships" xmlns:p="http://schemas.openxmlformats.org/presentationml/2006/main">
   <p:cSld>
     <p:spTree>
@@ -7169,7 +10802,7 @@
 </p:sld>
 </file>
 
-<file path=ppt/slides/slide14.xml><?xml version="1.0" encoding="utf-8"?>
+<file path=ppt/slides/slide18.xml><?xml version="1.0" encoding="utf-8"?>
 <p:sld xmlns:a="http://schemas.openxmlformats.org/drawingml/2006/main" xmlns:r="http://schemas.openxmlformats.org/officeDocument/2006/relationships" xmlns:p="http://schemas.openxmlformats.org/presentationml/2006/main">
   <p:cSld>
     <p:spTree>
@@ -7274,7 +10907,7 @@
 </p:sld>
 </file>
 
-<file path=ppt/slides/slide15.xml><?xml version="1.0" encoding="utf-8"?>
+<file path=ppt/slides/slide19.xml><?xml version="1.0" encoding="utf-8"?>
 <p:sld xmlns:a="http://schemas.openxmlformats.org/drawingml/2006/main" xmlns:r="http://schemas.openxmlformats.org/officeDocument/2006/relationships" xmlns:p="http://schemas.openxmlformats.org/presentationml/2006/main">
   <p:cSld>
     <p:spTree>
@@ -7370,428 +11003,6 @@
     <p:extLst>
       <p:ext uri="{BB962C8B-B14F-4D97-AF65-F5344CB8AC3E}">
         <p14:creationId xmlns:p14="http://schemas.microsoft.com/office/powerpoint/2010/main" val="3652634797"/>
-      </p:ext>
-    </p:extLst>
-  </p:cSld>
-  <p:clrMapOvr>
-    <a:masterClrMapping/>
-  </p:clrMapOvr>
-</p:sld>
-</file>
-
-<file path=ppt/slides/slide16.xml><?xml version="1.0" encoding="utf-8"?>
-<p:sld xmlns:a="http://schemas.openxmlformats.org/drawingml/2006/main" xmlns:r="http://schemas.openxmlformats.org/officeDocument/2006/relationships" xmlns:p="http://schemas.openxmlformats.org/presentationml/2006/main">
-  <p:cSld>
-    <p:spTree>
-      <p:nvGrpSpPr>
-        <p:cNvPr id="1" name=""/>
-        <p:cNvGrpSpPr/>
-        <p:nvPr/>
-      </p:nvGrpSpPr>
-      <p:grpSpPr>
-        <a:xfrm>
-          <a:off x="0" y="0"/>
-          <a:ext cx="0" cy="0"/>
-          <a:chOff x="0" y="0"/>
-          <a:chExt cx="0" cy="0"/>
-        </a:xfrm>
-      </p:grpSpPr>
-      <p:sp>
-        <p:nvSpPr>
-          <p:cNvPr id="2" name="Title 1">
-            <a:extLst>
-              <a:ext uri="{FF2B5EF4-FFF2-40B4-BE49-F238E27FC236}">
-                <a16:creationId xmlns:a16="http://schemas.microsoft.com/office/drawing/2014/main" id="{B26FE6E7-74C9-4EB6-9EF1-B4B538DCF0A3}"/>
-              </a:ext>
-            </a:extLst>
-          </p:cNvPr>
-          <p:cNvSpPr>
-            <a:spLocks noGrp="1"/>
-          </p:cNvSpPr>
-          <p:nvPr>
-            <p:ph type="ctrTitle"/>
-          </p:nvPr>
-        </p:nvSpPr>
-        <p:spPr>
-          <a:xfrm>
-            <a:off x="1230217" y="1284936"/>
-            <a:ext cx="4865783" cy="673386"/>
-          </a:xfrm>
-        </p:spPr>
-        <p:txBody>
-          <a:bodyPr>
-            <a:noAutofit/>
-          </a:bodyPr>
-          <a:lstStyle/>
-          <a:p>
-            <a:pPr algn="l"/>
-            <a:r>
-              <a:rPr lang="en-CA" sz="3200" b="1" i="1" u="sng" dirty="0"/>
-              <a:t>Lightning Rods:</a:t>
-            </a:r>
-            <a:endParaRPr lang="en-CA" sz="3200" dirty="0"/>
-          </a:p>
-        </p:txBody>
-      </p:sp>
-      <p:sp>
-        <p:nvSpPr>
-          <p:cNvPr id="3" name="Subtitle 2">
-            <a:extLst>
-              <a:ext uri="{FF2B5EF4-FFF2-40B4-BE49-F238E27FC236}">
-                <a16:creationId xmlns:a16="http://schemas.microsoft.com/office/drawing/2014/main" id="{3FABB114-EE08-46B1-A821-37340EF7E44D}"/>
-              </a:ext>
-            </a:extLst>
-          </p:cNvPr>
-          <p:cNvSpPr>
-            <a:spLocks noGrp="1"/>
-          </p:cNvSpPr>
-          <p:nvPr>
-            <p:ph type="subTitle" idx="1"/>
-          </p:nvPr>
-        </p:nvSpPr>
-        <p:spPr>
-          <a:xfrm>
-            <a:off x="1230217" y="2205346"/>
-            <a:ext cx="9144000" cy="3602068"/>
-          </a:xfrm>
-        </p:spPr>
-        <p:txBody>
-          <a:bodyPr>
-            <a:normAutofit/>
-          </a:bodyPr>
-          <a:lstStyle/>
-          <a:p>
-            <a:pPr algn="l"/>
-            <a:r>
-              <a:rPr lang="en-CA" dirty="0"/>
-              <a:t>Lightnings are a common phenomenon in our region. In fact, very few houses have precautions to this. So as a precaution, we can use lightning rods to direct the lightning to the ground. So, the smart system can activate the lightning rod, when it can foresee thunderstorms.</a:t>
-            </a:r>
-            <a:br>
-              <a:rPr lang="en-CA" dirty="0"/>
-            </a:br>
-            <a:br>
-              <a:rPr lang="en-CA" dirty="0"/>
-            </a:br>
-            <a:r>
-              <a:rPr lang="en-CA" dirty="0"/>
-              <a:t>Requirements: Smart ESE lightning rod (ESE28)</a:t>
-            </a:r>
-          </a:p>
-        </p:txBody>
-      </p:sp>
-    </p:spTree>
-    <p:extLst>
-      <p:ext uri="{BB962C8B-B14F-4D97-AF65-F5344CB8AC3E}">
-        <p14:creationId xmlns:p14="http://schemas.microsoft.com/office/powerpoint/2010/main" val="2425279065"/>
-      </p:ext>
-    </p:extLst>
-  </p:cSld>
-  <p:clrMapOvr>
-    <a:masterClrMapping/>
-  </p:clrMapOvr>
-</p:sld>
-</file>
-
-<file path=ppt/slides/slide17.xml><?xml version="1.0" encoding="utf-8"?>
-<p:sld xmlns:a="http://schemas.openxmlformats.org/drawingml/2006/main" xmlns:r="http://schemas.openxmlformats.org/officeDocument/2006/relationships" xmlns:p="http://schemas.openxmlformats.org/presentationml/2006/main">
-  <p:cSld>
-    <p:spTree>
-      <p:nvGrpSpPr>
-        <p:cNvPr id="1" name=""/>
-        <p:cNvGrpSpPr/>
-        <p:nvPr/>
-      </p:nvGrpSpPr>
-      <p:grpSpPr>
-        <a:xfrm>
-          <a:off x="0" y="0"/>
-          <a:ext cx="0" cy="0"/>
-          <a:chOff x="0" y="0"/>
-          <a:chExt cx="0" cy="0"/>
-        </a:xfrm>
-      </p:grpSpPr>
-      <p:sp>
-        <p:nvSpPr>
-          <p:cNvPr id="2" name="Title 1">
-            <a:extLst>
-              <a:ext uri="{FF2B5EF4-FFF2-40B4-BE49-F238E27FC236}">
-                <a16:creationId xmlns:a16="http://schemas.microsoft.com/office/drawing/2014/main" id="{0CB25684-7F5B-420E-8932-77E78167E4E0}"/>
-              </a:ext>
-            </a:extLst>
-          </p:cNvPr>
-          <p:cNvSpPr>
-            <a:spLocks noGrp="1"/>
-          </p:cNvSpPr>
-          <p:nvPr>
-            <p:ph type="title"/>
-          </p:nvPr>
-        </p:nvSpPr>
-        <p:spPr>
-          <a:xfrm>
-            <a:off x="498074" y="344580"/>
-            <a:ext cx="310719" cy="6168839"/>
-          </a:xfrm>
-        </p:spPr>
-        <p:txBody>
-          <a:bodyPr vert="vert270">
-            <a:noAutofit/>
-          </a:bodyPr>
-          <a:lstStyle/>
-          <a:p>
-            <a:pPr algn="ctr"/>
-            <a:r>
-              <a:rPr lang="de-DE" sz="3600" dirty="0">
-                <a:latin typeface="Adobe Heiti Std R" panose="020B0400000000000000" pitchFamily="34" charset="-128"/>
-                <a:ea typeface="Adobe Heiti Std R" panose="020B0400000000000000" pitchFamily="34" charset="-128"/>
-              </a:rPr>
-              <a:t>Sequence Diagram</a:t>
-            </a:r>
-          </a:p>
-        </p:txBody>
-      </p:sp>
-      <p:pic>
-        <p:nvPicPr>
-          <p:cNvPr id="5" name="Picture 4" descr="Chart, diagram, box and whisker chart&#10;&#10;Description automatically generated">
-            <a:extLst>
-              <a:ext uri="{FF2B5EF4-FFF2-40B4-BE49-F238E27FC236}">
-                <a16:creationId xmlns:a16="http://schemas.microsoft.com/office/drawing/2014/main" id="{D8972961-E0F8-4903-994F-1FF4C1CE6223}"/>
-              </a:ext>
-            </a:extLst>
-          </p:cNvPr>
-          <p:cNvPicPr>
-            <a:picLocks noChangeAspect="1"/>
-          </p:cNvPicPr>
-          <p:nvPr/>
-        </p:nvPicPr>
-        <p:blipFill>
-          <a:blip r:embed="rId2">
-            <a:extLst>
-              <a:ext uri="{28A0092B-C50C-407E-A947-70E740481C1C}">
-                <a14:useLocalDpi xmlns:a14="http://schemas.microsoft.com/office/drawing/2010/main" val="0"/>
-              </a:ext>
-            </a:extLst>
-          </a:blip>
-          <a:stretch>
-            <a:fillRect/>
-          </a:stretch>
-        </p:blipFill>
-        <p:spPr>
-          <a:xfrm>
-            <a:off x="1500187" y="441658"/>
-            <a:ext cx="9386888" cy="5974681"/>
-          </a:xfrm>
-          <a:prstGeom prst="rect">
-            <a:avLst/>
-          </a:prstGeom>
-        </p:spPr>
-      </p:pic>
-    </p:spTree>
-    <p:extLst>
-      <p:ext uri="{BB962C8B-B14F-4D97-AF65-F5344CB8AC3E}">
-        <p14:creationId xmlns:p14="http://schemas.microsoft.com/office/powerpoint/2010/main" val="2334914832"/>
-      </p:ext>
-    </p:extLst>
-  </p:cSld>
-  <p:clrMapOvr>
-    <a:masterClrMapping/>
-  </p:clrMapOvr>
-</p:sld>
-</file>
-
-<file path=ppt/slides/slide18.xml><?xml version="1.0" encoding="utf-8"?>
-<p:sld xmlns:a="http://schemas.openxmlformats.org/drawingml/2006/main" xmlns:r="http://schemas.openxmlformats.org/officeDocument/2006/relationships" xmlns:p="http://schemas.openxmlformats.org/presentationml/2006/main">
-  <p:cSld>
-    <p:spTree>
-      <p:nvGrpSpPr>
-        <p:cNvPr id="1" name=""/>
-        <p:cNvGrpSpPr/>
-        <p:nvPr/>
-      </p:nvGrpSpPr>
-      <p:grpSpPr>
-        <a:xfrm>
-          <a:off x="0" y="0"/>
-          <a:ext cx="0" cy="0"/>
-          <a:chOff x="0" y="0"/>
-          <a:chExt cx="0" cy="0"/>
-        </a:xfrm>
-      </p:grpSpPr>
-      <p:sp>
-        <p:nvSpPr>
-          <p:cNvPr id="2" name="Title 1">
-            <a:extLst>
-              <a:ext uri="{FF2B5EF4-FFF2-40B4-BE49-F238E27FC236}">
-                <a16:creationId xmlns:a16="http://schemas.microsoft.com/office/drawing/2014/main" id="{0CB25684-7F5B-420E-8932-77E78167E4E0}"/>
-              </a:ext>
-            </a:extLst>
-          </p:cNvPr>
-          <p:cNvSpPr>
-            <a:spLocks noGrp="1"/>
-          </p:cNvSpPr>
-          <p:nvPr>
-            <p:ph type="title"/>
-          </p:nvPr>
-        </p:nvSpPr>
-        <p:spPr>
-          <a:xfrm>
-            <a:off x="745724" y="365125"/>
-            <a:ext cx="310719" cy="6168839"/>
-          </a:xfrm>
-        </p:spPr>
-        <p:txBody>
-          <a:bodyPr vert="vert270">
-            <a:noAutofit/>
-          </a:bodyPr>
-          <a:lstStyle/>
-          <a:p>
-            <a:pPr algn="ctr"/>
-            <a:r>
-              <a:rPr lang="de-DE" sz="3600" dirty="0">
-                <a:latin typeface="Adobe Heiti Std R" panose="020B0400000000000000" pitchFamily="34" charset="-128"/>
-                <a:ea typeface="Adobe Heiti Std R" panose="020B0400000000000000" pitchFamily="34" charset="-128"/>
-              </a:rPr>
-              <a:t>Activity Diagram</a:t>
-            </a:r>
-          </a:p>
-        </p:txBody>
-      </p:sp>
-      <p:pic>
-        <p:nvPicPr>
-          <p:cNvPr id="4" name="Picture 3">
-            <a:extLst>
-              <a:ext uri="{FF2B5EF4-FFF2-40B4-BE49-F238E27FC236}">
-                <a16:creationId xmlns:a16="http://schemas.microsoft.com/office/drawing/2014/main" id="{838D4DCA-8788-4B7C-B118-D351AB12A0E9}"/>
-              </a:ext>
-            </a:extLst>
-          </p:cNvPr>
-          <p:cNvPicPr>
-            <a:picLocks noChangeAspect="1"/>
-          </p:cNvPicPr>
-          <p:nvPr/>
-        </p:nvPicPr>
-        <p:blipFill>
-          <a:blip r:embed="rId2">
-            <a:extLst>
-              <a:ext uri="{28A0092B-C50C-407E-A947-70E740481C1C}">
-                <a14:useLocalDpi xmlns:a14="http://schemas.microsoft.com/office/drawing/2010/main" val="0"/>
-              </a:ext>
-            </a:extLst>
-          </a:blip>
-          <a:stretch>
-            <a:fillRect/>
-          </a:stretch>
-        </p:blipFill>
-        <p:spPr>
-          <a:xfrm>
-            <a:off x="3071812" y="280987"/>
-            <a:ext cx="6048375" cy="6296025"/>
-          </a:xfrm>
-          <a:prstGeom prst="rect">
-            <a:avLst/>
-          </a:prstGeom>
-        </p:spPr>
-      </p:pic>
-    </p:spTree>
-    <p:extLst>
-      <p:ext uri="{BB962C8B-B14F-4D97-AF65-F5344CB8AC3E}">
-        <p14:creationId xmlns:p14="http://schemas.microsoft.com/office/powerpoint/2010/main" val="4215903565"/>
-      </p:ext>
-    </p:extLst>
-  </p:cSld>
-  <p:clrMapOvr>
-    <a:masterClrMapping/>
-  </p:clrMapOvr>
-</p:sld>
-</file>
-
-<file path=ppt/slides/slide19.xml><?xml version="1.0" encoding="utf-8"?>
-<p:sld xmlns:a="http://schemas.openxmlformats.org/drawingml/2006/main" xmlns:r="http://schemas.openxmlformats.org/officeDocument/2006/relationships" xmlns:p="http://schemas.openxmlformats.org/presentationml/2006/main">
-  <p:cSld>
-    <p:spTree>
-      <p:nvGrpSpPr>
-        <p:cNvPr id="1" name=""/>
-        <p:cNvGrpSpPr/>
-        <p:nvPr/>
-      </p:nvGrpSpPr>
-      <p:grpSpPr>
-        <a:xfrm>
-          <a:off x="0" y="0"/>
-          <a:ext cx="0" cy="0"/>
-          <a:chOff x="0" y="0"/>
-          <a:chExt cx="0" cy="0"/>
-        </a:xfrm>
-      </p:grpSpPr>
-      <p:sp>
-        <p:nvSpPr>
-          <p:cNvPr id="2" name="Title 1">
-            <a:extLst>
-              <a:ext uri="{FF2B5EF4-FFF2-40B4-BE49-F238E27FC236}">
-                <a16:creationId xmlns:a16="http://schemas.microsoft.com/office/drawing/2014/main" id="{D863B09D-0EB0-46D9-A1DD-2F77EE03AC64}"/>
-              </a:ext>
-            </a:extLst>
-          </p:cNvPr>
-          <p:cNvSpPr>
-            <a:spLocks noGrp="1"/>
-          </p:cNvSpPr>
-          <p:nvPr>
-            <p:ph type="title"/>
-          </p:nvPr>
-        </p:nvSpPr>
-        <p:spPr>
-          <a:xfrm>
-            <a:off x="945204" y="2339840"/>
-            <a:ext cx="10515600" cy="2170016"/>
-          </a:xfrm>
-        </p:spPr>
-        <p:txBody>
-          <a:bodyPr>
-            <a:normAutofit/>
-          </a:bodyPr>
-          <a:lstStyle/>
-          <a:p>
-            <a:pPr algn="ctr"/>
-            <a:r>
-              <a:rPr lang="de-DE" sz="4800" dirty="0">
-                <a:latin typeface="Adobe Heiti Std R" panose="020B0400000000000000" pitchFamily="34" charset="-128"/>
-                <a:ea typeface="Adobe Heiti Std R" panose="020B0400000000000000" pitchFamily="34" charset="-128"/>
-              </a:rPr>
-              <a:t>Class Diagram</a:t>
-            </a:r>
-            <a:br>
-              <a:rPr lang="de-DE" sz="4800" dirty="0">
-                <a:latin typeface="Adobe Heiti Std R" panose="020B0400000000000000" pitchFamily="34" charset="-128"/>
-                <a:ea typeface="Adobe Heiti Std R" panose="020B0400000000000000" pitchFamily="34" charset="-128"/>
-              </a:rPr>
-            </a:br>
-            <a:r>
-              <a:rPr lang="de-DE" sz="4800" dirty="0">
-                <a:latin typeface="Adobe Heiti Std R" panose="020B0400000000000000" pitchFamily="34" charset="-128"/>
-                <a:ea typeface="Adobe Heiti Std R" panose="020B0400000000000000" pitchFamily="34" charset="-128"/>
-              </a:rPr>
-              <a:t>For</a:t>
-            </a:r>
-            <a:br>
-              <a:rPr lang="de-DE" sz="4800" dirty="0">
-                <a:latin typeface="Adobe Heiti Std R" panose="020B0400000000000000" pitchFamily="34" charset="-128"/>
-                <a:ea typeface="Adobe Heiti Std R" panose="020B0400000000000000" pitchFamily="34" charset="-128"/>
-              </a:rPr>
-            </a:br>
-            <a:r>
-              <a:rPr lang="de-DE" sz="4800" dirty="0">
-                <a:latin typeface="Adobe Heiti Std R" panose="020B0400000000000000" pitchFamily="34" charset="-128"/>
-                <a:ea typeface="Adobe Heiti Std R" panose="020B0400000000000000" pitchFamily="34" charset="-128"/>
-              </a:rPr>
-              <a:t>Smart Home System</a:t>
-            </a:r>
-            <a:endParaRPr lang="en-CA" sz="4800" dirty="0">
-              <a:latin typeface="Adobe Heiti Std R" panose="020B0400000000000000" pitchFamily="34" charset="-128"/>
-              <a:ea typeface="Adobe Heiti Std R" panose="020B0400000000000000" pitchFamily="34" charset="-128"/>
-            </a:endParaRPr>
-          </a:p>
-        </p:txBody>
-      </p:sp>
-    </p:spTree>
-    <p:extLst>
-      <p:ext uri="{BB962C8B-B14F-4D97-AF65-F5344CB8AC3E}">
-        <p14:creationId xmlns:p14="http://schemas.microsoft.com/office/powerpoint/2010/main" val="2527919424"/>
       </p:ext>
     </p:extLst>
   </p:cSld>
@@ -7965,6 +11176,428 @@
           <a:chExt cx="0" cy="0"/>
         </a:xfrm>
       </p:grpSpPr>
+      <p:sp>
+        <p:nvSpPr>
+          <p:cNvPr id="2" name="Title 1">
+            <a:extLst>
+              <a:ext uri="{FF2B5EF4-FFF2-40B4-BE49-F238E27FC236}">
+                <a16:creationId xmlns:a16="http://schemas.microsoft.com/office/drawing/2014/main" id="{B26FE6E7-74C9-4EB6-9EF1-B4B538DCF0A3}"/>
+              </a:ext>
+            </a:extLst>
+          </p:cNvPr>
+          <p:cNvSpPr>
+            <a:spLocks noGrp="1"/>
+          </p:cNvSpPr>
+          <p:nvPr>
+            <p:ph type="ctrTitle"/>
+          </p:nvPr>
+        </p:nvSpPr>
+        <p:spPr>
+          <a:xfrm>
+            <a:off x="1230217" y="1284936"/>
+            <a:ext cx="4865783" cy="673386"/>
+          </a:xfrm>
+        </p:spPr>
+        <p:txBody>
+          <a:bodyPr>
+            <a:noAutofit/>
+          </a:bodyPr>
+          <a:lstStyle/>
+          <a:p>
+            <a:pPr algn="l"/>
+            <a:r>
+              <a:rPr lang="en-CA" sz="3200" b="1" i="1" u="sng" dirty="0"/>
+              <a:t>Lightning Rods:</a:t>
+            </a:r>
+            <a:endParaRPr lang="en-CA" sz="3200" dirty="0"/>
+          </a:p>
+        </p:txBody>
+      </p:sp>
+      <p:sp>
+        <p:nvSpPr>
+          <p:cNvPr id="3" name="Subtitle 2">
+            <a:extLst>
+              <a:ext uri="{FF2B5EF4-FFF2-40B4-BE49-F238E27FC236}">
+                <a16:creationId xmlns:a16="http://schemas.microsoft.com/office/drawing/2014/main" id="{3FABB114-EE08-46B1-A821-37340EF7E44D}"/>
+              </a:ext>
+            </a:extLst>
+          </p:cNvPr>
+          <p:cNvSpPr>
+            <a:spLocks noGrp="1"/>
+          </p:cNvSpPr>
+          <p:nvPr>
+            <p:ph type="subTitle" idx="1"/>
+          </p:nvPr>
+        </p:nvSpPr>
+        <p:spPr>
+          <a:xfrm>
+            <a:off x="1230217" y="2205346"/>
+            <a:ext cx="9144000" cy="3602068"/>
+          </a:xfrm>
+        </p:spPr>
+        <p:txBody>
+          <a:bodyPr>
+            <a:normAutofit/>
+          </a:bodyPr>
+          <a:lstStyle/>
+          <a:p>
+            <a:pPr algn="l"/>
+            <a:r>
+              <a:rPr lang="en-CA" dirty="0"/>
+              <a:t>Lightnings are a common phenomenon in our region. In fact, very few houses have precautions to this. So as a precaution, we can use lightning rods to direct the lightning to the ground. So, the smart system can activate the lightning rod, when it can foresee thunderstorms.</a:t>
+            </a:r>
+            <a:br>
+              <a:rPr lang="en-CA" dirty="0"/>
+            </a:br>
+            <a:br>
+              <a:rPr lang="en-CA" dirty="0"/>
+            </a:br>
+            <a:r>
+              <a:rPr lang="en-CA" dirty="0"/>
+              <a:t>Requirements: Smart ESE lightning rod (ESE28)</a:t>
+            </a:r>
+          </a:p>
+        </p:txBody>
+      </p:sp>
+    </p:spTree>
+    <p:extLst>
+      <p:ext uri="{BB962C8B-B14F-4D97-AF65-F5344CB8AC3E}">
+        <p14:creationId xmlns:p14="http://schemas.microsoft.com/office/powerpoint/2010/main" val="2425279065"/>
+      </p:ext>
+    </p:extLst>
+  </p:cSld>
+  <p:clrMapOvr>
+    <a:masterClrMapping/>
+  </p:clrMapOvr>
+</p:sld>
+</file>
+
+<file path=ppt/slides/slide21.xml><?xml version="1.0" encoding="utf-8"?>
+<p:sld xmlns:a="http://schemas.openxmlformats.org/drawingml/2006/main" xmlns:r="http://schemas.openxmlformats.org/officeDocument/2006/relationships" xmlns:p="http://schemas.openxmlformats.org/presentationml/2006/main">
+  <p:cSld>
+    <p:spTree>
+      <p:nvGrpSpPr>
+        <p:cNvPr id="1" name=""/>
+        <p:cNvGrpSpPr/>
+        <p:nvPr/>
+      </p:nvGrpSpPr>
+      <p:grpSpPr>
+        <a:xfrm>
+          <a:off x="0" y="0"/>
+          <a:ext cx="0" cy="0"/>
+          <a:chOff x="0" y="0"/>
+          <a:chExt cx="0" cy="0"/>
+        </a:xfrm>
+      </p:grpSpPr>
+      <p:sp>
+        <p:nvSpPr>
+          <p:cNvPr id="2" name="Title 1">
+            <a:extLst>
+              <a:ext uri="{FF2B5EF4-FFF2-40B4-BE49-F238E27FC236}">
+                <a16:creationId xmlns:a16="http://schemas.microsoft.com/office/drawing/2014/main" id="{0CB25684-7F5B-420E-8932-77E78167E4E0}"/>
+              </a:ext>
+            </a:extLst>
+          </p:cNvPr>
+          <p:cNvSpPr>
+            <a:spLocks noGrp="1"/>
+          </p:cNvSpPr>
+          <p:nvPr>
+            <p:ph type="title"/>
+          </p:nvPr>
+        </p:nvSpPr>
+        <p:spPr>
+          <a:xfrm>
+            <a:off x="498074" y="344580"/>
+            <a:ext cx="310719" cy="6168839"/>
+          </a:xfrm>
+        </p:spPr>
+        <p:txBody>
+          <a:bodyPr vert="vert270">
+            <a:noAutofit/>
+          </a:bodyPr>
+          <a:lstStyle/>
+          <a:p>
+            <a:pPr algn="ctr"/>
+            <a:r>
+              <a:rPr lang="de-DE" sz="3600" dirty="0">
+                <a:latin typeface="Adobe Heiti Std R" panose="020B0400000000000000" pitchFamily="34" charset="-128"/>
+                <a:ea typeface="Adobe Heiti Std R" panose="020B0400000000000000" pitchFamily="34" charset="-128"/>
+              </a:rPr>
+              <a:t>Sequence Diagram</a:t>
+            </a:r>
+          </a:p>
+        </p:txBody>
+      </p:sp>
+      <p:pic>
+        <p:nvPicPr>
+          <p:cNvPr id="5" name="Picture 4" descr="Chart, diagram, box and whisker chart&#10;&#10;Description automatically generated">
+            <a:extLst>
+              <a:ext uri="{FF2B5EF4-FFF2-40B4-BE49-F238E27FC236}">
+                <a16:creationId xmlns:a16="http://schemas.microsoft.com/office/drawing/2014/main" id="{D8972961-E0F8-4903-994F-1FF4C1CE6223}"/>
+              </a:ext>
+            </a:extLst>
+          </p:cNvPr>
+          <p:cNvPicPr>
+            <a:picLocks noChangeAspect="1"/>
+          </p:cNvPicPr>
+          <p:nvPr/>
+        </p:nvPicPr>
+        <p:blipFill>
+          <a:blip r:embed="rId2">
+            <a:extLst>
+              <a:ext uri="{28A0092B-C50C-407E-A947-70E740481C1C}">
+                <a14:useLocalDpi xmlns:a14="http://schemas.microsoft.com/office/drawing/2010/main" val="0"/>
+              </a:ext>
+            </a:extLst>
+          </a:blip>
+          <a:stretch>
+            <a:fillRect/>
+          </a:stretch>
+        </p:blipFill>
+        <p:spPr>
+          <a:xfrm>
+            <a:off x="1500187" y="441658"/>
+            <a:ext cx="9386888" cy="5974681"/>
+          </a:xfrm>
+          <a:prstGeom prst="rect">
+            <a:avLst/>
+          </a:prstGeom>
+        </p:spPr>
+      </p:pic>
+    </p:spTree>
+    <p:extLst>
+      <p:ext uri="{BB962C8B-B14F-4D97-AF65-F5344CB8AC3E}">
+        <p14:creationId xmlns:p14="http://schemas.microsoft.com/office/powerpoint/2010/main" val="2334914832"/>
+      </p:ext>
+    </p:extLst>
+  </p:cSld>
+  <p:clrMapOvr>
+    <a:masterClrMapping/>
+  </p:clrMapOvr>
+</p:sld>
+</file>
+
+<file path=ppt/slides/slide22.xml><?xml version="1.0" encoding="utf-8"?>
+<p:sld xmlns:a="http://schemas.openxmlformats.org/drawingml/2006/main" xmlns:r="http://schemas.openxmlformats.org/officeDocument/2006/relationships" xmlns:p="http://schemas.openxmlformats.org/presentationml/2006/main">
+  <p:cSld>
+    <p:spTree>
+      <p:nvGrpSpPr>
+        <p:cNvPr id="1" name=""/>
+        <p:cNvGrpSpPr/>
+        <p:nvPr/>
+      </p:nvGrpSpPr>
+      <p:grpSpPr>
+        <a:xfrm>
+          <a:off x="0" y="0"/>
+          <a:ext cx="0" cy="0"/>
+          <a:chOff x="0" y="0"/>
+          <a:chExt cx="0" cy="0"/>
+        </a:xfrm>
+      </p:grpSpPr>
+      <p:sp>
+        <p:nvSpPr>
+          <p:cNvPr id="2" name="Title 1">
+            <a:extLst>
+              <a:ext uri="{FF2B5EF4-FFF2-40B4-BE49-F238E27FC236}">
+                <a16:creationId xmlns:a16="http://schemas.microsoft.com/office/drawing/2014/main" id="{0CB25684-7F5B-420E-8932-77E78167E4E0}"/>
+              </a:ext>
+            </a:extLst>
+          </p:cNvPr>
+          <p:cNvSpPr>
+            <a:spLocks noGrp="1"/>
+          </p:cNvSpPr>
+          <p:nvPr>
+            <p:ph type="title"/>
+          </p:nvPr>
+        </p:nvSpPr>
+        <p:spPr>
+          <a:xfrm>
+            <a:off x="745724" y="365125"/>
+            <a:ext cx="310719" cy="6168839"/>
+          </a:xfrm>
+        </p:spPr>
+        <p:txBody>
+          <a:bodyPr vert="vert270">
+            <a:noAutofit/>
+          </a:bodyPr>
+          <a:lstStyle/>
+          <a:p>
+            <a:pPr algn="ctr"/>
+            <a:r>
+              <a:rPr lang="de-DE" sz="3600" dirty="0">
+                <a:latin typeface="Adobe Heiti Std R" panose="020B0400000000000000" pitchFamily="34" charset="-128"/>
+                <a:ea typeface="Adobe Heiti Std R" panose="020B0400000000000000" pitchFamily="34" charset="-128"/>
+              </a:rPr>
+              <a:t>Activity Diagram</a:t>
+            </a:r>
+          </a:p>
+        </p:txBody>
+      </p:sp>
+      <p:pic>
+        <p:nvPicPr>
+          <p:cNvPr id="4" name="Picture 3">
+            <a:extLst>
+              <a:ext uri="{FF2B5EF4-FFF2-40B4-BE49-F238E27FC236}">
+                <a16:creationId xmlns:a16="http://schemas.microsoft.com/office/drawing/2014/main" id="{838D4DCA-8788-4B7C-B118-D351AB12A0E9}"/>
+              </a:ext>
+            </a:extLst>
+          </p:cNvPr>
+          <p:cNvPicPr>
+            <a:picLocks noChangeAspect="1"/>
+          </p:cNvPicPr>
+          <p:nvPr/>
+        </p:nvPicPr>
+        <p:blipFill>
+          <a:blip r:embed="rId2">
+            <a:extLst>
+              <a:ext uri="{28A0092B-C50C-407E-A947-70E740481C1C}">
+                <a14:useLocalDpi xmlns:a14="http://schemas.microsoft.com/office/drawing/2010/main" val="0"/>
+              </a:ext>
+            </a:extLst>
+          </a:blip>
+          <a:stretch>
+            <a:fillRect/>
+          </a:stretch>
+        </p:blipFill>
+        <p:spPr>
+          <a:xfrm>
+            <a:off x="3071812" y="280987"/>
+            <a:ext cx="6048375" cy="6296025"/>
+          </a:xfrm>
+          <a:prstGeom prst="rect">
+            <a:avLst/>
+          </a:prstGeom>
+        </p:spPr>
+      </p:pic>
+    </p:spTree>
+    <p:extLst>
+      <p:ext uri="{BB962C8B-B14F-4D97-AF65-F5344CB8AC3E}">
+        <p14:creationId xmlns:p14="http://schemas.microsoft.com/office/powerpoint/2010/main" val="4215903565"/>
+      </p:ext>
+    </p:extLst>
+  </p:cSld>
+  <p:clrMapOvr>
+    <a:masterClrMapping/>
+  </p:clrMapOvr>
+</p:sld>
+</file>
+
+<file path=ppt/slides/slide23.xml><?xml version="1.0" encoding="utf-8"?>
+<p:sld xmlns:a="http://schemas.openxmlformats.org/drawingml/2006/main" xmlns:r="http://schemas.openxmlformats.org/officeDocument/2006/relationships" xmlns:p="http://schemas.openxmlformats.org/presentationml/2006/main">
+  <p:cSld>
+    <p:spTree>
+      <p:nvGrpSpPr>
+        <p:cNvPr id="1" name=""/>
+        <p:cNvGrpSpPr/>
+        <p:nvPr/>
+      </p:nvGrpSpPr>
+      <p:grpSpPr>
+        <a:xfrm>
+          <a:off x="0" y="0"/>
+          <a:ext cx="0" cy="0"/>
+          <a:chOff x="0" y="0"/>
+          <a:chExt cx="0" cy="0"/>
+        </a:xfrm>
+      </p:grpSpPr>
+      <p:sp>
+        <p:nvSpPr>
+          <p:cNvPr id="2" name="Title 1">
+            <a:extLst>
+              <a:ext uri="{FF2B5EF4-FFF2-40B4-BE49-F238E27FC236}">
+                <a16:creationId xmlns:a16="http://schemas.microsoft.com/office/drawing/2014/main" id="{D863B09D-0EB0-46D9-A1DD-2F77EE03AC64}"/>
+              </a:ext>
+            </a:extLst>
+          </p:cNvPr>
+          <p:cNvSpPr>
+            <a:spLocks noGrp="1"/>
+          </p:cNvSpPr>
+          <p:nvPr>
+            <p:ph type="title"/>
+          </p:nvPr>
+        </p:nvSpPr>
+        <p:spPr>
+          <a:xfrm>
+            <a:off x="945204" y="2339840"/>
+            <a:ext cx="10515600" cy="2170016"/>
+          </a:xfrm>
+        </p:spPr>
+        <p:txBody>
+          <a:bodyPr>
+            <a:normAutofit/>
+          </a:bodyPr>
+          <a:lstStyle/>
+          <a:p>
+            <a:pPr algn="ctr"/>
+            <a:r>
+              <a:rPr lang="de-DE" sz="4800" dirty="0">
+                <a:latin typeface="Adobe Heiti Std R" panose="020B0400000000000000" pitchFamily="34" charset="-128"/>
+                <a:ea typeface="Adobe Heiti Std R" panose="020B0400000000000000" pitchFamily="34" charset="-128"/>
+              </a:rPr>
+              <a:t>Class Diagram</a:t>
+            </a:r>
+            <a:br>
+              <a:rPr lang="de-DE" sz="4800" dirty="0">
+                <a:latin typeface="Adobe Heiti Std R" panose="020B0400000000000000" pitchFamily="34" charset="-128"/>
+                <a:ea typeface="Adobe Heiti Std R" panose="020B0400000000000000" pitchFamily="34" charset="-128"/>
+              </a:rPr>
+            </a:br>
+            <a:r>
+              <a:rPr lang="de-DE" sz="4800" dirty="0">
+                <a:latin typeface="Adobe Heiti Std R" panose="020B0400000000000000" pitchFamily="34" charset="-128"/>
+                <a:ea typeface="Adobe Heiti Std R" panose="020B0400000000000000" pitchFamily="34" charset="-128"/>
+              </a:rPr>
+              <a:t>For</a:t>
+            </a:r>
+            <a:br>
+              <a:rPr lang="de-DE" sz="4800" dirty="0">
+                <a:latin typeface="Adobe Heiti Std R" panose="020B0400000000000000" pitchFamily="34" charset="-128"/>
+                <a:ea typeface="Adobe Heiti Std R" panose="020B0400000000000000" pitchFamily="34" charset="-128"/>
+              </a:rPr>
+            </a:br>
+            <a:r>
+              <a:rPr lang="de-DE" sz="4800" dirty="0">
+                <a:latin typeface="Adobe Heiti Std R" panose="020B0400000000000000" pitchFamily="34" charset="-128"/>
+                <a:ea typeface="Adobe Heiti Std R" panose="020B0400000000000000" pitchFamily="34" charset="-128"/>
+              </a:rPr>
+              <a:t>Smart Home System</a:t>
+            </a:r>
+            <a:endParaRPr lang="en-CA" sz="4800" dirty="0">
+              <a:latin typeface="Adobe Heiti Std R" panose="020B0400000000000000" pitchFamily="34" charset="-128"/>
+              <a:ea typeface="Adobe Heiti Std R" panose="020B0400000000000000" pitchFamily="34" charset="-128"/>
+            </a:endParaRPr>
+          </a:p>
+        </p:txBody>
+      </p:sp>
+    </p:spTree>
+    <p:extLst>
+      <p:ext uri="{BB962C8B-B14F-4D97-AF65-F5344CB8AC3E}">
+        <p14:creationId xmlns:p14="http://schemas.microsoft.com/office/powerpoint/2010/main" val="2527919424"/>
+      </p:ext>
+    </p:extLst>
+  </p:cSld>
+  <p:clrMapOvr>
+    <a:masterClrMapping/>
+  </p:clrMapOvr>
+</p:sld>
+</file>
+
+<file path=ppt/slides/slide24.xml><?xml version="1.0" encoding="utf-8"?>
+<p:sld xmlns:a="http://schemas.openxmlformats.org/drawingml/2006/main" xmlns:r="http://schemas.openxmlformats.org/officeDocument/2006/relationships" xmlns:p="http://schemas.openxmlformats.org/presentationml/2006/main">
+  <p:cSld>
+    <p:spTree>
+      <p:nvGrpSpPr>
+        <p:cNvPr id="1" name=""/>
+        <p:cNvGrpSpPr/>
+        <p:nvPr/>
+      </p:nvGrpSpPr>
+      <p:grpSpPr>
+        <a:xfrm>
+          <a:off x="0" y="0"/>
+          <a:ext cx="0" cy="0"/>
+          <a:chOff x="0" y="0"/>
+          <a:chExt cx="0" cy="0"/>
+        </a:xfrm>
+      </p:grpSpPr>
       <p:pic>
         <p:nvPicPr>
           <p:cNvPr id="4" name="Picture 3" descr="Diagram&#10;&#10;Description automatically generated">
@@ -8014,7 +11647,7 @@
 </p:sld>
 </file>
 
-<file path=ppt/slides/slide21.xml><?xml version="1.0" encoding="utf-8"?>
+<file path=ppt/slides/slide25.xml><?xml version="1.0" encoding="utf-8"?>
 <p:sld xmlns:a="http://schemas.openxmlformats.org/drawingml/2006/main" xmlns:r="http://schemas.openxmlformats.org/officeDocument/2006/relationships" xmlns:p="http://schemas.openxmlformats.org/presentationml/2006/main">
   <p:cSld>
     <p:spTree>
@@ -8113,7 +11746,7 @@
 </p:sld>
 </file>
 
-<file path=ppt/slides/slide22.xml><?xml version="1.0" encoding="utf-8"?>
+<file path=ppt/slides/slide26.xml><?xml version="1.0" encoding="utf-8"?>
 <p:sld xmlns:a="http://schemas.openxmlformats.org/drawingml/2006/main" xmlns:r="http://schemas.openxmlformats.org/officeDocument/2006/relationships" xmlns:p="http://schemas.openxmlformats.org/presentationml/2006/main">
   <p:cSld>
     <p:spTree>
@@ -8179,7 +11812,7 @@
 </p:sld>
 </file>
 
-<file path=ppt/slides/slide23.xml><?xml version="1.0" encoding="utf-8"?>
+<file path=ppt/slides/slide27.xml><?xml version="1.0" encoding="utf-8"?>
 <p:sld xmlns:a="http://schemas.openxmlformats.org/drawingml/2006/main" xmlns:r="http://schemas.openxmlformats.org/officeDocument/2006/relationships" xmlns:p="http://schemas.openxmlformats.org/presentationml/2006/main">
   <p:cSld>
     <p:spTree>
@@ -8301,7 +11934,7 @@
 </p:sld>
 </file>
 
-<file path=ppt/slides/slide24.xml><?xml version="1.0" encoding="utf-8"?>
+<file path=ppt/slides/slide28.xml><?xml version="1.0" encoding="utf-8"?>
 <p:sld xmlns:a="http://schemas.openxmlformats.org/drawingml/2006/main" xmlns:r="http://schemas.openxmlformats.org/officeDocument/2006/relationships" xmlns:p="http://schemas.openxmlformats.org/presentationml/2006/main">
   <p:cSld>
     <p:spTree>
@@ -8406,7 +12039,7 @@
 </p:sld>
 </file>
 
-<file path=ppt/slides/slide25.xml><?xml version="1.0" encoding="utf-8"?>
+<file path=ppt/slides/slide29.xml><?xml version="1.0" encoding="utf-8"?>
 <p:sld xmlns:a="http://schemas.openxmlformats.org/drawingml/2006/main" xmlns:r="http://schemas.openxmlformats.org/officeDocument/2006/relationships" xmlns:p="http://schemas.openxmlformats.org/presentationml/2006/main">
   <p:cSld>
     <p:spTree>
@@ -8511,7 +12144,1092 @@
 </p:sld>
 </file>
 
-<file path=ppt/slides/slide26.xml><?xml version="1.0" encoding="utf-8"?>
+<file path=ppt/slides/slide3.xml><?xml version="1.0" encoding="utf-8"?>
+<p:sld xmlns:a="http://schemas.openxmlformats.org/drawingml/2006/main" xmlns:r="http://schemas.openxmlformats.org/officeDocument/2006/relationships" xmlns:p="http://schemas.openxmlformats.org/presentationml/2006/main">
+  <p:cSld>
+    <p:bg>
+      <p:bgPr>
+        <a:solidFill>
+          <a:schemeClr val="bg1"/>
+        </a:solidFill>
+        <a:effectLst/>
+      </p:bgPr>
+    </p:bg>
+    <p:spTree>
+      <p:nvGrpSpPr>
+        <p:cNvPr id="1" name=""/>
+        <p:cNvGrpSpPr/>
+        <p:nvPr/>
+      </p:nvGrpSpPr>
+      <p:grpSpPr>
+        <a:xfrm>
+          <a:off x="0" y="0"/>
+          <a:ext cx="0" cy="0"/>
+          <a:chOff x="0" y="0"/>
+          <a:chExt cx="0" cy="0"/>
+        </a:xfrm>
+      </p:grpSpPr>
+      <p:sp useBgFill="1">
+        <p:nvSpPr>
+          <p:cNvPr id="55" name="Rectangle 54">
+            <a:extLst>
+              <a:ext uri="{FF2B5EF4-FFF2-40B4-BE49-F238E27FC236}">
+                <a16:creationId xmlns:a16="http://schemas.microsoft.com/office/drawing/2014/main" id="{327D73B4-9F5C-4A64-A179-51B9500CB8B5}"/>
+              </a:ext>
+              <a:ext uri="{C183D7F6-B498-43B3-948B-1728B52AA6E4}">
+                <adec:decorative xmlns:adec="http://schemas.microsoft.com/office/drawing/2017/decorative" val="1"/>
+              </a:ext>
+            </a:extLst>
+          </p:cNvPr>
+          <p:cNvSpPr>
+            <a:spLocks noGrp="1" noRot="1" noChangeAspect="1" noMove="1" noResize="1" noEditPoints="1" noAdjustHandles="1" noChangeArrowheads="1" noChangeShapeType="1" noTextEdit="1"/>
+          </p:cNvSpPr>
+          <p:nvPr>
+            <p:extLst>
+              <p:ext uri="{386F3935-93C4-4BCD-93E2-E3B085C9AB24}">
+                <p16:designElem xmlns:p16="http://schemas.microsoft.com/office/powerpoint/2015/main" val="1"/>
+              </p:ext>
+            </p:extLst>
+          </p:nvPr>
+        </p:nvSpPr>
+        <p:spPr>
+          <a:xfrm>
+            <a:off x="0" y="0"/>
+            <a:ext cx="12192000" cy="6858000"/>
+          </a:xfrm>
+          <a:prstGeom prst="rect">
+            <a:avLst/>
+          </a:prstGeom>
+          <a:ln>
+            <a:noFill/>
+          </a:ln>
+        </p:spPr>
+        <p:style>
+          <a:lnRef idx="2">
+            <a:schemeClr val="accent1">
+              <a:shade val="50000"/>
+            </a:schemeClr>
+          </a:lnRef>
+          <a:fillRef idx="1">
+            <a:schemeClr val="accent1"/>
+          </a:fillRef>
+          <a:effectRef idx="0">
+            <a:schemeClr val="accent1"/>
+          </a:effectRef>
+          <a:fontRef idx="minor">
+            <a:schemeClr val="lt1"/>
+          </a:fontRef>
+        </p:style>
+        <p:txBody>
+          <a:bodyPr rtlCol="0" anchor="ctr"/>
+          <a:lstStyle/>
+          <a:p>
+            <a:pPr marL="0" marR="0" lvl="0" indent="0" algn="ctr" defTabSz="914400" rtl="0" eaLnBrk="1" fontAlgn="auto" latinLnBrk="0" hangingPunct="1">
+              <a:lnSpc>
+                <a:spcPct val="100000"/>
+              </a:lnSpc>
+              <a:spcBef>
+                <a:spcPts val="0"/>
+              </a:spcBef>
+              <a:spcAft>
+                <a:spcPts val="0"/>
+              </a:spcAft>
+              <a:buClrTx/>
+              <a:buSzTx/>
+              <a:buFontTx/>
+              <a:buNone/>
+              <a:tabLst/>
+              <a:defRPr/>
+            </a:pPr>
+            <a:endParaRPr kumimoji="0" lang="en-US" sz="1800" b="0" i="0" u="none" strike="noStrike" kern="1200" cap="none" spc="0" normalizeH="0" baseline="0" noProof="0" dirty="0">
+              <a:ln>
+                <a:noFill/>
+              </a:ln>
+              <a:solidFill>
+                <a:prstClr val="white"/>
+              </a:solidFill>
+              <a:effectLst/>
+              <a:uLnTx/>
+              <a:uFillTx/>
+              <a:latin typeface="Calibri" panose="020F0502020204030204"/>
+              <a:ea typeface="+mn-ea"/>
+              <a:cs typeface="+mn-cs"/>
+            </a:endParaRPr>
+          </a:p>
+        </p:txBody>
+      </p:sp>
+      <p:sp>
+        <p:nvSpPr>
+          <p:cNvPr id="50" name="TextBox 1">
+            <a:extLst>
+              <a:ext uri="{FF2B5EF4-FFF2-40B4-BE49-F238E27FC236}">
+                <a16:creationId xmlns:a16="http://schemas.microsoft.com/office/drawing/2014/main" id="{8357B84D-A17F-488A-8083-B27726EF1018}"/>
+              </a:ext>
+            </a:extLst>
+          </p:cNvPr>
+          <p:cNvSpPr txBox="1"/>
+          <p:nvPr/>
+        </p:nvSpPr>
+        <p:spPr>
+          <a:xfrm>
+            <a:off x="6657715" y="467271"/>
+            <a:ext cx="4195674" cy="2052522"/>
+          </a:xfrm>
+          <a:prstGeom prst="rect">
+            <a:avLst/>
+          </a:prstGeom>
+        </p:spPr>
+        <p:txBody>
+          <a:bodyPr vert="horz" lIns="91440" tIns="45720" rIns="91440" bIns="45720" rtlCol="0" anchor="b">
+            <a:normAutofit/>
+          </a:bodyPr>
+          <a:lstStyle/>
+          <a:p>
+            <a:pPr marL="0" marR="0" lvl="0" indent="-228600" algn="l" defTabSz="914400" rtl="0" eaLnBrk="1" fontAlgn="auto" latinLnBrk="0" hangingPunct="1">
+              <a:lnSpc>
+                <a:spcPct val="90000"/>
+              </a:lnSpc>
+              <a:spcBef>
+                <a:spcPct val="0"/>
+              </a:spcBef>
+              <a:spcAft>
+                <a:spcPts val="600"/>
+              </a:spcAft>
+              <a:buClrTx/>
+              <a:buSzTx/>
+              <a:buFontTx/>
+              <a:buNone/>
+              <a:tabLst/>
+              <a:defRPr/>
+            </a:pPr>
+            <a:r>
+              <a:rPr kumimoji="0" lang="en-US" sz="2800" b="1" i="0" u="none" strike="noStrike" kern="1200" cap="none" spc="0" normalizeH="0" baseline="0" noProof="0" dirty="0">
+                <a:ln>
+                  <a:noFill/>
+                </a:ln>
+                <a:solidFill>
+                  <a:prstClr val="black"/>
+                </a:solidFill>
+                <a:effectLst/>
+                <a:uLnTx/>
+                <a:uFillTx/>
+                <a:latin typeface="Algerian" panose="04020705040A02060702" pitchFamily="82" charset="0"/>
+                <a:ea typeface="+mn-ea"/>
+                <a:cs typeface="+mn-cs"/>
+              </a:rPr>
+              <a:t>What Does Smart Home Mean?</a:t>
+            </a:r>
+          </a:p>
+        </p:txBody>
+      </p:sp>
+      <p:sp>
+        <p:nvSpPr>
+          <p:cNvPr id="57" name="Oval 56">
+            <a:extLst>
+              <a:ext uri="{FF2B5EF4-FFF2-40B4-BE49-F238E27FC236}">
+                <a16:creationId xmlns:a16="http://schemas.microsoft.com/office/drawing/2014/main" id="{C1F06963-6374-4B48-844F-071A9BAAAE02}"/>
+              </a:ext>
+              <a:ext uri="{C183D7F6-B498-43B3-948B-1728B52AA6E4}">
+                <adec:decorative xmlns:adec="http://schemas.microsoft.com/office/drawing/2017/decorative" val="1"/>
+              </a:ext>
+            </a:extLst>
+          </p:cNvPr>
+          <p:cNvSpPr>
+            <a:spLocks noGrp="1" noRot="1" noChangeAspect="1" noMove="1" noResize="1" noEditPoints="1" noAdjustHandles="1" noChangeArrowheads="1" noChangeShapeType="1" noTextEdit="1"/>
+          </p:cNvSpPr>
+          <p:nvPr>
+            <p:extLst>
+              <p:ext uri="{386F3935-93C4-4BCD-93E2-E3B085C9AB24}">
+                <p16:designElem xmlns:p16="http://schemas.microsoft.com/office/powerpoint/2015/main" val="1"/>
+              </p:ext>
+            </p:extLst>
+          </p:nvPr>
+        </p:nvSpPr>
+        <p:spPr>
+          <a:xfrm>
+            <a:off x="322965" y="554152"/>
+            <a:ext cx="5742189" cy="5742189"/>
+          </a:xfrm>
+          <a:prstGeom prst="ellipse">
+            <a:avLst/>
+          </a:prstGeom>
+          <a:gradFill flip="none" rotWithShape="1">
+            <a:gsLst>
+              <a:gs pos="0">
+                <a:schemeClr val="accent1"/>
+              </a:gs>
+              <a:gs pos="100000">
+                <a:schemeClr val="accent2"/>
+              </a:gs>
+            </a:gsLst>
+            <a:lin ang="2700000" scaled="1"/>
+            <a:tileRect/>
+          </a:gradFill>
+          <a:ln>
+            <a:noFill/>
+          </a:ln>
+        </p:spPr>
+        <p:style>
+          <a:lnRef idx="2">
+            <a:schemeClr val="accent1">
+              <a:shade val="50000"/>
+            </a:schemeClr>
+          </a:lnRef>
+          <a:fillRef idx="1">
+            <a:schemeClr val="accent1"/>
+          </a:fillRef>
+          <a:effectRef idx="0">
+            <a:schemeClr val="accent1"/>
+          </a:effectRef>
+          <a:fontRef idx="minor">
+            <a:schemeClr val="lt1"/>
+          </a:fontRef>
+        </p:style>
+        <p:txBody>
+          <a:bodyPr rtlCol="0" anchor="ctr"/>
+          <a:lstStyle/>
+          <a:p>
+            <a:pPr marL="0" marR="0" lvl="0" indent="0" algn="ctr" defTabSz="914400" rtl="0" eaLnBrk="1" fontAlgn="auto" latinLnBrk="0" hangingPunct="1">
+              <a:lnSpc>
+                <a:spcPct val="100000"/>
+              </a:lnSpc>
+              <a:spcBef>
+                <a:spcPts val="0"/>
+              </a:spcBef>
+              <a:spcAft>
+                <a:spcPts val="0"/>
+              </a:spcAft>
+              <a:buClrTx/>
+              <a:buSzTx/>
+              <a:buFontTx/>
+              <a:buNone/>
+              <a:tabLst/>
+              <a:defRPr/>
+            </a:pPr>
+            <a:endParaRPr kumimoji="0" lang="en-US" sz="1800" b="0" i="0" u="none" strike="noStrike" kern="1200" cap="none" spc="0" normalizeH="0" baseline="0" noProof="0">
+              <a:ln>
+                <a:noFill/>
+              </a:ln>
+              <a:solidFill>
+                <a:prstClr val="white"/>
+              </a:solidFill>
+              <a:effectLst/>
+              <a:uLnTx/>
+              <a:uFillTx/>
+              <a:latin typeface="Calibri" panose="020F0502020204030204"/>
+              <a:ea typeface="+mn-ea"/>
+              <a:cs typeface="+mn-cs"/>
+            </a:endParaRPr>
+          </a:p>
+        </p:txBody>
+      </p:sp>
+      <p:grpSp>
+        <p:nvGrpSpPr>
+          <p:cNvPr id="64" name="Group 58">
+            <a:extLst>
+              <a:ext uri="{FF2B5EF4-FFF2-40B4-BE49-F238E27FC236}">
+                <a16:creationId xmlns:a16="http://schemas.microsoft.com/office/drawing/2014/main" id="{5614C7C0-FA1D-4105-8345-1DF76F9870A8}"/>
+              </a:ext>
+              <a:ext uri="{C183D7F6-B498-43B3-948B-1728B52AA6E4}">
+                <adec:decorative xmlns:adec="http://schemas.microsoft.com/office/drawing/2017/decorative" val="1"/>
+              </a:ext>
+            </a:extLst>
+          </p:cNvPr>
+          <p:cNvGrpSpPr>
+            <a:grpSpLocks noGrp="1" noUngrp="1" noRot="1" noChangeAspect="1" noMove="1" noResize="1"/>
+          </p:cNvGrpSpPr>
+          <p:nvPr>
+            <p:extLst>
+              <p:ext uri="{386F3935-93C4-4BCD-93E2-E3B085C9AB24}">
+                <p16:designElem xmlns:p16="http://schemas.microsoft.com/office/powerpoint/2015/main" val="1"/>
+              </p:ext>
+            </p:extLst>
+          </p:nvPr>
+        </p:nvGrpSpPr>
+        <p:grpSpPr>
+          <a:xfrm>
+            <a:off x="422753" y="703679"/>
+            <a:ext cx="753718" cy="1016562"/>
+            <a:chOff x="422753" y="703679"/>
+            <a:chExt cx="753718" cy="1016562"/>
+          </a:xfrm>
+        </p:grpSpPr>
+        <p:sp>
+          <p:nvSpPr>
+            <p:cNvPr id="66" name="Graphic 11">
+              <a:extLst>
+                <a:ext uri="{FF2B5EF4-FFF2-40B4-BE49-F238E27FC236}">
+                  <a16:creationId xmlns:a16="http://schemas.microsoft.com/office/drawing/2014/main" id="{6CB927A4-E432-4310-9CD5-E89FF5063179}"/>
+                </a:ext>
+                <a:ext uri="{C183D7F6-B498-43B3-948B-1728B52AA6E4}">
+                  <adec:decorative xmlns:adec="http://schemas.microsoft.com/office/drawing/2017/decorative" val="1"/>
+                </a:ext>
+              </a:extLst>
+            </p:cNvPr>
+            <p:cNvSpPr/>
+            <p:nvPr>
+              <p:extLst>
+                <p:ext uri="{386F3935-93C4-4BCD-93E2-E3B085C9AB24}">
+                  <p16:designElem xmlns:p16="http://schemas.microsoft.com/office/powerpoint/2015/main" val="1"/>
+                </p:ext>
+              </p:extLst>
+            </p:nvPr>
+          </p:nvSpPr>
+          <p:spPr>
+            <a:xfrm>
+              <a:off x="1004956" y="703679"/>
+              <a:ext cx="171515" cy="171515"/>
+            </a:xfrm>
+            <a:custGeom>
+              <a:avLst/>
+              <a:gdLst>
+                <a:gd name="connsiteX0" fmla="*/ 159874 w 171515"/>
+                <a:gd name="connsiteY0" fmla="*/ 74116 h 171515"/>
+                <a:gd name="connsiteX1" fmla="*/ 97399 w 171515"/>
+                <a:gd name="connsiteY1" fmla="*/ 74116 h 171515"/>
+                <a:gd name="connsiteX2" fmla="*/ 97399 w 171515"/>
+                <a:gd name="connsiteY2" fmla="*/ 11641 h 171515"/>
+                <a:gd name="connsiteX3" fmla="*/ 85758 w 171515"/>
+                <a:gd name="connsiteY3" fmla="*/ 0 h 171515"/>
+                <a:gd name="connsiteX4" fmla="*/ 74116 w 171515"/>
+                <a:gd name="connsiteY4" fmla="*/ 11641 h 171515"/>
+                <a:gd name="connsiteX5" fmla="*/ 74116 w 171515"/>
+                <a:gd name="connsiteY5" fmla="*/ 74116 h 171515"/>
+                <a:gd name="connsiteX6" fmla="*/ 11641 w 171515"/>
+                <a:gd name="connsiteY6" fmla="*/ 74116 h 171515"/>
+                <a:gd name="connsiteX7" fmla="*/ 0 w 171515"/>
+                <a:gd name="connsiteY7" fmla="*/ 85758 h 171515"/>
+                <a:gd name="connsiteX8" fmla="*/ 11641 w 171515"/>
+                <a:gd name="connsiteY8" fmla="*/ 97399 h 171515"/>
+                <a:gd name="connsiteX9" fmla="*/ 74116 w 171515"/>
+                <a:gd name="connsiteY9" fmla="*/ 97399 h 171515"/>
+                <a:gd name="connsiteX10" fmla="*/ 74116 w 171515"/>
+                <a:gd name="connsiteY10" fmla="*/ 159874 h 171515"/>
+                <a:gd name="connsiteX11" fmla="*/ 85758 w 171515"/>
+                <a:gd name="connsiteY11" fmla="*/ 171515 h 171515"/>
+                <a:gd name="connsiteX12" fmla="*/ 97399 w 171515"/>
+                <a:gd name="connsiteY12" fmla="*/ 159874 h 171515"/>
+                <a:gd name="connsiteX13" fmla="*/ 97399 w 171515"/>
+                <a:gd name="connsiteY13" fmla="*/ 97399 h 171515"/>
+                <a:gd name="connsiteX14" fmla="*/ 159874 w 171515"/>
+                <a:gd name="connsiteY14" fmla="*/ 97399 h 171515"/>
+                <a:gd name="connsiteX15" fmla="*/ 171515 w 171515"/>
+                <a:gd name="connsiteY15" fmla="*/ 85758 h 171515"/>
+                <a:gd name="connsiteX16" fmla="*/ 159874 w 171515"/>
+                <a:gd name="connsiteY16" fmla="*/ 74116 h 171515"/>
+              </a:gdLst>
+              <a:ahLst/>
+              <a:cxnLst>
+                <a:cxn ang="0">
+                  <a:pos x="connsiteX0" y="connsiteY0"/>
+                </a:cxn>
+                <a:cxn ang="0">
+                  <a:pos x="connsiteX1" y="connsiteY1"/>
+                </a:cxn>
+                <a:cxn ang="0">
+                  <a:pos x="connsiteX2" y="connsiteY2"/>
+                </a:cxn>
+                <a:cxn ang="0">
+                  <a:pos x="connsiteX3" y="connsiteY3"/>
+                </a:cxn>
+                <a:cxn ang="0">
+                  <a:pos x="connsiteX4" y="connsiteY4"/>
+                </a:cxn>
+                <a:cxn ang="0">
+                  <a:pos x="connsiteX5" y="connsiteY5"/>
+                </a:cxn>
+                <a:cxn ang="0">
+                  <a:pos x="connsiteX6" y="connsiteY6"/>
+                </a:cxn>
+                <a:cxn ang="0">
+                  <a:pos x="connsiteX7" y="connsiteY7"/>
+                </a:cxn>
+                <a:cxn ang="0">
+                  <a:pos x="connsiteX8" y="connsiteY8"/>
+                </a:cxn>
+                <a:cxn ang="0">
+                  <a:pos x="connsiteX9" y="connsiteY9"/>
+                </a:cxn>
+                <a:cxn ang="0">
+                  <a:pos x="connsiteX10" y="connsiteY10"/>
+                </a:cxn>
+                <a:cxn ang="0">
+                  <a:pos x="connsiteX11" y="connsiteY11"/>
+                </a:cxn>
+                <a:cxn ang="0">
+                  <a:pos x="connsiteX12" y="connsiteY12"/>
+                </a:cxn>
+                <a:cxn ang="0">
+                  <a:pos x="connsiteX13" y="connsiteY13"/>
+                </a:cxn>
+                <a:cxn ang="0">
+                  <a:pos x="connsiteX14" y="connsiteY14"/>
+                </a:cxn>
+                <a:cxn ang="0">
+                  <a:pos x="connsiteX15" y="connsiteY15"/>
+                </a:cxn>
+                <a:cxn ang="0">
+                  <a:pos x="connsiteX16" y="connsiteY16"/>
+                </a:cxn>
+              </a:cxnLst>
+              <a:rect l="l" t="t" r="r" b="b"/>
+              <a:pathLst>
+                <a:path w="171515" h="171515">
+                  <a:moveTo>
+                    <a:pt x="159874" y="74116"/>
+                  </a:moveTo>
+                  <a:lnTo>
+                    <a:pt x="97399" y="74116"/>
+                  </a:lnTo>
+                  <a:lnTo>
+                    <a:pt x="97399" y="11641"/>
+                  </a:lnTo>
+                  <a:cubicBezTo>
+                    <a:pt x="97399" y="5212"/>
+                    <a:pt x="92187" y="0"/>
+                    <a:pt x="85758" y="0"/>
+                  </a:cubicBezTo>
+                  <a:cubicBezTo>
+                    <a:pt x="79328" y="0"/>
+                    <a:pt x="74116" y="5212"/>
+                    <a:pt x="74116" y="11641"/>
+                  </a:cubicBezTo>
+                  <a:lnTo>
+                    <a:pt x="74116" y="74116"/>
+                  </a:lnTo>
+                  <a:lnTo>
+                    <a:pt x="11641" y="74116"/>
+                  </a:lnTo>
+                  <a:cubicBezTo>
+                    <a:pt x="5212" y="74116"/>
+                    <a:pt x="0" y="79328"/>
+                    <a:pt x="0" y="85758"/>
+                  </a:cubicBezTo>
+                  <a:cubicBezTo>
+                    <a:pt x="0" y="92187"/>
+                    <a:pt x="5212" y="97399"/>
+                    <a:pt x="11641" y="97399"/>
+                  </a:cubicBezTo>
+                  <a:lnTo>
+                    <a:pt x="74116" y="97399"/>
+                  </a:lnTo>
+                  <a:lnTo>
+                    <a:pt x="74116" y="159874"/>
+                  </a:lnTo>
+                  <a:cubicBezTo>
+                    <a:pt x="74116" y="166303"/>
+                    <a:pt x="79328" y="171515"/>
+                    <a:pt x="85758" y="171515"/>
+                  </a:cubicBezTo>
+                  <a:cubicBezTo>
+                    <a:pt x="92187" y="171515"/>
+                    <a:pt x="97399" y="166303"/>
+                    <a:pt x="97399" y="159874"/>
+                  </a:cubicBezTo>
+                  <a:lnTo>
+                    <a:pt x="97399" y="97399"/>
+                  </a:lnTo>
+                  <a:lnTo>
+                    <a:pt x="159874" y="97399"/>
+                  </a:lnTo>
+                  <a:cubicBezTo>
+                    <a:pt x="166303" y="97399"/>
+                    <a:pt x="171515" y="92187"/>
+                    <a:pt x="171515" y="85758"/>
+                  </a:cubicBezTo>
+                  <a:cubicBezTo>
+                    <a:pt x="171515" y="79328"/>
+                    <a:pt x="166303" y="74116"/>
+                    <a:pt x="159874" y="74116"/>
+                  </a:cubicBezTo>
+                  <a:close/>
+                </a:path>
+              </a:pathLst>
+            </a:custGeom>
+            <a:solidFill>
+              <a:schemeClr val="accent1"/>
+            </a:solidFill>
+            <a:ln w="776" cap="flat">
+              <a:noFill/>
+              <a:prstDash val="solid"/>
+              <a:miter/>
+            </a:ln>
+          </p:spPr>
+          <p:txBody>
+            <a:bodyPr rtlCol="0" anchor="ctr"/>
+            <a:lstStyle/>
+            <a:p>
+              <a:pPr marL="0" marR="0" lvl="0" indent="0" algn="l" defTabSz="914400" rtl="0" eaLnBrk="1" fontAlgn="auto" latinLnBrk="0" hangingPunct="1">
+                <a:lnSpc>
+                  <a:spcPct val="100000"/>
+                </a:lnSpc>
+                <a:spcBef>
+                  <a:spcPts val="0"/>
+                </a:spcBef>
+                <a:spcAft>
+                  <a:spcPts val="0"/>
+                </a:spcAft>
+                <a:buClrTx/>
+                <a:buSzTx/>
+                <a:buFontTx/>
+                <a:buNone/>
+                <a:tabLst/>
+                <a:defRPr/>
+              </a:pPr>
+              <a:endParaRPr kumimoji="0" lang="en-US" sz="1800" b="0" i="0" u="none" strike="noStrike" kern="1200" cap="none" spc="0" normalizeH="0" baseline="0" noProof="0">
+                <a:ln>
+                  <a:noFill/>
+                </a:ln>
+                <a:solidFill>
+                  <a:prstClr val="black"/>
+                </a:solidFill>
+                <a:effectLst/>
+                <a:uLnTx/>
+                <a:uFillTx/>
+                <a:latin typeface="Calibri" panose="020F0502020204030204"/>
+                <a:ea typeface="+mn-ea"/>
+                <a:cs typeface="+mn-cs"/>
+              </a:endParaRPr>
+            </a:p>
+          </p:txBody>
+        </p:sp>
+        <p:sp>
+          <p:nvSpPr>
+            <p:cNvPr id="67" name="Graphic 12">
+              <a:extLst>
+                <a:ext uri="{FF2B5EF4-FFF2-40B4-BE49-F238E27FC236}">
+                  <a16:creationId xmlns:a16="http://schemas.microsoft.com/office/drawing/2014/main" id="{1453BF6C-B012-48B7-B4E8-6D7AC7C27D02}"/>
+                </a:ext>
+                <a:ext uri="{C183D7F6-B498-43B3-948B-1728B52AA6E4}">
+                  <adec:decorative xmlns:adec="http://schemas.microsoft.com/office/drawing/2017/decorative" val="1"/>
+                </a:ext>
+              </a:extLst>
+            </p:cNvPr>
+            <p:cNvSpPr/>
+            <p:nvPr>
+              <p:extLst>
+                <p:ext uri="{386F3935-93C4-4BCD-93E2-E3B085C9AB24}">
+                  <p16:designElem xmlns:p16="http://schemas.microsoft.com/office/powerpoint/2015/main" val="1"/>
+                </p:ext>
+              </p:extLst>
+            </p:nvPr>
+          </p:nvSpPr>
+          <p:spPr>
+            <a:xfrm>
+              <a:off x="422753" y="1562696"/>
+              <a:ext cx="157545" cy="157545"/>
+            </a:xfrm>
+            <a:custGeom>
+              <a:avLst/>
+              <a:gdLst>
+                <a:gd name="connsiteX0" fmla="*/ 78773 w 157545"/>
+                <a:gd name="connsiteY0" fmla="*/ 23283 h 157545"/>
+                <a:gd name="connsiteX1" fmla="*/ 134262 w 157545"/>
+                <a:gd name="connsiteY1" fmla="*/ 78773 h 157545"/>
+                <a:gd name="connsiteX2" fmla="*/ 78773 w 157545"/>
+                <a:gd name="connsiteY2" fmla="*/ 134262 h 157545"/>
+                <a:gd name="connsiteX3" fmla="*/ 23283 w 157545"/>
+                <a:gd name="connsiteY3" fmla="*/ 78773 h 157545"/>
+                <a:gd name="connsiteX4" fmla="*/ 78773 w 157545"/>
+                <a:gd name="connsiteY4" fmla="*/ 23283 h 157545"/>
+                <a:gd name="connsiteX5" fmla="*/ 78773 w 157545"/>
+                <a:gd name="connsiteY5" fmla="*/ 0 h 157545"/>
+                <a:gd name="connsiteX6" fmla="*/ 0 w 157545"/>
+                <a:gd name="connsiteY6" fmla="*/ 78773 h 157545"/>
+                <a:gd name="connsiteX7" fmla="*/ 78773 w 157545"/>
+                <a:gd name="connsiteY7" fmla="*/ 157545 h 157545"/>
+                <a:gd name="connsiteX8" fmla="*/ 157545 w 157545"/>
+                <a:gd name="connsiteY8" fmla="*/ 78773 h 157545"/>
+                <a:gd name="connsiteX9" fmla="*/ 78773 w 157545"/>
+                <a:gd name="connsiteY9" fmla="*/ 0 h 157545"/>
+              </a:gdLst>
+              <a:ahLst/>
+              <a:cxnLst>
+                <a:cxn ang="0">
+                  <a:pos x="connsiteX0" y="connsiteY0"/>
+                </a:cxn>
+                <a:cxn ang="0">
+                  <a:pos x="connsiteX1" y="connsiteY1"/>
+                </a:cxn>
+                <a:cxn ang="0">
+                  <a:pos x="connsiteX2" y="connsiteY2"/>
+                </a:cxn>
+                <a:cxn ang="0">
+                  <a:pos x="connsiteX3" y="connsiteY3"/>
+                </a:cxn>
+                <a:cxn ang="0">
+                  <a:pos x="connsiteX4" y="connsiteY4"/>
+                </a:cxn>
+                <a:cxn ang="0">
+                  <a:pos x="connsiteX5" y="connsiteY5"/>
+                </a:cxn>
+                <a:cxn ang="0">
+                  <a:pos x="connsiteX6" y="connsiteY6"/>
+                </a:cxn>
+                <a:cxn ang="0">
+                  <a:pos x="connsiteX7" y="connsiteY7"/>
+                </a:cxn>
+                <a:cxn ang="0">
+                  <a:pos x="connsiteX8" y="connsiteY8"/>
+                </a:cxn>
+                <a:cxn ang="0">
+                  <a:pos x="connsiteX9" y="connsiteY9"/>
+                </a:cxn>
+              </a:cxnLst>
+              <a:rect l="l" t="t" r="r" b="b"/>
+              <a:pathLst>
+                <a:path w="157545" h="157545">
+                  <a:moveTo>
+                    <a:pt x="78773" y="23283"/>
+                  </a:moveTo>
+                  <a:cubicBezTo>
+                    <a:pt x="109419" y="23283"/>
+                    <a:pt x="134262" y="48126"/>
+                    <a:pt x="134262" y="78773"/>
+                  </a:cubicBezTo>
+                  <a:cubicBezTo>
+                    <a:pt x="134262" y="109419"/>
+                    <a:pt x="109419" y="134262"/>
+                    <a:pt x="78773" y="134262"/>
+                  </a:cubicBezTo>
+                  <a:cubicBezTo>
+                    <a:pt x="48126" y="134262"/>
+                    <a:pt x="23283" y="109419"/>
+                    <a:pt x="23283" y="78773"/>
+                  </a:cubicBezTo>
+                  <a:cubicBezTo>
+                    <a:pt x="23312" y="48139"/>
+                    <a:pt x="48139" y="23312"/>
+                    <a:pt x="78773" y="23283"/>
+                  </a:cubicBezTo>
+                  <a:moveTo>
+                    <a:pt x="78773" y="0"/>
+                  </a:moveTo>
+                  <a:cubicBezTo>
+                    <a:pt x="35268" y="0"/>
+                    <a:pt x="0" y="35268"/>
+                    <a:pt x="0" y="78773"/>
+                  </a:cubicBezTo>
+                  <a:cubicBezTo>
+                    <a:pt x="0" y="122277"/>
+                    <a:pt x="35268" y="157545"/>
+                    <a:pt x="78773" y="157545"/>
+                  </a:cubicBezTo>
+                  <a:cubicBezTo>
+                    <a:pt x="122277" y="157545"/>
+                    <a:pt x="157545" y="122277"/>
+                    <a:pt x="157545" y="78773"/>
+                  </a:cubicBezTo>
+                  <a:cubicBezTo>
+                    <a:pt x="157545" y="35268"/>
+                    <a:pt x="122277" y="0"/>
+                    <a:pt x="78773" y="0"/>
+                  </a:cubicBezTo>
+                  <a:close/>
+                </a:path>
+              </a:pathLst>
+            </a:custGeom>
+            <a:solidFill>
+              <a:schemeClr val="accent1"/>
+            </a:solidFill>
+            <a:ln w="751" cap="flat">
+              <a:noFill/>
+              <a:prstDash val="solid"/>
+              <a:miter/>
+            </a:ln>
+          </p:spPr>
+          <p:txBody>
+            <a:bodyPr rtlCol="0" anchor="ctr"/>
+            <a:lstStyle/>
+            <a:p>
+              <a:pPr marL="0" marR="0" lvl="0" indent="0" algn="l" defTabSz="914400" rtl="0" eaLnBrk="1" fontAlgn="auto" latinLnBrk="0" hangingPunct="1">
+                <a:lnSpc>
+                  <a:spcPct val="100000"/>
+                </a:lnSpc>
+                <a:spcBef>
+                  <a:spcPts val="0"/>
+                </a:spcBef>
+                <a:spcAft>
+                  <a:spcPts val="0"/>
+                </a:spcAft>
+                <a:buClrTx/>
+                <a:buSzTx/>
+                <a:buFontTx/>
+                <a:buNone/>
+                <a:tabLst/>
+                <a:defRPr/>
+              </a:pPr>
+              <a:endParaRPr kumimoji="0" lang="en-US" sz="1800" b="0" i="0" u="none" strike="noStrike" kern="1200" cap="none" spc="0" normalizeH="0" baseline="0" noProof="0">
+                <a:ln>
+                  <a:noFill/>
+                </a:ln>
+                <a:solidFill>
+                  <a:prstClr val="black"/>
+                </a:solidFill>
+                <a:effectLst/>
+                <a:uLnTx/>
+                <a:uFillTx/>
+                <a:latin typeface="Calibri" panose="020F0502020204030204"/>
+                <a:ea typeface="+mn-ea"/>
+                <a:cs typeface="+mn-cs"/>
+              </a:endParaRPr>
+            </a:p>
+          </p:txBody>
+        </p:sp>
+      </p:grpSp>
+      <p:pic>
+        <p:nvPicPr>
+          <p:cNvPr id="6" name="Graphic 5" descr="House">
+            <a:extLst>
+              <a:ext uri="{FF2B5EF4-FFF2-40B4-BE49-F238E27FC236}">
+                <a16:creationId xmlns:a16="http://schemas.microsoft.com/office/drawing/2014/main" id="{2BA4AF41-2C28-4E75-AA0E-A47F29EDE585}"/>
+              </a:ext>
+            </a:extLst>
+          </p:cNvPr>
+          <p:cNvPicPr>
+            <a:picLocks noChangeAspect="1"/>
+          </p:cNvPicPr>
+          <p:nvPr/>
+        </p:nvPicPr>
+        <p:blipFill>
+          <a:blip r:embed="rId2">
+            <a:extLst>
+              <a:ext uri="{28A0092B-C50C-407E-A947-70E740481C1C}">
+                <a14:useLocalDpi xmlns:a14="http://schemas.microsoft.com/office/drawing/2010/main" val="0"/>
+              </a:ext>
+              <a:ext uri="{96DAC541-7B7A-43D3-8B79-37D633B846F1}">
+                <asvg:svgBlip xmlns:asvg="http://schemas.microsoft.com/office/drawing/2016/SVG/main" r:embed="rId3"/>
+              </a:ext>
+            </a:extLst>
+          </a:blip>
+          <a:stretch>
+            <a:fillRect/>
+          </a:stretch>
+        </p:blipFill>
+        <p:spPr>
+          <a:xfrm>
+            <a:off x="1217770" y="1448957"/>
+            <a:ext cx="3952579" cy="3952579"/>
+          </a:xfrm>
+          <a:prstGeom prst="rect">
+            <a:avLst/>
+          </a:prstGeom>
+        </p:spPr>
+      </p:pic>
+      <p:sp>
+        <p:nvSpPr>
+          <p:cNvPr id="44" name="TextBox 43">
+            <a:extLst>
+              <a:ext uri="{FF2B5EF4-FFF2-40B4-BE49-F238E27FC236}">
+                <a16:creationId xmlns:a16="http://schemas.microsoft.com/office/drawing/2014/main" id="{87A896B0-2DD1-4349-8657-F43C1FA82393}"/>
+              </a:ext>
+            </a:extLst>
+          </p:cNvPr>
+          <p:cNvSpPr txBox="1"/>
+          <p:nvPr/>
+        </p:nvSpPr>
+        <p:spPr>
+          <a:xfrm>
+            <a:off x="6695359" y="2990818"/>
+            <a:ext cx="4890794" cy="2913872"/>
+          </a:xfrm>
+          <a:prstGeom prst="rect">
+            <a:avLst/>
+          </a:prstGeom>
+        </p:spPr>
+        <p:txBody>
+          <a:bodyPr vert="horz" lIns="91440" tIns="45720" rIns="91440" bIns="45720" rtlCol="0" anchor="t">
+            <a:normAutofit/>
+          </a:bodyPr>
+          <a:lstStyle/>
+          <a:p>
+            <a:pPr marL="0" marR="0" lvl="0" indent="-228600" algn="l" defTabSz="914400" rtl="0" eaLnBrk="1" fontAlgn="auto" latinLnBrk="0" hangingPunct="1">
+              <a:lnSpc>
+                <a:spcPct val="90000"/>
+              </a:lnSpc>
+              <a:spcBef>
+                <a:spcPts val="0"/>
+              </a:spcBef>
+              <a:spcAft>
+                <a:spcPts val="600"/>
+              </a:spcAft>
+              <a:buClrTx/>
+              <a:buSzTx/>
+              <a:buFont typeface="Arial" panose="020B0604020202020204" pitchFamily="34" charset="0"/>
+              <a:buChar char="•"/>
+              <a:tabLst/>
+              <a:defRPr/>
+            </a:pPr>
+            <a:r>
+              <a:rPr kumimoji="0" lang="en-US" sz="2400" b="1" i="0" u="none" strike="noStrike" kern="1200" cap="none" spc="0" normalizeH="0" baseline="0" noProof="0" dirty="0">
+                <a:ln>
+                  <a:noFill/>
+                </a:ln>
+                <a:solidFill>
+                  <a:prstClr val="black">
+                    <a:alpha val="80000"/>
+                  </a:prstClr>
+                </a:solidFill>
+                <a:effectLst/>
+                <a:uLnTx/>
+                <a:uFillTx/>
+                <a:latin typeface="Calibri" panose="020F0502020204030204"/>
+                <a:ea typeface="+mn-ea"/>
+                <a:cs typeface="+mn-cs"/>
+              </a:rPr>
+              <a:t>Smart Home System or Artificial Intelligent Homes means automation and control of the electrical appliance with Artificial Intelligent. It can also be remotely controlled by electronic devices[1].</a:t>
+            </a:r>
+          </a:p>
+          <a:p>
+            <a:pPr marL="0" marR="0" lvl="0" indent="-228600" algn="l" defTabSz="914400" rtl="0" eaLnBrk="1" fontAlgn="auto" latinLnBrk="0" hangingPunct="1">
+              <a:lnSpc>
+                <a:spcPct val="90000"/>
+              </a:lnSpc>
+              <a:spcBef>
+                <a:spcPts val="0"/>
+              </a:spcBef>
+              <a:spcAft>
+                <a:spcPts val="600"/>
+              </a:spcAft>
+              <a:buClrTx/>
+              <a:buSzTx/>
+              <a:buFont typeface="Arial" panose="020B0604020202020204" pitchFamily="34" charset="0"/>
+              <a:buChar char="•"/>
+              <a:tabLst/>
+              <a:defRPr/>
+            </a:pPr>
+            <a:endParaRPr kumimoji="0" lang="en-US" sz="2000" b="0" i="0" u="none" strike="noStrike" kern="1200" cap="none" spc="0" normalizeH="0" baseline="0" noProof="0" dirty="0">
+              <a:ln>
+                <a:noFill/>
+              </a:ln>
+              <a:solidFill>
+                <a:prstClr val="black">
+                  <a:alpha val="80000"/>
+                </a:prstClr>
+              </a:solidFill>
+              <a:effectLst/>
+              <a:uLnTx/>
+              <a:uFillTx/>
+              <a:latin typeface="Calibri" panose="020F0502020204030204"/>
+              <a:ea typeface="+mn-ea"/>
+              <a:cs typeface="+mn-cs"/>
+            </a:endParaRPr>
+          </a:p>
+        </p:txBody>
+      </p:sp>
+      <p:sp>
+        <p:nvSpPr>
+          <p:cNvPr id="63" name="Graphic 10">
+            <a:extLst>
+              <a:ext uri="{FF2B5EF4-FFF2-40B4-BE49-F238E27FC236}">
+                <a16:creationId xmlns:a16="http://schemas.microsoft.com/office/drawing/2014/main" id="{E3020543-B24B-4EC4-8FFC-8DD88EEA91A8}"/>
+              </a:ext>
+              <a:ext uri="{C183D7F6-B498-43B3-948B-1728B52AA6E4}">
+                <adec:decorative xmlns:adec="http://schemas.microsoft.com/office/drawing/2017/decorative" val="1"/>
+              </a:ext>
+            </a:extLst>
+          </p:cNvPr>
+          <p:cNvSpPr>
+            <a:spLocks noGrp="1" noRot="1" noChangeAspect="1" noMove="1" noResize="1" noEditPoints="1" noAdjustHandles="1" noChangeArrowheads="1" noChangeShapeType="1" noTextEdit="1"/>
+          </p:cNvSpPr>
+          <p:nvPr>
+            <p:extLst>
+              <p:ext uri="{386F3935-93C4-4BCD-93E2-E3B085C9AB24}">
+                <p16:designElem xmlns:p16="http://schemas.microsoft.com/office/powerpoint/2015/main" val="1"/>
+              </p:ext>
+            </p:extLst>
+          </p:nvPr>
+        </p:nvSpPr>
+        <p:spPr>
+          <a:xfrm>
+            <a:off x="5454149" y="5775082"/>
+            <a:ext cx="112426" cy="112426"/>
+          </a:xfrm>
+          <a:custGeom>
+            <a:avLst/>
+            <a:gdLst>
+              <a:gd name="connsiteX0" fmla="*/ 112426 w 112426"/>
+              <a:gd name="connsiteY0" fmla="*/ 56213 h 112426"/>
+              <a:gd name="connsiteX1" fmla="*/ 56213 w 112426"/>
+              <a:gd name="connsiteY1" fmla="*/ 112426 h 112426"/>
+              <a:gd name="connsiteX2" fmla="*/ 0 w 112426"/>
+              <a:gd name="connsiteY2" fmla="*/ 56213 h 112426"/>
+              <a:gd name="connsiteX3" fmla="*/ 56213 w 112426"/>
+              <a:gd name="connsiteY3" fmla="*/ 0 h 112426"/>
+              <a:gd name="connsiteX4" fmla="*/ 112426 w 112426"/>
+              <a:gd name="connsiteY4" fmla="*/ 56213 h 112426"/>
+            </a:gdLst>
+            <a:ahLst/>
+            <a:cxnLst>
+              <a:cxn ang="0">
+                <a:pos x="connsiteX0" y="connsiteY0"/>
+              </a:cxn>
+              <a:cxn ang="0">
+                <a:pos x="connsiteX1" y="connsiteY1"/>
+              </a:cxn>
+              <a:cxn ang="0">
+                <a:pos x="connsiteX2" y="connsiteY2"/>
+              </a:cxn>
+              <a:cxn ang="0">
+                <a:pos x="connsiteX3" y="connsiteY3"/>
+              </a:cxn>
+              <a:cxn ang="0">
+                <a:pos x="connsiteX4" y="connsiteY4"/>
+              </a:cxn>
+            </a:cxnLst>
+            <a:rect l="l" t="t" r="r" b="b"/>
+            <a:pathLst>
+              <a:path w="112426" h="112426">
+                <a:moveTo>
+                  <a:pt x="112426" y="56213"/>
+                </a:moveTo>
+                <a:cubicBezTo>
+                  <a:pt x="112426" y="87259"/>
+                  <a:pt x="87259" y="112426"/>
+                  <a:pt x="56213" y="112426"/>
+                </a:cubicBezTo>
+                <a:cubicBezTo>
+                  <a:pt x="25167" y="112426"/>
+                  <a:pt x="0" y="87259"/>
+                  <a:pt x="0" y="56213"/>
+                </a:cubicBezTo>
+                <a:cubicBezTo>
+                  <a:pt x="0" y="25167"/>
+                  <a:pt x="25167" y="0"/>
+                  <a:pt x="56213" y="0"/>
+                </a:cubicBezTo>
+                <a:cubicBezTo>
+                  <a:pt x="87259" y="0"/>
+                  <a:pt x="112426" y="25167"/>
+                  <a:pt x="112426" y="56213"/>
+                </a:cubicBezTo>
+                <a:close/>
+              </a:path>
+            </a:pathLst>
+          </a:custGeom>
+          <a:solidFill>
+            <a:schemeClr val="accent1"/>
+          </a:solidFill>
+          <a:ln w="516" cap="flat">
+            <a:noFill/>
+            <a:prstDash val="solid"/>
+            <a:miter/>
+          </a:ln>
+        </p:spPr>
+        <p:txBody>
+          <a:bodyPr rtlCol="0" anchor="ctr"/>
+          <a:lstStyle/>
+          <a:p>
+            <a:pPr marL="0" marR="0" lvl="0" indent="0" algn="l" defTabSz="914400" rtl="0" eaLnBrk="1" fontAlgn="auto" latinLnBrk="0" hangingPunct="1">
+              <a:lnSpc>
+                <a:spcPct val="100000"/>
+              </a:lnSpc>
+              <a:spcBef>
+                <a:spcPts val="0"/>
+              </a:spcBef>
+              <a:spcAft>
+                <a:spcPts val="0"/>
+              </a:spcAft>
+              <a:buClrTx/>
+              <a:buSzTx/>
+              <a:buFontTx/>
+              <a:buNone/>
+              <a:tabLst/>
+              <a:defRPr/>
+            </a:pPr>
+            <a:endParaRPr kumimoji="0" lang="en-US" sz="1800" b="0" i="0" u="none" strike="noStrike" kern="1200" cap="none" spc="0" normalizeH="0" baseline="0" noProof="0">
+              <a:ln>
+                <a:noFill/>
+              </a:ln>
+              <a:solidFill>
+                <a:prstClr val="black"/>
+              </a:solidFill>
+              <a:effectLst/>
+              <a:uLnTx/>
+              <a:uFillTx/>
+              <a:latin typeface="Calibri" panose="020F0502020204030204"/>
+              <a:ea typeface="+mn-ea"/>
+              <a:cs typeface="+mn-cs"/>
+            </a:endParaRPr>
+          </a:p>
+        </p:txBody>
+      </p:sp>
+      <p:cxnSp>
+        <p:nvCxnSpPr>
+          <p:cNvPr id="65" name="Straight Connector 64">
+            <a:extLst>
+              <a:ext uri="{FF2B5EF4-FFF2-40B4-BE49-F238E27FC236}">
+                <a16:creationId xmlns:a16="http://schemas.microsoft.com/office/drawing/2014/main" id="{C49DA8F6-BCC1-4447-B54C-57856834B94B}"/>
+              </a:ext>
+              <a:ext uri="{C183D7F6-B498-43B3-948B-1728B52AA6E4}">
+                <adec:decorative xmlns:adec="http://schemas.microsoft.com/office/drawing/2017/decorative" val="1"/>
+              </a:ext>
+            </a:extLst>
+          </p:cNvPr>
+          <p:cNvCxnSpPr>
+            <a:cxnSpLocks noGrp="1" noRot="1" noChangeAspect="1" noMove="1" noResize="1" noEditPoints="1" noAdjustHandles="1" noChangeArrowheads="1" noChangeShapeType="1"/>
+          </p:cNvCxnSpPr>
+          <p:nvPr>
+            <p:extLst>
+              <p:ext uri="{386F3935-93C4-4BCD-93E2-E3B085C9AB24}">
+                <p16:designElem xmlns:p16="http://schemas.microsoft.com/office/powerpoint/2015/main" val="1"/>
+              </p:ext>
+            </p:extLst>
+          </p:nvPr>
+        </p:nvCxnSpPr>
+        <p:spPr>
+          <a:xfrm>
+            <a:off x="11586162" y="3610394"/>
+            <a:ext cx="0" cy="3238728"/>
+          </a:xfrm>
+          <a:prstGeom prst="line">
+            <a:avLst/>
+          </a:prstGeom>
+          <a:ln w="25400" cap="sq">
+            <a:gradFill flip="none" rotWithShape="1">
+              <a:gsLst>
+                <a:gs pos="0">
+                  <a:schemeClr val="accent1"/>
+                </a:gs>
+                <a:gs pos="100000">
+                  <a:schemeClr val="accent2"/>
+                </a:gs>
+              </a:gsLst>
+              <a:lin ang="16200000" scaled="1"/>
+              <a:tileRect/>
+            </a:gradFill>
+            <a:bevel/>
+          </a:ln>
+        </p:spPr>
+        <p:style>
+          <a:lnRef idx="1">
+            <a:schemeClr val="accent1"/>
+          </a:lnRef>
+          <a:fillRef idx="0">
+            <a:schemeClr val="accent1"/>
+          </a:fillRef>
+          <a:effectRef idx="0">
+            <a:schemeClr val="accent1"/>
+          </a:effectRef>
+          <a:fontRef idx="minor">
+            <a:schemeClr val="tx1"/>
+          </a:fontRef>
+        </p:style>
+      </p:cxnSp>
+    </p:spTree>
+    <p:extLst>
+      <p:ext uri="{BB962C8B-B14F-4D97-AF65-F5344CB8AC3E}">
+        <p14:creationId xmlns:p14="http://schemas.microsoft.com/office/powerpoint/2010/main" val="389007164"/>
+      </p:ext>
+    </p:extLst>
+  </p:cSld>
+  <p:clrMapOvr>
+    <a:masterClrMapping/>
+  </p:clrMapOvr>
+</p:sld>
+</file>
+
+<file path=ppt/slides/slide30.xml><?xml version="1.0" encoding="utf-8"?>
 <p:sld xmlns:a="http://schemas.openxmlformats.org/drawingml/2006/main" xmlns:r="http://schemas.openxmlformats.org/officeDocument/2006/relationships" xmlns:p="http://schemas.openxmlformats.org/presentationml/2006/main">
   <p:cSld>
     <p:spTree>
@@ -8569,10 +13287,10 @@
       </p:sp>
       <p:pic>
         <p:nvPicPr>
-          <p:cNvPr id="5" name="Picture 4" descr="Diagram&#10;&#10;Description automatically generated">
-            <a:extLst>
-              <a:ext uri="{FF2B5EF4-FFF2-40B4-BE49-F238E27FC236}">
-                <a16:creationId xmlns:a16="http://schemas.microsoft.com/office/drawing/2014/main" id="{FAEF4D68-BAD3-4174-9430-2DA2761C420A}"/>
+          <p:cNvPr id="7" name="Picture 6" descr="Diagram&#10;&#10;Description automatically generated">
+            <a:extLst>
+              <a:ext uri="{FF2B5EF4-FFF2-40B4-BE49-F238E27FC236}">
+                <a16:creationId xmlns:a16="http://schemas.microsoft.com/office/drawing/2014/main" id="{EFC5577D-F456-40A0-9253-C32144E336DE}"/>
               </a:ext>
             </a:extLst>
           </p:cNvPr>
@@ -8595,8 +13313,8 @@
         </p:blipFill>
         <p:spPr>
           <a:xfrm>
-            <a:off x="1738483" y="203200"/>
-            <a:ext cx="9808204" cy="6033809"/>
+            <a:off x="2213532" y="365125"/>
+            <a:ext cx="9164404" cy="6235700"/>
           </a:xfrm>
           <a:prstGeom prst="rect">
             <a:avLst/>
@@ -8616,7 +13334,7 @@
 </p:sld>
 </file>
 
-<file path=ppt/slides/slide27.xml><?xml version="1.0" encoding="utf-8"?>
+<file path=ppt/slides/slide31.xml><?xml version="1.0" encoding="utf-8"?>
 <p:sld xmlns:a="http://schemas.openxmlformats.org/drawingml/2006/main" xmlns:r="http://schemas.openxmlformats.org/officeDocument/2006/relationships" xmlns:p="http://schemas.openxmlformats.org/presentationml/2006/main">
   <p:cSld>
     <p:spTree>
@@ -8721,7 +13439,7 @@
 </p:sld>
 </file>
 
-<file path=ppt/slides/slide28.xml><?xml version="1.0" encoding="utf-8"?>
+<file path=ppt/slides/slide32.xml><?xml version="1.0" encoding="utf-8"?>
 <p:sld xmlns:a="http://schemas.openxmlformats.org/drawingml/2006/main" xmlns:r="http://schemas.openxmlformats.org/officeDocument/2006/relationships" xmlns:p="http://schemas.openxmlformats.org/presentationml/2006/main">
   <p:cSld>
     <p:spTree>
@@ -8740,70 +13458,103 @@
       </p:grpSpPr>
       <p:sp>
         <p:nvSpPr>
-          <p:cNvPr id="2" name="Title 1">
-            <a:extLst>
-              <a:ext uri="{FF2B5EF4-FFF2-40B4-BE49-F238E27FC236}">
-                <a16:creationId xmlns:a16="http://schemas.microsoft.com/office/drawing/2014/main" id="{A45F80EC-8706-4D2F-9071-88B538145B98}"/>
-              </a:ext>
-            </a:extLst>
-          </p:cNvPr>
-          <p:cNvSpPr>
-            <a:spLocks noGrp="1"/>
-          </p:cNvSpPr>
-          <p:nvPr>
-            <p:ph type="title"/>
-          </p:nvPr>
+          <p:cNvPr id="2" name="Rectangle 1">
+            <a:extLst>
+              <a:ext uri="{FF2B5EF4-FFF2-40B4-BE49-F238E27FC236}">
+                <a16:creationId xmlns:a16="http://schemas.microsoft.com/office/drawing/2014/main" id="{B583A949-9A9C-441F-899A-B69D89CAE7D4}"/>
+              </a:ext>
+            </a:extLst>
+          </p:cNvPr>
+          <p:cNvSpPr/>
+          <p:nvPr/>
         </p:nvSpPr>
         <p:spPr>
           <a:xfrm>
-            <a:off x="760379" y="2592759"/>
-            <a:ext cx="10515600" cy="1325563"/>
+            <a:off x="1845733" y="1951672"/>
+            <a:ext cx="7467600" cy="3046988"/>
           </a:xfrm>
+          <a:prstGeom prst="rect">
+            <a:avLst/>
+          </a:prstGeom>
         </p:spPr>
         <p:txBody>
-          <a:bodyPr/>
-          <a:lstStyle/>
-          <a:p>
-            <a:pPr algn="ctr"/>
-            <a:r>
-              <a:rPr lang="de-DE" dirty="0" err="1">
-                <a:latin typeface="Adobe Heiti Std R" panose="020B0400000000000000" pitchFamily="34" charset="-128"/>
-                <a:ea typeface="Adobe Heiti Std R" panose="020B0400000000000000" pitchFamily="34" charset="-128"/>
-              </a:rPr>
-              <a:t>Thank</a:t>
-            </a:r>
-            <a:r>
-              <a:rPr lang="de-DE" dirty="0">
-                <a:latin typeface="Adobe Heiti Std R" panose="020B0400000000000000" pitchFamily="34" charset="-128"/>
-                <a:ea typeface="Adobe Heiti Std R" panose="020B0400000000000000" pitchFamily="34" charset="-128"/>
-              </a:rPr>
-              <a:t> </a:t>
-            </a:r>
-            <a:r>
-              <a:rPr lang="de-DE" dirty="0" err="1">
-                <a:latin typeface="Adobe Heiti Std R" panose="020B0400000000000000" pitchFamily="34" charset="-128"/>
-                <a:ea typeface="Adobe Heiti Std R" panose="020B0400000000000000" pitchFamily="34" charset="-128"/>
-              </a:rPr>
-              <a:t>you</a:t>
-            </a:r>
-            <a:r>
-              <a:rPr lang="de-DE" dirty="0">
-                <a:latin typeface="Adobe Heiti Std R" panose="020B0400000000000000" pitchFamily="34" charset="-128"/>
-                <a:ea typeface="Adobe Heiti Std R" panose="020B0400000000000000" pitchFamily="34" charset="-128"/>
-              </a:rPr>
-              <a:t>!</a:t>
-            </a:r>
-            <a:endParaRPr lang="en-CA" dirty="0">
-              <a:latin typeface="Adobe Heiti Std R" panose="020B0400000000000000" pitchFamily="34" charset="-128"/>
-              <a:ea typeface="Adobe Heiti Std R" panose="020B0400000000000000" pitchFamily="34" charset="-128"/>
-            </a:endParaRPr>
+          <a:bodyPr wrap="square">
+            <a:spAutoFit/>
+          </a:bodyPr>
+          <a:lstStyle/>
+          <a:p>
+            <a:r>
+              <a:rPr lang="en-CA" sz="2400" dirty="0"/>
+              <a:t>Electricity shortage is a big problem in our Country. But by installing this Smart Lighting System can save a lot of electricity. It will always check for the motion so if anyone forgets to turn off the lights it can automatically detect that and will take action automatically.</a:t>
+            </a:r>
+          </a:p>
+          <a:p>
+            <a:endParaRPr lang="en-CA" sz="2400" dirty="0"/>
+          </a:p>
+          <a:p>
+            <a:r>
+              <a:rPr lang="en-CA" sz="2400" dirty="0"/>
+              <a:t>Requirements: Motion sensor, Light intensity sensor, </a:t>
+            </a:r>
+            <a:r>
+              <a:rPr lang="en-CA" sz="2400" dirty="0" err="1"/>
+              <a:t>Smarthub</a:t>
+            </a:r>
+            <a:r>
+              <a:rPr lang="en-CA" sz="2400" dirty="0"/>
+              <a:t>(Micro-controller).</a:t>
+            </a:r>
+          </a:p>
+        </p:txBody>
+      </p:sp>
+      <p:sp>
+        <p:nvSpPr>
+          <p:cNvPr id="3" name="TextBox 2">
+            <a:extLst>
+              <a:ext uri="{FF2B5EF4-FFF2-40B4-BE49-F238E27FC236}">
+                <a16:creationId xmlns:a16="http://schemas.microsoft.com/office/drawing/2014/main" id="{CFA8545E-8AAB-40E7-901B-81CEFDEDB64A}"/>
+              </a:ext>
+            </a:extLst>
+          </p:cNvPr>
+          <p:cNvSpPr txBox="1"/>
+          <p:nvPr/>
+        </p:nvSpPr>
+        <p:spPr>
+          <a:xfrm>
+            <a:off x="1845733" y="778933"/>
+            <a:ext cx="6096000" cy="584775"/>
+          </a:xfrm>
+          <a:prstGeom prst="rect">
+            <a:avLst/>
+          </a:prstGeom>
+          <a:noFill/>
+        </p:spPr>
+        <p:txBody>
+          <a:bodyPr wrap="square" rtlCol="0">
+            <a:spAutoFit/>
+          </a:bodyPr>
+          <a:lstStyle/>
+          <a:p>
+            <a:r>
+              <a:rPr lang="de-DE" sz="3200" i="1" u="sng" dirty="0"/>
+              <a:t>Smart </a:t>
+            </a:r>
+            <a:r>
+              <a:rPr lang="de-DE" sz="3200" i="1" u="sng" dirty="0" err="1"/>
+              <a:t>Lighting</a:t>
+            </a:r>
+            <a:r>
+              <a:rPr lang="de-DE" sz="3200" i="1" u="sng" dirty="0"/>
+              <a:t> System</a:t>
+            </a:r>
+            <a:endParaRPr lang="en-CA" sz="3200" i="1" u="sng" dirty="0"/>
           </a:p>
         </p:txBody>
       </p:sp>
     </p:spTree>
     <p:extLst>
       <p:ext uri="{BB962C8B-B14F-4D97-AF65-F5344CB8AC3E}">
-        <p14:creationId xmlns:p14="http://schemas.microsoft.com/office/powerpoint/2010/main" val="322336275"/>
+        <p14:creationId xmlns:p14="http://schemas.microsoft.com/office/powerpoint/2010/main" val="4192420267"/>
       </p:ext>
     </p:extLst>
   </p:cSld>
@@ -8813,7 +13564,7 @@
 </p:sld>
 </file>
 
-<file path=ppt/slides/slide3.xml><?xml version="1.0" encoding="utf-8"?>
+<file path=ppt/slides/slide33.xml><?xml version="1.0" encoding="utf-8"?>
 <p:sld xmlns:a="http://schemas.openxmlformats.org/drawingml/2006/main" xmlns:r="http://schemas.openxmlformats.org/officeDocument/2006/relationships" xmlns:p="http://schemas.openxmlformats.org/presentationml/2006/main">
   <p:cSld>
     <p:spTree>
@@ -8830,53 +13581,664 @@
           <a:chExt cx="0" cy="0"/>
         </a:xfrm>
       </p:grpSpPr>
-      <p:sp>
-        <p:nvSpPr>
-          <p:cNvPr id="2" name="Title 1">
-            <a:extLst>
-              <a:ext uri="{FF2B5EF4-FFF2-40B4-BE49-F238E27FC236}">
-                <a16:creationId xmlns:a16="http://schemas.microsoft.com/office/drawing/2014/main" id="{D863B09D-0EB0-46D9-A1DD-2F77EE03AC64}"/>
-              </a:ext>
-            </a:extLst>
-          </p:cNvPr>
-          <p:cNvSpPr>
-            <a:spLocks noGrp="1"/>
-          </p:cNvSpPr>
-          <p:nvPr>
-            <p:ph type="title"/>
-          </p:nvPr>
-        </p:nvSpPr>
+      <p:pic>
+        <p:nvPicPr>
+          <p:cNvPr id="3" name="Picture 2">
+            <a:extLst>
+              <a:ext uri="{FF2B5EF4-FFF2-40B4-BE49-F238E27FC236}">
+                <a16:creationId xmlns:a16="http://schemas.microsoft.com/office/drawing/2014/main" id="{0F5F6327-7947-4F2C-8C28-54129A96B889}"/>
+              </a:ext>
+            </a:extLst>
+          </p:cNvPr>
+          <p:cNvPicPr>
+            <a:picLocks noChangeAspect="1"/>
+          </p:cNvPicPr>
+          <p:nvPr/>
+        </p:nvPicPr>
+        <p:blipFill>
+          <a:blip r:embed="rId2">
+            <a:extLst>
+              <a:ext uri="{28A0092B-C50C-407E-A947-70E740481C1C}">
+                <a14:useLocalDpi xmlns:a14="http://schemas.microsoft.com/office/drawing/2010/main" val="0"/>
+              </a:ext>
+            </a:extLst>
+          </a:blip>
+          <a:stretch>
+            <a:fillRect/>
+          </a:stretch>
+        </p:blipFill>
         <p:spPr>
           <a:xfrm>
-            <a:off x="945204" y="2339840"/>
+            <a:off x="1243012" y="119062"/>
+            <a:ext cx="9705975" cy="6619875"/>
+          </a:xfrm>
+          <a:prstGeom prst="rect">
+            <a:avLst/>
+          </a:prstGeom>
+        </p:spPr>
+      </p:pic>
+      <p:sp>
+        <p:nvSpPr>
+          <p:cNvPr id="2" name="TextBox 1">
+            <a:extLst>
+              <a:ext uri="{FF2B5EF4-FFF2-40B4-BE49-F238E27FC236}">
+                <a16:creationId xmlns:a16="http://schemas.microsoft.com/office/drawing/2014/main" id="{A7B46474-C4B1-4B83-9DD7-C7708C4F7CA0}"/>
+              </a:ext>
+            </a:extLst>
+          </p:cNvPr>
+          <p:cNvSpPr txBox="1"/>
+          <p:nvPr/>
+        </p:nvSpPr>
+        <p:spPr>
+          <a:xfrm rot="16200000">
+            <a:off x="-848601" y="3077453"/>
+            <a:ext cx="2489137" cy="369332"/>
+          </a:xfrm>
+          <a:prstGeom prst="rect">
+            <a:avLst/>
+          </a:prstGeom>
+          <a:noFill/>
+        </p:spPr>
+        <p:txBody>
+          <a:bodyPr wrap="square" rtlCol="0">
+            <a:spAutoFit/>
+          </a:bodyPr>
+          <a:lstStyle/>
+          <a:p>
+            <a:r>
+              <a:rPr lang="de-DE" dirty="0" err="1"/>
+              <a:t>Sequence</a:t>
+            </a:r>
+            <a:r>
+              <a:rPr lang="de-DE" dirty="0"/>
+              <a:t> </a:t>
+            </a:r>
+            <a:r>
+              <a:rPr lang="de-DE" dirty="0" err="1"/>
+              <a:t>Diagram</a:t>
+            </a:r>
+            <a:endParaRPr lang="en-CA" dirty="0"/>
+          </a:p>
+        </p:txBody>
+      </p:sp>
+    </p:spTree>
+    <p:extLst>
+      <p:ext uri="{BB962C8B-B14F-4D97-AF65-F5344CB8AC3E}">
+        <p14:creationId xmlns:p14="http://schemas.microsoft.com/office/powerpoint/2010/main" val="3560193358"/>
+      </p:ext>
+    </p:extLst>
+  </p:cSld>
+  <p:clrMapOvr>
+    <a:masterClrMapping/>
+  </p:clrMapOvr>
+</p:sld>
+</file>
+
+<file path=ppt/slides/slide34.xml><?xml version="1.0" encoding="utf-8"?>
+<p:sld xmlns:a="http://schemas.openxmlformats.org/drawingml/2006/main" xmlns:r="http://schemas.openxmlformats.org/officeDocument/2006/relationships" xmlns:p="http://schemas.openxmlformats.org/presentationml/2006/main">
+  <p:cSld>
+    <p:spTree>
+      <p:nvGrpSpPr>
+        <p:cNvPr id="1" name=""/>
+        <p:cNvGrpSpPr/>
+        <p:nvPr/>
+      </p:nvGrpSpPr>
+      <p:grpSpPr>
+        <a:xfrm>
+          <a:off x="0" y="0"/>
+          <a:ext cx="0" cy="0"/>
+          <a:chOff x="0" y="0"/>
+          <a:chExt cx="0" cy="0"/>
+        </a:xfrm>
+      </p:grpSpPr>
+      <p:pic>
+        <p:nvPicPr>
+          <p:cNvPr id="3" name="Picture 2">
+            <a:extLst>
+              <a:ext uri="{FF2B5EF4-FFF2-40B4-BE49-F238E27FC236}">
+                <a16:creationId xmlns:a16="http://schemas.microsoft.com/office/drawing/2014/main" id="{40CA078C-1DF5-42FF-A73E-53E028F12142}"/>
+              </a:ext>
+            </a:extLst>
+          </p:cNvPr>
+          <p:cNvPicPr>
+            <a:picLocks noChangeAspect="1"/>
+          </p:cNvPicPr>
+          <p:nvPr/>
+        </p:nvPicPr>
+        <p:blipFill>
+          <a:blip r:embed="rId2">
+            <a:extLst>
+              <a:ext uri="{28A0092B-C50C-407E-A947-70E740481C1C}">
+                <a14:useLocalDpi xmlns:a14="http://schemas.microsoft.com/office/drawing/2010/main" val="0"/>
+              </a:ext>
+            </a:extLst>
+          </a:blip>
+          <a:stretch>
+            <a:fillRect/>
+          </a:stretch>
+        </p:blipFill>
+        <p:spPr>
+          <a:xfrm>
+            <a:off x="0" y="590476"/>
+            <a:ext cx="12192000" cy="5677047"/>
+          </a:xfrm>
+          <a:prstGeom prst="rect">
+            <a:avLst/>
+          </a:prstGeom>
+        </p:spPr>
+      </p:pic>
+      <p:sp>
+        <p:nvSpPr>
+          <p:cNvPr id="2" name="TextBox 1">
+            <a:extLst>
+              <a:ext uri="{FF2B5EF4-FFF2-40B4-BE49-F238E27FC236}">
+                <a16:creationId xmlns:a16="http://schemas.microsoft.com/office/drawing/2014/main" id="{0686459A-C525-4EE3-9005-66F6A6CE7E00}"/>
+              </a:ext>
+            </a:extLst>
+          </p:cNvPr>
+          <p:cNvSpPr txBox="1"/>
+          <p:nvPr/>
+        </p:nvSpPr>
+        <p:spPr>
+          <a:xfrm>
+            <a:off x="5112203" y="105427"/>
+            <a:ext cx="1967593" cy="369332"/>
+          </a:xfrm>
+          <a:prstGeom prst="rect">
+            <a:avLst/>
+          </a:prstGeom>
+          <a:noFill/>
+        </p:spPr>
+        <p:txBody>
+          <a:bodyPr wrap="square" rtlCol="0">
+            <a:spAutoFit/>
+          </a:bodyPr>
+          <a:lstStyle/>
+          <a:p>
+            <a:r>
+              <a:rPr lang="de-DE" dirty="0" err="1"/>
+              <a:t>Activity</a:t>
+            </a:r>
+            <a:r>
+              <a:rPr lang="de-DE" dirty="0"/>
+              <a:t> </a:t>
+            </a:r>
+            <a:r>
+              <a:rPr lang="de-DE" dirty="0" err="1"/>
+              <a:t>Diagram</a:t>
+            </a:r>
+            <a:endParaRPr lang="en-CA" dirty="0"/>
+          </a:p>
+        </p:txBody>
+      </p:sp>
+    </p:spTree>
+    <p:extLst>
+      <p:ext uri="{BB962C8B-B14F-4D97-AF65-F5344CB8AC3E}">
+        <p14:creationId xmlns:p14="http://schemas.microsoft.com/office/powerpoint/2010/main" val="1548523284"/>
+      </p:ext>
+    </p:extLst>
+  </p:cSld>
+  <p:clrMapOvr>
+    <a:masterClrMapping/>
+  </p:clrMapOvr>
+</p:sld>
+</file>
+
+<file path=ppt/slides/slide35.xml><?xml version="1.0" encoding="utf-8"?>
+<p:sld xmlns:a="http://schemas.openxmlformats.org/drawingml/2006/main" xmlns:r="http://schemas.openxmlformats.org/officeDocument/2006/relationships" xmlns:p="http://schemas.openxmlformats.org/presentationml/2006/main">
+  <p:cSld>
+    <p:spTree>
+      <p:nvGrpSpPr>
+        <p:cNvPr id="1" name=""/>
+        <p:cNvGrpSpPr/>
+        <p:nvPr/>
+      </p:nvGrpSpPr>
+      <p:grpSpPr>
+        <a:xfrm>
+          <a:off x="0" y="0"/>
+          <a:ext cx="0" cy="0"/>
+          <a:chOff x="0" y="0"/>
+          <a:chExt cx="0" cy="0"/>
+        </a:xfrm>
+      </p:grpSpPr>
+      <p:pic>
+        <p:nvPicPr>
+          <p:cNvPr id="3" name="Picture 2">
+            <a:extLst>
+              <a:ext uri="{FF2B5EF4-FFF2-40B4-BE49-F238E27FC236}">
+                <a16:creationId xmlns:a16="http://schemas.microsoft.com/office/drawing/2014/main" id="{0A06360F-28E7-490F-A109-D4E4643C98D0}"/>
+              </a:ext>
+            </a:extLst>
+          </p:cNvPr>
+          <p:cNvPicPr>
+            <a:picLocks noChangeAspect="1"/>
+          </p:cNvPicPr>
+          <p:nvPr/>
+        </p:nvPicPr>
+        <p:blipFill>
+          <a:blip r:embed="rId2">
+            <a:extLst>
+              <a:ext uri="{28A0092B-C50C-407E-A947-70E740481C1C}">
+                <a14:useLocalDpi xmlns:a14="http://schemas.microsoft.com/office/drawing/2010/main" val="0"/>
+              </a:ext>
+            </a:extLst>
+          </a:blip>
+          <a:stretch>
+            <a:fillRect/>
+          </a:stretch>
+        </p:blipFill>
+        <p:spPr>
+          <a:xfrm>
+            <a:off x="1676400" y="176976"/>
+            <a:ext cx="8213302" cy="6504047"/>
+          </a:xfrm>
+          <a:prstGeom prst="rect">
+            <a:avLst/>
+          </a:prstGeom>
+        </p:spPr>
+      </p:pic>
+      <p:sp>
+        <p:nvSpPr>
+          <p:cNvPr id="2" name="TextBox 1">
+            <a:extLst>
+              <a:ext uri="{FF2B5EF4-FFF2-40B4-BE49-F238E27FC236}">
+                <a16:creationId xmlns:a16="http://schemas.microsoft.com/office/drawing/2014/main" id="{99C9A583-66E8-410C-8A80-A237147A1330}"/>
+              </a:ext>
+            </a:extLst>
+          </p:cNvPr>
+          <p:cNvSpPr txBox="1"/>
+          <p:nvPr/>
+        </p:nvSpPr>
+        <p:spPr>
+          <a:xfrm rot="16200000">
+            <a:off x="-979715" y="2873828"/>
+            <a:ext cx="2898322" cy="369332"/>
+          </a:xfrm>
+          <a:prstGeom prst="rect">
+            <a:avLst/>
+          </a:prstGeom>
+          <a:noFill/>
+        </p:spPr>
+        <p:txBody>
+          <a:bodyPr wrap="square" rtlCol="0">
+            <a:spAutoFit/>
+          </a:bodyPr>
+          <a:lstStyle/>
+          <a:p>
+            <a:r>
+              <a:rPr lang="de-DE" dirty="0"/>
+              <a:t>Class </a:t>
+            </a:r>
+            <a:r>
+              <a:rPr lang="de-DE" dirty="0" err="1"/>
+              <a:t>Diagram</a:t>
+            </a:r>
+            <a:endParaRPr lang="en-CA" dirty="0"/>
+          </a:p>
+        </p:txBody>
+      </p:sp>
+    </p:spTree>
+    <p:extLst>
+      <p:ext uri="{BB962C8B-B14F-4D97-AF65-F5344CB8AC3E}">
+        <p14:creationId xmlns:p14="http://schemas.microsoft.com/office/powerpoint/2010/main" val="3755627330"/>
+      </p:ext>
+    </p:extLst>
+  </p:cSld>
+  <p:clrMapOvr>
+    <a:masterClrMapping/>
+  </p:clrMapOvr>
+</p:sld>
+</file>
+
+<file path=ppt/slides/slide36.xml><?xml version="1.0" encoding="utf-8"?>
+<p:sld xmlns:a="http://schemas.openxmlformats.org/drawingml/2006/main" xmlns:r="http://schemas.openxmlformats.org/officeDocument/2006/relationships" xmlns:p="http://schemas.openxmlformats.org/presentationml/2006/main">
+  <p:cSld>
+    <p:spTree>
+      <p:nvGrpSpPr>
+        <p:cNvPr id="1" name=""/>
+        <p:cNvGrpSpPr/>
+        <p:nvPr/>
+      </p:nvGrpSpPr>
+      <p:grpSpPr>
+        <a:xfrm>
+          <a:off x="0" y="0"/>
+          <a:ext cx="0" cy="0"/>
+          <a:chOff x="0" y="0"/>
+          <a:chExt cx="0" cy="0"/>
+        </a:xfrm>
+      </p:grpSpPr>
+      <p:pic>
+        <p:nvPicPr>
+          <p:cNvPr id="3" name="Picture 2">
+            <a:extLst>
+              <a:ext uri="{FF2B5EF4-FFF2-40B4-BE49-F238E27FC236}">
+                <a16:creationId xmlns:a16="http://schemas.microsoft.com/office/drawing/2014/main" id="{E10745EE-671B-49F4-8BBB-E4FEBCC249D9}"/>
+              </a:ext>
+            </a:extLst>
+          </p:cNvPr>
+          <p:cNvPicPr>
+            <a:picLocks noChangeAspect="1"/>
+          </p:cNvPicPr>
+          <p:nvPr/>
+        </p:nvPicPr>
+        <p:blipFill>
+          <a:blip r:embed="rId2">
+            <a:extLst>
+              <a:ext uri="{28A0092B-C50C-407E-A947-70E740481C1C}">
+                <a14:useLocalDpi xmlns:a14="http://schemas.microsoft.com/office/drawing/2010/main" val="0"/>
+              </a:ext>
+            </a:extLst>
+          </a:blip>
+          <a:stretch>
+            <a:fillRect/>
+          </a:stretch>
+        </p:blipFill>
+        <p:spPr>
+          <a:xfrm>
+            <a:off x="316970" y="914400"/>
+            <a:ext cx="10918101" cy="5029199"/>
+          </a:xfrm>
+          <a:prstGeom prst="rect">
+            <a:avLst/>
+          </a:prstGeom>
+        </p:spPr>
+      </p:pic>
+      <p:sp>
+        <p:nvSpPr>
+          <p:cNvPr id="2" name="TextBox 1">
+            <a:extLst>
+              <a:ext uri="{FF2B5EF4-FFF2-40B4-BE49-F238E27FC236}">
+                <a16:creationId xmlns:a16="http://schemas.microsoft.com/office/drawing/2014/main" id="{F8338F8A-D3FD-4185-A5F0-6C60CC5889DB}"/>
+              </a:ext>
+            </a:extLst>
+          </p:cNvPr>
+          <p:cNvSpPr txBox="1"/>
+          <p:nvPr/>
+        </p:nvSpPr>
+        <p:spPr>
+          <a:xfrm>
+            <a:off x="4514850" y="220436"/>
+            <a:ext cx="3200400" cy="369332"/>
+          </a:xfrm>
+          <a:prstGeom prst="rect">
+            <a:avLst/>
+          </a:prstGeom>
+          <a:noFill/>
+        </p:spPr>
+        <p:txBody>
+          <a:bodyPr wrap="square" rtlCol="0">
+            <a:spAutoFit/>
+          </a:bodyPr>
+          <a:lstStyle/>
+          <a:p>
+            <a:r>
+              <a:rPr lang="de-DE" dirty="0"/>
+              <a:t>State </a:t>
+            </a:r>
+            <a:r>
+              <a:rPr lang="de-DE" dirty="0" err="1"/>
+              <a:t>Machine</a:t>
+            </a:r>
+            <a:r>
+              <a:rPr lang="de-DE" dirty="0"/>
+              <a:t> </a:t>
+            </a:r>
+            <a:r>
+              <a:rPr lang="de-DE" dirty="0" err="1"/>
+              <a:t>Diagram</a:t>
+            </a:r>
+            <a:endParaRPr lang="en-CA" dirty="0"/>
+          </a:p>
+        </p:txBody>
+      </p:sp>
+    </p:spTree>
+    <p:extLst>
+      <p:ext uri="{BB962C8B-B14F-4D97-AF65-F5344CB8AC3E}">
+        <p14:creationId xmlns:p14="http://schemas.microsoft.com/office/powerpoint/2010/main" val="2413780446"/>
+      </p:ext>
+    </p:extLst>
+  </p:cSld>
+  <p:clrMapOvr>
+    <a:masterClrMapping/>
+  </p:clrMapOvr>
+</p:sld>
+</file>
+
+<file path=ppt/slides/slide37.xml><?xml version="1.0" encoding="utf-8"?>
+<p:sld xmlns:a="http://schemas.openxmlformats.org/drawingml/2006/main" xmlns:r="http://schemas.openxmlformats.org/officeDocument/2006/relationships" xmlns:p="http://schemas.openxmlformats.org/presentationml/2006/main">
+  <p:cSld>
+    <p:spTree>
+      <p:nvGrpSpPr>
+        <p:cNvPr id="1" name=""/>
+        <p:cNvGrpSpPr/>
+        <p:nvPr/>
+      </p:nvGrpSpPr>
+      <p:grpSpPr>
+        <a:xfrm>
+          <a:off x="0" y="0"/>
+          <a:ext cx="0" cy="0"/>
+          <a:chOff x="0" y="0"/>
+          <a:chExt cx="0" cy="0"/>
+        </a:xfrm>
+      </p:grpSpPr>
+      <p:sp>
+        <p:nvSpPr>
+          <p:cNvPr id="2" name="Title 1">
+            <a:extLst>
+              <a:ext uri="{FF2B5EF4-FFF2-40B4-BE49-F238E27FC236}">
+                <a16:creationId xmlns:a16="http://schemas.microsoft.com/office/drawing/2014/main" id="{A45F80EC-8706-4D2F-9071-88B538145B98}"/>
+              </a:ext>
+            </a:extLst>
+          </p:cNvPr>
+          <p:cNvSpPr>
+            <a:spLocks noGrp="1"/>
+          </p:cNvSpPr>
+          <p:nvPr>
+            <p:ph type="title"/>
+          </p:nvPr>
+        </p:nvSpPr>
+        <p:spPr>
+          <a:xfrm>
+            <a:off x="760379" y="2592759"/>
             <a:ext cx="10515600" cy="1325563"/>
           </a:xfrm>
         </p:spPr>
         <p:txBody>
-          <a:bodyPr>
-            <a:normAutofit/>
-          </a:bodyPr>
+          <a:bodyPr/>
           <a:lstStyle/>
           <a:p>
             <a:pPr algn="ctr"/>
             <a:r>
-              <a:rPr lang="de-DE" sz="4800" dirty="0">
+              <a:rPr lang="de-DE" dirty="0" err="1">
                 <a:latin typeface="Adobe Heiti Std R" panose="020B0400000000000000" pitchFamily="34" charset="-128"/>
                 <a:ea typeface="Adobe Heiti Std R" panose="020B0400000000000000" pitchFamily="34" charset="-128"/>
               </a:rPr>
-              <a:t>Ideas &amp; Scenarios</a:t>
-            </a:r>
-            <a:endParaRPr lang="en-CA" sz="4800" dirty="0">
+              <a:t>Thank</a:t>
+            </a:r>
+            <a:r>
+              <a:rPr lang="de-DE" dirty="0">
+                <a:latin typeface="Adobe Heiti Std R" panose="020B0400000000000000" pitchFamily="34" charset="-128"/>
+                <a:ea typeface="Adobe Heiti Std R" panose="020B0400000000000000" pitchFamily="34" charset="-128"/>
+              </a:rPr>
+              <a:t> </a:t>
+            </a:r>
+            <a:r>
+              <a:rPr lang="de-DE" dirty="0" err="1">
+                <a:latin typeface="Adobe Heiti Std R" panose="020B0400000000000000" pitchFamily="34" charset="-128"/>
+                <a:ea typeface="Adobe Heiti Std R" panose="020B0400000000000000" pitchFamily="34" charset="-128"/>
+              </a:rPr>
+              <a:t>you</a:t>
+            </a:r>
+            <a:r>
+              <a:rPr lang="de-DE" dirty="0">
+                <a:latin typeface="Adobe Heiti Std R" panose="020B0400000000000000" pitchFamily="34" charset="-128"/>
+                <a:ea typeface="Adobe Heiti Std R" panose="020B0400000000000000" pitchFamily="34" charset="-128"/>
+              </a:rPr>
+              <a:t>!</a:t>
+            </a:r>
+            <a:endParaRPr lang="en-CA" dirty="0">
               <a:latin typeface="Adobe Heiti Std R" panose="020B0400000000000000" pitchFamily="34" charset="-128"/>
               <a:ea typeface="Adobe Heiti Std R" panose="020B0400000000000000" pitchFamily="34" charset="-128"/>
             </a:endParaRPr>
           </a:p>
         </p:txBody>
       </p:sp>
+      <p:sp>
+        <p:nvSpPr>
+          <p:cNvPr id="4" name="TextBox 3">
+            <a:extLst>
+              <a:ext uri="{FF2B5EF4-FFF2-40B4-BE49-F238E27FC236}">
+                <a16:creationId xmlns:a16="http://schemas.microsoft.com/office/drawing/2014/main" id="{D78F9EC6-AD68-4E1D-8F81-0CF726F69A0B}"/>
+              </a:ext>
+            </a:extLst>
+          </p:cNvPr>
+          <p:cNvSpPr txBox="1"/>
+          <p:nvPr/>
+        </p:nvSpPr>
+        <p:spPr>
+          <a:xfrm>
+            <a:off x="1890793" y="3804834"/>
+            <a:ext cx="8276095" cy="769441"/>
+          </a:xfrm>
+          <a:prstGeom prst="rect">
+            <a:avLst/>
+          </a:prstGeom>
+          <a:noFill/>
+        </p:spPr>
+        <p:txBody>
+          <a:bodyPr wrap="square" rtlCol="0">
+            <a:spAutoFit/>
+          </a:bodyPr>
+          <a:lstStyle/>
+          <a:p>
+            <a:pPr algn="ctr"/>
+            <a:r>
+              <a:rPr lang="de-DE" sz="4400" b="1" dirty="0" err="1"/>
+              <a:t>Have</a:t>
+            </a:r>
+            <a:r>
+              <a:rPr lang="de-DE" sz="4400" b="1" dirty="0"/>
+              <a:t> </a:t>
+            </a:r>
+            <a:r>
+              <a:rPr lang="de-DE" sz="4400" b="1" dirty="0" err="1"/>
+              <a:t>any</a:t>
+            </a:r>
+            <a:r>
+              <a:rPr lang="de-DE" sz="4400" b="1" dirty="0"/>
+              <a:t> </a:t>
+            </a:r>
+            <a:r>
+              <a:rPr lang="de-DE" sz="4400" b="1" dirty="0" err="1"/>
+              <a:t>questions</a:t>
+            </a:r>
+            <a:r>
+              <a:rPr lang="de-DE" sz="4400" b="1" dirty="0"/>
+              <a:t>?</a:t>
+            </a:r>
+            <a:endParaRPr lang="en-CA" sz="4400" b="1" dirty="0"/>
+          </a:p>
+        </p:txBody>
+      </p:sp>
     </p:spTree>
     <p:extLst>
       <p:ext uri="{BB962C8B-B14F-4D97-AF65-F5344CB8AC3E}">
-        <p14:creationId xmlns:p14="http://schemas.microsoft.com/office/powerpoint/2010/main" val="3527878251"/>
+        <p14:creationId xmlns:p14="http://schemas.microsoft.com/office/powerpoint/2010/main" val="322336275"/>
+      </p:ext>
+    </p:extLst>
+  </p:cSld>
+  <p:clrMapOvr>
+    <a:masterClrMapping/>
+  </p:clrMapOvr>
+</p:sld>
+</file>
+
+<file path=ppt/slides/slide38.xml><?xml version="1.0" encoding="utf-8"?>
+<p:sld xmlns:a="http://schemas.openxmlformats.org/drawingml/2006/main" xmlns:r="http://schemas.openxmlformats.org/officeDocument/2006/relationships" xmlns:p="http://schemas.openxmlformats.org/presentationml/2006/main">
+  <p:cSld>
+    <p:spTree>
+      <p:nvGrpSpPr>
+        <p:cNvPr id="1" name=""/>
+        <p:cNvGrpSpPr/>
+        <p:nvPr/>
+      </p:nvGrpSpPr>
+      <p:grpSpPr>
+        <a:xfrm>
+          <a:off x="0" y="0"/>
+          <a:ext cx="0" cy="0"/>
+          <a:chOff x="0" y="0"/>
+          <a:chExt cx="0" cy="0"/>
+        </a:xfrm>
+      </p:grpSpPr>
+      <p:pic>
+        <p:nvPicPr>
+          <p:cNvPr id="5" name="Picture 4">
+            <a:extLst>
+              <a:ext uri="{FF2B5EF4-FFF2-40B4-BE49-F238E27FC236}">
+                <a16:creationId xmlns:a16="http://schemas.microsoft.com/office/drawing/2014/main" id="{EB35430B-2B1C-41C6-8612-D20F63D7F387}"/>
+              </a:ext>
+            </a:extLst>
+          </p:cNvPr>
+          <p:cNvPicPr>
+            <a:picLocks noChangeAspect="1"/>
+          </p:cNvPicPr>
+          <p:nvPr/>
+        </p:nvPicPr>
+        <p:blipFill>
+          <a:blip r:embed="rId2"/>
+          <a:stretch>
+            <a:fillRect/>
+          </a:stretch>
+        </p:blipFill>
+        <p:spPr>
+          <a:xfrm>
+            <a:off x="643467" y="1771045"/>
+            <a:ext cx="7047923" cy="3311674"/>
+          </a:xfrm>
+          <a:prstGeom prst="rect">
+            <a:avLst/>
+          </a:prstGeom>
+        </p:spPr>
+      </p:pic>
+      <p:sp>
+        <p:nvSpPr>
+          <p:cNvPr id="3" name="TextBox 2">
+            <a:extLst>
+              <a:ext uri="{FF2B5EF4-FFF2-40B4-BE49-F238E27FC236}">
+                <a16:creationId xmlns:a16="http://schemas.microsoft.com/office/drawing/2014/main" id="{1B87CA7B-67B9-44DB-990B-6F93D94EF565}"/>
+              </a:ext>
+            </a:extLst>
+          </p:cNvPr>
+          <p:cNvSpPr txBox="1"/>
+          <p:nvPr/>
+        </p:nvSpPr>
+        <p:spPr>
+          <a:xfrm>
+            <a:off x="539931" y="516191"/>
+            <a:ext cx="11234057" cy="461665"/>
+          </a:xfrm>
+          <a:prstGeom prst="rect">
+            <a:avLst/>
+          </a:prstGeom>
+          <a:noFill/>
+        </p:spPr>
+        <p:txBody>
+          <a:bodyPr wrap="square" rtlCol="0">
+            <a:spAutoFit/>
+          </a:bodyPr>
+          <a:lstStyle/>
+          <a:p>
+            <a:r>
+              <a:rPr lang="en-US" sz="2400" b="1" dirty="0"/>
+              <a:t>References</a:t>
+            </a:r>
+          </a:p>
+        </p:txBody>
+      </p:sp>
+    </p:spTree>
+    <p:extLst>
+      <p:ext uri="{BB962C8B-B14F-4D97-AF65-F5344CB8AC3E}">
+        <p14:creationId xmlns:p14="http://schemas.microsoft.com/office/powerpoint/2010/main" val="3118312165"/>
       </p:ext>
     </p:extLst>
   </p:cSld>
@@ -8905,108 +14267,151 @@
       </p:grpSpPr>
       <p:sp>
         <p:nvSpPr>
-          <p:cNvPr id="2" name="Title 1">
-            <a:extLst>
-              <a:ext uri="{FF2B5EF4-FFF2-40B4-BE49-F238E27FC236}">
-                <a16:creationId xmlns:a16="http://schemas.microsoft.com/office/drawing/2014/main" id="{B26FE6E7-74C9-4EB6-9EF1-B4B538DCF0A3}"/>
-              </a:ext>
-            </a:extLst>
-          </p:cNvPr>
-          <p:cNvSpPr>
-            <a:spLocks noGrp="1"/>
-          </p:cNvSpPr>
-          <p:nvPr>
-            <p:ph type="ctrTitle"/>
-          </p:nvPr>
+          <p:cNvPr id="4" name="TextBox 3">
+            <a:extLst>
+              <a:ext uri="{FF2B5EF4-FFF2-40B4-BE49-F238E27FC236}">
+                <a16:creationId xmlns:a16="http://schemas.microsoft.com/office/drawing/2014/main" id="{22841045-0EA0-49CB-AEE8-0C76B3116119}"/>
+              </a:ext>
+            </a:extLst>
+          </p:cNvPr>
+          <p:cNvSpPr txBox="1"/>
+          <p:nvPr/>
         </p:nvSpPr>
         <p:spPr>
           <a:xfrm>
-            <a:off x="1230217" y="1284936"/>
-            <a:ext cx="4865783" cy="673386"/>
+            <a:off x="477981" y="1122363"/>
+            <a:ext cx="4023360" cy="3204134"/>
           </a:xfrm>
+          <a:prstGeom prst="rect">
+            <a:avLst/>
+          </a:prstGeom>
         </p:spPr>
         <p:txBody>
-          <a:bodyPr>
-            <a:noAutofit/>
+          <a:bodyPr vert="horz" lIns="91440" tIns="45720" rIns="91440" bIns="45720" rtlCol="0" anchor="b">
+            <a:normAutofit/>
           </a:bodyPr>
           <a:lstStyle/>
           <a:p>
-            <a:pPr algn="l"/>
-            <a:r>
-              <a:rPr lang="en-CA" sz="3200" b="1" i="1" u="sng" dirty="0"/>
-              <a:t>Smart Gardening:</a:t>
-            </a:r>
-            <a:endParaRPr lang="en-CA" sz="3200" dirty="0"/>
-          </a:p>
-        </p:txBody>
-      </p:sp>
-      <p:sp>
-        <p:nvSpPr>
-          <p:cNvPr id="3" name="Subtitle 2">
-            <a:extLst>
-              <a:ext uri="{FF2B5EF4-FFF2-40B4-BE49-F238E27FC236}">
-                <a16:creationId xmlns:a16="http://schemas.microsoft.com/office/drawing/2014/main" id="{3FABB114-EE08-46B1-A821-37340EF7E44D}"/>
-              </a:ext>
-            </a:extLst>
-          </p:cNvPr>
-          <p:cNvSpPr>
-            <a:spLocks noGrp="1"/>
-          </p:cNvSpPr>
-          <p:nvPr>
-            <p:ph type="subTitle" idx="1"/>
-          </p:nvPr>
-        </p:nvSpPr>
+            <a:pPr>
+              <a:lnSpc>
+                <a:spcPct val="90000"/>
+              </a:lnSpc>
+              <a:spcBef>
+                <a:spcPct val="0"/>
+              </a:spcBef>
+              <a:spcAft>
+                <a:spcPts val="600"/>
+              </a:spcAft>
+            </a:pPr>
+            <a:r>
+              <a:rPr lang="en-US" sz="4800" b="1">
+                <a:latin typeface="+mj-lt"/>
+                <a:ea typeface="+mj-ea"/>
+                <a:cs typeface="+mj-cs"/>
+              </a:rPr>
+              <a:t>Architectural Overview</a:t>
+            </a:r>
+          </a:p>
+        </p:txBody>
+      </p:sp>
+      <p:pic>
+        <p:nvPicPr>
+          <p:cNvPr id="3" name="Picture 2" descr="Diagram&#10;&#10;Description automatically generated">
+            <a:extLst>
+              <a:ext uri="{FF2B5EF4-FFF2-40B4-BE49-F238E27FC236}">
+                <a16:creationId xmlns:a16="http://schemas.microsoft.com/office/drawing/2014/main" id="{F356132A-BB37-4778-9683-D5E270BA4C37}"/>
+              </a:ext>
+            </a:extLst>
+          </p:cNvPr>
+          <p:cNvPicPr>
+            <a:picLocks noChangeAspect="1"/>
+          </p:cNvPicPr>
+          <p:nvPr/>
+        </p:nvPicPr>
+        <p:blipFill rotWithShape="1">
+          <a:blip r:embed="rId2">
+            <a:extLst>
+              <a:ext uri="{28A0092B-C50C-407E-A947-70E740481C1C}">
+                <a14:useLocalDpi xmlns:a14="http://schemas.microsoft.com/office/drawing/2010/main" val="0"/>
+              </a:ext>
+            </a:extLst>
+          </a:blip>
+          <a:srcRect t="335" r="-2" b="-2"/>
+          <a:stretch/>
+        </p:blipFill>
         <p:spPr>
           <a:xfrm>
-            <a:off x="1230217" y="2497176"/>
-            <a:ext cx="9144000" cy="1655762"/>
+            <a:off x="4868487" y="10"/>
+            <a:ext cx="7323513" cy="6857990"/>
           </a:xfrm>
+          <a:prstGeom prst="rect">
+            <a:avLst/>
+          </a:prstGeom>
         </p:spPr>
-        <p:txBody>
-          <a:bodyPr>
-            <a:normAutofit fontScale="92500"/>
+      </p:pic>
+      <p:sp>
+        <p:nvSpPr>
+          <p:cNvPr id="5" name="TextBox 4">
+            <a:extLst>
+              <a:ext uri="{FF2B5EF4-FFF2-40B4-BE49-F238E27FC236}">
+                <a16:creationId xmlns:a16="http://schemas.microsoft.com/office/drawing/2014/main" id="{24A6FF7C-9996-414E-94FB-618E1F84E00E}"/>
+              </a:ext>
+            </a:extLst>
+          </p:cNvPr>
+          <p:cNvSpPr txBox="1"/>
+          <p:nvPr/>
+        </p:nvSpPr>
+        <p:spPr>
+          <a:xfrm>
+            <a:off x="235131" y="5277394"/>
+            <a:ext cx="3901440" cy="600164"/>
+          </a:xfrm>
+          <a:prstGeom prst="rect">
+            <a:avLst/>
+          </a:prstGeom>
+          <a:noFill/>
+        </p:spPr>
+        <p:txBody>
+          <a:bodyPr wrap="square" rtlCol="0">
+            <a:spAutoFit/>
           </a:bodyPr>
           <a:lstStyle/>
           <a:p>
-            <a:pPr algn="l"/>
-            <a:r>
-              <a:rPr lang="en-CA" dirty="0"/>
-              <a:t>A separate space for garden in the house for the plant lovers. The smart home will allow devices like </a:t>
-            </a:r>
-            <a:r>
-              <a:rPr lang="en-CA" dirty="0" err="1"/>
-              <a:t>GreenSens</a:t>
-            </a:r>
-            <a:r>
-              <a:rPr lang="en-CA" dirty="0"/>
-              <a:t> to be compatible with it, keeping the user constantly updated about the health of each of the plants in the garden. </a:t>
-            </a:r>
-          </a:p>
-          <a:p>
-            <a:pPr algn="l"/>
-            <a:r>
-              <a:rPr lang="en-CA" dirty="0"/>
-              <a:t>Requirements: </a:t>
-            </a:r>
-            <a:r>
-              <a:rPr lang="en-CA" dirty="0" err="1"/>
-              <a:t>GreenSens</a:t>
-            </a:r>
-            <a:r>
-              <a:rPr lang="en-CA" dirty="0"/>
-              <a:t>, Space in the house.</a:t>
-            </a:r>
-          </a:p>
-          <a:p>
-            <a:pPr algn="l"/>
-            <a:endParaRPr lang="en-CA" dirty="0"/>
+            <a:r>
+              <a:rPr lang="en-US" sz="1100" dirty="0"/>
+              <a:t>Al-</a:t>
+            </a:r>
+            <a:r>
+              <a:rPr lang="en-US" sz="1100" dirty="0" err="1"/>
+              <a:t>Qutayri</a:t>
+            </a:r>
+            <a:r>
+              <a:rPr lang="en-US" sz="1100" dirty="0"/>
+              <a:t>, Mahmoud &amp; </a:t>
+            </a:r>
+            <a:r>
+              <a:rPr lang="en-US" sz="1100" dirty="0" err="1"/>
+              <a:t>Jeedella</a:t>
+            </a:r>
+            <a:r>
+              <a:rPr lang="en-US" sz="1100" dirty="0"/>
+              <a:t>, </a:t>
+            </a:r>
+            <a:r>
+              <a:rPr lang="en-US" sz="1100" dirty="0" err="1"/>
+              <a:t>Jeedella</a:t>
+            </a:r>
+            <a:r>
+              <a:rPr lang="en-US" sz="1100" dirty="0"/>
+              <a:t>. (2010). Integrated Wireless Technologies for Smart Homes Applications. 10.5772/8412. </a:t>
+            </a:r>
           </a:p>
         </p:txBody>
       </p:sp>
     </p:spTree>
     <p:extLst>
       <p:ext uri="{BB962C8B-B14F-4D97-AF65-F5344CB8AC3E}">
-        <p14:creationId xmlns:p14="http://schemas.microsoft.com/office/powerpoint/2010/main" val="223492563"/>
+        <p14:creationId xmlns:p14="http://schemas.microsoft.com/office/powerpoint/2010/main" val="3046739377"/>
       </p:ext>
     </p:extLst>
   </p:cSld>
@@ -9035,83 +14440,219 @@
       </p:grpSpPr>
       <p:sp>
         <p:nvSpPr>
-          <p:cNvPr id="2" name="Title 1">
-            <a:extLst>
-              <a:ext uri="{FF2B5EF4-FFF2-40B4-BE49-F238E27FC236}">
-                <a16:creationId xmlns:a16="http://schemas.microsoft.com/office/drawing/2014/main" id="{0CB25684-7F5B-420E-8932-77E78167E4E0}"/>
-              </a:ext>
-            </a:extLst>
-          </p:cNvPr>
-          <p:cNvSpPr>
-            <a:spLocks noGrp="1"/>
-          </p:cNvSpPr>
-          <p:nvPr>
-            <p:ph type="title"/>
-          </p:nvPr>
+          <p:cNvPr id="10" name="TextBox 9">
+            <a:extLst>
+              <a:ext uri="{FF2B5EF4-FFF2-40B4-BE49-F238E27FC236}">
+                <a16:creationId xmlns:a16="http://schemas.microsoft.com/office/drawing/2014/main" id="{FD87E08E-88C0-4050-BA9D-212D1EF1F3D9}"/>
+              </a:ext>
+            </a:extLst>
+          </p:cNvPr>
+          <p:cNvSpPr txBox="1"/>
+          <p:nvPr/>
         </p:nvSpPr>
         <p:spPr>
           <a:xfrm>
-            <a:off x="736488" y="187065"/>
-            <a:ext cx="10504167" cy="378691"/>
-          </a:xfrm>
-        </p:spPr>
-        <p:txBody>
-          <a:bodyPr vert="horz">
-            <a:noAutofit/>
-          </a:bodyPr>
-          <a:lstStyle/>
-          <a:p>
-            <a:pPr algn="ctr"/>
-            <a:r>
-              <a:rPr lang="de-DE" sz="3600" dirty="0">
-                <a:latin typeface="Adobe Heiti Std R" panose="020B0400000000000000" pitchFamily="34" charset="-128"/>
-                <a:ea typeface="Adobe Heiti Std R" panose="020B0400000000000000" pitchFamily="34" charset="-128"/>
-              </a:rPr>
-              <a:t>Sequence Diagram</a:t>
-            </a:r>
-          </a:p>
-        </p:txBody>
-      </p:sp>
-      <p:pic>
-        <p:nvPicPr>
-          <p:cNvPr id="4" name="Picture 3" descr="Diagram, box and whisker chart&#10;&#10;Description automatically generated">
-            <a:extLst>
-              <a:ext uri="{FF2B5EF4-FFF2-40B4-BE49-F238E27FC236}">
-                <a16:creationId xmlns:a16="http://schemas.microsoft.com/office/drawing/2014/main" id="{CE55FB2C-C1D0-4028-B04C-C72E365C4F82}"/>
-              </a:ext>
-            </a:extLst>
-          </p:cNvPr>
-          <p:cNvPicPr>
-            <a:picLocks noChangeAspect="1"/>
-          </p:cNvPicPr>
-          <p:nvPr/>
-        </p:nvPicPr>
-        <p:blipFill>
-          <a:blip r:embed="rId2">
-            <a:extLst>
-              <a:ext uri="{28A0092B-C50C-407E-A947-70E740481C1C}">
-                <a14:useLocalDpi xmlns:a14="http://schemas.microsoft.com/office/drawing/2010/main" val="0"/>
-              </a:ext>
-            </a:extLst>
-          </a:blip>
-          <a:stretch>
-            <a:fillRect/>
-          </a:stretch>
-        </p:blipFill>
-        <p:spPr>
-          <a:xfrm>
-            <a:off x="0" y="805424"/>
-            <a:ext cx="12192000" cy="5676165"/>
+            <a:off x="-827598" y="151522"/>
+            <a:ext cx="5608864" cy="523220"/>
           </a:xfrm>
           <a:prstGeom prst="rect">
             <a:avLst/>
           </a:prstGeom>
+          <a:noFill/>
         </p:spPr>
-      </p:pic>
+        <p:txBody>
+          <a:bodyPr wrap="square" rtlCol="0">
+            <a:spAutoFit/>
+          </a:bodyPr>
+          <a:lstStyle/>
+          <a:p>
+            <a:pPr algn="ctr"/>
+            <a:r>
+              <a:rPr lang="de-DE" sz="2800" dirty="0" err="1">
+                <a:latin typeface="Adobe Heiti Std R" panose="020B0400000000000000" pitchFamily="34" charset="-128"/>
+                <a:ea typeface="Adobe Heiti Std R" panose="020B0400000000000000" pitchFamily="34" charset="-128"/>
+              </a:rPr>
+              <a:t>Disadvantages</a:t>
+            </a:r>
+            <a:endParaRPr lang="de-DE" sz="2800" dirty="0">
+              <a:latin typeface="Adobe Heiti Std R" panose="020B0400000000000000" pitchFamily="34" charset="-128"/>
+              <a:ea typeface="Adobe Heiti Std R" panose="020B0400000000000000" pitchFamily="34" charset="-128"/>
+            </a:endParaRPr>
+          </a:p>
+        </p:txBody>
+      </p:sp>
+      <p:sp>
+        <p:nvSpPr>
+          <p:cNvPr id="12" name="TextBox 11">
+            <a:extLst>
+              <a:ext uri="{FF2B5EF4-FFF2-40B4-BE49-F238E27FC236}">
+                <a16:creationId xmlns:a16="http://schemas.microsoft.com/office/drawing/2014/main" id="{E327506D-7F3D-4137-9E1C-E134CD95DE6A}"/>
+              </a:ext>
+            </a:extLst>
+          </p:cNvPr>
+          <p:cNvSpPr txBox="1"/>
+          <p:nvPr/>
+        </p:nvSpPr>
+        <p:spPr>
+          <a:xfrm>
+            <a:off x="653557" y="1104945"/>
+            <a:ext cx="4833257" cy="5078313"/>
+          </a:xfrm>
+          <a:prstGeom prst="rect">
+            <a:avLst/>
+          </a:prstGeom>
+          <a:noFill/>
+        </p:spPr>
+        <p:txBody>
+          <a:bodyPr wrap="square" rtlCol="0">
+            <a:spAutoFit/>
+          </a:bodyPr>
+          <a:lstStyle/>
+          <a:p>
+            <a:pPr marL="285750" indent="-285750">
+              <a:buFont typeface="Arial" panose="020B0604020202020204" pitchFamily="34" charset="0"/>
+              <a:buChar char="•"/>
+            </a:pPr>
+            <a:r>
+              <a:rPr lang="en-CA" dirty="0"/>
+              <a:t>Significant installation costs</a:t>
+            </a:r>
+          </a:p>
+          <a:p>
+            <a:endParaRPr lang="de-DE" dirty="0"/>
+          </a:p>
+          <a:p>
+            <a:pPr marL="285750" indent="-285750">
+              <a:buFont typeface="Arial" panose="020B0604020202020204" pitchFamily="34" charset="0"/>
+              <a:buChar char="•"/>
+            </a:pPr>
+            <a:r>
+              <a:rPr lang="en-CA" dirty="0"/>
+              <a:t>Unreliable internet connection</a:t>
+            </a:r>
+          </a:p>
+          <a:p>
+            <a:pPr marL="285750" indent="-285750">
+              <a:buFont typeface="Arial" panose="020B0604020202020204" pitchFamily="34" charset="0"/>
+              <a:buChar char="•"/>
+            </a:pPr>
+            <a:endParaRPr lang="de-DE" dirty="0"/>
+          </a:p>
+          <a:p>
+            <a:pPr marL="285750" indent="-285750">
+              <a:buFont typeface="Arial" panose="020B0604020202020204" pitchFamily="34" charset="0"/>
+              <a:buChar char="•"/>
+            </a:pPr>
+            <a:r>
+              <a:rPr lang="en-CA" dirty="0"/>
+              <a:t>Cyber Threat</a:t>
+            </a:r>
+          </a:p>
+          <a:p>
+            <a:pPr marL="285750" indent="-285750">
+              <a:buFont typeface="Arial" panose="020B0604020202020204" pitchFamily="34" charset="0"/>
+              <a:buChar char="•"/>
+            </a:pPr>
+            <a:endParaRPr lang="de-DE" dirty="0"/>
+          </a:p>
+          <a:p>
+            <a:pPr marL="285750" indent="-285750">
+              <a:buFont typeface="Arial" panose="020B0604020202020204" pitchFamily="34" charset="0"/>
+              <a:buChar char="•"/>
+            </a:pPr>
+            <a:r>
+              <a:rPr lang="en-CA" dirty="0"/>
+              <a:t>Technological problems in connected homes</a:t>
+            </a:r>
+          </a:p>
+          <a:p>
+            <a:pPr marL="285750" indent="-285750">
+              <a:buFont typeface="Arial" panose="020B0604020202020204" pitchFamily="34" charset="0"/>
+              <a:buChar char="•"/>
+            </a:pPr>
+            <a:endParaRPr lang="de-DE" dirty="0"/>
+          </a:p>
+          <a:p>
+            <a:pPr marL="285750" indent="-285750">
+              <a:buFont typeface="Arial" panose="020B0604020202020204" pitchFamily="34" charset="0"/>
+              <a:buChar char="•"/>
+            </a:pPr>
+            <a:r>
+              <a:rPr lang="en-CA" dirty="0"/>
+              <a:t>You may lock yourself out of your own house</a:t>
+            </a:r>
+          </a:p>
+          <a:p>
+            <a:pPr marL="285750" indent="-285750">
+              <a:buFont typeface="Arial" panose="020B0604020202020204" pitchFamily="34" charset="0"/>
+              <a:buChar char="•"/>
+            </a:pPr>
+            <a:endParaRPr lang="de-DE" dirty="0"/>
+          </a:p>
+          <a:p>
+            <a:pPr marL="285750" indent="-285750">
+              <a:buFont typeface="Arial" panose="020B0604020202020204" pitchFamily="34" charset="0"/>
+              <a:buChar char="•"/>
+            </a:pPr>
+            <a:r>
+              <a:rPr lang="en-CA" dirty="0"/>
+              <a:t>Helplessness if technology fails</a:t>
+            </a:r>
+          </a:p>
+          <a:p>
+            <a:pPr marL="285750" indent="-285750">
+              <a:buFont typeface="Arial" panose="020B0604020202020204" pitchFamily="34" charset="0"/>
+              <a:buChar char="•"/>
+            </a:pPr>
+            <a:endParaRPr lang="en-CA" dirty="0"/>
+          </a:p>
+          <a:p>
+            <a:pPr marL="285750" indent="-285750">
+              <a:buFont typeface="Arial" panose="020B0604020202020204" pitchFamily="34" charset="0"/>
+              <a:buChar char="•"/>
+            </a:pPr>
+            <a:r>
+              <a:rPr lang="en-CA" dirty="0"/>
+              <a:t>Some people may not like smart technologies</a:t>
+            </a:r>
+          </a:p>
+          <a:p>
+            <a:pPr marL="285750" indent="-285750">
+              <a:buFont typeface="Arial" panose="020B0604020202020204" pitchFamily="34" charset="0"/>
+              <a:buChar char="•"/>
+            </a:pPr>
+            <a:endParaRPr lang="en-CA" dirty="0"/>
+          </a:p>
+          <a:p>
+            <a:pPr marL="285750" indent="-285750">
+              <a:buFont typeface="Arial" panose="020B0604020202020204" pitchFamily="34" charset="0"/>
+              <a:buChar char="•"/>
+            </a:pPr>
+            <a:r>
+              <a:rPr lang="en-CA" dirty="0"/>
+              <a:t>Compatibility problems between devices</a:t>
+            </a:r>
+            <a:br>
+              <a:rPr lang="en-CA" dirty="0"/>
+            </a:br>
+            <a:endParaRPr lang="en-CA" dirty="0"/>
+          </a:p>
+          <a:p>
+            <a:pPr marL="285750" indent="-285750">
+              <a:buFont typeface="Arial" panose="020B0604020202020204" pitchFamily="34" charset="0"/>
+              <a:buChar char="•"/>
+            </a:pPr>
+            <a:endParaRPr lang="en-CA" dirty="0"/>
+          </a:p>
+          <a:p>
+            <a:endParaRPr lang="de-DE" dirty="0"/>
+          </a:p>
+        </p:txBody>
+      </p:sp>
     </p:spTree>
     <p:extLst>
       <p:ext uri="{BB962C8B-B14F-4D97-AF65-F5344CB8AC3E}">
-        <p14:creationId xmlns:p14="http://schemas.microsoft.com/office/powerpoint/2010/main" val="2108247022"/>
+        <p14:creationId xmlns:p14="http://schemas.microsoft.com/office/powerpoint/2010/main" val="357887279"/>
       </p:ext>
     </p:extLst>
   </p:cSld>
@@ -9140,83 +14681,221 @@
       </p:grpSpPr>
       <p:sp>
         <p:nvSpPr>
-          <p:cNvPr id="2" name="Title 1">
-            <a:extLst>
-              <a:ext uri="{FF2B5EF4-FFF2-40B4-BE49-F238E27FC236}">
-                <a16:creationId xmlns:a16="http://schemas.microsoft.com/office/drawing/2014/main" id="{0CB25684-7F5B-420E-8932-77E78167E4E0}"/>
-              </a:ext>
-            </a:extLst>
-          </p:cNvPr>
-          <p:cNvSpPr>
-            <a:spLocks noGrp="1"/>
-          </p:cNvSpPr>
-          <p:nvPr>
-            <p:ph type="title"/>
-          </p:nvPr>
+          <p:cNvPr id="9" name="TextBox 8">
+            <a:extLst>
+              <a:ext uri="{FF2B5EF4-FFF2-40B4-BE49-F238E27FC236}">
+                <a16:creationId xmlns:a16="http://schemas.microsoft.com/office/drawing/2014/main" id="{05F80074-72C1-4789-9470-F0ADC94EA3D8}"/>
+              </a:ext>
+            </a:extLst>
+          </p:cNvPr>
+          <p:cNvSpPr txBox="1"/>
+          <p:nvPr/>
         </p:nvSpPr>
         <p:spPr>
           <a:xfrm>
-            <a:off x="745724" y="365125"/>
-            <a:ext cx="310719" cy="6168839"/>
-          </a:xfrm>
-        </p:spPr>
-        <p:txBody>
-          <a:bodyPr vert="vert270">
-            <a:noAutofit/>
-          </a:bodyPr>
-          <a:lstStyle/>
-          <a:p>
-            <a:pPr algn="ctr"/>
-            <a:r>
-              <a:rPr lang="de-DE" sz="3600" dirty="0">
-                <a:latin typeface="Adobe Heiti Std R" panose="020B0400000000000000" pitchFamily="34" charset="-128"/>
-                <a:ea typeface="Adobe Heiti Std R" panose="020B0400000000000000" pitchFamily="34" charset="-128"/>
-              </a:rPr>
-              <a:t>Activity Diagram</a:t>
-            </a:r>
-          </a:p>
-        </p:txBody>
-      </p:sp>
-      <p:pic>
-        <p:nvPicPr>
-          <p:cNvPr id="4" name="Picture 3">
-            <a:extLst>
-              <a:ext uri="{FF2B5EF4-FFF2-40B4-BE49-F238E27FC236}">
-                <a16:creationId xmlns:a16="http://schemas.microsoft.com/office/drawing/2014/main" id="{0145F686-4275-4B2C-ACD4-9D5BB7BE5AEB}"/>
-              </a:ext>
-            </a:extLst>
-          </p:cNvPr>
-          <p:cNvPicPr>
-            <a:picLocks noChangeAspect="1"/>
-          </p:cNvPicPr>
-          <p:nvPr/>
-        </p:nvPicPr>
-        <p:blipFill>
-          <a:blip r:embed="rId2">
-            <a:extLst>
-              <a:ext uri="{28A0092B-C50C-407E-A947-70E740481C1C}">
-                <a14:useLocalDpi xmlns:a14="http://schemas.microsoft.com/office/drawing/2010/main" val="0"/>
-              </a:ext>
-            </a:extLst>
-          </a:blip>
-          <a:stretch>
-            <a:fillRect/>
-          </a:stretch>
-        </p:blipFill>
-        <p:spPr>
-          <a:xfrm>
-            <a:off x="3942146" y="0"/>
-            <a:ext cx="4307707" cy="6858000"/>
+            <a:off x="538841" y="1444491"/>
+            <a:ext cx="7519309" cy="4247317"/>
           </a:xfrm>
           <a:prstGeom prst="rect">
             <a:avLst/>
           </a:prstGeom>
+          <a:noFill/>
         </p:spPr>
-      </p:pic>
+        <p:txBody>
+          <a:bodyPr wrap="square" rtlCol="0" anchor="ctr">
+            <a:spAutoFit/>
+          </a:bodyPr>
+          <a:lstStyle/>
+          <a:p>
+            <a:pPr marL="285750" indent="-285750">
+              <a:buFont typeface="Arial" panose="020B0604020202020204" pitchFamily="34" charset="0"/>
+              <a:buChar char="•"/>
+            </a:pPr>
+            <a:r>
+              <a:rPr lang="en-CA" dirty="0">
+                <a:latin typeface="Helvetica Neue"/>
+              </a:rPr>
+              <a:t>Managing all of your home devices from one place</a:t>
+            </a:r>
+          </a:p>
+          <a:p>
+            <a:pPr marL="285750" indent="-285750">
+              <a:buFont typeface="Arial" panose="020B0604020202020204" pitchFamily="34" charset="0"/>
+              <a:buChar char="•"/>
+            </a:pPr>
+            <a:endParaRPr lang="de-DE" dirty="0">
+              <a:latin typeface="Helvetica Neue"/>
+            </a:endParaRPr>
+          </a:p>
+          <a:p>
+            <a:pPr marL="285750" indent="-285750">
+              <a:buFont typeface="Arial" panose="020B0604020202020204" pitchFamily="34" charset="0"/>
+              <a:buChar char="•"/>
+            </a:pPr>
+            <a:r>
+              <a:rPr lang="en-CA" dirty="0">
+                <a:latin typeface="Helvetica Neue"/>
+              </a:rPr>
+              <a:t>Flexibility for new devices and appliances</a:t>
+            </a:r>
+          </a:p>
+          <a:p>
+            <a:pPr marL="285750" indent="-285750">
+              <a:buFont typeface="Arial" panose="020B0604020202020204" pitchFamily="34" charset="0"/>
+              <a:buChar char="•"/>
+            </a:pPr>
+            <a:endParaRPr lang="en-CA" dirty="0"/>
+          </a:p>
+          <a:p>
+            <a:pPr marL="285750" indent="-285750">
+              <a:buFont typeface="Arial" panose="020B0604020202020204" pitchFamily="34" charset="0"/>
+              <a:buChar char="•"/>
+            </a:pPr>
+            <a:r>
+              <a:rPr lang="en-CA" dirty="0">
+                <a:latin typeface="Helvetica Neue"/>
+              </a:rPr>
+              <a:t>Maximizing home security</a:t>
+            </a:r>
+          </a:p>
+          <a:p>
+            <a:pPr marL="285750" indent="-285750">
+              <a:buFont typeface="Arial" panose="020B0604020202020204" pitchFamily="34" charset="0"/>
+              <a:buChar char="•"/>
+            </a:pPr>
+            <a:endParaRPr lang="en-CA" dirty="0"/>
+          </a:p>
+          <a:p>
+            <a:pPr marL="285750" indent="-285750">
+              <a:buFont typeface="Arial" panose="020B0604020202020204" pitchFamily="34" charset="0"/>
+              <a:buChar char="•"/>
+            </a:pPr>
+            <a:r>
+              <a:rPr lang="en-CA" dirty="0">
+                <a:latin typeface="Helvetica Neue"/>
+              </a:rPr>
+              <a:t>Remote control of home functions with smartphone or other devices</a:t>
+            </a:r>
+          </a:p>
+          <a:p>
+            <a:pPr marL="285750" indent="-285750">
+              <a:buFont typeface="Arial" panose="020B0604020202020204" pitchFamily="34" charset="0"/>
+              <a:buChar char="•"/>
+            </a:pPr>
+            <a:endParaRPr lang="en-CA" dirty="0"/>
+          </a:p>
+          <a:p>
+            <a:pPr marL="285750" indent="-285750">
+              <a:buFont typeface="Arial" panose="020B0604020202020204" pitchFamily="34" charset="0"/>
+              <a:buChar char="•"/>
+            </a:pPr>
+            <a:r>
+              <a:rPr lang="en-CA" dirty="0">
+                <a:latin typeface="Helvetica Neue"/>
+              </a:rPr>
+              <a:t>Increased energy efficiency</a:t>
+            </a:r>
+          </a:p>
+          <a:p>
+            <a:pPr marL="285750" indent="-285750">
+              <a:buFont typeface="Arial" panose="020B0604020202020204" pitchFamily="34" charset="0"/>
+              <a:buChar char="•"/>
+            </a:pPr>
+            <a:endParaRPr lang="en-CA" dirty="0">
+              <a:latin typeface="Helvetica Neue"/>
+            </a:endParaRPr>
+          </a:p>
+          <a:p>
+            <a:pPr marL="285750" indent="-285750">
+              <a:buFont typeface="Arial" panose="020B0604020202020204" pitchFamily="34" charset="0"/>
+              <a:buChar char="•"/>
+            </a:pPr>
+            <a:r>
+              <a:rPr lang="en-CA" dirty="0">
+                <a:latin typeface="Helvetica Neue"/>
+              </a:rPr>
+              <a:t>Improved appliance functionality</a:t>
+            </a:r>
+          </a:p>
+          <a:p>
+            <a:endParaRPr lang="de-DE" dirty="0">
+              <a:latin typeface="Helvetica Neue"/>
+            </a:endParaRPr>
+          </a:p>
+          <a:p>
+            <a:pPr marL="285750" indent="-285750">
+              <a:buFont typeface="Arial" panose="020B0604020202020204" pitchFamily="34" charset="0"/>
+              <a:buChar char="•"/>
+            </a:pPr>
+            <a:r>
+              <a:rPr lang="en-CA" dirty="0">
+                <a:latin typeface="Helvetica Neue"/>
+              </a:rPr>
+              <a:t>Home management insights</a:t>
+            </a:r>
+            <a:endParaRPr lang="en-CA" dirty="0"/>
+          </a:p>
+          <a:p>
+            <a:pPr marL="285750" indent="-285750">
+              <a:buFont typeface="Arial" panose="020B0604020202020204" pitchFamily="34" charset="0"/>
+              <a:buChar char="•"/>
+            </a:pPr>
+            <a:endParaRPr lang="en-CA" dirty="0"/>
+          </a:p>
+          <a:p>
+            <a:pPr marL="285750" indent="-285750">
+              <a:buFont typeface="Arial" panose="020B0604020202020204" pitchFamily="34" charset="0"/>
+              <a:buChar char="•"/>
+            </a:pPr>
+            <a:endParaRPr lang="en-CA" dirty="0"/>
+          </a:p>
+        </p:txBody>
+      </p:sp>
+      <p:sp>
+        <p:nvSpPr>
+          <p:cNvPr id="14" name="TextBox 13">
+            <a:extLst>
+              <a:ext uri="{FF2B5EF4-FFF2-40B4-BE49-F238E27FC236}">
+                <a16:creationId xmlns:a16="http://schemas.microsoft.com/office/drawing/2014/main" id="{43418555-AECE-466C-911D-2C007DF4E0E5}"/>
+              </a:ext>
+            </a:extLst>
+          </p:cNvPr>
+          <p:cNvSpPr txBox="1"/>
+          <p:nvPr/>
+        </p:nvSpPr>
+        <p:spPr>
+          <a:xfrm>
+            <a:off x="701574" y="365973"/>
+            <a:ext cx="4147458" cy="800219"/>
+          </a:xfrm>
+          <a:prstGeom prst="rect">
+            <a:avLst/>
+          </a:prstGeom>
+          <a:noFill/>
+        </p:spPr>
+        <p:txBody>
+          <a:bodyPr wrap="square" rtlCol="0">
+            <a:spAutoFit/>
+          </a:bodyPr>
+          <a:lstStyle/>
+          <a:p>
+            <a:r>
+              <a:rPr lang="de-DE" sz="2800" dirty="0">
+                <a:latin typeface="Adobe Heiti Std R" panose="020B0400000000000000" pitchFamily="34" charset="-128"/>
+                <a:ea typeface="Adobe Heiti Std R" panose="020B0400000000000000" pitchFamily="34" charset="-128"/>
+              </a:rPr>
+              <a:t>Advantages</a:t>
+            </a:r>
+          </a:p>
+          <a:p>
+            <a:endParaRPr lang="en-CA" dirty="0"/>
+          </a:p>
+        </p:txBody>
+      </p:sp>
     </p:spTree>
     <p:extLst>
       <p:ext uri="{BB962C8B-B14F-4D97-AF65-F5344CB8AC3E}">
-        <p14:creationId xmlns:p14="http://schemas.microsoft.com/office/powerpoint/2010/main" val="1095426782"/>
+        <p14:creationId xmlns:p14="http://schemas.microsoft.com/office/powerpoint/2010/main" val="902517128"/>
       </p:ext>
     </p:extLst>
   </p:cSld>
@@ -9248,58 +14927,21 @@
           <p:cNvPr id="2" name="Title 1">
             <a:extLst>
               <a:ext uri="{FF2B5EF4-FFF2-40B4-BE49-F238E27FC236}">
-                <a16:creationId xmlns:a16="http://schemas.microsoft.com/office/drawing/2014/main" id="{B26FE6E7-74C9-4EB6-9EF1-B4B538DCF0A3}"/>
-              </a:ext>
-            </a:extLst>
-          </p:cNvPr>
-          <p:cNvSpPr>
-            <a:spLocks noGrp="1"/>
-          </p:cNvSpPr>
-          <p:nvPr>
-            <p:ph type="ctrTitle"/>
+                <a16:creationId xmlns:a16="http://schemas.microsoft.com/office/drawing/2014/main" id="{D863B09D-0EB0-46D9-A1DD-2F77EE03AC64}"/>
+              </a:ext>
+            </a:extLst>
+          </p:cNvPr>
+          <p:cNvSpPr>
+            <a:spLocks noGrp="1"/>
+          </p:cNvSpPr>
+          <p:nvPr>
+            <p:ph type="title"/>
           </p:nvPr>
         </p:nvSpPr>
         <p:spPr>
           <a:xfrm>
-            <a:off x="1230217" y="1284936"/>
-            <a:ext cx="4865783" cy="673386"/>
-          </a:xfrm>
-        </p:spPr>
-        <p:txBody>
-          <a:bodyPr>
-            <a:noAutofit/>
-          </a:bodyPr>
-          <a:lstStyle/>
-          <a:p>
-            <a:pPr algn="l"/>
-            <a:r>
-              <a:rPr lang="en-CA" sz="3200" b="1" i="1" u="sng" dirty="0"/>
-              <a:t>Gas Leakage:</a:t>
-            </a:r>
-            <a:endParaRPr lang="en-CA" sz="3200" dirty="0"/>
-          </a:p>
-        </p:txBody>
-      </p:sp>
-      <p:sp>
-        <p:nvSpPr>
-          <p:cNvPr id="3" name="Subtitle 2">
-            <a:extLst>
-              <a:ext uri="{FF2B5EF4-FFF2-40B4-BE49-F238E27FC236}">
-                <a16:creationId xmlns:a16="http://schemas.microsoft.com/office/drawing/2014/main" id="{3FABB114-EE08-46B1-A821-37340EF7E44D}"/>
-              </a:ext>
-            </a:extLst>
-          </p:cNvPr>
-          <p:cNvSpPr>
-            <a:spLocks noGrp="1"/>
-          </p:cNvSpPr>
-          <p:nvPr>
-            <p:ph type="subTitle" idx="1"/>
-          </p:nvPr>
-        </p:nvSpPr>
-        <p:spPr>
-          <a:xfrm>
-            <a:off x="1230217" y="2205346"/>
-            <a:ext cx="9144000" cy="3602068"/>
+            <a:off x="945204" y="2339840"/>
+            <a:ext cx="10515600" cy="1325563"/>
           </a:xfrm>
         </p:spPr>
         <p:txBody>
@@ -9308,25 +14950,25 @@
           </a:bodyPr>
           <a:lstStyle/>
           <a:p>
-            <a:pPr algn="l"/>
-            <a:r>
-              <a:rPr lang="en-CA" dirty="0"/>
-              <a:t>Generally in our region, we are highly dependent on gas-controlled stoves. This is, indeed, very dangerous. To make a safer environment in the house, our smart home will include a gas leakage system. This system will generally keep track of gas level in the kitchen vicinity. Once the gas level in the kitchen is more than usual, or out of control, the system will take precautionary measures, such as an alarm system will go off, shutting off the gas flow and on user preference, the windows might open.</a:t>
-            </a:r>
-          </a:p>
-          <a:p>
-            <a:pPr algn="l"/>
-            <a:r>
-              <a:rPr lang="en-CA" dirty="0"/>
-              <a:t>Requirements: Gas sensor, alarm system, Micro-controller.</a:t>
-            </a:r>
+            <a:pPr algn="ctr"/>
+            <a:r>
+              <a:rPr lang="de-DE" sz="4800" dirty="0">
+                <a:latin typeface="Adobe Heiti Std R" panose="020B0400000000000000" pitchFamily="34" charset="-128"/>
+                <a:ea typeface="Adobe Heiti Std R" panose="020B0400000000000000" pitchFamily="34" charset="-128"/>
+              </a:rPr>
+              <a:t>Ideas &amp; Scenarios</a:t>
+            </a:r>
+            <a:endParaRPr lang="en-CA" sz="4800" dirty="0">
+              <a:latin typeface="Adobe Heiti Std R" panose="020B0400000000000000" pitchFamily="34" charset="-128"/>
+              <a:ea typeface="Adobe Heiti Std R" panose="020B0400000000000000" pitchFamily="34" charset="-128"/>
+            </a:endParaRPr>
           </a:p>
         </p:txBody>
       </p:sp>
     </p:spTree>
     <p:extLst>
       <p:ext uri="{BB962C8B-B14F-4D97-AF65-F5344CB8AC3E}">
-        <p14:creationId xmlns:p14="http://schemas.microsoft.com/office/powerpoint/2010/main" val="3920897765"/>
+        <p14:creationId xmlns:p14="http://schemas.microsoft.com/office/powerpoint/2010/main" val="3527878251"/>
       </p:ext>
     </p:extLst>
   </p:cSld>
@@ -9358,80 +15000,105 @@
           <p:cNvPr id="2" name="Title 1">
             <a:extLst>
               <a:ext uri="{FF2B5EF4-FFF2-40B4-BE49-F238E27FC236}">
-                <a16:creationId xmlns:a16="http://schemas.microsoft.com/office/drawing/2014/main" id="{0CB25684-7F5B-420E-8932-77E78167E4E0}"/>
-              </a:ext>
-            </a:extLst>
-          </p:cNvPr>
-          <p:cNvSpPr>
-            <a:spLocks noGrp="1"/>
-          </p:cNvSpPr>
-          <p:nvPr>
-            <p:ph type="title"/>
+                <a16:creationId xmlns:a16="http://schemas.microsoft.com/office/drawing/2014/main" id="{B26FE6E7-74C9-4EB6-9EF1-B4B538DCF0A3}"/>
+              </a:ext>
+            </a:extLst>
+          </p:cNvPr>
+          <p:cNvSpPr>
+            <a:spLocks noGrp="1"/>
+          </p:cNvSpPr>
+          <p:nvPr>
+            <p:ph type="ctrTitle"/>
           </p:nvPr>
         </p:nvSpPr>
         <p:spPr>
           <a:xfrm>
-            <a:off x="498074" y="344580"/>
-            <a:ext cx="310719" cy="6168839"/>
+            <a:off x="1230217" y="1284936"/>
+            <a:ext cx="4865783" cy="673386"/>
           </a:xfrm>
         </p:spPr>
         <p:txBody>
-          <a:bodyPr vert="vert270">
+          <a:bodyPr>
             <a:noAutofit/>
           </a:bodyPr>
           <a:lstStyle/>
           <a:p>
-            <a:pPr algn="ctr"/>
-            <a:r>
-              <a:rPr lang="de-DE" sz="3600" dirty="0">
-                <a:latin typeface="Adobe Heiti Std R" panose="020B0400000000000000" pitchFamily="34" charset="-128"/>
-                <a:ea typeface="Adobe Heiti Std R" panose="020B0400000000000000" pitchFamily="34" charset="-128"/>
-              </a:rPr>
-              <a:t>Sequence Diagram</a:t>
-            </a:r>
-          </a:p>
-        </p:txBody>
-      </p:sp>
-      <p:pic>
-        <p:nvPicPr>
-          <p:cNvPr id="4" name="Picture 3" descr="Diagram&#10;&#10;Description automatically generated">
-            <a:extLst>
-              <a:ext uri="{FF2B5EF4-FFF2-40B4-BE49-F238E27FC236}">
-                <a16:creationId xmlns:a16="http://schemas.microsoft.com/office/drawing/2014/main" id="{C7988A35-81A7-4670-975C-37904E605542}"/>
-              </a:ext>
-            </a:extLst>
-          </p:cNvPr>
-          <p:cNvPicPr>
-            <a:picLocks noChangeAspect="1"/>
-          </p:cNvPicPr>
-          <p:nvPr/>
-        </p:nvPicPr>
-        <p:blipFill>
-          <a:blip r:embed="rId2">
-            <a:extLst>
-              <a:ext uri="{28A0092B-C50C-407E-A947-70E740481C1C}">
-                <a14:useLocalDpi xmlns:a14="http://schemas.microsoft.com/office/drawing/2010/main" val="0"/>
-              </a:ext>
-            </a:extLst>
-          </a:blip>
-          <a:stretch>
-            <a:fillRect/>
-          </a:stretch>
-        </p:blipFill>
+            <a:pPr algn="l"/>
+            <a:r>
+              <a:rPr lang="en-CA" sz="3200" b="1" i="1" u="sng" dirty="0"/>
+              <a:t>Smart Gardening:</a:t>
+            </a:r>
+            <a:endParaRPr lang="en-CA" sz="3200" dirty="0"/>
+          </a:p>
+        </p:txBody>
+      </p:sp>
+      <p:sp>
+        <p:nvSpPr>
+          <p:cNvPr id="3" name="Subtitle 2">
+            <a:extLst>
+              <a:ext uri="{FF2B5EF4-FFF2-40B4-BE49-F238E27FC236}">
+                <a16:creationId xmlns:a16="http://schemas.microsoft.com/office/drawing/2014/main" id="{3FABB114-EE08-46B1-A821-37340EF7E44D}"/>
+              </a:ext>
+            </a:extLst>
+          </p:cNvPr>
+          <p:cNvSpPr>
+            <a:spLocks noGrp="1"/>
+          </p:cNvSpPr>
+          <p:nvPr>
+            <p:ph type="subTitle" idx="1"/>
+          </p:nvPr>
+        </p:nvSpPr>
         <p:spPr>
           <a:xfrm>
-            <a:off x="1038224" y="1238250"/>
-            <a:ext cx="11148289" cy="4010025"/>
+            <a:off x="1230217" y="2497176"/>
+            <a:ext cx="9144000" cy="1655762"/>
           </a:xfrm>
-          <a:prstGeom prst="rect">
-            <a:avLst/>
-          </a:prstGeom>
         </p:spPr>
-      </p:pic>
+        <p:txBody>
+          <a:bodyPr>
+            <a:normAutofit fontScale="92500"/>
+          </a:bodyPr>
+          <a:lstStyle/>
+          <a:p>
+            <a:pPr algn="l"/>
+            <a:r>
+              <a:rPr lang="en-CA" dirty="0"/>
+              <a:t>A separate space for garden in the house for the plant lovers. The smart home will allow devices like </a:t>
+            </a:r>
+            <a:r>
+              <a:rPr lang="en-CA" dirty="0" err="1"/>
+              <a:t>GreenSens</a:t>
+            </a:r>
+            <a:r>
+              <a:rPr lang="en-CA" dirty="0"/>
+              <a:t> to be compatible with it, keeping the user constantly updated about the health of each of the plants in the garden. </a:t>
+            </a:r>
+          </a:p>
+          <a:p>
+            <a:pPr algn="l"/>
+            <a:r>
+              <a:rPr lang="en-CA" dirty="0"/>
+              <a:t>Requirements: </a:t>
+            </a:r>
+            <a:r>
+              <a:rPr lang="en-CA" dirty="0" err="1"/>
+              <a:t>GreenSens</a:t>
+            </a:r>
+            <a:r>
+              <a:rPr lang="en-CA" dirty="0"/>
+              <a:t>, Space in the house.</a:t>
+            </a:r>
+          </a:p>
+          <a:p>
+            <a:pPr algn="l"/>
+            <a:endParaRPr lang="en-CA" dirty="0"/>
+          </a:p>
+        </p:txBody>
+      </p:sp>
     </p:spTree>
     <p:extLst>
       <p:ext uri="{BB962C8B-B14F-4D97-AF65-F5344CB8AC3E}">
-        <p14:creationId xmlns:p14="http://schemas.microsoft.com/office/powerpoint/2010/main" val="3303612992"/>
+        <p14:creationId xmlns:p14="http://schemas.microsoft.com/office/powerpoint/2010/main" val="223492563"/>
       </p:ext>
     </p:extLst>
   </p:cSld>
@@ -9476,12 +15143,12 @@
         </p:nvSpPr>
         <p:spPr>
           <a:xfrm>
-            <a:off x="745724" y="365125"/>
-            <a:ext cx="310719" cy="6168839"/>
+            <a:off x="736488" y="187065"/>
+            <a:ext cx="10504167" cy="378691"/>
           </a:xfrm>
         </p:spPr>
         <p:txBody>
-          <a:bodyPr vert="vert270">
+          <a:bodyPr vert="horz">
             <a:noAutofit/>
           </a:bodyPr>
           <a:lstStyle/>
@@ -9492,17 +15159,17 @@
                 <a:latin typeface="Adobe Heiti Std R" panose="020B0400000000000000" pitchFamily="34" charset="-128"/>
                 <a:ea typeface="Adobe Heiti Std R" panose="020B0400000000000000" pitchFamily="34" charset="-128"/>
               </a:rPr>
-              <a:t>Activity Diagram</a:t>
+              <a:t>Sequence Diagram</a:t>
             </a:r>
           </a:p>
         </p:txBody>
       </p:sp>
       <p:pic>
         <p:nvPicPr>
-          <p:cNvPr id="5" name="Picture 4">
-            <a:extLst>
-              <a:ext uri="{FF2B5EF4-FFF2-40B4-BE49-F238E27FC236}">
-                <a16:creationId xmlns:a16="http://schemas.microsoft.com/office/drawing/2014/main" id="{2E9E0CEF-80F4-4359-9EEE-2494A8C020E8}"/>
+          <p:cNvPr id="4" name="Picture 3" descr="Diagram, box and whisker chart&#10;&#10;Description automatically generated">
+            <a:extLst>
+              <a:ext uri="{FF2B5EF4-FFF2-40B4-BE49-F238E27FC236}">
+                <a16:creationId xmlns:a16="http://schemas.microsoft.com/office/drawing/2014/main" id="{CE55FB2C-C1D0-4028-B04C-C72E365C4F82}"/>
               </a:ext>
             </a:extLst>
           </p:cNvPr>
@@ -9525,8 +15192,8 @@
         </p:blipFill>
         <p:spPr>
           <a:xfrm>
-            <a:off x="4010025" y="247650"/>
-            <a:ext cx="4171950" cy="6362700"/>
+            <a:off x="0" y="805424"/>
+            <a:ext cx="12192000" cy="5676165"/>
           </a:xfrm>
           <a:prstGeom prst="rect">
             <a:avLst/>
@@ -9536,7 +15203,7 @@
     </p:spTree>
     <p:extLst>
       <p:ext uri="{BB962C8B-B14F-4D97-AF65-F5344CB8AC3E}">
-        <p14:creationId xmlns:p14="http://schemas.microsoft.com/office/powerpoint/2010/main" val="1993867761"/>
+        <p14:creationId xmlns:p14="http://schemas.microsoft.com/office/powerpoint/2010/main" val="2108247022"/>
       </p:ext>
     </p:extLst>
   </p:cSld>
@@ -10100,4 +15767,299 @@
     </a:ext>
   </a:extLst>
 </a:theme>
+</file>
+
+<file path=ppt/theme/theme3.xml><?xml version="1.0" encoding="utf-8"?>
+<a:theme xmlns:a="http://schemas.openxmlformats.org/drawingml/2006/main" name="2_Office Theme">
+  <a:themeElements>
+    <a:clrScheme name="Office">
+      <a:dk1>
+        <a:sysClr val="windowText" lastClr="000000"/>
+      </a:dk1>
+      <a:lt1>
+        <a:sysClr val="window" lastClr="FFFFFF"/>
+      </a:lt1>
+      <a:dk2>
+        <a:srgbClr val="44546A"/>
+      </a:dk2>
+      <a:lt2>
+        <a:srgbClr val="E7E6E6"/>
+      </a:lt2>
+      <a:accent1>
+        <a:srgbClr val="4472C4"/>
+      </a:accent1>
+      <a:accent2>
+        <a:srgbClr val="ED7D31"/>
+      </a:accent2>
+      <a:accent3>
+        <a:srgbClr val="A5A5A5"/>
+      </a:accent3>
+      <a:accent4>
+        <a:srgbClr val="FFC000"/>
+      </a:accent4>
+      <a:accent5>
+        <a:srgbClr val="5B9BD5"/>
+      </a:accent5>
+      <a:accent6>
+        <a:srgbClr val="70AD47"/>
+      </a:accent6>
+      <a:hlink>
+        <a:srgbClr val="0563C1"/>
+      </a:hlink>
+      <a:folHlink>
+        <a:srgbClr val="954F72"/>
+      </a:folHlink>
+    </a:clrScheme>
+    <a:fontScheme name="Office">
+      <a:majorFont>
+        <a:latin typeface="Calibri Light" panose="020F0302020204030204"/>
+        <a:ea typeface=""/>
+        <a:cs typeface=""/>
+        <a:font script="Jpan" typeface="游ゴシック Light"/>
+        <a:font script="Hang" typeface="맑은 고딕"/>
+        <a:font script="Hans" typeface="等线 Light"/>
+        <a:font script="Hant" typeface="新細明體"/>
+        <a:font script="Arab" typeface="Times New Roman"/>
+        <a:font script="Hebr" typeface="Times New Roman"/>
+        <a:font script="Thai" typeface="Angsana New"/>
+        <a:font script="Ethi" typeface="Nyala"/>
+        <a:font script="Beng" typeface="Vrinda"/>
+        <a:font script="Gujr" typeface="Shruti"/>
+        <a:font script="Khmr" typeface="MoolBoran"/>
+        <a:font script="Knda" typeface="Tunga"/>
+        <a:font script="Guru" typeface="Raavi"/>
+        <a:font script="Cans" typeface="Euphemia"/>
+        <a:font script="Cher" typeface="Plantagenet Cherokee"/>
+        <a:font script="Yiii" typeface="Microsoft Yi Baiti"/>
+        <a:font script="Tibt" typeface="Microsoft Himalaya"/>
+        <a:font script="Thaa" typeface="MV Boli"/>
+        <a:font script="Deva" typeface="Mangal"/>
+        <a:font script="Telu" typeface="Gautami"/>
+        <a:font script="Taml" typeface="Latha"/>
+        <a:font script="Syrc" typeface="Estrangelo Edessa"/>
+        <a:font script="Orya" typeface="Kalinga"/>
+        <a:font script="Mlym" typeface="Kartika"/>
+        <a:font script="Laoo" typeface="DokChampa"/>
+        <a:font script="Sinh" typeface="Iskoola Pota"/>
+        <a:font script="Mong" typeface="Mongolian Baiti"/>
+        <a:font script="Viet" typeface="Times New Roman"/>
+        <a:font script="Uigh" typeface="Microsoft Uighur"/>
+        <a:font script="Geor" typeface="Sylfaen"/>
+        <a:font script="Armn" typeface="Arial"/>
+        <a:font script="Bugi" typeface="Leelawadee UI"/>
+        <a:font script="Bopo" typeface="Microsoft JhengHei"/>
+        <a:font script="Java" typeface="Javanese Text"/>
+        <a:font script="Lisu" typeface="Segoe UI"/>
+        <a:font script="Mymr" typeface="Myanmar Text"/>
+        <a:font script="Nkoo" typeface="Ebrima"/>
+        <a:font script="Olck" typeface="Nirmala UI"/>
+        <a:font script="Osma" typeface="Ebrima"/>
+        <a:font script="Phag" typeface="Phagspa"/>
+        <a:font script="Syrn" typeface="Estrangelo Edessa"/>
+        <a:font script="Syrj" typeface="Estrangelo Edessa"/>
+        <a:font script="Syre" typeface="Estrangelo Edessa"/>
+        <a:font script="Sora" typeface="Nirmala UI"/>
+        <a:font script="Tale" typeface="Microsoft Tai Le"/>
+        <a:font script="Talu" typeface="Microsoft New Tai Lue"/>
+        <a:font script="Tfng" typeface="Ebrima"/>
+      </a:majorFont>
+      <a:minorFont>
+        <a:latin typeface="Calibri" panose="020F0502020204030204"/>
+        <a:ea typeface=""/>
+        <a:cs typeface=""/>
+        <a:font script="Jpan" typeface="游ゴシック"/>
+        <a:font script="Hang" typeface="맑은 고딕"/>
+        <a:font script="Hans" typeface="等线"/>
+        <a:font script="Hant" typeface="新細明體"/>
+        <a:font script="Arab" typeface="Arial"/>
+        <a:font script="Hebr" typeface="Arial"/>
+        <a:font script="Thai" typeface="Cordia New"/>
+        <a:font script="Ethi" typeface="Nyala"/>
+        <a:font script="Beng" typeface="Vrinda"/>
+        <a:font script="Gujr" typeface="Shruti"/>
+        <a:font script="Khmr" typeface="DaunPenh"/>
+        <a:font script="Knda" typeface="Tunga"/>
+        <a:font script="Guru" typeface="Raavi"/>
+        <a:font script="Cans" typeface="Euphemia"/>
+        <a:font script="Cher" typeface="Plantagenet Cherokee"/>
+        <a:font script="Yiii" typeface="Microsoft Yi Baiti"/>
+        <a:font script="Tibt" typeface="Microsoft Himalaya"/>
+        <a:font script="Thaa" typeface="MV Boli"/>
+        <a:font script="Deva" typeface="Mangal"/>
+        <a:font script="Telu" typeface="Gautami"/>
+        <a:font script="Taml" typeface="Latha"/>
+        <a:font script="Syrc" typeface="Estrangelo Edessa"/>
+        <a:font script="Orya" typeface="Kalinga"/>
+        <a:font script="Mlym" typeface="Kartika"/>
+        <a:font script="Laoo" typeface="DokChampa"/>
+        <a:font script="Sinh" typeface="Iskoola Pota"/>
+        <a:font script="Mong" typeface="Mongolian Baiti"/>
+        <a:font script="Viet" typeface="Arial"/>
+        <a:font script="Uigh" typeface="Microsoft Uighur"/>
+        <a:font script="Geor" typeface="Sylfaen"/>
+        <a:font script="Armn" typeface="Arial"/>
+        <a:font script="Bugi" typeface="Leelawadee UI"/>
+        <a:font script="Bopo" typeface="Microsoft JhengHei"/>
+        <a:font script="Java" typeface="Javanese Text"/>
+        <a:font script="Lisu" typeface="Segoe UI"/>
+        <a:font script="Mymr" typeface="Myanmar Text"/>
+        <a:font script="Nkoo" typeface="Ebrima"/>
+        <a:font script="Olck" typeface="Nirmala UI"/>
+        <a:font script="Osma" typeface="Ebrima"/>
+        <a:font script="Phag" typeface="Phagspa"/>
+        <a:font script="Syrn" typeface="Estrangelo Edessa"/>
+        <a:font script="Syrj" typeface="Estrangelo Edessa"/>
+        <a:font script="Syre" typeface="Estrangelo Edessa"/>
+        <a:font script="Sora" typeface="Nirmala UI"/>
+        <a:font script="Tale" typeface="Microsoft Tai Le"/>
+        <a:font script="Talu" typeface="Microsoft New Tai Lue"/>
+        <a:font script="Tfng" typeface="Ebrima"/>
+      </a:minorFont>
+    </a:fontScheme>
+    <a:fmtScheme name="Office">
+      <a:fillStyleLst>
+        <a:solidFill>
+          <a:schemeClr val="phClr"/>
+        </a:solidFill>
+        <a:gradFill rotWithShape="1">
+          <a:gsLst>
+            <a:gs pos="0">
+              <a:schemeClr val="phClr">
+                <a:lumMod val="110000"/>
+                <a:satMod val="105000"/>
+                <a:tint val="67000"/>
+              </a:schemeClr>
+            </a:gs>
+            <a:gs pos="50000">
+              <a:schemeClr val="phClr">
+                <a:lumMod val="105000"/>
+                <a:satMod val="103000"/>
+                <a:tint val="73000"/>
+              </a:schemeClr>
+            </a:gs>
+            <a:gs pos="100000">
+              <a:schemeClr val="phClr">
+                <a:lumMod val="105000"/>
+                <a:satMod val="109000"/>
+                <a:tint val="81000"/>
+              </a:schemeClr>
+            </a:gs>
+          </a:gsLst>
+          <a:lin ang="5400000" scaled="0"/>
+        </a:gradFill>
+        <a:gradFill rotWithShape="1">
+          <a:gsLst>
+            <a:gs pos="0">
+              <a:schemeClr val="phClr">
+                <a:satMod val="103000"/>
+                <a:lumMod val="102000"/>
+                <a:tint val="94000"/>
+              </a:schemeClr>
+            </a:gs>
+            <a:gs pos="50000">
+              <a:schemeClr val="phClr">
+                <a:satMod val="110000"/>
+                <a:lumMod val="100000"/>
+                <a:shade val="100000"/>
+              </a:schemeClr>
+            </a:gs>
+            <a:gs pos="100000">
+              <a:schemeClr val="phClr">
+                <a:lumMod val="99000"/>
+                <a:satMod val="120000"/>
+                <a:shade val="78000"/>
+              </a:schemeClr>
+            </a:gs>
+          </a:gsLst>
+          <a:lin ang="5400000" scaled="0"/>
+        </a:gradFill>
+      </a:fillStyleLst>
+      <a:lnStyleLst>
+        <a:ln w="6350" cap="flat" cmpd="sng" algn="ctr">
+          <a:solidFill>
+            <a:schemeClr val="phClr"/>
+          </a:solidFill>
+          <a:prstDash val="solid"/>
+          <a:miter lim="800000"/>
+        </a:ln>
+        <a:ln w="12700" cap="flat" cmpd="sng" algn="ctr">
+          <a:solidFill>
+            <a:schemeClr val="phClr"/>
+          </a:solidFill>
+          <a:prstDash val="solid"/>
+          <a:miter lim="800000"/>
+        </a:ln>
+        <a:ln w="19050" cap="flat" cmpd="sng" algn="ctr">
+          <a:solidFill>
+            <a:schemeClr val="phClr"/>
+          </a:solidFill>
+          <a:prstDash val="solid"/>
+          <a:miter lim="800000"/>
+        </a:ln>
+      </a:lnStyleLst>
+      <a:effectStyleLst>
+        <a:effectStyle>
+          <a:effectLst/>
+        </a:effectStyle>
+        <a:effectStyle>
+          <a:effectLst/>
+        </a:effectStyle>
+        <a:effectStyle>
+          <a:effectLst>
+            <a:outerShdw blurRad="57150" dist="19050" dir="5400000" algn="ctr" rotWithShape="0">
+              <a:srgbClr val="000000">
+                <a:alpha val="63000"/>
+              </a:srgbClr>
+            </a:outerShdw>
+          </a:effectLst>
+        </a:effectStyle>
+      </a:effectStyleLst>
+      <a:bgFillStyleLst>
+        <a:solidFill>
+          <a:schemeClr val="phClr"/>
+        </a:solidFill>
+        <a:solidFill>
+          <a:schemeClr val="phClr">
+            <a:tint val="95000"/>
+            <a:satMod val="170000"/>
+          </a:schemeClr>
+        </a:solidFill>
+        <a:gradFill rotWithShape="1">
+          <a:gsLst>
+            <a:gs pos="0">
+              <a:schemeClr val="phClr">
+                <a:tint val="93000"/>
+                <a:satMod val="150000"/>
+                <a:shade val="98000"/>
+                <a:lumMod val="102000"/>
+              </a:schemeClr>
+            </a:gs>
+            <a:gs pos="50000">
+              <a:schemeClr val="phClr">
+                <a:tint val="98000"/>
+                <a:satMod val="130000"/>
+                <a:shade val="90000"/>
+                <a:lumMod val="103000"/>
+              </a:schemeClr>
+            </a:gs>
+            <a:gs pos="100000">
+              <a:schemeClr val="phClr">
+                <a:shade val="63000"/>
+                <a:satMod val="120000"/>
+              </a:schemeClr>
+            </a:gs>
+          </a:gsLst>
+          <a:lin ang="5400000" scaled="0"/>
+        </a:gradFill>
+      </a:bgFillStyleLst>
+    </a:fmtScheme>
+  </a:themeElements>
+  <a:objectDefaults/>
+  <a:extraClrSchemeLst/>
+  <a:extLst>
+    <a:ext uri="{05A4C25C-085E-4340-85A3-A5531E510DB2}">
+      <thm15:themeFamily xmlns:thm15="http://schemas.microsoft.com/office/thememl/2012/main" name="Office Theme" id="{62F939B6-93AF-4DB8-9C6B-D6C7DFDC589F}" vid="{4A3C46E8-61CC-4603-A589-7422A47A8E4A}"/>
+    </a:ext>
+  </a:extLst>
+</a:theme>
 </file>